--- a/05-Node/03-express/00-presentation/express-recap.pptx
+++ b/05-Node/03-express/00-presentation/express-recap.pptx
@@ -34,6 +34,7 @@
     <p:sldId id="283" r:id="rId28"/>
     <p:sldId id="284" r:id="rId29"/>
     <p:sldId id="286" r:id="rId30"/>
+    <p:sldId id="287" r:id="rId31"/>
   </p:sldIdLst>
   <p:sldSz cx="12192000" cy="6858000"/>
   <p:notesSz cx="6858000" cy="9144000"/>
@@ -132,6 +133,11 @@
       </a:defRPr>
     </a:lvl9pPr>
   </p:defaultTextStyle>
+  <p:extLst>
+    <p:ext uri="{EFAFB233-063F-42B5-8137-9DF3F51BA10A}">
+      <p15:sldGuideLst xmlns:p15="http://schemas.microsoft.com/office/powerpoint/2012/main"/>
+    </p:ext>
+  </p:extLst>
 </p:presentation>
 </file>
 
@@ -349,7 +355,7 @@
             <a:fld id="{B61BEF0D-F0BB-DE4B-95CE-6DB70DBA9567}" type="datetimeFigureOut">
               <a:rPr lang="en-US" dirty="0"/>
               <a:pPr/>
-              <a:t>8/1/21</a:t>
+              <a:t>8/4/21</a:t>
             </a:fld>
             <a:endParaRPr lang="en-US" dirty="0"/>
           </a:p>
@@ -637,7 +643,7 @@
             <a:fld id="{B61BEF0D-F0BB-DE4B-95CE-6DB70DBA9567}" type="datetimeFigureOut">
               <a:rPr lang="en-US" dirty="0"/>
               <a:pPr/>
-              <a:t>8/1/21</a:t>
+              <a:t>8/4/21</a:t>
             </a:fld>
             <a:endParaRPr lang="en-US" dirty="0"/>
           </a:p>
@@ -893,7 +899,7 @@
             <a:fld id="{B61BEF0D-F0BB-DE4B-95CE-6DB70DBA9567}" type="datetimeFigureOut">
               <a:rPr lang="en-US" dirty="0"/>
               <a:pPr/>
-              <a:t>8/1/21</a:t>
+              <a:t>8/4/21</a:t>
             </a:fld>
             <a:endParaRPr lang="en-US" dirty="0"/>
           </a:p>
@@ -1359,7 +1365,7 @@
             <a:fld id="{B61BEF0D-F0BB-DE4B-95CE-6DB70DBA9567}" type="datetimeFigureOut">
               <a:rPr lang="en-US" dirty="0"/>
               <a:pPr/>
-              <a:t>8/1/21</a:t>
+              <a:t>8/4/21</a:t>
             </a:fld>
             <a:endParaRPr lang="en-US" dirty="0"/>
           </a:p>
@@ -1536,7 +1542,7 @@
             <a:fld id="{B61BEF0D-F0BB-DE4B-95CE-6DB70DBA9567}" type="datetimeFigureOut">
               <a:rPr lang="en-US" dirty="0"/>
               <a:pPr/>
-              <a:t>8/1/21</a:t>
+              <a:t>8/4/21</a:t>
             </a:fld>
             <a:endParaRPr lang="en-US" dirty="0"/>
           </a:p>
@@ -2109,7 +2115,7 @@
             <a:fld id="{B61BEF0D-F0BB-DE4B-95CE-6DB70DBA9567}" type="datetimeFigureOut">
               <a:rPr lang="en-US" dirty="0"/>
               <a:pPr/>
-              <a:t>8/1/21</a:t>
+              <a:t>8/4/21</a:t>
             </a:fld>
             <a:endParaRPr lang="en-US" dirty="0"/>
           </a:p>
@@ -2438,7 +2444,7 @@
             <a:fld id="{B61BEF0D-F0BB-DE4B-95CE-6DB70DBA9567}" type="datetimeFigureOut">
               <a:rPr lang="en-US" dirty="0"/>
               <a:pPr/>
-              <a:t>8/1/21</a:t>
+              <a:t>8/4/21</a:t>
             </a:fld>
             <a:endParaRPr lang="en-US" dirty="0"/>
           </a:p>
@@ -2610,7 +2616,7 @@
             <a:fld id="{B61BEF0D-F0BB-DE4B-95CE-6DB70DBA9567}" type="datetimeFigureOut">
               <a:rPr lang="en-US" dirty="0"/>
               <a:pPr/>
-              <a:t>8/1/21</a:t>
+              <a:t>8/4/21</a:t>
             </a:fld>
             <a:endParaRPr lang="en-US" dirty="0"/>
           </a:p>
@@ -2787,7 +2793,7 @@
             <a:fld id="{B61BEF0D-F0BB-DE4B-95CE-6DB70DBA9567}" type="datetimeFigureOut">
               <a:rPr lang="en-US" dirty="0"/>
               <a:pPr/>
-              <a:t>8/1/21</a:t>
+              <a:t>8/4/21</a:t>
             </a:fld>
             <a:endParaRPr lang="en-US" dirty="0"/>
           </a:p>
@@ -2954,7 +2960,7 @@
             <a:fld id="{B61BEF0D-F0BB-DE4B-95CE-6DB70DBA9567}" type="datetimeFigureOut">
               <a:rPr lang="en-US" dirty="0"/>
               <a:pPr/>
-              <a:t>8/1/21</a:t>
+              <a:t>8/4/21</a:t>
             </a:fld>
             <a:endParaRPr lang="en-US" dirty="0"/>
           </a:p>
@@ -3208,7 +3214,7 @@
             <a:fld id="{B61BEF0D-F0BB-DE4B-95CE-6DB70DBA9567}" type="datetimeFigureOut">
               <a:rPr lang="en-US" dirty="0"/>
               <a:pPr/>
-              <a:t>8/1/21</a:t>
+              <a:t>8/4/21</a:t>
             </a:fld>
             <a:endParaRPr lang="en-US" dirty="0"/>
           </a:p>
@@ -3497,7 +3503,7 @@
             <a:fld id="{B61BEF0D-F0BB-DE4B-95CE-6DB70DBA9567}" type="datetimeFigureOut">
               <a:rPr lang="en-US" dirty="0"/>
               <a:pPr/>
-              <a:t>8/1/21</a:t>
+              <a:t>8/4/21</a:t>
             </a:fld>
             <a:endParaRPr lang="en-US" dirty="0"/>
           </a:p>
@@ -3924,7 +3930,7 @@
             <a:fld id="{B61BEF0D-F0BB-DE4B-95CE-6DB70DBA9567}" type="datetimeFigureOut">
               <a:rPr lang="en-US" dirty="0"/>
               <a:pPr/>
-              <a:t>8/1/21</a:t>
+              <a:t>8/4/21</a:t>
             </a:fld>
             <a:endParaRPr lang="en-US" dirty="0"/>
           </a:p>
@@ -4039,7 +4045,7 @@
             <a:fld id="{B61BEF0D-F0BB-DE4B-95CE-6DB70DBA9567}" type="datetimeFigureOut">
               <a:rPr lang="en-US" dirty="0"/>
               <a:pPr/>
-              <a:t>8/1/21</a:t>
+              <a:t>8/4/21</a:t>
             </a:fld>
             <a:endParaRPr lang="en-US" dirty="0"/>
           </a:p>
@@ -4131,7 +4137,7 @@
             <a:fld id="{B61BEF0D-F0BB-DE4B-95CE-6DB70DBA9567}" type="datetimeFigureOut">
               <a:rPr lang="en-US" dirty="0"/>
               <a:pPr/>
-              <a:t>8/1/21</a:t>
+              <a:t>8/4/21</a:t>
             </a:fld>
             <a:endParaRPr lang="en-US" dirty="0"/>
           </a:p>
@@ -4411,7 +4417,7 @@
             <a:fld id="{B61BEF0D-F0BB-DE4B-95CE-6DB70DBA9567}" type="datetimeFigureOut">
               <a:rPr lang="en-US" dirty="0"/>
               <a:pPr/>
-              <a:t>8/1/21</a:t>
+              <a:t>8/4/21</a:t>
             </a:fld>
             <a:endParaRPr lang="en-US" dirty="0"/>
           </a:p>
@@ -4699,7 +4705,7 @@
             <a:fld id="{B61BEF0D-F0BB-DE4B-95CE-6DB70DBA9567}" type="datetimeFigureOut">
               <a:rPr lang="en-US" dirty="0"/>
               <a:pPr/>
-              <a:t>8/1/21</a:t>
+              <a:t>8/4/21</a:t>
             </a:fld>
             <a:endParaRPr lang="en-US" dirty="0"/>
           </a:p>
@@ -4927,7 +4933,7 @@
             <a:fld id="{B61BEF0D-F0BB-DE4B-95CE-6DB70DBA9567}" type="datetimeFigureOut">
               <a:rPr lang="en-US" dirty="0"/>
               <a:pPr/>
-              <a:t>8/1/21</a:t>
+              <a:t>8/4/21</a:t>
             </a:fld>
             <a:endParaRPr lang="en-US" dirty="0"/>
           </a:p>
@@ -9978,6 +9984,90 @@
 </p:sld>
 </file>
 
+<file path=ppt/slides/slide30.xml><?xml version="1.0" encoding="utf-8"?>
+<p:sld xmlns:a="http://schemas.openxmlformats.org/drawingml/2006/main" xmlns:r="http://schemas.openxmlformats.org/officeDocument/2006/relationships" xmlns:p="http://schemas.openxmlformats.org/presentationml/2006/main">
+  <p:cSld>
+    <p:spTree>
+      <p:nvGrpSpPr>
+        <p:cNvPr id="1" name=""/>
+        <p:cNvGrpSpPr/>
+        <p:nvPr/>
+      </p:nvGrpSpPr>
+      <p:grpSpPr>
+        <a:xfrm>
+          <a:off x="0" y="0"/>
+          <a:ext cx="0" cy="0"/>
+          <a:chOff x="0" y="0"/>
+          <a:chExt cx="0" cy="0"/>
+        </a:xfrm>
+      </p:grpSpPr>
+      <p:sp>
+        <p:nvSpPr>
+          <p:cNvPr id="4" name="Title 3">
+            <a:extLst>
+              <a:ext uri="{FF2B5EF4-FFF2-40B4-BE49-F238E27FC236}">
+                <a16:creationId xmlns:a16="http://schemas.microsoft.com/office/drawing/2014/main" id="{BDB3C764-F3B7-F94C-A134-2BC92A8D22DD}"/>
+              </a:ext>
+            </a:extLst>
+          </p:cNvPr>
+          <p:cNvSpPr>
+            <a:spLocks noGrp="1"/>
+          </p:cNvSpPr>
+          <p:nvPr>
+            <p:ph type="title"/>
+          </p:nvPr>
+        </p:nvSpPr>
+        <p:spPr/>
+        <p:txBody>
+          <a:bodyPr/>
+          <a:lstStyle/>
+          <a:p>
+            <a:pPr algn="ctr"/>
+            <a:r>
+              <a:rPr lang="en-IL"/>
+              <a:t>Routes and controlers</a:t>
+            </a:r>
+          </a:p>
+        </p:txBody>
+      </p:sp>
+      <p:sp>
+        <p:nvSpPr>
+          <p:cNvPr id="5" name="Text Placeholder 4">
+            <a:extLst>
+              <a:ext uri="{FF2B5EF4-FFF2-40B4-BE49-F238E27FC236}">
+                <a16:creationId xmlns:a16="http://schemas.microsoft.com/office/drawing/2014/main" id="{E9061713-CA1E-D840-8855-1AD3F5E98EA9}"/>
+              </a:ext>
+            </a:extLst>
+          </p:cNvPr>
+          <p:cNvSpPr>
+            <a:spLocks noGrp="1"/>
+          </p:cNvSpPr>
+          <p:nvPr>
+            <p:ph type="body" idx="1"/>
+          </p:nvPr>
+        </p:nvSpPr>
+        <p:spPr/>
+        <p:txBody>
+          <a:bodyPr/>
+          <a:lstStyle/>
+          <a:p>
+            <a:endParaRPr lang="en-IL"/>
+          </a:p>
+        </p:txBody>
+      </p:sp>
+    </p:spTree>
+    <p:extLst>
+      <p:ext uri="{BB962C8B-B14F-4D97-AF65-F5344CB8AC3E}">
+        <p14:creationId xmlns:p14="http://schemas.microsoft.com/office/powerpoint/2010/main" val="871445946"/>
+      </p:ext>
+    </p:extLst>
+  </p:cSld>
+  <p:clrMapOvr>
+    <a:masterClrMapping/>
+  </p:clrMapOvr>
+</p:sld>
+</file>
+
 <file path=ppt/slides/slide4.xml><?xml version="1.0" encoding="utf-8"?>
 <p:sld xmlns:a="http://schemas.openxmlformats.org/drawingml/2006/main" xmlns:r="http://schemas.openxmlformats.org/officeDocument/2006/relationships" xmlns:p="http://schemas.openxmlformats.org/presentationml/2006/main">
   <p:cSld>

--- a/05-Node/03-express/00-presentation/express-recap.pptx
+++ b/05-Node/03-express/00-presentation/express-recap.pptx
@@ -35,6 +35,9 @@
     <p:sldId id="284" r:id="rId29"/>
     <p:sldId id="286" r:id="rId30"/>
     <p:sldId id="287" r:id="rId31"/>
+    <p:sldId id="288" r:id="rId32"/>
+    <p:sldId id="289" r:id="rId33"/>
+    <p:sldId id="290" r:id="rId34"/>
   </p:sldIdLst>
   <p:sldSz cx="12192000" cy="6858000"/>
   <p:notesSz cx="6858000" cy="9144000"/>
@@ -10024,7 +10027,7 @@
           <a:p>
             <a:pPr algn="ctr"/>
             <a:r>
-              <a:rPr lang="en-IL"/>
+              <a:rPr lang="en-IL" dirty="0"/>
               <a:t>Routes and controlers</a:t>
             </a:r>
           </a:p>
@@ -10059,6 +10062,306 @@
     <p:extLst>
       <p:ext uri="{BB962C8B-B14F-4D97-AF65-F5344CB8AC3E}">
         <p14:creationId xmlns:p14="http://schemas.microsoft.com/office/powerpoint/2010/main" val="871445946"/>
+      </p:ext>
+    </p:extLst>
+  </p:cSld>
+  <p:clrMapOvr>
+    <a:masterClrMapping/>
+  </p:clrMapOvr>
+</p:sld>
+</file>
+
+<file path=ppt/slides/slide31.xml><?xml version="1.0" encoding="utf-8"?>
+<p:sld xmlns:a="http://schemas.openxmlformats.org/drawingml/2006/main" xmlns:r="http://schemas.openxmlformats.org/officeDocument/2006/relationships" xmlns:p="http://schemas.openxmlformats.org/presentationml/2006/main">
+  <p:cSld>
+    <p:spTree>
+      <p:nvGrpSpPr>
+        <p:cNvPr id="1" name=""/>
+        <p:cNvGrpSpPr/>
+        <p:nvPr/>
+      </p:nvGrpSpPr>
+      <p:grpSpPr>
+        <a:xfrm>
+          <a:off x="0" y="0"/>
+          <a:ext cx="0" cy="0"/>
+          <a:chOff x="0" y="0"/>
+          <a:chExt cx="0" cy="0"/>
+        </a:xfrm>
+      </p:grpSpPr>
+      <p:pic>
+        <p:nvPicPr>
+          <p:cNvPr id="1026" name="Picture 2">
+            <a:extLst>
+              <a:ext uri="{FF2B5EF4-FFF2-40B4-BE49-F238E27FC236}">
+                <a16:creationId xmlns:a16="http://schemas.microsoft.com/office/drawing/2014/main" id="{E869283F-9A3B-2D4D-AF05-6E2C7F198661}"/>
+              </a:ext>
+            </a:extLst>
+          </p:cNvPr>
+          <p:cNvPicPr>
+            <a:picLocks noChangeAspect="1" noChangeArrowheads="1"/>
+          </p:cNvPicPr>
+          <p:nvPr/>
+        </p:nvPicPr>
+        <p:blipFill>
+          <a:blip r:embed="rId2">
+            <a:extLst>
+              <a:ext uri="{28A0092B-C50C-407E-A947-70E740481C1C}">
+                <a14:useLocalDpi xmlns:a14="http://schemas.microsoft.com/office/drawing/2010/main" val="0"/>
+              </a:ext>
+            </a:extLst>
+          </a:blip>
+          <a:srcRect/>
+          <a:stretch>
+            <a:fillRect/>
+          </a:stretch>
+        </p:blipFill>
+        <p:spPr bwMode="auto">
+          <a:xfrm>
+            <a:off x="1016000" y="508000"/>
+            <a:ext cx="10160000" cy="5842000"/>
+          </a:xfrm>
+          <a:prstGeom prst="rect">
+            <a:avLst/>
+          </a:prstGeom>
+          <a:noFill/>
+          <a:extLst>
+            <a:ext uri="{909E8E84-426E-40DD-AFC4-6F175D3DCCD1}">
+              <a14:hiddenFill xmlns:a14="http://schemas.microsoft.com/office/drawing/2010/main">
+                <a:solidFill>
+                  <a:srgbClr val="FFFFFF"/>
+                </a:solidFill>
+              </a14:hiddenFill>
+            </a:ext>
+          </a:extLst>
+        </p:spPr>
+      </p:pic>
+    </p:spTree>
+    <p:extLst>
+      <p:ext uri="{BB962C8B-B14F-4D97-AF65-F5344CB8AC3E}">
+        <p14:creationId xmlns:p14="http://schemas.microsoft.com/office/powerpoint/2010/main" val="3676327278"/>
+      </p:ext>
+    </p:extLst>
+  </p:cSld>
+  <p:clrMapOvr>
+    <a:masterClrMapping/>
+  </p:clrMapOvr>
+</p:sld>
+</file>
+
+<file path=ppt/slides/slide32.xml><?xml version="1.0" encoding="utf-8"?>
+<p:sld xmlns:a="http://schemas.openxmlformats.org/drawingml/2006/main" xmlns:r="http://schemas.openxmlformats.org/officeDocument/2006/relationships" xmlns:p="http://schemas.openxmlformats.org/presentationml/2006/main">
+  <p:cSld>
+    <p:spTree>
+      <p:nvGrpSpPr>
+        <p:cNvPr id="1" name=""/>
+        <p:cNvGrpSpPr/>
+        <p:nvPr/>
+      </p:nvGrpSpPr>
+      <p:grpSpPr>
+        <a:xfrm>
+          <a:off x="0" y="0"/>
+          <a:ext cx="0" cy="0"/>
+          <a:chOff x="0" y="0"/>
+          <a:chExt cx="0" cy="0"/>
+        </a:xfrm>
+      </p:grpSpPr>
+      <p:pic>
+        <p:nvPicPr>
+          <p:cNvPr id="1026" name="Picture 2">
+            <a:extLst>
+              <a:ext uri="{FF2B5EF4-FFF2-40B4-BE49-F238E27FC236}">
+                <a16:creationId xmlns:a16="http://schemas.microsoft.com/office/drawing/2014/main" id="{E869283F-9A3B-2D4D-AF05-6E2C7F198661}"/>
+              </a:ext>
+            </a:extLst>
+          </p:cNvPr>
+          <p:cNvPicPr>
+            <a:picLocks noChangeAspect="1" noChangeArrowheads="1"/>
+          </p:cNvPicPr>
+          <p:nvPr/>
+        </p:nvPicPr>
+        <p:blipFill>
+          <a:blip r:embed="rId2">
+            <a:extLst>
+              <a:ext uri="{28A0092B-C50C-407E-A947-70E740481C1C}">
+                <a14:useLocalDpi xmlns:a14="http://schemas.microsoft.com/office/drawing/2010/main" val="0"/>
+              </a:ext>
+            </a:extLst>
+          </a:blip>
+          <a:srcRect/>
+          <a:stretch>
+            <a:fillRect/>
+          </a:stretch>
+        </p:blipFill>
+        <p:spPr bwMode="auto">
+          <a:xfrm>
+            <a:off x="1016000" y="508000"/>
+            <a:ext cx="10160000" cy="5842000"/>
+          </a:xfrm>
+          <a:prstGeom prst="rect">
+            <a:avLst/>
+          </a:prstGeom>
+          <a:noFill/>
+          <a:extLst>
+            <a:ext uri="{909E8E84-426E-40DD-AFC4-6F175D3DCCD1}">
+              <a14:hiddenFill xmlns:a14="http://schemas.microsoft.com/office/drawing/2010/main">
+                <a:solidFill>
+                  <a:srgbClr val="FFFFFF"/>
+                </a:solidFill>
+              </a14:hiddenFill>
+            </a:ext>
+          </a:extLst>
+        </p:spPr>
+      </p:pic>
+      <p:sp>
+        <p:nvSpPr>
+          <p:cNvPr id="3" name="Rectangular Callout 2">
+            <a:extLst>
+              <a:ext uri="{FF2B5EF4-FFF2-40B4-BE49-F238E27FC236}">
+                <a16:creationId xmlns:a16="http://schemas.microsoft.com/office/drawing/2014/main" id="{B3941DE2-4A54-3148-A943-6EC110AFAE33}"/>
+              </a:ext>
+            </a:extLst>
+          </p:cNvPr>
+          <p:cNvSpPr/>
+          <p:nvPr/>
+        </p:nvSpPr>
+        <p:spPr>
+          <a:xfrm>
+            <a:off x="8826948" y="4023623"/>
+            <a:ext cx="3365052" cy="1502065"/>
+          </a:xfrm>
+          <a:prstGeom prst="wedgeRectCallout">
+            <a:avLst>
+              <a:gd name="adj1" fmla="val -77385"/>
+              <a:gd name="adj2" fmla="val 46870"/>
+            </a:avLst>
+          </a:prstGeom>
+        </p:spPr>
+        <p:style>
+          <a:lnRef idx="2">
+            <a:schemeClr val="accent1">
+              <a:shade val="50000"/>
+            </a:schemeClr>
+          </a:lnRef>
+          <a:fillRef idx="1">
+            <a:schemeClr val="accent1"/>
+          </a:fillRef>
+          <a:effectRef idx="0">
+            <a:schemeClr val="accent1"/>
+          </a:effectRef>
+          <a:fontRef idx="minor">
+            <a:schemeClr val="lt1"/>
+          </a:fontRef>
+        </p:style>
+        <p:txBody>
+          <a:bodyPr rtlCol="0" anchor="ctr"/>
+          <a:lstStyle/>
+          <a:p>
+            <a:pPr algn="ctr"/>
+            <a:r>
+              <a:rPr lang="en-US" dirty="0"/>
+              <a:t>In our case these are the static files</a:t>
+            </a:r>
+          </a:p>
+        </p:txBody>
+      </p:sp>
+      <p:sp>
+        <p:nvSpPr>
+          <p:cNvPr id="2" name="Rectangle 1">
+            <a:extLst>
+              <a:ext uri="{FF2B5EF4-FFF2-40B4-BE49-F238E27FC236}">
+                <a16:creationId xmlns:a16="http://schemas.microsoft.com/office/drawing/2014/main" id="{65DC9FDF-A8BD-0049-908B-12DAA90BB16F}"/>
+              </a:ext>
+            </a:extLst>
+          </p:cNvPr>
+          <p:cNvSpPr/>
+          <p:nvPr/>
+        </p:nvSpPr>
+        <p:spPr>
+          <a:xfrm>
+            <a:off x="706451" y="6413058"/>
+            <a:ext cx="9727963" cy="369332"/>
+          </a:xfrm>
+          <a:prstGeom prst="rect">
+            <a:avLst/>
+          </a:prstGeom>
+        </p:spPr>
+        <p:txBody>
+          <a:bodyPr wrap="square">
+            <a:spAutoFit/>
+          </a:bodyPr>
+          <a:lstStyle/>
+          <a:p>
+            <a:r>
+              <a:rPr lang="en-IL" dirty="0"/>
+              <a:t>https://developer.mozilla.org/en-US/docs/Learn/Server-side/Express_Nodejs/routes</a:t>
+            </a:r>
+          </a:p>
+        </p:txBody>
+      </p:sp>
+    </p:spTree>
+    <p:extLst>
+      <p:ext uri="{BB962C8B-B14F-4D97-AF65-F5344CB8AC3E}">
+        <p14:creationId xmlns:p14="http://schemas.microsoft.com/office/powerpoint/2010/main" val="3879126494"/>
+      </p:ext>
+    </p:extLst>
+  </p:cSld>
+  <p:clrMapOvr>
+    <a:masterClrMapping/>
+  </p:clrMapOvr>
+</p:sld>
+</file>
+
+<file path=ppt/slides/slide33.xml><?xml version="1.0" encoding="utf-8"?>
+<p:sld xmlns:a="http://schemas.openxmlformats.org/drawingml/2006/main" xmlns:r="http://schemas.openxmlformats.org/officeDocument/2006/relationships" xmlns:p="http://schemas.openxmlformats.org/presentationml/2006/main">
+  <p:cSld>
+    <p:spTree>
+      <p:nvGrpSpPr>
+        <p:cNvPr id="1" name=""/>
+        <p:cNvGrpSpPr/>
+        <p:nvPr/>
+      </p:nvGrpSpPr>
+      <p:grpSpPr>
+        <a:xfrm>
+          <a:off x="0" y="0"/>
+          <a:ext cx="0" cy="0"/>
+          <a:chOff x="0" y="0"/>
+          <a:chExt cx="0" cy="0"/>
+        </a:xfrm>
+      </p:grpSpPr>
+      <p:pic>
+        <p:nvPicPr>
+          <p:cNvPr id="5" name="Picture 4" descr="Text&#10;&#10;Description automatically generated">
+            <a:extLst>
+              <a:ext uri="{FF2B5EF4-FFF2-40B4-BE49-F238E27FC236}">
+                <a16:creationId xmlns:a16="http://schemas.microsoft.com/office/drawing/2014/main" id="{ACFA4A2F-4FA1-8247-8810-83C4E2B67747}"/>
+              </a:ext>
+            </a:extLst>
+          </p:cNvPr>
+          <p:cNvPicPr>
+            <a:picLocks noChangeAspect="1"/>
+          </p:cNvPicPr>
+          <p:nvPr/>
+        </p:nvPicPr>
+        <p:blipFill>
+          <a:blip r:embed="rId2"/>
+          <a:stretch>
+            <a:fillRect/>
+          </a:stretch>
+        </p:blipFill>
+        <p:spPr>
+          <a:xfrm>
+            <a:off x="224779" y="401651"/>
+            <a:ext cx="11734153" cy="6050423"/>
+          </a:xfrm>
+          <a:prstGeom prst="rect">
+            <a:avLst/>
+          </a:prstGeom>
+        </p:spPr>
+      </p:pic>
+    </p:spTree>
+    <p:extLst>
+      <p:ext uri="{BB962C8B-B14F-4D97-AF65-F5344CB8AC3E}">
+        <p14:creationId xmlns:p14="http://schemas.microsoft.com/office/powerpoint/2010/main" val="2012534702"/>
       </p:ext>
     </p:extLst>
   </p:cSld>

--- a/05-Node/03-express/00-presentation/express-recap.pptx
+++ b/05-Node/03-express/00-presentation/express-recap.pptx
@@ -38,6 +38,15 @@
     <p:sldId id="288" r:id="rId32"/>
     <p:sldId id="289" r:id="rId33"/>
     <p:sldId id="290" r:id="rId34"/>
+    <p:sldId id="291" r:id="rId35"/>
+    <p:sldId id="292" r:id="rId36"/>
+    <p:sldId id="293" r:id="rId37"/>
+    <p:sldId id="294" r:id="rId38"/>
+    <p:sldId id="295" r:id="rId39"/>
+    <p:sldId id="296" r:id="rId40"/>
+    <p:sldId id="297" r:id="rId41"/>
+    <p:sldId id="298" r:id="rId42"/>
+    <p:sldId id="299" r:id="rId43"/>
   </p:sldIdLst>
   <p:sldSz cx="12192000" cy="6858000"/>
   <p:notesSz cx="6858000" cy="9144000"/>
@@ -10371,6 +10380,938 @@
 </p:sld>
 </file>
 
+<file path=ppt/slides/slide34.xml><?xml version="1.0" encoding="utf-8"?>
+<p:sld xmlns:a="http://schemas.openxmlformats.org/drawingml/2006/main" xmlns:r="http://schemas.openxmlformats.org/officeDocument/2006/relationships" xmlns:p="http://schemas.openxmlformats.org/presentationml/2006/main">
+  <p:cSld>
+    <p:spTree>
+      <p:nvGrpSpPr>
+        <p:cNvPr id="1" name=""/>
+        <p:cNvGrpSpPr/>
+        <p:nvPr/>
+      </p:nvGrpSpPr>
+      <p:grpSpPr>
+        <a:xfrm>
+          <a:off x="0" y="0"/>
+          <a:ext cx="0" cy="0"/>
+          <a:chOff x="0" y="0"/>
+          <a:chExt cx="0" cy="0"/>
+        </a:xfrm>
+      </p:grpSpPr>
+      <p:pic>
+        <p:nvPicPr>
+          <p:cNvPr id="5" name="Picture 4" descr="Text&#10;&#10;Description automatically generated">
+            <a:extLst>
+              <a:ext uri="{FF2B5EF4-FFF2-40B4-BE49-F238E27FC236}">
+                <a16:creationId xmlns:a16="http://schemas.microsoft.com/office/drawing/2014/main" id="{ACFA4A2F-4FA1-8247-8810-83C4E2B67747}"/>
+              </a:ext>
+            </a:extLst>
+          </p:cNvPr>
+          <p:cNvPicPr>
+            <a:picLocks noChangeAspect="1"/>
+          </p:cNvPicPr>
+          <p:nvPr/>
+        </p:nvPicPr>
+        <p:blipFill>
+          <a:blip r:embed="rId2"/>
+          <a:stretch>
+            <a:fillRect/>
+          </a:stretch>
+        </p:blipFill>
+        <p:spPr>
+          <a:xfrm>
+            <a:off x="224779" y="401651"/>
+            <a:ext cx="11734153" cy="6050423"/>
+          </a:xfrm>
+          <a:prstGeom prst="rect">
+            <a:avLst/>
+          </a:prstGeom>
+        </p:spPr>
+      </p:pic>
+      <p:sp>
+        <p:nvSpPr>
+          <p:cNvPr id="3" name="Rectangular Callout 2">
+            <a:extLst>
+              <a:ext uri="{FF2B5EF4-FFF2-40B4-BE49-F238E27FC236}">
+                <a16:creationId xmlns:a16="http://schemas.microsoft.com/office/drawing/2014/main" id="{582435C1-9ABB-944E-B348-557562C69DD9}"/>
+              </a:ext>
+            </a:extLst>
+          </p:cNvPr>
+          <p:cNvSpPr/>
+          <p:nvPr/>
+        </p:nvSpPr>
+        <p:spPr>
+          <a:xfrm>
+            <a:off x="1344836" y="401651"/>
+            <a:ext cx="3365052" cy="872173"/>
+          </a:xfrm>
+          <a:prstGeom prst="wedgeRectCallout">
+            <a:avLst>
+              <a:gd name="adj1" fmla="val -47424"/>
+              <a:gd name="adj2" fmla="val 125673"/>
+            </a:avLst>
+          </a:prstGeom>
+        </p:spPr>
+        <p:style>
+          <a:lnRef idx="2">
+            <a:schemeClr val="accent1">
+              <a:shade val="50000"/>
+            </a:schemeClr>
+          </a:lnRef>
+          <a:fillRef idx="1">
+            <a:schemeClr val="accent1"/>
+          </a:fillRef>
+          <a:effectRef idx="0">
+            <a:schemeClr val="accent1"/>
+          </a:effectRef>
+          <a:fontRef idx="minor">
+            <a:schemeClr val="lt1"/>
+          </a:fontRef>
+        </p:style>
+        <p:txBody>
+          <a:bodyPr rtlCol="0" anchor="ctr"/>
+          <a:lstStyle/>
+          <a:p>
+            <a:pPr algn="ctr"/>
+            <a:r>
+              <a:rPr lang="en-US" dirty="0"/>
+              <a:t>We can store here our interfaces classes and data</a:t>
+            </a:r>
+          </a:p>
+        </p:txBody>
+      </p:sp>
+    </p:spTree>
+    <p:extLst>
+      <p:ext uri="{BB962C8B-B14F-4D97-AF65-F5344CB8AC3E}">
+        <p14:creationId xmlns:p14="http://schemas.microsoft.com/office/powerpoint/2010/main" val="2110434303"/>
+      </p:ext>
+    </p:extLst>
+  </p:cSld>
+  <p:clrMapOvr>
+    <a:masterClrMapping/>
+  </p:clrMapOvr>
+</p:sld>
+</file>
+
+<file path=ppt/slides/slide35.xml><?xml version="1.0" encoding="utf-8"?>
+<p:sld xmlns:a="http://schemas.openxmlformats.org/drawingml/2006/main" xmlns:r="http://schemas.openxmlformats.org/officeDocument/2006/relationships" xmlns:p="http://schemas.openxmlformats.org/presentationml/2006/main">
+  <p:cSld>
+    <p:spTree>
+      <p:nvGrpSpPr>
+        <p:cNvPr id="1" name=""/>
+        <p:cNvGrpSpPr/>
+        <p:nvPr/>
+      </p:nvGrpSpPr>
+      <p:grpSpPr>
+        <a:xfrm>
+          <a:off x="0" y="0"/>
+          <a:ext cx="0" cy="0"/>
+          <a:chOff x="0" y="0"/>
+          <a:chExt cx="0" cy="0"/>
+        </a:xfrm>
+      </p:grpSpPr>
+      <p:pic>
+        <p:nvPicPr>
+          <p:cNvPr id="7" name="Picture 6" descr="Text&#10;&#10;Description automatically generated">
+            <a:extLst>
+              <a:ext uri="{FF2B5EF4-FFF2-40B4-BE49-F238E27FC236}">
+                <a16:creationId xmlns:a16="http://schemas.microsoft.com/office/drawing/2014/main" id="{B65DFBE7-AB79-2744-B7C2-8A3781AC26E8}"/>
+              </a:ext>
+            </a:extLst>
+          </p:cNvPr>
+          <p:cNvPicPr>
+            <a:picLocks noChangeAspect="1"/>
+          </p:cNvPicPr>
+          <p:nvPr/>
+        </p:nvPicPr>
+        <p:blipFill>
+          <a:blip r:embed="rId2"/>
+          <a:stretch>
+            <a:fillRect/>
+          </a:stretch>
+        </p:blipFill>
+        <p:spPr>
+          <a:xfrm>
+            <a:off x="403819" y="1241573"/>
+            <a:ext cx="11384361" cy="4501201"/>
+          </a:xfrm>
+          <a:prstGeom prst="rect">
+            <a:avLst/>
+          </a:prstGeom>
+        </p:spPr>
+      </p:pic>
+      <p:sp>
+        <p:nvSpPr>
+          <p:cNvPr id="8" name="TextBox 7">
+            <a:extLst>
+              <a:ext uri="{FF2B5EF4-FFF2-40B4-BE49-F238E27FC236}">
+                <a16:creationId xmlns:a16="http://schemas.microsoft.com/office/drawing/2014/main" id="{4E25F06C-DC4C-F54F-88FA-2F310924B858}"/>
+              </a:ext>
+            </a:extLst>
+          </p:cNvPr>
+          <p:cNvSpPr txBox="1"/>
+          <p:nvPr/>
+        </p:nvSpPr>
+        <p:spPr>
+          <a:xfrm>
+            <a:off x="529839" y="264920"/>
+            <a:ext cx="8203963" cy="369332"/>
+          </a:xfrm>
+          <a:prstGeom prst="rect">
+            <a:avLst/>
+          </a:prstGeom>
+          <a:noFill/>
+        </p:spPr>
+        <p:txBody>
+          <a:bodyPr wrap="square" rtlCol="0">
+            <a:spAutoFit/>
+          </a:bodyPr>
+          <a:lstStyle/>
+          <a:p>
+            <a:r>
+              <a:rPr lang="en-IL" dirty="0"/>
+              <a:t>Model (data)</a:t>
+            </a:r>
+          </a:p>
+        </p:txBody>
+      </p:sp>
+    </p:spTree>
+    <p:extLst>
+      <p:ext uri="{BB962C8B-B14F-4D97-AF65-F5344CB8AC3E}">
+        <p14:creationId xmlns:p14="http://schemas.microsoft.com/office/powerpoint/2010/main" val="1212758974"/>
+      </p:ext>
+    </p:extLst>
+  </p:cSld>
+  <p:clrMapOvr>
+    <a:masterClrMapping/>
+  </p:clrMapOvr>
+</p:sld>
+</file>
+
+<file path=ppt/slides/slide36.xml><?xml version="1.0" encoding="utf-8"?>
+<p:sld xmlns:a="http://schemas.openxmlformats.org/drawingml/2006/main" xmlns:r="http://schemas.openxmlformats.org/officeDocument/2006/relationships" xmlns:p="http://schemas.openxmlformats.org/presentationml/2006/main">
+  <p:cSld>
+    <p:spTree>
+      <p:nvGrpSpPr>
+        <p:cNvPr id="1" name=""/>
+        <p:cNvGrpSpPr/>
+        <p:nvPr/>
+      </p:nvGrpSpPr>
+      <p:grpSpPr>
+        <a:xfrm>
+          <a:off x="0" y="0"/>
+          <a:ext cx="0" cy="0"/>
+          <a:chOff x="0" y="0"/>
+          <a:chExt cx="0" cy="0"/>
+        </a:xfrm>
+      </p:grpSpPr>
+      <p:pic>
+        <p:nvPicPr>
+          <p:cNvPr id="1026" name="Picture 2">
+            <a:extLst>
+              <a:ext uri="{FF2B5EF4-FFF2-40B4-BE49-F238E27FC236}">
+                <a16:creationId xmlns:a16="http://schemas.microsoft.com/office/drawing/2014/main" id="{E869283F-9A3B-2D4D-AF05-6E2C7F198661}"/>
+              </a:ext>
+            </a:extLst>
+          </p:cNvPr>
+          <p:cNvPicPr>
+            <a:picLocks noChangeAspect="1" noChangeArrowheads="1"/>
+          </p:cNvPicPr>
+          <p:nvPr/>
+        </p:nvPicPr>
+        <p:blipFill>
+          <a:blip r:embed="rId2">
+            <a:extLst>
+              <a:ext uri="{28A0092B-C50C-407E-A947-70E740481C1C}">
+                <a14:useLocalDpi xmlns:a14="http://schemas.microsoft.com/office/drawing/2010/main" val="0"/>
+              </a:ext>
+            </a:extLst>
+          </a:blip>
+          <a:srcRect/>
+          <a:stretch>
+            <a:fillRect/>
+          </a:stretch>
+        </p:blipFill>
+        <p:spPr bwMode="auto">
+          <a:xfrm>
+            <a:off x="1016000" y="508000"/>
+            <a:ext cx="10160000" cy="5842000"/>
+          </a:xfrm>
+          <a:prstGeom prst="rect">
+            <a:avLst/>
+          </a:prstGeom>
+          <a:noFill/>
+          <a:extLst>
+            <a:ext uri="{909E8E84-426E-40DD-AFC4-6F175D3DCCD1}">
+              <a14:hiddenFill xmlns:a14="http://schemas.microsoft.com/office/drawing/2010/main">
+                <a:solidFill>
+                  <a:srgbClr val="FFFFFF"/>
+                </a:solidFill>
+              </a14:hiddenFill>
+            </a:ext>
+          </a:extLst>
+        </p:spPr>
+      </p:pic>
+      <p:sp>
+        <p:nvSpPr>
+          <p:cNvPr id="3" name="Rectangular Callout 2">
+            <a:extLst>
+              <a:ext uri="{FF2B5EF4-FFF2-40B4-BE49-F238E27FC236}">
+                <a16:creationId xmlns:a16="http://schemas.microsoft.com/office/drawing/2014/main" id="{3EC542C0-920B-BA42-B7FE-30C60813EA0E}"/>
+              </a:ext>
+            </a:extLst>
+          </p:cNvPr>
+          <p:cNvSpPr/>
+          <p:nvPr/>
+        </p:nvSpPr>
+        <p:spPr>
+          <a:xfrm>
+            <a:off x="2037046" y="743482"/>
+            <a:ext cx="3365052" cy="872173"/>
+          </a:xfrm>
+          <a:prstGeom prst="wedgeRectCallout">
+            <a:avLst>
+              <a:gd name="adj1" fmla="val 81332"/>
+              <a:gd name="adj2" fmla="val 13973"/>
+            </a:avLst>
+          </a:prstGeom>
+        </p:spPr>
+        <p:style>
+          <a:lnRef idx="2">
+            <a:schemeClr val="accent1">
+              <a:shade val="50000"/>
+            </a:schemeClr>
+          </a:lnRef>
+          <a:fillRef idx="1">
+            <a:schemeClr val="accent1"/>
+          </a:fillRef>
+          <a:effectRef idx="0">
+            <a:schemeClr val="accent1"/>
+          </a:effectRef>
+          <a:fontRef idx="minor">
+            <a:schemeClr val="lt1"/>
+          </a:fontRef>
+        </p:style>
+        <p:txBody>
+          <a:bodyPr rtlCol="0" anchor="ctr"/>
+          <a:lstStyle/>
+          <a:p>
+            <a:pPr algn="ctr"/>
+            <a:r>
+              <a:rPr lang="en-US" dirty="0"/>
+              <a:t>We can put the routes in a specific folder</a:t>
+            </a:r>
+          </a:p>
+        </p:txBody>
+      </p:sp>
+    </p:spTree>
+    <p:extLst>
+      <p:ext uri="{BB962C8B-B14F-4D97-AF65-F5344CB8AC3E}">
+        <p14:creationId xmlns:p14="http://schemas.microsoft.com/office/powerpoint/2010/main" val="3004246799"/>
+      </p:ext>
+    </p:extLst>
+  </p:cSld>
+  <p:clrMapOvr>
+    <a:masterClrMapping/>
+  </p:clrMapOvr>
+</p:sld>
+</file>
+
+<file path=ppt/slides/slide37.xml><?xml version="1.0" encoding="utf-8"?>
+<p:sld xmlns:a="http://schemas.openxmlformats.org/drawingml/2006/main" xmlns:r="http://schemas.openxmlformats.org/officeDocument/2006/relationships" xmlns:p="http://schemas.openxmlformats.org/presentationml/2006/main">
+  <p:cSld>
+    <p:spTree>
+      <p:nvGrpSpPr>
+        <p:cNvPr id="1" name=""/>
+        <p:cNvGrpSpPr/>
+        <p:nvPr/>
+      </p:nvGrpSpPr>
+      <p:grpSpPr>
+        <a:xfrm>
+          <a:off x="0" y="0"/>
+          <a:ext cx="0" cy="0"/>
+          <a:chOff x="0" y="0"/>
+          <a:chExt cx="0" cy="0"/>
+        </a:xfrm>
+      </p:grpSpPr>
+      <p:pic>
+        <p:nvPicPr>
+          <p:cNvPr id="5" name="Picture 4" descr="Text&#10;&#10;Description automatically generated">
+            <a:extLst>
+              <a:ext uri="{FF2B5EF4-FFF2-40B4-BE49-F238E27FC236}">
+                <a16:creationId xmlns:a16="http://schemas.microsoft.com/office/drawing/2014/main" id="{1DD419D2-9C99-C445-A22D-158D29CE54A9}"/>
+              </a:ext>
+            </a:extLst>
+          </p:cNvPr>
+          <p:cNvPicPr>
+            <a:picLocks noChangeAspect="1"/>
+          </p:cNvPicPr>
+          <p:nvPr/>
+        </p:nvPicPr>
+        <p:blipFill>
+          <a:blip r:embed="rId2"/>
+          <a:stretch>
+            <a:fillRect/>
+          </a:stretch>
+        </p:blipFill>
+        <p:spPr>
+          <a:xfrm>
+            <a:off x="1426258" y="760576"/>
+            <a:ext cx="9137590" cy="5221480"/>
+          </a:xfrm>
+          <a:prstGeom prst="rect">
+            <a:avLst/>
+          </a:prstGeom>
+        </p:spPr>
+      </p:pic>
+      <p:sp>
+        <p:nvSpPr>
+          <p:cNvPr id="6" name="Rectangle 5">
+            <a:extLst>
+              <a:ext uri="{FF2B5EF4-FFF2-40B4-BE49-F238E27FC236}">
+                <a16:creationId xmlns:a16="http://schemas.microsoft.com/office/drawing/2014/main" id="{98C48BBF-824C-0845-9A5A-FDAB635E8BF1}"/>
+              </a:ext>
+            </a:extLst>
+          </p:cNvPr>
+          <p:cNvSpPr/>
+          <p:nvPr/>
+        </p:nvSpPr>
+        <p:spPr>
+          <a:xfrm>
+            <a:off x="2122998" y="1518699"/>
+            <a:ext cx="4055165" cy="294198"/>
+          </a:xfrm>
+          <a:prstGeom prst="rect">
+            <a:avLst/>
+          </a:prstGeom>
+          <a:solidFill>
+            <a:srgbClr val="1E1E1E"/>
+          </a:solidFill>
+          <a:ln>
+            <a:noFill/>
+          </a:ln>
+        </p:spPr>
+        <p:style>
+          <a:lnRef idx="2">
+            <a:schemeClr val="accent1">
+              <a:shade val="50000"/>
+            </a:schemeClr>
+          </a:lnRef>
+          <a:fillRef idx="1">
+            <a:schemeClr val="accent1"/>
+          </a:fillRef>
+          <a:effectRef idx="0">
+            <a:schemeClr val="accent1"/>
+          </a:effectRef>
+          <a:fontRef idx="minor">
+            <a:schemeClr val="lt1"/>
+          </a:fontRef>
+        </p:style>
+        <p:txBody>
+          <a:bodyPr rtlCol="0" anchor="ctr"/>
+          <a:lstStyle/>
+          <a:p>
+            <a:pPr algn="ctr"/>
+            <a:endParaRPr lang="en-IL"/>
+          </a:p>
+        </p:txBody>
+      </p:sp>
+      <p:sp>
+        <p:nvSpPr>
+          <p:cNvPr id="7" name="Rectangle 6">
+            <a:extLst>
+              <a:ext uri="{FF2B5EF4-FFF2-40B4-BE49-F238E27FC236}">
+                <a16:creationId xmlns:a16="http://schemas.microsoft.com/office/drawing/2014/main" id="{3E547859-2503-164A-8183-764F6E1AC46D}"/>
+              </a:ext>
+            </a:extLst>
+          </p:cNvPr>
+          <p:cNvSpPr/>
+          <p:nvPr/>
+        </p:nvSpPr>
+        <p:spPr>
+          <a:xfrm>
+            <a:off x="2040835" y="5339301"/>
+            <a:ext cx="4055165" cy="294198"/>
+          </a:xfrm>
+          <a:prstGeom prst="rect">
+            <a:avLst/>
+          </a:prstGeom>
+          <a:solidFill>
+            <a:srgbClr val="1E1E1E"/>
+          </a:solidFill>
+          <a:ln>
+            <a:noFill/>
+          </a:ln>
+        </p:spPr>
+        <p:style>
+          <a:lnRef idx="2">
+            <a:schemeClr val="accent1">
+              <a:shade val="50000"/>
+            </a:schemeClr>
+          </a:lnRef>
+          <a:fillRef idx="1">
+            <a:schemeClr val="accent1"/>
+          </a:fillRef>
+          <a:effectRef idx="0">
+            <a:schemeClr val="accent1"/>
+          </a:effectRef>
+          <a:fontRef idx="minor">
+            <a:schemeClr val="lt1"/>
+          </a:fontRef>
+        </p:style>
+        <p:txBody>
+          <a:bodyPr rtlCol="0" anchor="ctr"/>
+          <a:lstStyle/>
+          <a:p>
+            <a:pPr algn="ctr"/>
+            <a:endParaRPr lang="en-IL"/>
+          </a:p>
+        </p:txBody>
+      </p:sp>
+    </p:spTree>
+    <p:extLst>
+      <p:ext uri="{BB962C8B-B14F-4D97-AF65-F5344CB8AC3E}">
+        <p14:creationId xmlns:p14="http://schemas.microsoft.com/office/powerpoint/2010/main" val="2611763040"/>
+      </p:ext>
+    </p:extLst>
+  </p:cSld>
+  <p:clrMapOvr>
+    <a:masterClrMapping/>
+  </p:clrMapOvr>
+</p:sld>
+</file>
+
+<file path=ppt/slides/slide38.xml><?xml version="1.0" encoding="utf-8"?>
+<p:sld xmlns:a="http://schemas.openxmlformats.org/drawingml/2006/main" xmlns:r="http://schemas.openxmlformats.org/officeDocument/2006/relationships" xmlns:p="http://schemas.openxmlformats.org/presentationml/2006/main">
+  <p:cSld>
+    <p:spTree>
+      <p:nvGrpSpPr>
+        <p:cNvPr id="1" name=""/>
+        <p:cNvGrpSpPr/>
+        <p:nvPr/>
+      </p:nvGrpSpPr>
+      <p:grpSpPr>
+        <a:xfrm>
+          <a:off x="0" y="0"/>
+          <a:ext cx="0" cy="0"/>
+          <a:chOff x="0" y="0"/>
+          <a:chExt cx="0" cy="0"/>
+        </a:xfrm>
+      </p:grpSpPr>
+      <p:pic>
+        <p:nvPicPr>
+          <p:cNvPr id="5" name="Picture 4" descr="Text&#10;&#10;Description automatically generated">
+            <a:extLst>
+              <a:ext uri="{FF2B5EF4-FFF2-40B4-BE49-F238E27FC236}">
+                <a16:creationId xmlns:a16="http://schemas.microsoft.com/office/drawing/2014/main" id="{1DD419D2-9C99-C445-A22D-158D29CE54A9}"/>
+              </a:ext>
+            </a:extLst>
+          </p:cNvPr>
+          <p:cNvPicPr>
+            <a:picLocks noChangeAspect="1"/>
+          </p:cNvPicPr>
+          <p:nvPr/>
+        </p:nvPicPr>
+        <p:blipFill>
+          <a:blip r:embed="rId2"/>
+          <a:stretch>
+            <a:fillRect/>
+          </a:stretch>
+        </p:blipFill>
+        <p:spPr>
+          <a:xfrm>
+            <a:off x="1426258" y="760576"/>
+            <a:ext cx="9137590" cy="5221480"/>
+          </a:xfrm>
+          <a:prstGeom prst="rect">
+            <a:avLst/>
+          </a:prstGeom>
+        </p:spPr>
+      </p:pic>
+      <p:sp>
+        <p:nvSpPr>
+          <p:cNvPr id="3" name="Rectangular Callout 2">
+            <a:extLst>
+              <a:ext uri="{FF2B5EF4-FFF2-40B4-BE49-F238E27FC236}">
+                <a16:creationId xmlns:a16="http://schemas.microsoft.com/office/drawing/2014/main" id="{28AD2505-D354-7348-89AB-15593148450B}"/>
+              </a:ext>
+            </a:extLst>
+          </p:cNvPr>
+          <p:cNvSpPr/>
+          <p:nvPr/>
+        </p:nvSpPr>
+        <p:spPr>
+          <a:xfrm>
+            <a:off x="6720141" y="1649337"/>
+            <a:ext cx="3365052" cy="872173"/>
+          </a:xfrm>
+          <a:prstGeom prst="wedgeRectCallout">
+            <a:avLst>
+              <a:gd name="adj1" fmla="val -47424"/>
+              <a:gd name="adj2" fmla="val 125673"/>
+            </a:avLst>
+          </a:prstGeom>
+        </p:spPr>
+        <p:style>
+          <a:lnRef idx="2">
+            <a:schemeClr val="accent1">
+              <a:shade val="50000"/>
+            </a:schemeClr>
+          </a:lnRef>
+          <a:fillRef idx="1">
+            <a:schemeClr val="accent1"/>
+          </a:fillRef>
+          <a:effectRef idx="0">
+            <a:schemeClr val="accent1"/>
+          </a:effectRef>
+          <a:fontRef idx="minor">
+            <a:schemeClr val="lt1"/>
+          </a:fontRef>
+        </p:style>
+        <p:txBody>
+          <a:bodyPr rtlCol="0" anchor="ctr"/>
+          <a:lstStyle/>
+          <a:p>
+            <a:pPr algn="ctr"/>
+            <a:r>
+              <a:rPr lang="en-US" dirty="0"/>
+              <a:t>We import the routes</a:t>
+            </a:r>
+          </a:p>
+        </p:txBody>
+      </p:sp>
+      <p:sp>
+        <p:nvSpPr>
+          <p:cNvPr id="4" name="Rectangle 3">
+            <a:extLst>
+              <a:ext uri="{FF2B5EF4-FFF2-40B4-BE49-F238E27FC236}">
+                <a16:creationId xmlns:a16="http://schemas.microsoft.com/office/drawing/2014/main" id="{64DEE37C-C24E-1349-9A94-B02160DB5C26}"/>
+              </a:ext>
+            </a:extLst>
+          </p:cNvPr>
+          <p:cNvSpPr/>
+          <p:nvPr/>
+        </p:nvSpPr>
+        <p:spPr>
+          <a:xfrm>
+            <a:off x="2122998" y="1518699"/>
+            <a:ext cx="4055165" cy="294198"/>
+          </a:xfrm>
+          <a:prstGeom prst="rect">
+            <a:avLst/>
+          </a:prstGeom>
+          <a:solidFill>
+            <a:srgbClr val="1E1E1E"/>
+          </a:solidFill>
+          <a:ln>
+            <a:noFill/>
+          </a:ln>
+        </p:spPr>
+        <p:style>
+          <a:lnRef idx="2">
+            <a:schemeClr val="accent1">
+              <a:shade val="50000"/>
+            </a:schemeClr>
+          </a:lnRef>
+          <a:fillRef idx="1">
+            <a:schemeClr val="accent1"/>
+          </a:fillRef>
+          <a:effectRef idx="0">
+            <a:schemeClr val="accent1"/>
+          </a:effectRef>
+          <a:fontRef idx="minor">
+            <a:schemeClr val="lt1"/>
+          </a:fontRef>
+        </p:style>
+        <p:txBody>
+          <a:bodyPr rtlCol="0" anchor="ctr"/>
+          <a:lstStyle/>
+          <a:p>
+            <a:pPr algn="ctr"/>
+            <a:endParaRPr lang="en-IL"/>
+          </a:p>
+        </p:txBody>
+      </p:sp>
+      <p:sp>
+        <p:nvSpPr>
+          <p:cNvPr id="6" name="Rectangle 5">
+            <a:extLst>
+              <a:ext uri="{FF2B5EF4-FFF2-40B4-BE49-F238E27FC236}">
+                <a16:creationId xmlns:a16="http://schemas.microsoft.com/office/drawing/2014/main" id="{0A003277-C694-4F4D-8C30-5F954CF9E7D1}"/>
+              </a:ext>
+            </a:extLst>
+          </p:cNvPr>
+          <p:cNvSpPr/>
+          <p:nvPr/>
+        </p:nvSpPr>
+        <p:spPr>
+          <a:xfrm>
+            <a:off x="2040835" y="5339301"/>
+            <a:ext cx="4055165" cy="294198"/>
+          </a:xfrm>
+          <a:prstGeom prst="rect">
+            <a:avLst/>
+          </a:prstGeom>
+          <a:solidFill>
+            <a:srgbClr val="1E1E1E"/>
+          </a:solidFill>
+          <a:ln>
+            <a:noFill/>
+          </a:ln>
+        </p:spPr>
+        <p:style>
+          <a:lnRef idx="2">
+            <a:schemeClr val="accent1">
+              <a:shade val="50000"/>
+            </a:schemeClr>
+          </a:lnRef>
+          <a:fillRef idx="1">
+            <a:schemeClr val="accent1"/>
+          </a:fillRef>
+          <a:effectRef idx="0">
+            <a:schemeClr val="accent1"/>
+          </a:effectRef>
+          <a:fontRef idx="minor">
+            <a:schemeClr val="lt1"/>
+          </a:fontRef>
+        </p:style>
+        <p:txBody>
+          <a:bodyPr rtlCol="0" anchor="ctr"/>
+          <a:lstStyle/>
+          <a:p>
+            <a:pPr algn="ctr"/>
+            <a:endParaRPr lang="en-IL"/>
+          </a:p>
+        </p:txBody>
+      </p:sp>
+    </p:spTree>
+    <p:extLst>
+      <p:ext uri="{BB962C8B-B14F-4D97-AF65-F5344CB8AC3E}">
+        <p14:creationId xmlns:p14="http://schemas.microsoft.com/office/powerpoint/2010/main" val="2736785610"/>
+      </p:ext>
+    </p:extLst>
+  </p:cSld>
+  <p:clrMapOvr>
+    <a:masterClrMapping/>
+  </p:clrMapOvr>
+</p:sld>
+</file>
+
+<file path=ppt/slides/slide39.xml><?xml version="1.0" encoding="utf-8"?>
+<p:sld xmlns:a="http://schemas.openxmlformats.org/drawingml/2006/main" xmlns:r="http://schemas.openxmlformats.org/officeDocument/2006/relationships" xmlns:p="http://schemas.openxmlformats.org/presentationml/2006/main">
+  <p:cSld>
+    <p:spTree>
+      <p:nvGrpSpPr>
+        <p:cNvPr id="1" name=""/>
+        <p:cNvGrpSpPr/>
+        <p:nvPr/>
+      </p:nvGrpSpPr>
+      <p:grpSpPr>
+        <a:xfrm>
+          <a:off x="0" y="0"/>
+          <a:ext cx="0" cy="0"/>
+          <a:chOff x="0" y="0"/>
+          <a:chExt cx="0" cy="0"/>
+        </a:xfrm>
+      </p:grpSpPr>
+      <p:pic>
+        <p:nvPicPr>
+          <p:cNvPr id="5" name="Picture 4" descr="Text&#10;&#10;Description automatically generated">
+            <a:extLst>
+              <a:ext uri="{FF2B5EF4-FFF2-40B4-BE49-F238E27FC236}">
+                <a16:creationId xmlns:a16="http://schemas.microsoft.com/office/drawing/2014/main" id="{1DD419D2-9C99-C445-A22D-158D29CE54A9}"/>
+              </a:ext>
+            </a:extLst>
+          </p:cNvPr>
+          <p:cNvPicPr>
+            <a:picLocks noChangeAspect="1"/>
+          </p:cNvPicPr>
+          <p:nvPr/>
+        </p:nvPicPr>
+        <p:blipFill>
+          <a:blip r:embed="rId2"/>
+          <a:stretch>
+            <a:fillRect/>
+          </a:stretch>
+        </p:blipFill>
+        <p:spPr>
+          <a:xfrm>
+            <a:off x="1426258" y="818260"/>
+            <a:ext cx="9137590" cy="5221480"/>
+          </a:xfrm>
+          <a:prstGeom prst="rect">
+            <a:avLst/>
+          </a:prstGeom>
+        </p:spPr>
+      </p:pic>
+      <p:sp>
+        <p:nvSpPr>
+          <p:cNvPr id="3" name="Rectangular Callout 2">
+            <a:extLst>
+              <a:ext uri="{FF2B5EF4-FFF2-40B4-BE49-F238E27FC236}">
+                <a16:creationId xmlns:a16="http://schemas.microsoft.com/office/drawing/2014/main" id="{28AD2505-D354-7348-89AB-15593148450B}"/>
+              </a:ext>
+            </a:extLst>
+          </p:cNvPr>
+          <p:cNvSpPr/>
+          <p:nvPr/>
+        </p:nvSpPr>
+        <p:spPr>
+          <a:xfrm>
+            <a:off x="6480859" y="2828657"/>
+            <a:ext cx="3365052" cy="872173"/>
+          </a:xfrm>
+          <a:prstGeom prst="wedgeRectCallout">
+            <a:avLst>
+              <a:gd name="adj1" fmla="val -57582"/>
+              <a:gd name="adj2" fmla="val 99218"/>
+            </a:avLst>
+          </a:prstGeom>
+        </p:spPr>
+        <p:style>
+          <a:lnRef idx="2">
+            <a:schemeClr val="accent1">
+              <a:shade val="50000"/>
+            </a:schemeClr>
+          </a:lnRef>
+          <a:fillRef idx="1">
+            <a:schemeClr val="accent1"/>
+          </a:fillRef>
+          <a:effectRef idx="0">
+            <a:schemeClr val="accent1"/>
+          </a:effectRef>
+          <a:fontRef idx="minor">
+            <a:schemeClr val="lt1"/>
+          </a:fontRef>
+        </p:style>
+        <p:txBody>
+          <a:bodyPr rtlCol="0" anchor="ctr"/>
+          <a:lstStyle/>
+          <a:p>
+            <a:pPr algn="ctr"/>
+            <a:r>
+              <a:rPr lang="en-US" dirty="0"/>
+              <a:t>And we use them</a:t>
+            </a:r>
+          </a:p>
+        </p:txBody>
+      </p:sp>
+      <p:sp>
+        <p:nvSpPr>
+          <p:cNvPr id="4" name="Rectangle 3">
+            <a:extLst>
+              <a:ext uri="{FF2B5EF4-FFF2-40B4-BE49-F238E27FC236}">
+                <a16:creationId xmlns:a16="http://schemas.microsoft.com/office/drawing/2014/main" id="{70C0B69F-9C73-AE4A-A0C1-A6D499A0BABF}"/>
+              </a:ext>
+            </a:extLst>
+          </p:cNvPr>
+          <p:cNvSpPr/>
+          <p:nvPr/>
+        </p:nvSpPr>
+        <p:spPr>
+          <a:xfrm>
+            <a:off x="2122998" y="1518699"/>
+            <a:ext cx="4055165" cy="294198"/>
+          </a:xfrm>
+          <a:prstGeom prst="rect">
+            <a:avLst/>
+          </a:prstGeom>
+          <a:solidFill>
+            <a:srgbClr val="1E1E1E"/>
+          </a:solidFill>
+          <a:ln>
+            <a:noFill/>
+          </a:ln>
+        </p:spPr>
+        <p:style>
+          <a:lnRef idx="2">
+            <a:schemeClr val="accent1">
+              <a:shade val="50000"/>
+            </a:schemeClr>
+          </a:lnRef>
+          <a:fillRef idx="1">
+            <a:schemeClr val="accent1"/>
+          </a:fillRef>
+          <a:effectRef idx="0">
+            <a:schemeClr val="accent1"/>
+          </a:effectRef>
+          <a:fontRef idx="minor">
+            <a:schemeClr val="lt1"/>
+          </a:fontRef>
+        </p:style>
+        <p:txBody>
+          <a:bodyPr rtlCol="0" anchor="ctr"/>
+          <a:lstStyle/>
+          <a:p>
+            <a:pPr algn="ctr"/>
+            <a:endParaRPr lang="en-IL"/>
+          </a:p>
+        </p:txBody>
+      </p:sp>
+      <p:sp>
+        <p:nvSpPr>
+          <p:cNvPr id="6" name="Rectangle 5">
+            <a:extLst>
+              <a:ext uri="{FF2B5EF4-FFF2-40B4-BE49-F238E27FC236}">
+                <a16:creationId xmlns:a16="http://schemas.microsoft.com/office/drawing/2014/main" id="{9B58FDB6-C385-5947-A457-27AF42321F5E}"/>
+              </a:ext>
+            </a:extLst>
+          </p:cNvPr>
+          <p:cNvSpPr/>
+          <p:nvPr/>
+        </p:nvSpPr>
+        <p:spPr>
+          <a:xfrm>
+            <a:off x="2040835" y="5339301"/>
+            <a:ext cx="4055165" cy="294198"/>
+          </a:xfrm>
+          <a:prstGeom prst="rect">
+            <a:avLst/>
+          </a:prstGeom>
+          <a:solidFill>
+            <a:srgbClr val="1E1E1E"/>
+          </a:solidFill>
+          <a:ln>
+            <a:noFill/>
+          </a:ln>
+        </p:spPr>
+        <p:style>
+          <a:lnRef idx="2">
+            <a:schemeClr val="accent1">
+              <a:shade val="50000"/>
+            </a:schemeClr>
+          </a:lnRef>
+          <a:fillRef idx="1">
+            <a:schemeClr val="accent1"/>
+          </a:fillRef>
+          <a:effectRef idx="0">
+            <a:schemeClr val="accent1"/>
+          </a:effectRef>
+          <a:fontRef idx="minor">
+            <a:schemeClr val="lt1"/>
+          </a:fontRef>
+        </p:style>
+        <p:txBody>
+          <a:bodyPr rtlCol="0" anchor="ctr"/>
+          <a:lstStyle/>
+          <a:p>
+            <a:pPr algn="ctr"/>
+            <a:endParaRPr lang="en-IL"/>
+          </a:p>
+        </p:txBody>
+      </p:sp>
+    </p:spTree>
+    <p:extLst>
+      <p:ext uri="{BB962C8B-B14F-4D97-AF65-F5344CB8AC3E}">
+        <p14:creationId xmlns:p14="http://schemas.microsoft.com/office/powerpoint/2010/main" val="3019366888"/>
+      </p:ext>
+    </p:extLst>
+  </p:cSld>
+  <p:clrMapOvr>
+    <a:masterClrMapping/>
+  </p:clrMapOvr>
+</p:sld>
+</file>
+
 <file path=ppt/slides/slide4.xml><?xml version="1.0" encoding="utf-8"?>
 <p:sld xmlns:a="http://schemas.openxmlformats.org/drawingml/2006/main" xmlns:r="http://schemas.openxmlformats.org/officeDocument/2006/relationships" xmlns:p="http://schemas.openxmlformats.org/presentationml/2006/main">
   <p:cSld>
@@ -10574,6 +11515,616 @@
     <p:extLst>
       <p:ext uri="{BB962C8B-B14F-4D97-AF65-F5344CB8AC3E}">
         <p14:creationId xmlns:p14="http://schemas.microsoft.com/office/powerpoint/2010/main" val="2841829413"/>
+      </p:ext>
+    </p:extLst>
+  </p:cSld>
+  <p:clrMapOvr>
+    <a:masterClrMapping/>
+  </p:clrMapOvr>
+</p:sld>
+</file>
+
+<file path=ppt/slides/slide40.xml><?xml version="1.0" encoding="utf-8"?>
+<p:sld xmlns:a="http://schemas.openxmlformats.org/drawingml/2006/main" xmlns:r="http://schemas.openxmlformats.org/officeDocument/2006/relationships" xmlns:p="http://schemas.openxmlformats.org/presentationml/2006/main">
+  <p:cSld>
+    <p:spTree>
+      <p:nvGrpSpPr>
+        <p:cNvPr id="1" name=""/>
+        <p:cNvGrpSpPr/>
+        <p:nvPr/>
+      </p:nvGrpSpPr>
+      <p:grpSpPr>
+        <a:xfrm>
+          <a:off x="0" y="0"/>
+          <a:ext cx="0" cy="0"/>
+          <a:chOff x="0" y="0"/>
+          <a:chExt cx="0" cy="0"/>
+        </a:xfrm>
+      </p:grpSpPr>
+      <p:pic>
+        <p:nvPicPr>
+          <p:cNvPr id="3" name="Picture 2" descr="A screenshot of a computer&#10;&#10;Description automatically generated with medium confidence">
+            <a:extLst>
+              <a:ext uri="{FF2B5EF4-FFF2-40B4-BE49-F238E27FC236}">
+                <a16:creationId xmlns:a16="http://schemas.microsoft.com/office/drawing/2014/main" id="{246FC985-D9AD-6142-8571-14F4D82699F6}"/>
+              </a:ext>
+            </a:extLst>
+          </p:cNvPr>
+          <p:cNvPicPr>
+            <a:picLocks noChangeAspect="1"/>
+          </p:cNvPicPr>
+          <p:nvPr/>
+        </p:nvPicPr>
+        <p:blipFill>
+          <a:blip r:embed="rId2"/>
+          <a:stretch>
+            <a:fillRect/>
+          </a:stretch>
+        </p:blipFill>
+        <p:spPr>
+          <a:xfrm>
+            <a:off x="162666" y="849832"/>
+            <a:ext cx="11094236" cy="5405690"/>
+          </a:xfrm>
+          <a:prstGeom prst="rect">
+            <a:avLst/>
+          </a:prstGeom>
+        </p:spPr>
+      </p:pic>
+      <p:cxnSp>
+        <p:nvCxnSpPr>
+          <p:cNvPr id="5" name="Straight Connector 4">
+            <a:extLst>
+              <a:ext uri="{FF2B5EF4-FFF2-40B4-BE49-F238E27FC236}">
+                <a16:creationId xmlns:a16="http://schemas.microsoft.com/office/drawing/2014/main" id="{8C1F3A31-8E95-6249-87F0-C6A7C09D3548}"/>
+              </a:ext>
+            </a:extLst>
+          </p:cNvPr>
+          <p:cNvCxnSpPr/>
+          <p:nvPr/>
+        </p:nvCxnSpPr>
+        <p:spPr>
+          <a:xfrm>
+            <a:off x="2811566" y="1418602"/>
+            <a:ext cx="2879933" cy="0"/>
+          </a:xfrm>
+          <a:prstGeom prst="line">
+            <a:avLst/>
+          </a:prstGeom>
+          <a:ln w="76200">
+            <a:solidFill>
+              <a:schemeClr val="tx1"/>
+            </a:solidFill>
+          </a:ln>
+        </p:spPr>
+        <p:style>
+          <a:lnRef idx="1">
+            <a:schemeClr val="accent1"/>
+          </a:lnRef>
+          <a:fillRef idx="0">
+            <a:schemeClr val="accent1"/>
+          </a:fillRef>
+          <a:effectRef idx="0">
+            <a:schemeClr val="accent1"/>
+          </a:effectRef>
+          <a:fontRef idx="minor">
+            <a:schemeClr val="tx1"/>
+          </a:fontRef>
+        </p:style>
+      </p:cxnSp>
+    </p:spTree>
+    <p:extLst>
+      <p:ext uri="{BB962C8B-B14F-4D97-AF65-F5344CB8AC3E}">
+        <p14:creationId xmlns:p14="http://schemas.microsoft.com/office/powerpoint/2010/main" val="812874938"/>
+      </p:ext>
+    </p:extLst>
+  </p:cSld>
+  <p:clrMapOvr>
+    <a:masterClrMapping/>
+  </p:clrMapOvr>
+</p:sld>
+</file>
+
+<file path=ppt/slides/slide41.xml><?xml version="1.0" encoding="utf-8"?>
+<p:sld xmlns:a="http://schemas.openxmlformats.org/drawingml/2006/main" xmlns:r="http://schemas.openxmlformats.org/officeDocument/2006/relationships" xmlns:p="http://schemas.openxmlformats.org/presentationml/2006/main">
+  <p:cSld>
+    <p:spTree>
+      <p:nvGrpSpPr>
+        <p:cNvPr id="1" name=""/>
+        <p:cNvGrpSpPr/>
+        <p:nvPr/>
+      </p:nvGrpSpPr>
+      <p:grpSpPr>
+        <a:xfrm>
+          <a:off x="0" y="0"/>
+          <a:ext cx="0" cy="0"/>
+          <a:chOff x="0" y="0"/>
+          <a:chExt cx="0" cy="0"/>
+        </a:xfrm>
+      </p:grpSpPr>
+      <p:pic>
+        <p:nvPicPr>
+          <p:cNvPr id="3" name="Picture 2" descr="A screenshot of a computer&#10;&#10;Description automatically generated with medium confidence">
+            <a:extLst>
+              <a:ext uri="{FF2B5EF4-FFF2-40B4-BE49-F238E27FC236}">
+                <a16:creationId xmlns:a16="http://schemas.microsoft.com/office/drawing/2014/main" id="{246FC985-D9AD-6142-8571-14F4D82699F6}"/>
+              </a:ext>
+            </a:extLst>
+          </p:cNvPr>
+          <p:cNvPicPr>
+            <a:picLocks noChangeAspect="1"/>
+          </p:cNvPicPr>
+          <p:nvPr/>
+        </p:nvPicPr>
+        <p:blipFill>
+          <a:blip r:embed="rId2"/>
+          <a:stretch>
+            <a:fillRect/>
+          </a:stretch>
+        </p:blipFill>
+        <p:spPr>
+          <a:xfrm>
+            <a:off x="162666" y="849832"/>
+            <a:ext cx="11094236" cy="5405690"/>
+          </a:xfrm>
+          <a:prstGeom prst="rect">
+            <a:avLst/>
+          </a:prstGeom>
+        </p:spPr>
+      </p:pic>
+      <p:cxnSp>
+        <p:nvCxnSpPr>
+          <p:cNvPr id="5" name="Straight Connector 4">
+            <a:extLst>
+              <a:ext uri="{FF2B5EF4-FFF2-40B4-BE49-F238E27FC236}">
+                <a16:creationId xmlns:a16="http://schemas.microsoft.com/office/drawing/2014/main" id="{8C1F3A31-8E95-6249-87F0-C6A7C09D3548}"/>
+              </a:ext>
+            </a:extLst>
+          </p:cNvPr>
+          <p:cNvCxnSpPr/>
+          <p:nvPr/>
+        </p:nvCxnSpPr>
+        <p:spPr>
+          <a:xfrm>
+            <a:off x="2811566" y="1418602"/>
+            <a:ext cx="2879933" cy="0"/>
+          </a:xfrm>
+          <a:prstGeom prst="line">
+            <a:avLst/>
+          </a:prstGeom>
+          <a:ln w="76200">
+            <a:solidFill>
+              <a:schemeClr val="tx1"/>
+            </a:solidFill>
+          </a:ln>
+        </p:spPr>
+        <p:style>
+          <a:lnRef idx="1">
+            <a:schemeClr val="accent1"/>
+          </a:lnRef>
+          <a:fillRef idx="0">
+            <a:schemeClr val="accent1"/>
+          </a:fillRef>
+          <a:effectRef idx="0">
+            <a:schemeClr val="accent1"/>
+          </a:effectRef>
+          <a:fontRef idx="minor">
+            <a:schemeClr val="tx1"/>
+          </a:fontRef>
+        </p:style>
+      </p:cxnSp>
+      <p:sp>
+        <p:nvSpPr>
+          <p:cNvPr id="4" name="Rectangular Callout 3">
+            <a:extLst>
+              <a:ext uri="{FF2B5EF4-FFF2-40B4-BE49-F238E27FC236}">
+                <a16:creationId xmlns:a16="http://schemas.microsoft.com/office/drawing/2014/main" id="{A3549F7E-CF30-EB4B-B060-3CA670ADE28F}"/>
+              </a:ext>
+            </a:extLst>
+          </p:cNvPr>
+          <p:cNvSpPr/>
+          <p:nvPr/>
+        </p:nvSpPr>
+        <p:spPr>
+          <a:xfrm>
+            <a:off x="6353638" y="4736970"/>
+            <a:ext cx="3365052" cy="872173"/>
+          </a:xfrm>
+          <a:prstGeom prst="wedgeRectCallout">
+            <a:avLst>
+              <a:gd name="adj1" fmla="val -94444"/>
+              <a:gd name="adj2" fmla="val 41783"/>
+            </a:avLst>
+          </a:prstGeom>
+        </p:spPr>
+        <p:style>
+          <a:lnRef idx="2">
+            <a:schemeClr val="accent1">
+              <a:shade val="50000"/>
+            </a:schemeClr>
+          </a:lnRef>
+          <a:fillRef idx="1">
+            <a:schemeClr val="accent1"/>
+          </a:fillRef>
+          <a:effectRef idx="0">
+            <a:schemeClr val="accent1"/>
+          </a:effectRef>
+          <a:fontRef idx="minor">
+            <a:schemeClr val="lt1"/>
+          </a:fontRef>
+        </p:style>
+        <p:txBody>
+          <a:bodyPr rtlCol="0" anchor="ctr"/>
+          <a:lstStyle/>
+          <a:p>
+            <a:pPr algn="ctr"/>
+            <a:r>
+              <a:rPr lang="en-US" dirty="0"/>
+              <a:t>We export the router</a:t>
+            </a:r>
+          </a:p>
+        </p:txBody>
+      </p:sp>
+      <p:sp>
+        <p:nvSpPr>
+          <p:cNvPr id="6" name="Rectangular Callout 5">
+            <a:extLst>
+              <a:ext uri="{FF2B5EF4-FFF2-40B4-BE49-F238E27FC236}">
+                <a16:creationId xmlns:a16="http://schemas.microsoft.com/office/drawing/2014/main" id="{BC9A618B-7F03-ED44-968D-DA382A13A4FF}"/>
+              </a:ext>
+            </a:extLst>
+          </p:cNvPr>
+          <p:cNvSpPr/>
+          <p:nvPr/>
+        </p:nvSpPr>
+        <p:spPr>
+          <a:xfrm>
+            <a:off x="6353638" y="4736970"/>
+            <a:ext cx="3365052" cy="872173"/>
+          </a:xfrm>
+          <a:prstGeom prst="wedgeRectCallout">
+            <a:avLst>
+              <a:gd name="adj1" fmla="val -97043"/>
+              <a:gd name="adj2" fmla="val -86762"/>
+            </a:avLst>
+          </a:prstGeom>
+        </p:spPr>
+        <p:style>
+          <a:lnRef idx="2">
+            <a:schemeClr val="accent1">
+              <a:shade val="50000"/>
+            </a:schemeClr>
+          </a:lnRef>
+          <a:fillRef idx="1">
+            <a:schemeClr val="accent1"/>
+          </a:fillRef>
+          <a:effectRef idx="0">
+            <a:schemeClr val="accent1"/>
+          </a:effectRef>
+          <a:fontRef idx="minor">
+            <a:schemeClr val="lt1"/>
+          </a:fontRef>
+        </p:style>
+        <p:txBody>
+          <a:bodyPr rtlCol="0" anchor="ctr"/>
+          <a:lstStyle/>
+          <a:p>
+            <a:pPr algn="ctr"/>
+            <a:r>
+              <a:rPr lang="en-US" dirty="0"/>
+              <a:t>We export the router</a:t>
+            </a:r>
+          </a:p>
+        </p:txBody>
+      </p:sp>
+      <p:sp>
+        <p:nvSpPr>
+          <p:cNvPr id="7" name="Rectangular Callout 6">
+            <a:extLst>
+              <a:ext uri="{FF2B5EF4-FFF2-40B4-BE49-F238E27FC236}">
+                <a16:creationId xmlns:a16="http://schemas.microsoft.com/office/drawing/2014/main" id="{CC12DC4D-4CAB-624F-AA4E-A25F104D917A}"/>
+              </a:ext>
+            </a:extLst>
+          </p:cNvPr>
+          <p:cNvSpPr/>
+          <p:nvPr/>
+        </p:nvSpPr>
+        <p:spPr>
+          <a:xfrm>
+            <a:off x="7229607" y="2109836"/>
+            <a:ext cx="3365052" cy="872173"/>
+          </a:xfrm>
+          <a:prstGeom prst="wedgeRectCallout">
+            <a:avLst>
+              <a:gd name="adj1" fmla="val -94680"/>
+              <a:gd name="adj2" fmla="val 76426"/>
+            </a:avLst>
+          </a:prstGeom>
+        </p:spPr>
+        <p:style>
+          <a:lnRef idx="2">
+            <a:schemeClr val="accent1">
+              <a:shade val="50000"/>
+            </a:schemeClr>
+          </a:lnRef>
+          <a:fillRef idx="1">
+            <a:schemeClr val="accent1"/>
+          </a:fillRef>
+          <a:effectRef idx="0">
+            <a:schemeClr val="accent1"/>
+          </a:effectRef>
+          <a:fontRef idx="minor">
+            <a:schemeClr val="lt1"/>
+          </a:fontRef>
+        </p:style>
+        <p:txBody>
+          <a:bodyPr rtlCol="0" anchor="ctr"/>
+          <a:lstStyle/>
+          <a:p>
+            <a:pPr algn="ctr"/>
+            <a:r>
+              <a:rPr lang="en-US" dirty="0"/>
+              <a:t>We import the data (model)</a:t>
+            </a:r>
+          </a:p>
+        </p:txBody>
+      </p:sp>
+    </p:spTree>
+    <p:extLst>
+      <p:ext uri="{BB962C8B-B14F-4D97-AF65-F5344CB8AC3E}">
+        <p14:creationId xmlns:p14="http://schemas.microsoft.com/office/powerpoint/2010/main" val="2059462381"/>
+      </p:ext>
+    </p:extLst>
+  </p:cSld>
+  <p:clrMapOvr>
+    <a:masterClrMapping/>
+  </p:clrMapOvr>
+</p:sld>
+</file>
+
+<file path=ppt/slides/slide42.xml><?xml version="1.0" encoding="utf-8"?>
+<p:sld xmlns:a="http://schemas.openxmlformats.org/drawingml/2006/main" xmlns:r="http://schemas.openxmlformats.org/officeDocument/2006/relationships" xmlns:p="http://schemas.openxmlformats.org/presentationml/2006/main">
+  <p:cSld>
+    <p:spTree>
+      <p:nvGrpSpPr>
+        <p:cNvPr id="1" name=""/>
+        <p:cNvGrpSpPr/>
+        <p:nvPr/>
+      </p:nvGrpSpPr>
+      <p:grpSpPr>
+        <a:xfrm>
+          <a:off x="0" y="0"/>
+          <a:ext cx="0" cy="0"/>
+          <a:chOff x="0" y="0"/>
+          <a:chExt cx="0" cy="0"/>
+        </a:xfrm>
+      </p:grpSpPr>
+      <p:pic>
+        <p:nvPicPr>
+          <p:cNvPr id="8" name="Picture 7" descr="Text&#10;&#10;Description automatically generated">
+            <a:extLst>
+              <a:ext uri="{FF2B5EF4-FFF2-40B4-BE49-F238E27FC236}">
+                <a16:creationId xmlns:a16="http://schemas.microsoft.com/office/drawing/2014/main" id="{0387A51C-5B1E-824D-925C-04E44BE36E07}"/>
+              </a:ext>
+            </a:extLst>
+          </p:cNvPr>
+          <p:cNvPicPr>
+            <a:picLocks noChangeAspect="1"/>
+          </p:cNvPicPr>
+          <p:nvPr/>
+        </p:nvPicPr>
+        <p:blipFill>
+          <a:blip r:embed="rId2"/>
+          <a:stretch>
+            <a:fillRect/>
+          </a:stretch>
+        </p:blipFill>
+        <p:spPr>
+          <a:xfrm>
+            <a:off x="2118691" y="935989"/>
+            <a:ext cx="5065534" cy="3430911"/>
+          </a:xfrm>
+          <a:prstGeom prst="rect">
+            <a:avLst/>
+          </a:prstGeom>
+        </p:spPr>
+      </p:pic>
+      <p:sp>
+        <p:nvSpPr>
+          <p:cNvPr id="9" name="Rectangular Callout 8">
+            <a:extLst>
+              <a:ext uri="{FF2B5EF4-FFF2-40B4-BE49-F238E27FC236}">
+                <a16:creationId xmlns:a16="http://schemas.microsoft.com/office/drawing/2014/main" id="{98D3078B-8592-474D-9D05-89EBA11244E3}"/>
+              </a:ext>
+            </a:extLst>
+          </p:cNvPr>
+          <p:cNvSpPr/>
+          <p:nvPr/>
+        </p:nvSpPr>
+        <p:spPr>
+          <a:xfrm>
+            <a:off x="7229607" y="2109836"/>
+            <a:ext cx="3365052" cy="872173"/>
+          </a:xfrm>
+          <a:prstGeom prst="wedgeRectCallout">
+            <a:avLst>
+              <a:gd name="adj1" fmla="val -94207"/>
+              <a:gd name="adj2" fmla="val 96483"/>
+            </a:avLst>
+          </a:prstGeom>
+        </p:spPr>
+        <p:style>
+          <a:lnRef idx="2">
+            <a:schemeClr val="accent1">
+              <a:shade val="50000"/>
+            </a:schemeClr>
+          </a:lnRef>
+          <a:fillRef idx="1">
+            <a:schemeClr val="accent1"/>
+          </a:fillRef>
+          <a:effectRef idx="0">
+            <a:schemeClr val="accent1"/>
+          </a:effectRef>
+          <a:fontRef idx="minor">
+            <a:schemeClr val="lt1"/>
+          </a:fontRef>
+        </p:style>
+        <p:txBody>
+          <a:bodyPr rtlCol="0" anchor="ctr"/>
+          <a:lstStyle/>
+          <a:p>
+            <a:pPr algn="ctr"/>
+            <a:r>
+              <a:rPr lang="en-US" dirty="0"/>
+              <a:t>The route is composed from two pieces</a:t>
+            </a:r>
+          </a:p>
+        </p:txBody>
+      </p:sp>
+      <p:pic>
+        <p:nvPicPr>
+          <p:cNvPr id="11" name="Picture 10" descr="Graphical user interface, text&#10;&#10;Description automatically generated">
+            <a:extLst>
+              <a:ext uri="{FF2B5EF4-FFF2-40B4-BE49-F238E27FC236}">
+                <a16:creationId xmlns:a16="http://schemas.microsoft.com/office/drawing/2014/main" id="{8CD879DC-EDAA-FB48-BDA4-F08D9C681D26}"/>
+              </a:ext>
+            </a:extLst>
+          </p:cNvPr>
+          <p:cNvPicPr>
+            <a:picLocks noChangeAspect="1"/>
+          </p:cNvPicPr>
+          <p:nvPr/>
+        </p:nvPicPr>
+        <p:blipFill>
+          <a:blip r:embed="rId3"/>
+          <a:stretch>
+            <a:fillRect/>
+          </a:stretch>
+        </p:blipFill>
+        <p:spPr>
+          <a:xfrm>
+            <a:off x="1460664" y="5082028"/>
+            <a:ext cx="4059918" cy="839983"/>
+          </a:xfrm>
+          <a:prstGeom prst="rect">
+            <a:avLst/>
+          </a:prstGeom>
+        </p:spPr>
+      </p:pic>
+      <p:sp>
+        <p:nvSpPr>
+          <p:cNvPr id="12" name="TextBox 11">
+            <a:extLst>
+              <a:ext uri="{FF2B5EF4-FFF2-40B4-BE49-F238E27FC236}">
+                <a16:creationId xmlns:a16="http://schemas.microsoft.com/office/drawing/2014/main" id="{E024170D-7812-5B45-8B10-0F5ACDE3C403}"/>
+              </a:ext>
+            </a:extLst>
+          </p:cNvPr>
+          <p:cNvSpPr txBox="1"/>
+          <p:nvPr/>
+        </p:nvSpPr>
+        <p:spPr>
+          <a:xfrm>
+            <a:off x="1460664" y="4712696"/>
+            <a:ext cx="3743059" cy="369332"/>
+          </a:xfrm>
+          <a:prstGeom prst="rect">
+            <a:avLst/>
+          </a:prstGeom>
+          <a:noFill/>
+        </p:spPr>
+        <p:txBody>
+          <a:bodyPr wrap="square" rtlCol="0">
+            <a:spAutoFit/>
+          </a:bodyPr>
+          <a:lstStyle/>
+          <a:p>
+            <a:pPr algn="ctr"/>
+            <a:r>
+              <a:rPr lang="en-US" dirty="0"/>
+              <a:t>T</a:t>
+            </a:r>
+            <a:r>
+              <a:rPr lang="en-IL" dirty="0"/>
+              <a:t>he route in the server.js</a:t>
+            </a:r>
+          </a:p>
+        </p:txBody>
+      </p:sp>
+      <p:sp>
+        <p:nvSpPr>
+          <p:cNvPr id="14" name="TextBox 13">
+            <a:extLst>
+              <a:ext uri="{FF2B5EF4-FFF2-40B4-BE49-F238E27FC236}">
+                <a16:creationId xmlns:a16="http://schemas.microsoft.com/office/drawing/2014/main" id="{74131A20-5487-3C4E-ACCD-C679342A1851}"/>
+              </a:ext>
+            </a:extLst>
+          </p:cNvPr>
+          <p:cNvSpPr txBox="1"/>
+          <p:nvPr/>
+        </p:nvSpPr>
+        <p:spPr>
+          <a:xfrm>
+            <a:off x="6932487" y="4712696"/>
+            <a:ext cx="3743059" cy="369332"/>
+          </a:xfrm>
+          <a:prstGeom prst="rect">
+            <a:avLst/>
+          </a:prstGeom>
+          <a:noFill/>
+        </p:spPr>
+        <p:txBody>
+          <a:bodyPr wrap="square" rtlCol="0">
+            <a:spAutoFit/>
+          </a:bodyPr>
+          <a:lstStyle/>
+          <a:p>
+            <a:pPr algn="ctr"/>
+            <a:r>
+              <a:rPr lang="en-US" dirty="0"/>
+              <a:t>T</a:t>
+            </a:r>
+            <a:r>
+              <a:rPr lang="en-IL" dirty="0"/>
+              <a:t>he route in the routeBeaches.js</a:t>
+            </a:r>
+          </a:p>
+        </p:txBody>
+      </p:sp>
+      <p:pic>
+        <p:nvPicPr>
+          <p:cNvPr id="16" name="Picture 15" descr="Text&#10;&#10;Description automatically generated">
+            <a:extLst>
+              <a:ext uri="{FF2B5EF4-FFF2-40B4-BE49-F238E27FC236}">
+                <a16:creationId xmlns:a16="http://schemas.microsoft.com/office/drawing/2014/main" id="{6AF5EF7B-AA12-F541-83DE-A1BBC8268F58}"/>
+              </a:ext>
+            </a:extLst>
+          </p:cNvPr>
+          <p:cNvPicPr>
+            <a:picLocks noChangeAspect="1"/>
+          </p:cNvPicPr>
+          <p:nvPr/>
+        </p:nvPicPr>
+        <p:blipFill>
+          <a:blip r:embed="rId4"/>
+          <a:stretch>
+            <a:fillRect/>
+          </a:stretch>
+        </p:blipFill>
+        <p:spPr>
+          <a:xfrm>
+            <a:off x="6774057" y="5068538"/>
+            <a:ext cx="4059918" cy="866962"/>
+          </a:xfrm>
+          <a:prstGeom prst="rect">
+            <a:avLst/>
+          </a:prstGeom>
+        </p:spPr>
+      </p:pic>
+    </p:spTree>
+    <p:extLst>
+      <p:ext uri="{BB962C8B-B14F-4D97-AF65-F5344CB8AC3E}">
+        <p14:creationId xmlns:p14="http://schemas.microsoft.com/office/powerpoint/2010/main" val="3396450514"/>
       </p:ext>
     </p:extLst>
   </p:cSld>

--- a/05-Node/03-express/00-presentation/express-recap.pptx
+++ b/05-Node/03-express/00-presentation/express-recap.pptx
@@ -47,6 +47,15 @@
     <p:sldId id="297" r:id="rId41"/>
     <p:sldId id="298" r:id="rId42"/>
     <p:sldId id="299" r:id="rId43"/>
+    <p:sldId id="303" r:id="rId44"/>
+    <p:sldId id="301" r:id="rId45"/>
+    <p:sldId id="305" r:id="rId46"/>
+    <p:sldId id="306" r:id="rId47"/>
+    <p:sldId id="302" r:id="rId48"/>
+    <p:sldId id="304" r:id="rId49"/>
+    <p:sldId id="307" r:id="rId50"/>
+    <p:sldId id="309" r:id="rId51"/>
+    <p:sldId id="310" r:id="rId52"/>
   </p:sldIdLst>
   <p:sldSz cx="12192000" cy="6858000"/>
   <p:notesSz cx="6858000" cy="9144000"/>
@@ -367,7 +376,7 @@
             <a:fld id="{B61BEF0D-F0BB-DE4B-95CE-6DB70DBA9567}" type="datetimeFigureOut">
               <a:rPr lang="en-US" dirty="0"/>
               <a:pPr/>
-              <a:t>8/4/21</a:t>
+              <a:t>8/6/21</a:t>
             </a:fld>
             <a:endParaRPr lang="en-US" dirty="0"/>
           </a:p>
@@ -655,7 +664,7 @@
             <a:fld id="{B61BEF0D-F0BB-DE4B-95CE-6DB70DBA9567}" type="datetimeFigureOut">
               <a:rPr lang="en-US" dirty="0"/>
               <a:pPr/>
-              <a:t>8/4/21</a:t>
+              <a:t>8/6/21</a:t>
             </a:fld>
             <a:endParaRPr lang="en-US" dirty="0"/>
           </a:p>
@@ -911,7 +920,7 @@
             <a:fld id="{B61BEF0D-F0BB-DE4B-95CE-6DB70DBA9567}" type="datetimeFigureOut">
               <a:rPr lang="en-US" dirty="0"/>
               <a:pPr/>
-              <a:t>8/4/21</a:t>
+              <a:t>8/6/21</a:t>
             </a:fld>
             <a:endParaRPr lang="en-US" dirty="0"/>
           </a:p>
@@ -1377,7 +1386,7 @@
             <a:fld id="{B61BEF0D-F0BB-DE4B-95CE-6DB70DBA9567}" type="datetimeFigureOut">
               <a:rPr lang="en-US" dirty="0"/>
               <a:pPr/>
-              <a:t>8/4/21</a:t>
+              <a:t>8/6/21</a:t>
             </a:fld>
             <a:endParaRPr lang="en-US" dirty="0"/>
           </a:p>
@@ -1554,7 +1563,7 @@
             <a:fld id="{B61BEF0D-F0BB-DE4B-95CE-6DB70DBA9567}" type="datetimeFigureOut">
               <a:rPr lang="en-US" dirty="0"/>
               <a:pPr/>
-              <a:t>8/4/21</a:t>
+              <a:t>8/6/21</a:t>
             </a:fld>
             <a:endParaRPr lang="en-US" dirty="0"/>
           </a:p>
@@ -2127,7 +2136,7 @@
             <a:fld id="{B61BEF0D-F0BB-DE4B-95CE-6DB70DBA9567}" type="datetimeFigureOut">
               <a:rPr lang="en-US" dirty="0"/>
               <a:pPr/>
-              <a:t>8/4/21</a:t>
+              <a:t>8/6/21</a:t>
             </a:fld>
             <a:endParaRPr lang="en-US" dirty="0"/>
           </a:p>
@@ -2456,7 +2465,7 @@
             <a:fld id="{B61BEF0D-F0BB-DE4B-95CE-6DB70DBA9567}" type="datetimeFigureOut">
               <a:rPr lang="en-US" dirty="0"/>
               <a:pPr/>
-              <a:t>8/4/21</a:t>
+              <a:t>8/6/21</a:t>
             </a:fld>
             <a:endParaRPr lang="en-US" dirty="0"/>
           </a:p>
@@ -2628,7 +2637,7 @@
             <a:fld id="{B61BEF0D-F0BB-DE4B-95CE-6DB70DBA9567}" type="datetimeFigureOut">
               <a:rPr lang="en-US" dirty="0"/>
               <a:pPr/>
-              <a:t>8/4/21</a:t>
+              <a:t>8/6/21</a:t>
             </a:fld>
             <a:endParaRPr lang="en-US" dirty="0"/>
           </a:p>
@@ -2805,7 +2814,7 @@
             <a:fld id="{B61BEF0D-F0BB-DE4B-95CE-6DB70DBA9567}" type="datetimeFigureOut">
               <a:rPr lang="en-US" dirty="0"/>
               <a:pPr/>
-              <a:t>8/4/21</a:t>
+              <a:t>8/6/21</a:t>
             </a:fld>
             <a:endParaRPr lang="en-US" dirty="0"/>
           </a:p>
@@ -2972,7 +2981,7 @@
             <a:fld id="{B61BEF0D-F0BB-DE4B-95CE-6DB70DBA9567}" type="datetimeFigureOut">
               <a:rPr lang="en-US" dirty="0"/>
               <a:pPr/>
-              <a:t>8/4/21</a:t>
+              <a:t>8/6/21</a:t>
             </a:fld>
             <a:endParaRPr lang="en-US" dirty="0"/>
           </a:p>
@@ -3226,7 +3235,7 @@
             <a:fld id="{B61BEF0D-F0BB-DE4B-95CE-6DB70DBA9567}" type="datetimeFigureOut">
               <a:rPr lang="en-US" dirty="0"/>
               <a:pPr/>
-              <a:t>8/4/21</a:t>
+              <a:t>8/6/21</a:t>
             </a:fld>
             <a:endParaRPr lang="en-US" dirty="0"/>
           </a:p>
@@ -3515,7 +3524,7 @@
             <a:fld id="{B61BEF0D-F0BB-DE4B-95CE-6DB70DBA9567}" type="datetimeFigureOut">
               <a:rPr lang="en-US" dirty="0"/>
               <a:pPr/>
-              <a:t>8/4/21</a:t>
+              <a:t>8/6/21</a:t>
             </a:fld>
             <a:endParaRPr lang="en-US" dirty="0"/>
           </a:p>
@@ -3942,7 +3951,7 @@
             <a:fld id="{B61BEF0D-F0BB-DE4B-95CE-6DB70DBA9567}" type="datetimeFigureOut">
               <a:rPr lang="en-US" dirty="0"/>
               <a:pPr/>
-              <a:t>8/4/21</a:t>
+              <a:t>8/6/21</a:t>
             </a:fld>
             <a:endParaRPr lang="en-US" dirty="0"/>
           </a:p>
@@ -4057,7 +4066,7 @@
             <a:fld id="{B61BEF0D-F0BB-DE4B-95CE-6DB70DBA9567}" type="datetimeFigureOut">
               <a:rPr lang="en-US" dirty="0"/>
               <a:pPr/>
-              <a:t>8/4/21</a:t>
+              <a:t>8/6/21</a:t>
             </a:fld>
             <a:endParaRPr lang="en-US" dirty="0"/>
           </a:p>
@@ -4149,7 +4158,7 @@
             <a:fld id="{B61BEF0D-F0BB-DE4B-95CE-6DB70DBA9567}" type="datetimeFigureOut">
               <a:rPr lang="en-US" dirty="0"/>
               <a:pPr/>
-              <a:t>8/4/21</a:t>
+              <a:t>8/6/21</a:t>
             </a:fld>
             <a:endParaRPr lang="en-US" dirty="0"/>
           </a:p>
@@ -4429,7 +4438,7 @@
             <a:fld id="{B61BEF0D-F0BB-DE4B-95CE-6DB70DBA9567}" type="datetimeFigureOut">
               <a:rPr lang="en-US" dirty="0"/>
               <a:pPr/>
-              <a:t>8/4/21</a:t>
+              <a:t>8/6/21</a:t>
             </a:fld>
             <a:endParaRPr lang="en-US" dirty="0"/>
           </a:p>
@@ -4717,7 +4726,7 @@
             <a:fld id="{B61BEF0D-F0BB-DE4B-95CE-6DB70DBA9567}" type="datetimeFigureOut">
               <a:rPr lang="en-US" dirty="0"/>
               <a:pPr/>
-              <a:t>8/4/21</a:t>
+              <a:t>8/6/21</a:t>
             </a:fld>
             <a:endParaRPr lang="en-US" dirty="0"/>
           </a:p>
@@ -4945,7 +4954,7 @@
             <a:fld id="{B61BEF0D-F0BB-DE4B-95CE-6DB70DBA9567}" type="datetimeFigureOut">
               <a:rPr lang="en-US" dirty="0"/>
               <a:pPr/>
-              <a:t>8/4/21</a:t>
+              <a:t>8/6/21</a:t>
             </a:fld>
             <a:endParaRPr lang="en-US" dirty="0"/>
           </a:p>
@@ -12134,6 +12143,2197 @@
 </p:sld>
 </file>
 
+<file path=ppt/slides/slide43.xml><?xml version="1.0" encoding="utf-8"?>
+<p:sld xmlns:a="http://schemas.openxmlformats.org/drawingml/2006/main" xmlns:r="http://schemas.openxmlformats.org/officeDocument/2006/relationships" xmlns:p="http://schemas.openxmlformats.org/presentationml/2006/main">
+  <p:cSld>
+    <p:spTree>
+      <p:nvGrpSpPr>
+        <p:cNvPr id="1" name=""/>
+        <p:cNvGrpSpPr/>
+        <p:nvPr/>
+      </p:nvGrpSpPr>
+      <p:grpSpPr>
+        <a:xfrm>
+          <a:off x="0" y="0"/>
+          <a:ext cx="0" cy="0"/>
+          <a:chOff x="0" y="0"/>
+          <a:chExt cx="0" cy="0"/>
+        </a:xfrm>
+      </p:grpSpPr>
+      <p:sp>
+        <p:nvSpPr>
+          <p:cNvPr id="2" name="Title 1">
+            <a:extLst>
+              <a:ext uri="{FF2B5EF4-FFF2-40B4-BE49-F238E27FC236}">
+                <a16:creationId xmlns:a16="http://schemas.microsoft.com/office/drawing/2014/main" id="{AD0D5AB6-0095-0642-ADEA-A59C678F1A19}"/>
+              </a:ext>
+            </a:extLst>
+          </p:cNvPr>
+          <p:cNvSpPr>
+            <a:spLocks noGrp="1"/>
+          </p:cNvSpPr>
+          <p:nvPr>
+            <p:ph type="ctrTitle"/>
+          </p:nvPr>
+        </p:nvSpPr>
+        <p:spPr/>
+        <p:txBody>
+          <a:bodyPr/>
+          <a:lstStyle/>
+          <a:p>
+            <a:r>
+              <a:rPr lang="en-IL" dirty="0"/>
+              <a:t>Cookies</a:t>
+            </a:r>
+          </a:p>
+        </p:txBody>
+      </p:sp>
+      <p:sp>
+        <p:nvSpPr>
+          <p:cNvPr id="3" name="Subtitle 2">
+            <a:extLst>
+              <a:ext uri="{FF2B5EF4-FFF2-40B4-BE49-F238E27FC236}">
+                <a16:creationId xmlns:a16="http://schemas.microsoft.com/office/drawing/2014/main" id="{E04749F2-13AF-B847-A0A7-629C6727AD0E}"/>
+              </a:ext>
+            </a:extLst>
+          </p:cNvPr>
+          <p:cNvSpPr>
+            <a:spLocks noGrp="1"/>
+          </p:cNvSpPr>
+          <p:nvPr>
+            <p:ph type="subTitle" idx="1"/>
+          </p:nvPr>
+        </p:nvSpPr>
+        <p:spPr/>
+        <p:txBody>
+          <a:bodyPr/>
+          <a:lstStyle/>
+          <a:p>
+            <a:endParaRPr lang="en-IL"/>
+          </a:p>
+        </p:txBody>
+      </p:sp>
+    </p:spTree>
+    <p:extLst>
+      <p:ext uri="{BB962C8B-B14F-4D97-AF65-F5344CB8AC3E}">
+        <p14:creationId xmlns:p14="http://schemas.microsoft.com/office/powerpoint/2010/main" val="3596908897"/>
+      </p:ext>
+    </p:extLst>
+  </p:cSld>
+  <p:clrMapOvr>
+    <a:masterClrMapping/>
+  </p:clrMapOvr>
+</p:sld>
+</file>
+
+<file path=ppt/slides/slide44.xml><?xml version="1.0" encoding="utf-8"?>
+<p:sld xmlns:a="http://schemas.openxmlformats.org/drawingml/2006/main" xmlns:r="http://schemas.openxmlformats.org/officeDocument/2006/relationships" xmlns:p="http://schemas.openxmlformats.org/presentationml/2006/main">
+  <p:cSld>
+    <p:spTree>
+      <p:nvGrpSpPr>
+        <p:cNvPr id="1" name=""/>
+        <p:cNvGrpSpPr/>
+        <p:nvPr/>
+      </p:nvGrpSpPr>
+      <p:grpSpPr>
+        <a:xfrm>
+          <a:off x="0" y="0"/>
+          <a:ext cx="0" cy="0"/>
+          <a:chOff x="0" y="0"/>
+          <a:chExt cx="0" cy="0"/>
+        </a:xfrm>
+      </p:grpSpPr>
+      <p:pic>
+        <p:nvPicPr>
+          <p:cNvPr id="3" name="Graphic 2" descr="Server outline">
+            <a:extLst>
+              <a:ext uri="{FF2B5EF4-FFF2-40B4-BE49-F238E27FC236}">
+                <a16:creationId xmlns:a16="http://schemas.microsoft.com/office/drawing/2014/main" id="{4BC2E5F7-4CE4-8C47-8EEC-33074A760BED}"/>
+              </a:ext>
+            </a:extLst>
+          </p:cNvPr>
+          <p:cNvPicPr>
+            <a:picLocks noChangeAspect="1"/>
+          </p:cNvPicPr>
+          <p:nvPr/>
+        </p:nvPicPr>
+        <p:blipFill>
+          <a:blip r:embed="rId2">
+            <a:extLst>
+              <a:ext uri="{96DAC541-7B7A-43D3-8B79-37D633B846F1}">
+                <asvg:svgBlip xmlns:asvg="http://schemas.microsoft.com/office/drawing/2016/SVG/main" r:embed="rId3"/>
+              </a:ext>
+            </a:extLst>
+          </a:blip>
+          <a:stretch>
+            <a:fillRect/>
+          </a:stretch>
+        </p:blipFill>
+        <p:spPr>
+          <a:xfrm>
+            <a:off x="7904152" y="2682732"/>
+            <a:ext cx="2667492" cy="2667492"/>
+          </a:xfrm>
+          <a:prstGeom prst="rect">
+            <a:avLst/>
+          </a:prstGeom>
+        </p:spPr>
+      </p:pic>
+      <p:pic>
+        <p:nvPicPr>
+          <p:cNvPr id="5" name="Graphic 4" descr="Internet outline">
+            <a:extLst>
+              <a:ext uri="{FF2B5EF4-FFF2-40B4-BE49-F238E27FC236}">
+                <a16:creationId xmlns:a16="http://schemas.microsoft.com/office/drawing/2014/main" id="{7C114315-A9F8-C347-AE0E-B627E732CF13}"/>
+              </a:ext>
+            </a:extLst>
+          </p:cNvPr>
+          <p:cNvPicPr>
+            <a:picLocks noChangeAspect="1"/>
+          </p:cNvPicPr>
+          <p:nvPr/>
+        </p:nvPicPr>
+        <p:blipFill>
+          <a:blip r:embed="rId4">
+            <a:extLst>
+              <a:ext uri="{96DAC541-7B7A-43D3-8B79-37D633B846F1}">
+                <asvg:svgBlip xmlns:asvg="http://schemas.microsoft.com/office/drawing/2016/SVG/main" r:embed="rId5"/>
+              </a:ext>
+            </a:extLst>
+          </a:blip>
+          <a:stretch>
+            <a:fillRect/>
+          </a:stretch>
+        </p:blipFill>
+        <p:spPr>
+          <a:xfrm>
+            <a:off x="3438341" y="771341"/>
+            <a:ext cx="2225040" cy="2225040"/>
+          </a:xfrm>
+          <a:prstGeom prst="rect">
+            <a:avLst/>
+          </a:prstGeom>
+        </p:spPr>
+      </p:pic>
+      <p:pic>
+        <p:nvPicPr>
+          <p:cNvPr id="7" name="Graphic 6" descr="Browser window outline">
+            <a:extLst>
+              <a:ext uri="{FF2B5EF4-FFF2-40B4-BE49-F238E27FC236}">
+                <a16:creationId xmlns:a16="http://schemas.microsoft.com/office/drawing/2014/main" id="{B0E67CC6-DEB0-BC4A-A4C5-3622A83C5BD1}"/>
+              </a:ext>
+            </a:extLst>
+          </p:cNvPr>
+          <p:cNvPicPr>
+            <a:picLocks noChangeAspect="1"/>
+          </p:cNvPicPr>
+          <p:nvPr/>
+        </p:nvPicPr>
+        <p:blipFill>
+          <a:blip r:embed="rId6">
+            <a:extLst>
+              <a:ext uri="{96DAC541-7B7A-43D3-8B79-37D633B846F1}">
+                <asvg:svgBlip xmlns:asvg="http://schemas.microsoft.com/office/drawing/2016/SVG/main" r:embed="rId7"/>
+              </a:ext>
+            </a:extLst>
+          </a:blip>
+          <a:stretch>
+            <a:fillRect/>
+          </a:stretch>
+        </p:blipFill>
+        <p:spPr>
+          <a:xfrm>
+            <a:off x="672527" y="622382"/>
+            <a:ext cx="1703930" cy="1703930"/>
+          </a:xfrm>
+          <a:prstGeom prst="rect">
+            <a:avLst/>
+          </a:prstGeom>
+        </p:spPr>
+      </p:pic>
+      <p:cxnSp>
+        <p:nvCxnSpPr>
+          <p:cNvPr id="12" name="Straight Connector 11">
+            <a:extLst>
+              <a:ext uri="{FF2B5EF4-FFF2-40B4-BE49-F238E27FC236}">
+                <a16:creationId xmlns:a16="http://schemas.microsoft.com/office/drawing/2014/main" id="{FFC0F495-FC45-324F-8353-4F4ADFDE3F83}"/>
+              </a:ext>
+            </a:extLst>
+          </p:cNvPr>
+          <p:cNvCxnSpPr>
+            <a:endCxn id="5" idx="1"/>
+          </p:cNvCxnSpPr>
+          <p:nvPr/>
+        </p:nvCxnSpPr>
+        <p:spPr>
+          <a:xfrm>
+            <a:off x="2430534" y="1468939"/>
+            <a:ext cx="1007807" cy="414922"/>
+          </a:xfrm>
+          <a:prstGeom prst="line">
+            <a:avLst/>
+          </a:prstGeom>
+          <a:ln>
+            <a:solidFill>
+              <a:schemeClr val="tx1"/>
+            </a:solidFill>
+          </a:ln>
+        </p:spPr>
+        <p:style>
+          <a:lnRef idx="1">
+            <a:schemeClr val="accent1"/>
+          </a:lnRef>
+          <a:fillRef idx="0">
+            <a:schemeClr val="accent1"/>
+          </a:fillRef>
+          <a:effectRef idx="0">
+            <a:schemeClr val="accent1"/>
+          </a:effectRef>
+          <a:fontRef idx="minor">
+            <a:schemeClr val="tx1"/>
+          </a:fontRef>
+        </p:style>
+      </p:cxnSp>
+      <p:cxnSp>
+        <p:nvCxnSpPr>
+          <p:cNvPr id="13" name="Straight Connector 12">
+            <a:extLst>
+              <a:ext uri="{FF2B5EF4-FFF2-40B4-BE49-F238E27FC236}">
+                <a16:creationId xmlns:a16="http://schemas.microsoft.com/office/drawing/2014/main" id="{6CC220BC-B99B-004B-AFDE-9F62C109744E}"/>
+              </a:ext>
+            </a:extLst>
+          </p:cNvPr>
+          <p:cNvCxnSpPr>
+            <a:cxnSpLocks/>
+            <a:stCxn id="5" idx="3"/>
+            <a:endCxn id="3" idx="1"/>
+          </p:cNvCxnSpPr>
+          <p:nvPr/>
+        </p:nvCxnSpPr>
+        <p:spPr>
+          <a:xfrm>
+            <a:off x="5663381" y="1883861"/>
+            <a:ext cx="2240771" cy="2132617"/>
+          </a:xfrm>
+          <a:prstGeom prst="line">
+            <a:avLst/>
+          </a:prstGeom>
+          <a:ln>
+            <a:solidFill>
+              <a:schemeClr val="tx1"/>
+            </a:solidFill>
+          </a:ln>
+        </p:spPr>
+        <p:style>
+          <a:lnRef idx="1">
+            <a:schemeClr val="accent1"/>
+          </a:lnRef>
+          <a:fillRef idx="0">
+            <a:schemeClr val="accent1"/>
+          </a:fillRef>
+          <a:effectRef idx="0">
+            <a:schemeClr val="accent1"/>
+          </a:effectRef>
+          <a:fontRef idx="minor">
+            <a:schemeClr val="tx1"/>
+          </a:fontRef>
+        </p:style>
+      </p:cxnSp>
+    </p:spTree>
+    <p:extLst>
+      <p:ext uri="{BB962C8B-B14F-4D97-AF65-F5344CB8AC3E}">
+        <p14:creationId xmlns:p14="http://schemas.microsoft.com/office/powerpoint/2010/main" val="3426274299"/>
+      </p:ext>
+    </p:extLst>
+  </p:cSld>
+  <p:clrMapOvr>
+    <a:masterClrMapping/>
+  </p:clrMapOvr>
+</p:sld>
+</file>
+
+<file path=ppt/slides/slide45.xml><?xml version="1.0" encoding="utf-8"?>
+<p:sld xmlns:a="http://schemas.openxmlformats.org/drawingml/2006/main" xmlns:r="http://schemas.openxmlformats.org/officeDocument/2006/relationships" xmlns:p="http://schemas.openxmlformats.org/presentationml/2006/main">
+  <p:cSld>
+    <p:spTree>
+      <p:nvGrpSpPr>
+        <p:cNvPr id="1" name=""/>
+        <p:cNvGrpSpPr/>
+        <p:nvPr/>
+      </p:nvGrpSpPr>
+      <p:grpSpPr>
+        <a:xfrm>
+          <a:off x="0" y="0"/>
+          <a:ext cx="0" cy="0"/>
+          <a:chOff x="0" y="0"/>
+          <a:chExt cx="0" cy="0"/>
+        </a:xfrm>
+      </p:grpSpPr>
+      <p:pic>
+        <p:nvPicPr>
+          <p:cNvPr id="3" name="Graphic 2" descr="Server outline">
+            <a:extLst>
+              <a:ext uri="{FF2B5EF4-FFF2-40B4-BE49-F238E27FC236}">
+                <a16:creationId xmlns:a16="http://schemas.microsoft.com/office/drawing/2014/main" id="{4BC2E5F7-4CE4-8C47-8EEC-33074A760BED}"/>
+              </a:ext>
+            </a:extLst>
+          </p:cNvPr>
+          <p:cNvPicPr>
+            <a:picLocks noChangeAspect="1"/>
+          </p:cNvPicPr>
+          <p:nvPr/>
+        </p:nvPicPr>
+        <p:blipFill>
+          <a:blip r:embed="rId2">
+            <a:extLst>
+              <a:ext uri="{96DAC541-7B7A-43D3-8B79-37D633B846F1}">
+                <asvg:svgBlip xmlns:asvg="http://schemas.microsoft.com/office/drawing/2016/SVG/main" r:embed="rId3"/>
+              </a:ext>
+            </a:extLst>
+          </a:blip>
+          <a:stretch>
+            <a:fillRect/>
+          </a:stretch>
+        </p:blipFill>
+        <p:spPr>
+          <a:xfrm>
+            <a:off x="7904152" y="2682732"/>
+            <a:ext cx="2667492" cy="2667492"/>
+          </a:xfrm>
+          <a:prstGeom prst="rect">
+            <a:avLst/>
+          </a:prstGeom>
+        </p:spPr>
+      </p:pic>
+      <p:pic>
+        <p:nvPicPr>
+          <p:cNvPr id="5" name="Graphic 4" descr="Internet outline">
+            <a:extLst>
+              <a:ext uri="{FF2B5EF4-FFF2-40B4-BE49-F238E27FC236}">
+                <a16:creationId xmlns:a16="http://schemas.microsoft.com/office/drawing/2014/main" id="{7C114315-A9F8-C347-AE0E-B627E732CF13}"/>
+              </a:ext>
+            </a:extLst>
+          </p:cNvPr>
+          <p:cNvPicPr>
+            <a:picLocks noChangeAspect="1"/>
+          </p:cNvPicPr>
+          <p:nvPr/>
+        </p:nvPicPr>
+        <p:blipFill>
+          <a:blip r:embed="rId4">
+            <a:extLst>
+              <a:ext uri="{96DAC541-7B7A-43D3-8B79-37D633B846F1}">
+                <asvg:svgBlip xmlns:asvg="http://schemas.microsoft.com/office/drawing/2016/SVG/main" r:embed="rId5"/>
+              </a:ext>
+            </a:extLst>
+          </a:blip>
+          <a:stretch>
+            <a:fillRect/>
+          </a:stretch>
+        </p:blipFill>
+        <p:spPr>
+          <a:xfrm>
+            <a:off x="3438341" y="771341"/>
+            <a:ext cx="2225040" cy="2225040"/>
+          </a:xfrm>
+          <a:prstGeom prst="rect">
+            <a:avLst/>
+          </a:prstGeom>
+        </p:spPr>
+      </p:pic>
+      <p:pic>
+        <p:nvPicPr>
+          <p:cNvPr id="7" name="Graphic 6" descr="Browser window outline">
+            <a:extLst>
+              <a:ext uri="{FF2B5EF4-FFF2-40B4-BE49-F238E27FC236}">
+                <a16:creationId xmlns:a16="http://schemas.microsoft.com/office/drawing/2014/main" id="{B0E67CC6-DEB0-BC4A-A4C5-3622A83C5BD1}"/>
+              </a:ext>
+            </a:extLst>
+          </p:cNvPr>
+          <p:cNvPicPr>
+            <a:picLocks noChangeAspect="1"/>
+          </p:cNvPicPr>
+          <p:nvPr/>
+        </p:nvPicPr>
+        <p:blipFill>
+          <a:blip r:embed="rId6">
+            <a:extLst>
+              <a:ext uri="{96DAC541-7B7A-43D3-8B79-37D633B846F1}">
+                <asvg:svgBlip xmlns:asvg="http://schemas.microsoft.com/office/drawing/2016/SVG/main" r:embed="rId7"/>
+              </a:ext>
+            </a:extLst>
+          </a:blip>
+          <a:stretch>
+            <a:fillRect/>
+          </a:stretch>
+        </p:blipFill>
+        <p:spPr>
+          <a:xfrm>
+            <a:off x="672527" y="622382"/>
+            <a:ext cx="1703930" cy="1703930"/>
+          </a:xfrm>
+          <a:prstGeom prst="rect">
+            <a:avLst/>
+          </a:prstGeom>
+        </p:spPr>
+      </p:pic>
+      <p:pic>
+        <p:nvPicPr>
+          <p:cNvPr id="9" name="Graphic 8" descr="Fortune cookie outline">
+            <a:extLst>
+              <a:ext uri="{FF2B5EF4-FFF2-40B4-BE49-F238E27FC236}">
+                <a16:creationId xmlns:a16="http://schemas.microsoft.com/office/drawing/2014/main" id="{2D57CB27-2C23-E34E-908D-96A3ADADB579}"/>
+              </a:ext>
+            </a:extLst>
+          </p:cNvPr>
+          <p:cNvPicPr>
+            <a:picLocks noChangeAspect="1"/>
+          </p:cNvPicPr>
+          <p:nvPr/>
+        </p:nvPicPr>
+        <p:blipFill>
+          <a:blip r:embed="rId8">
+            <a:extLst>
+              <a:ext uri="{96DAC541-7B7A-43D3-8B79-37D633B846F1}">
+                <asvg:svgBlip xmlns:asvg="http://schemas.microsoft.com/office/drawing/2016/SVG/main" r:embed="rId9"/>
+              </a:ext>
+            </a:extLst>
+          </a:blip>
+          <a:stretch>
+            <a:fillRect/>
+          </a:stretch>
+        </p:blipFill>
+        <p:spPr>
+          <a:xfrm>
+            <a:off x="8499988" y="2501327"/>
+            <a:ext cx="544216" cy="544216"/>
+          </a:xfrm>
+          <a:prstGeom prst="rect">
+            <a:avLst/>
+          </a:prstGeom>
+        </p:spPr>
+      </p:pic>
+      <p:sp>
+        <p:nvSpPr>
+          <p:cNvPr id="10" name="TextBox 9">
+            <a:extLst>
+              <a:ext uri="{FF2B5EF4-FFF2-40B4-BE49-F238E27FC236}">
+                <a16:creationId xmlns:a16="http://schemas.microsoft.com/office/drawing/2014/main" id="{8B01FC15-4D16-2B4A-8302-DDA13B230258}"/>
+              </a:ext>
+            </a:extLst>
+          </p:cNvPr>
+          <p:cNvSpPr txBox="1"/>
+          <p:nvPr/>
+        </p:nvSpPr>
+        <p:spPr>
+          <a:xfrm>
+            <a:off x="9149899" y="2495427"/>
+            <a:ext cx="1799304" cy="261610"/>
+          </a:xfrm>
+          <a:prstGeom prst="rect">
+            <a:avLst/>
+          </a:prstGeom>
+          <a:noFill/>
+        </p:spPr>
+        <p:txBody>
+          <a:bodyPr wrap="square" rtlCol="0">
+            <a:spAutoFit/>
+          </a:bodyPr>
+          <a:lstStyle/>
+          <a:p>
+            <a:r>
+              <a:rPr lang="en-IL" sz="1100" dirty="0"/>
+              <a:t>sessionTime (maxAge)</a:t>
+            </a:r>
+          </a:p>
+        </p:txBody>
+      </p:sp>
+      <p:cxnSp>
+        <p:nvCxnSpPr>
+          <p:cNvPr id="12" name="Straight Connector 11">
+            <a:extLst>
+              <a:ext uri="{FF2B5EF4-FFF2-40B4-BE49-F238E27FC236}">
+                <a16:creationId xmlns:a16="http://schemas.microsoft.com/office/drawing/2014/main" id="{FFC0F495-FC45-324F-8353-4F4ADFDE3F83}"/>
+              </a:ext>
+            </a:extLst>
+          </p:cNvPr>
+          <p:cNvCxnSpPr>
+            <a:endCxn id="5" idx="1"/>
+          </p:cNvCxnSpPr>
+          <p:nvPr/>
+        </p:nvCxnSpPr>
+        <p:spPr>
+          <a:xfrm>
+            <a:off x="2430534" y="1468939"/>
+            <a:ext cx="1007807" cy="414922"/>
+          </a:xfrm>
+          <a:prstGeom prst="line">
+            <a:avLst/>
+          </a:prstGeom>
+          <a:ln>
+            <a:solidFill>
+              <a:schemeClr val="tx1"/>
+            </a:solidFill>
+          </a:ln>
+        </p:spPr>
+        <p:style>
+          <a:lnRef idx="1">
+            <a:schemeClr val="accent1"/>
+          </a:lnRef>
+          <a:fillRef idx="0">
+            <a:schemeClr val="accent1"/>
+          </a:fillRef>
+          <a:effectRef idx="0">
+            <a:schemeClr val="accent1"/>
+          </a:effectRef>
+          <a:fontRef idx="minor">
+            <a:schemeClr val="tx1"/>
+          </a:fontRef>
+        </p:style>
+      </p:cxnSp>
+      <p:cxnSp>
+        <p:nvCxnSpPr>
+          <p:cNvPr id="13" name="Straight Connector 12">
+            <a:extLst>
+              <a:ext uri="{FF2B5EF4-FFF2-40B4-BE49-F238E27FC236}">
+                <a16:creationId xmlns:a16="http://schemas.microsoft.com/office/drawing/2014/main" id="{6CC220BC-B99B-004B-AFDE-9F62C109744E}"/>
+              </a:ext>
+            </a:extLst>
+          </p:cNvPr>
+          <p:cNvCxnSpPr>
+            <a:cxnSpLocks/>
+            <a:stCxn id="5" idx="3"/>
+            <a:endCxn id="3" idx="1"/>
+          </p:cNvCxnSpPr>
+          <p:nvPr/>
+        </p:nvCxnSpPr>
+        <p:spPr>
+          <a:xfrm>
+            <a:off x="5663381" y="1883861"/>
+            <a:ext cx="2240771" cy="2132617"/>
+          </a:xfrm>
+          <a:prstGeom prst="line">
+            <a:avLst/>
+          </a:prstGeom>
+          <a:ln>
+            <a:solidFill>
+              <a:schemeClr val="tx1"/>
+            </a:solidFill>
+          </a:ln>
+        </p:spPr>
+        <p:style>
+          <a:lnRef idx="1">
+            <a:schemeClr val="accent1"/>
+          </a:lnRef>
+          <a:fillRef idx="0">
+            <a:schemeClr val="accent1"/>
+          </a:fillRef>
+          <a:effectRef idx="0">
+            <a:schemeClr val="accent1"/>
+          </a:effectRef>
+          <a:fontRef idx="minor">
+            <a:schemeClr val="tx1"/>
+          </a:fontRef>
+        </p:style>
+      </p:cxnSp>
+      <p:sp>
+        <p:nvSpPr>
+          <p:cNvPr id="16" name="TextBox 15">
+            <a:extLst>
+              <a:ext uri="{FF2B5EF4-FFF2-40B4-BE49-F238E27FC236}">
+                <a16:creationId xmlns:a16="http://schemas.microsoft.com/office/drawing/2014/main" id="{CB4079B5-A5C8-7446-9D44-EED46B54399F}"/>
+              </a:ext>
+            </a:extLst>
+          </p:cNvPr>
+          <p:cNvSpPr txBox="1"/>
+          <p:nvPr/>
+        </p:nvSpPr>
+        <p:spPr>
+          <a:xfrm>
+            <a:off x="9176200" y="2734771"/>
+            <a:ext cx="1799304" cy="261610"/>
+          </a:xfrm>
+          <a:prstGeom prst="rect">
+            <a:avLst/>
+          </a:prstGeom>
+          <a:noFill/>
+        </p:spPr>
+        <p:txBody>
+          <a:bodyPr wrap="square" rtlCol="0">
+            <a:spAutoFit/>
+          </a:bodyPr>
+          <a:lstStyle/>
+          <a:p>
+            <a:r>
+              <a:rPr lang="en-US" sz="1100" dirty="0"/>
+              <a:t>D</a:t>
+            </a:r>
+            <a:r>
+              <a:rPr lang="en-IL" sz="1100" dirty="0"/>
+              <a:t>ata (about the user)</a:t>
+            </a:r>
+          </a:p>
+        </p:txBody>
+      </p:sp>
+      <p:sp>
+        <p:nvSpPr>
+          <p:cNvPr id="2" name="TextBox 1">
+            <a:extLst>
+              <a:ext uri="{FF2B5EF4-FFF2-40B4-BE49-F238E27FC236}">
+                <a16:creationId xmlns:a16="http://schemas.microsoft.com/office/drawing/2014/main" id="{4E44095D-7D80-4E4E-AA3F-7B1934E7B03A}"/>
+              </a:ext>
+            </a:extLst>
+          </p:cNvPr>
+          <p:cNvSpPr txBox="1"/>
+          <p:nvPr/>
+        </p:nvSpPr>
+        <p:spPr>
+          <a:xfrm>
+            <a:off x="2489527" y="955695"/>
+            <a:ext cx="1002891" cy="415498"/>
+          </a:xfrm>
+          <a:prstGeom prst="rect">
+            <a:avLst/>
+          </a:prstGeom>
+          <a:noFill/>
+        </p:spPr>
+        <p:txBody>
+          <a:bodyPr wrap="square" rtlCol="0">
+            <a:spAutoFit/>
+          </a:bodyPr>
+          <a:lstStyle/>
+          <a:p>
+            <a:r>
+              <a:rPr lang="en-IL" sz="1050" dirty="0"/>
+              <a:t>Login data</a:t>
+            </a:r>
+            <a:br>
+              <a:rPr lang="en-IL" sz="1050" dirty="0"/>
+            </a:br>
+            <a:r>
+              <a:rPr lang="en-IL" sz="1050" dirty="0"/>
+              <a:t>other data</a:t>
+            </a:r>
+          </a:p>
+        </p:txBody>
+      </p:sp>
+      <p:sp>
+        <p:nvSpPr>
+          <p:cNvPr id="14" name="TextBox 13">
+            <a:extLst>
+              <a:ext uri="{FF2B5EF4-FFF2-40B4-BE49-F238E27FC236}">
+                <a16:creationId xmlns:a16="http://schemas.microsoft.com/office/drawing/2014/main" id="{F06C50B4-3EBB-BC42-91C4-5A3EE8D1E667}"/>
+              </a:ext>
+            </a:extLst>
+          </p:cNvPr>
+          <p:cNvSpPr txBox="1"/>
+          <p:nvPr/>
+        </p:nvSpPr>
+        <p:spPr>
+          <a:xfrm>
+            <a:off x="6671188" y="2495427"/>
+            <a:ext cx="1002891" cy="415498"/>
+          </a:xfrm>
+          <a:prstGeom prst="rect">
+            <a:avLst/>
+          </a:prstGeom>
+          <a:noFill/>
+        </p:spPr>
+        <p:txBody>
+          <a:bodyPr wrap="square" rtlCol="0">
+            <a:spAutoFit/>
+          </a:bodyPr>
+          <a:lstStyle/>
+          <a:p>
+            <a:r>
+              <a:rPr lang="en-IL" sz="1050" dirty="0"/>
+              <a:t>Login data</a:t>
+            </a:r>
+            <a:br>
+              <a:rPr lang="en-IL" sz="1050" dirty="0"/>
+            </a:br>
+            <a:r>
+              <a:rPr lang="en-IL" sz="1050" dirty="0"/>
+              <a:t>other data</a:t>
+            </a:r>
+          </a:p>
+        </p:txBody>
+      </p:sp>
+    </p:spTree>
+    <p:extLst>
+      <p:ext uri="{BB962C8B-B14F-4D97-AF65-F5344CB8AC3E}">
+        <p14:creationId xmlns:p14="http://schemas.microsoft.com/office/powerpoint/2010/main" val="2838597553"/>
+      </p:ext>
+    </p:extLst>
+  </p:cSld>
+  <p:clrMapOvr>
+    <a:masterClrMapping/>
+  </p:clrMapOvr>
+</p:sld>
+</file>
+
+<file path=ppt/slides/slide46.xml><?xml version="1.0" encoding="utf-8"?>
+<p:sld xmlns:a="http://schemas.openxmlformats.org/drawingml/2006/main" xmlns:r="http://schemas.openxmlformats.org/officeDocument/2006/relationships" xmlns:p="http://schemas.openxmlformats.org/presentationml/2006/main">
+  <p:cSld>
+    <p:spTree>
+      <p:nvGrpSpPr>
+        <p:cNvPr id="1" name=""/>
+        <p:cNvGrpSpPr/>
+        <p:nvPr/>
+      </p:nvGrpSpPr>
+      <p:grpSpPr>
+        <a:xfrm>
+          <a:off x="0" y="0"/>
+          <a:ext cx="0" cy="0"/>
+          <a:chOff x="0" y="0"/>
+          <a:chExt cx="0" cy="0"/>
+        </a:xfrm>
+      </p:grpSpPr>
+      <p:pic>
+        <p:nvPicPr>
+          <p:cNvPr id="3" name="Graphic 2" descr="Server outline">
+            <a:extLst>
+              <a:ext uri="{FF2B5EF4-FFF2-40B4-BE49-F238E27FC236}">
+                <a16:creationId xmlns:a16="http://schemas.microsoft.com/office/drawing/2014/main" id="{4BC2E5F7-4CE4-8C47-8EEC-33074A760BED}"/>
+              </a:ext>
+            </a:extLst>
+          </p:cNvPr>
+          <p:cNvPicPr>
+            <a:picLocks noChangeAspect="1"/>
+          </p:cNvPicPr>
+          <p:nvPr/>
+        </p:nvPicPr>
+        <p:blipFill>
+          <a:blip r:embed="rId2">
+            <a:extLst>
+              <a:ext uri="{96DAC541-7B7A-43D3-8B79-37D633B846F1}">
+                <asvg:svgBlip xmlns:asvg="http://schemas.microsoft.com/office/drawing/2016/SVG/main" r:embed="rId3"/>
+              </a:ext>
+            </a:extLst>
+          </a:blip>
+          <a:stretch>
+            <a:fillRect/>
+          </a:stretch>
+        </p:blipFill>
+        <p:spPr>
+          <a:xfrm>
+            <a:off x="7904152" y="2682732"/>
+            <a:ext cx="2667492" cy="2667492"/>
+          </a:xfrm>
+          <a:prstGeom prst="rect">
+            <a:avLst/>
+          </a:prstGeom>
+        </p:spPr>
+      </p:pic>
+      <p:pic>
+        <p:nvPicPr>
+          <p:cNvPr id="5" name="Graphic 4" descr="Internet outline">
+            <a:extLst>
+              <a:ext uri="{FF2B5EF4-FFF2-40B4-BE49-F238E27FC236}">
+                <a16:creationId xmlns:a16="http://schemas.microsoft.com/office/drawing/2014/main" id="{7C114315-A9F8-C347-AE0E-B627E732CF13}"/>
+              </a:ext>
+            </a:extLst>
+          </p:cNvPr>
+          <p:cNvPicPr>
+            <a:picLocks noChangeAspect="1"/>
+          </p:cNvPicPr>
+          <p:nvPr/>
+        </p:nvPicPr>
+        <p:blipFill>
+          <a:blip r:embed="rId4">
+            <a:extLst>
+              <a:ext uri="{96DAC541-7B7A-43D3-8B79-37D633B846F1}">
+                <asvg:svgBlip xmlns:asvg="http://schemas.microsoft.com/office/drawing/2016/SVG/main" r:embed="rId5"/>
+              </a:ext>
+            </a:extLst>
+          </a:blip>
+          <a:stretch>
+            <a:fillRect/>
+          </a:stretch>
+        </p:blipFill>
+        <p:spPr>
+          <a:xfrm>
+            <a:off x="3438341" y="771341"/>
+            <a:ext cx="2225040" cy="2225040"/>
+          </a:xfrm>
+          <a:prstGeom prst="rect">
+            <a:avLst/>
+          </a:prstGeom>
+        </p:spPr>
+      </p:pic>
+      <p:pic>
+        <p:nvPicPr>
+          <p:cNvPr id="7" name="Graphic 6" descr="Browser window outline">
+            <a:extLst>
+              <a:ext uri="{FF2B5EF4-FFF2-40B4-BE49-F238E27FC236}">
+                <a16:creationId xmlns:a16="http://schemas.microsoft.com/office/drawing/2014/main" id="{B0E67CC6-DEB0-BC4A-A4C5-3622A83C5BD1}"/>
+              </a:ext>
+            </a:extLst>
+          </p:cNvPr>
+          <p:cNvPicPr>
+            <a:picLocks noChangeAspect="1"/>
+          </p:cNvPicPr>
+          <p:nvPr/>
+        </p:nvPicPr>
+        <p:blipFill>
+          <a:blip r:embed="rId6">
+            <a:extLst>
+              <a:ext uri="{96DAC541-7B7A-43D3-8B79-37D633B846F1}">
+                <asvg:svgBlip xmlns:asvg="http://schemas.microsoft.com/office/drawing/2016/SVG/main" r:embed="rId7"/>
+              </a:ext>
+            </a:extLst>
+          </a:blip>
+          <a:stretch>
+            <a:fillRect/>
+          </a:stretch>
+        </p:blipFill>
+        <p:spPr>
+          <a:xfrm>
+            <a:off x="672527" y="622382"/>
+            <a:ext cx="1703930" cy="1703930"/>
+          </a:xfrm>
+          <a:prstGeom prst="rect">
+            <a:avLst/>
+          </a:prstGeom>
+        </p:spPr>
+      </p:pic>
+      <p:cxnSp>
+        <p:nvCxnSpPr>
+          <p:cNvPr id="12" name="Straight Connector 11">
+            <a:extLst>
+              <a:ext uri="{FF2B5EF4-FFF2-40B4-BE49-F238E27FC236}">
+                <a16:creationId xmlns:a16="http://schemas.microsoft.com/office/drawing/2014/main" id="{FFC0F495-FC45-324F-8353-4F4ADFDE3F83}"/>
+              </a:ext>
+            </a:extLst>
+          </p:cNvPr>
+          <p:cNvCxnSpPr>
+            <a:endCxn id="5" idx="1"/>
+          </p:cNvCxnSpPr>
+          <p:nvPr/>
+        </p:nvCxnSpPr>
+        <p:spPr>
+          <a:xfrm>
+            <a:off x="2430534" y="1468939"/>
+            <a:ext cx="1007807" cy="414922"/>
+          </a:xfrm>
+          <a:prstGeom prst="line">
+            <a:avLst/>
+          </a:prstGeom>
+          <a:ln>
+            <a:solidFill>
+              <a:schemeClr val="tx1"/>
+            </a:solidFill>
+          </a:ln>
+        </p:spPr>
+        <p:style>
+          <a:lnRef idx="1">
+            <a:schemeClr val="accent1"/>
+          </a:lnRef>
+          <a:fillRef idx="0">
+            <a:schemeClr val="accent1"/>
+          </a:fillRef>
+          <a:effectRef idx="0">
+            <a:schemeClr val="accent1"/>
+          </a:effectRef>
+          <a:fontRef idx="minor">
+            <a:schemeClr val="tx1"/>
+          </a:fontRef>
+        </p:style>
+      </p:cxnSp>
+      <p:cxnSp>
+        <p:nvCxnSpPr>
+          <p:cNvPr id="13" name="Straight Connector 12">
+            <a:extLst>
+              <a:ext uri="{FF2B5EF4-FFF2-40B4-BE49-F238E27FC236}">
+                <a16:creationId xmlns:a16="http://schemas.microsoft.com/office/drawing/2014/main" id="{6CC220BC-B99B-004B-AFDE-9F62C109744E}"/>
+              </a:ext>
+            </a:extLst>
+          </p:cNvPr>
+          <p:cNvCxnSpPr>
+            <a:cxnSpLocks/>
+            <a:stCxn id="5" idx="3"/>
+            <a:endCxn id="3" idx="1"/>
+          </p:cNvCxnSpPr>
+          <p:nvPr/>
+        </p:nvCxnSpPr>
+        <p:spPr>
+          <a:xfrm>
+            <a:off x="5663381" y="1883861"/>
+            <a:ext cx="2240771" cy="2132617"/>
+          </a:xfrm>
+          <a:prstGeom prst="line">
+            <a:avLst/>
+          </a:prstGeom>
+          <a:ln>
+            <a:solidFill>
+              <a:schemeClr val="tx1"/>
+            </a:solidFill>
+          </a:ln>
+        </p:spPr>
+        <p:style>
+          <a:lnRef idx="1">
+            <a:schemeClr val="accent1"/>
+          </a:lnRef>
+          <a:fillRef idx="0">
+            <a:schemeClr val="accent1"/>
+          </a:fillRef>
+          <a:effectRef idx="0">
+            <a:schemeClr val="accent1"/>
+          </a:effectRef>
+          <a:fontRef idx="minor">
+            <a:schemeClr val="tx1"/>
+          </a:fontRef>
+        </p:style>
+      </p:cxnSp>
+      <p:sp>
+        <p:nvSpPr>
+          <p:cNvPr id="2" name="TextBox 1">
+            <a:extLst>
+              <a:ext uri="{FF2B5EF4-FFF2-40B4-BE49-F238E27FC236}">
+                <a16:creationId xmlns:a16="http://schemas.microsoft.com/office/drawing/2014/main" id="{4E44095D-7D80-4E4E-AA3F-7B1934E7B03A}"/>
+              </a:ext>
+            </a:extLst>
+          </p:cNvPr>
+          <p:cNvSpPr txBox="1"/>
+          <p:nvPr/>
+        </p:nvSpPr>
+        <p:spPr>
+          <a:xfrm>
+            <a:off x="2489527" y="955695"/>
+            <a:ext cx="1002891" cy="415498"/>
+          </a:xfrm>
+          <a:prstGeom prst="rect">
+            <a:avLst/>
+          </a:prstGeom>
+          <a:noFill/>
+        </p:spPr>
+        <p:txBody>
+          <a:bodyPr wrap="square" rtlCol="0">
+            <a:spAutoFit/>
+          </a:bodyPr>
+          <a:lstStyle/>
+          <a:p>
+            <a:r>
+              <a:rPr lang="en-IL" sz="1050" dirty="0"/>
+              <a:t>Login data</a:t>
+            </a:r>
+            <a:br>
+              <a:rPr lang="en-IL" sz="1050" dirty="0"/>
+            </a:br>
+            <a:r>
+              <a:rPr lang="en-IL" sz="1050" dirty="0"/>
+              <a:t>other data</a:t>
+            </a:r>
+          </a:p>
+        </p:txBody>
+      </p:sp>
+      <p:sp>
+        <p:nvSpPr>
+          <p:cNvPr id="14" name="TextBox 13">
+            <a:extLst>
+              <a:ext uri="{FF2B5EF4-FFF2-40B4-BE49-F238E27FC236}">
+                <a16:creationId xmlns:a16="http://schemas.microsoft.com/office/drawing/2014/main" id="{F06C50B4-3EBB-BC42-91C4-5A3EE8D1E667}"/>
+              </a:ext>
+            </a:extLst>
+          </p:cNvPr>
+          <p:cNvSpPr txBox="1"/>
+          <p:nvPr/>
+        </p:nvSpPr>
+        <p:spPr>
+          <a:xfrm>
+            <a:off x="6671188" y="2495427"/>
+            <a:ext cx="1002891" cy="415498"/>
+          </a:xfrm>
+          <a:prstGeom prst="rect">
+            <a:avLst/>
+          </a:prstGeom>
+          <a:noFill/>
+        </p:spPr>
+        <p:txBody>
+          <a:bodyPr wrap="square" rtlCol="0">
+            <a:spAutoFit/>
+          </a:bodyPr>
+          <a:lstStyle/>
+          <a:p>
+            <a:r>
+              <a:rPr lang="en-IL" sz="1050" dirty="0"/>
+              <a:t>Login data</a:t>
+            </a:r>
+            <a:br>
+              <a:rPr lang="en-IL" sz="1050" dirty="0"/>
+            </a:br>
+            <a:r>
+              <a:rPr lang="en-IL" sz="1050" dirty="0"/>
+              <a:t>other data</a:t>
+            </a:r>
+          </a:p>
+        </p:txBody>
+      </p:sp>
+    </p:spTree>
+    <p:extLst>
+      <p:ext uri="{BB962C8B-B14F-4D97-AF65-F5344CB8AC3E}">
+        <p14:creationId xmlns:p14="http://schemas.microsoft.com/office/powerpoint/2010/main" val="975987434"/>
+      </p:ext>
+    </p:extLst>
+  </p:cSld>
+  <p:clrMapOvr>
+    <a:masterClrMapping/>
+  </p:clrMapOvr>
+</p:sld>
+</file>
+
+<file path=ppt/slides/slide47.xml><?xml version="1.0" encoding="utf-8"?>
+<p:sld xmlns:a="http://schemas.openxmlformats.org/drawingml/2006/main" xmlns:r="http://schemas.openxmlformats.org/officeDocument/2006/relationships" xmlns:p="http://schemas.openxmlformats.org/presentationml/2006/main">
+  <p:cSld>
+    <p:spTree>
+      <p:nvGrpSpPr>
+        <p:cNvPr id="1" name=""/>
+        <p:cNvGrpSpPr/>
+        <p:nvPr/>
+      </p:nvGrpSpPr>
+      <p:grpSpPr>
+        <a:xfrm>
+          <a:off x="0" y="0"/>
+          <a:ext cx="0" cy="0"/>
+          <a:chOff x="0" y="0"/>
+          <a:chExt cx="0" cy="0"/>
+        </a:xfrm>
+      </p:grpSpPr>
+      <p:pic>
+        <p:nvPicPr>
+          <p:cNvPr id="3" name="Graphic 2" descr="Server outline">
+            <a:extLst>
+              <a:ext uri="{FF2B5EF4-FFF2-40B4-BE49-F238E27FC236}">
+                <a16:creationId xmlns:a16="http://schemas.microsoft.com/office/drawing/2014/main" id="{4BC2E5F7-4CE4-8C47-8EEC-33074A760BED}"/>
+              </a:ext>
+            </a:extLst>
+          </p:cNvPr>
+          <p:cNvPicPr>
+            <a:picLocks noChangeAspect="1"/>
+          </p:cNvPicPr>
+          <p:nvPr/>
+        </p:nvPicPr>
+        <p:blipFill>
+          <a:blip r:embed="rId2">
+            <a:extLst>
+              <a:ext uri="{96DAC541-7B7A-43D3-8B79-37D633B846F1}">
+                <asvg:svgBlip xmlns:asvg="http://schemas.microsoft.com/office/drawing/2016/SVG/main" r:embed="rId3"/>
+              </a:ext>
+            </a:extLst>
+          </a:blip>
+          <a:stretch>
+            <a:fillRect/>
+          </a:stretch>
+        </p:blipFill>
+        <p:spPr>
+          <a:xfrm>
+            <a:off x="7904152" y="2682732"/>
+            <a:ext cx="2667492" cy="2667492"/>
+          </a:xfrm>
+          <a:prstGeom prst="rect">
+            <a:avLst/>
+          </a:prstGeom>
+        </p:spPr>
+      </p:pic>
+      <p:pic>
+        <p:nvPicPr>
+          <p:cNvPr id="5" name="Graphic 4" descr="Internet outline">
+            <a:extLst>
+              <a:ext uri="{FF2B5EF4-FFF2-40B4-BE49-F238E27FC236}">
+                <a16:creationId xmlns:a16="http://schemas.microsoft.com/office/drawing/2014/main" id="{7C114315-A9F8-C347-AE0E-B627E732CF13}"/>
+              </a:ext>
+            </a:extLst>
+          </p:cNvPr>
+          <p:cNvPicPr>
+            <a:picLocks noChangeAspect="1"/>
+          </p:cNvPicPr>
+          <p:nvPr/>
+        </p:nvPicPr>
+        <p:blipFill>
+          <a:blip r:embed="rId4">
+            <a:extLst>
+              <a:ext uri="{96DAC541-7B7A-43D3-8B79-37D633B846F1}">
+                <asvg:svgBlip xmlns:asvg="http://schemas.microsoft.com/office/drawing/2016/SVG/main" r:embed="rId5"/>
+              </a:ext>
+            </a:extLst>
+          </a:blip>
+          <a:stretch>
+            <a:fillRect/>
+          </a:stretch>
+        </p:blipFill>
+        <p:spPr>
+          <a:xfrm>
+            <a:off x="3438341" y="771341"/>
+            <a:ext cx="2225040" cy="2225040"/>
+          </a:xfrm>
+          <a:prstGeom prst="rect">
+            <a:avLst/>
+          </a:prstGeom>
+        </p:spPr>
+      </p:pic>
+      <p:pic>
+        <p:nvPicPr>
+          <p:cNvPr id="7" name="Graphic 6" descr="Browser window outline">
+            <a:extLst>
+              <a:ext uri="{FF2B5EF4-FFF2-40B4-BE49-F238E27FC236}">
+                <a16:creationId xmlns:a16="http://schemas.microsoft.com/office/drawing/2014/main" id="{B0E67CC6-DEB0-BC4A-A4C5-3622A83C5BD1}"/>
+              </a:ext>
+            </a:extLst>
+          </p:cNvPr>
+          <p:cNvPicPr>
+            <a:picLocks noChangeAspect="1"/>
+          </p:cNvPicPr>
+          <p:nvPr/>
+        </p:nvPicPr>
+        <p:blipFill>
+          <a:blip r:embed="rId6">
+            <a:extLst>
+              <a:ext uri="{96DAC541-7B7A-43D3-8B79-37D633B846F1}">
+                <asvg:svgBlip xmlns:asvg="http://schemas.microsoft.com/office/drawing/2016/SVG/main" r:embed="rId7"/>
+              </a:ext>
+            </a:extLst>
+          </a:blip>
+          <a:stretch>
+            <a:fillRect/>
+          </a:stretch>
+        </p:blipFill>
+        <p:spPr>
+          <a:xfrm>
+            <a:off x="672527" y="622382"/>
+            <a:ext cx="1703930" cy="1703930"/>
+          </a:xfrm>
+          <a:prstGeom prst="rect">
+            <a:avLst/>
+          </a:prstGeom>
+        </p:spPr>
+      </p:pic>
+      <p:pic>
+        <p:nvPicPr>
+          <p:cNvPr id="9" name="Graphic 8" descr="Fortune cookie outline">
+            <a:extLst>
+              <a:ext uri="{FF2B5EF4-FFF2-40B4-BE49-F238E27FC236}">
+                <a16:creationId xmlns:a16="http://schemas.microsoft.com/office/drawing/2014/main" id="{2D57CB27-2C23-E34E-908D-96A3ADADB579}"/>
+              </a:ext>
+            </a:extLst>
+          </p:cNvPr>
+          <p:cNvPicPr>
+            <a:picLocks noChangeAspect="1"/>
+          </p:cNvPicPr>
+          <p:nvPr/>
+        </p:nvPicPr>
+        <p:blipFill>
+          <a:blip r:embed="rId8">
+            <a:extLst>
+              <a:ext uri="{96DAC541-7B7A-43D3-8B79-37D633B846F1}">
+                <asvg:svgBlip xmlns:asvg="http://schemas.microsoft.com/office/drawing/2016/SVG/main" r:embed="rId9"/>
+              </a:ext>
+            </a:extLst>
+          </a:blip>
+          <a:stretch>
+            <a:fillRect/>
+          </a:stretch>
+        </p:blipFill>
+        <p:spPr>
+          <a:xfrm>
+            <a:off x="8499988" y="2501327"/>
+            <a:ext cx="544216" cy="544216"/>
+          </a:xfrm>
+          <a:prstGeom prst="rect">
+            <a:avLst/>
+          </a:prstGeom>
+        </p:spPr>
+      </p:pic>
+      <p:sp>
+        <p:nvSpPr>
+          <p:cNvPr id="10" name="TextBox 9">
+            <a:extLst>
+              <a:ext uri="{FF2B5EF4-FFF2-40B4-BE49-F238E27FC236}">
+                <a16:creationId xmlns:a16="http://schemas.microsoft.com/office/drawing/2014/main" id="{8B01FC15-4D16-2B4A-8302-DDA13B230258}"/>
+              </a:ext>
+            </a:extLst>
+          </p:cNvPr>
+          <p:cNvSpPr txBox="1"/>
+          <p:nvPr/>
+        </p:nvSpPr>
+        <p:spPr>
+          <a:xfrm>
+            <a:off x="9149899" y="2495427"/>
+            <a:ext cx="1799304" cy="261610"/>
+          </a:xfrm>
+          <a:prstGeom prst="rect">
+            <a:avLst/>
+          </a:prstGeom>
+          <a:noFill/>
+        </p:spPr>
+        <p:txBody>
+          <a:bodyPr wrap="square" rtlCol="0">
+            <a:spAutoFit/>
+          </a:bodyPr>
+          <a:lstStyle/>
+          <a:p>
+            <a:r>
+              <a:rPr lang="en-IL" sz="1100" dirty="0"/>
+              <a:t>sessionTime (maxAge)</a:t>
+            </a:r>
+          </a:p>
+        </p:txBody>
+      </p:sp>
+      <p:cxnSp>
+        <p:nvCxnSpPr>
+          <p:cNvPr id="12" name="Straight Connector 11">
+            <a:extLst>
+              <a:ext uri="{FF2B5EF4-FFF2-40B4-BE49-F238E27FC236}">
+                <a16:creationId xmlns:a16="http://schemas.microsoft.com/office/drawing/2014/main" id="{FFC0F495-FC45-324F-8353-4F4ADFDE3F83}"/>
+              </a:ext>
+            </a:extLst>
+          </p:cNvPr>
+          <p:cNvCxnSpPr>
+            <a:endCxn id="5" idx="1"/>
+          </p:cNvCxnSpPr>
+          <p:nvPr/>
+        </p:nvCxnSpPr>
+        <p:spPr>
+          <a:xfrm>
+            <a:off x="2430534" y="1468939"/>
+            <a:ext cx="1007807" cy="414922"/>
+          </a:xfrm>
+          <a:prstGeom prst="line">
+            <a:avLst/>
+          </a:prstGeom>
+          <a:ln>
+            <a:solidFill>
+              <a:schemeClr val="tx1"/>
+            </a:solidFill>
+          </a:ln>
+        </p:spPr>
+        <p:style>
+          <a:lnRef idx="1">
+            <a:schemeClr val="accent1"/>
+          </a:lnRef>
+          <a:fillRef idx="0">
+            <a:schemeClr val="accent1"/>
+          </a:fillRef>
+          <a:effectRef idx="0">
+            <a:schemeClr val="accent1"/>
+          </a:effectRef>
+          <a:fontRef idx="minor">
+            <a:schemeClr val="tx1"/>
+          </a:fontRef>
+        </p:style>
+      </p:cxnSp>
+      <p:cxnSp>
+        <p:nvCxnSpPr>
+          <p:cNvPr id="13" name="Straight Connector 12">
+            <a:extLst>
+              <a:ext uri="{FF2B5EF4-FFF2-40B4-BE49-F238E27FC236}">
+                <a16:creationId xmlns:a16="http://schemas.microsoft.com/office/drawing/2014/main" id="{6CC220BC-B99B-004B-AFDE-9F62C109744E}"/>
+              </a:ext>
+            </a:extLst>
+          </p:cNvPr>
+          <p:cNvCxnSpPr>
+            <a:cxnSpLocks/>
+            <a:stCxn id="5" idx="3"/>
+            <a:endCxn id="3" idx="1"/>
+          </p:cNvCxnSpPr>
+          <p:nvPr/>
+        </p:nvCxnSpPr>
+        <p:spPr>
+          <a:xfrm>
+            <a:off x="5663381" y="1883861"/>
+            <a:ext cx="2240771" cy="2132617"/>
+          </a:xfrm>
+          <a:prstGeom prst="line">
+            <a:avLst/>
+          </a:prstGeom>
+          <a:ln>
+            <a:solidFill>
+              <a:schemeClr val="tx1"/>
+            </a:solidFill>
+          </a:ln>
+        </p:spPr>
+        <p:style>
+          <a:lnRef idx="1">
+            <a:schemeClr val="accent1"/>
+          </a:lnRef>
+          <a:fillRef idx="0">
+            <a:schemeClr val="accent1"/>
+          </a:fillRef>
+          <a:effectRef idx="0">
+            <a:schemeClr val="accent1"/>
+          </a:effectRef>
+          <a:fontRef idx="minor">
+            <a:schemeClr val="tx1"/>
+          </a:fontRef>
+        </p:style>
+      </p:cxnSp>
+      <p:sp>
+        <p:nvSpPr>
+          <p:cNvPr id="16" name="TextBox 15">
+            <a:extLst>
+              <a:ext uri="{FF2B5EF4-FFF2-40B4-BE49-F238E27FC236}">
+                <a16:creationId xmlns:a16="http://schemas.microsoft.com/office/drawing/2014/main" id="{CB4079B5-A5C8-7446-9D44-EED46B54399F}"/>
+              </a:ext>
+            </a:extLst>
+          </p:cNvPr>
+          <p:cNvSpPr txBox="1"/>
+          <p:nvPr/>
+        </p:nvSpPr>
+        <p:spPr>
+          <a:xfrm>
+            <a:off x="9176200" y="2734771"/>
+            <a:ext cx="1799304" cy="261610"/>
+          </a:xfrm>
+          <a:prstGeom prst="rect">
+            <a:avLst/>
+          </a:prstGeom>
+          <a:noFill/>
+        </p:spPr>
+        <p:txBody>
+          <a:bodyPr wrap="square" rtlCol="0">
+            <a:spAutoFit/>
+          </a:bodyPr>
+          <a:lstStyle/>
+          <a:p>
+            <a:r>
+              <a:rPr lang="en-US" sz="1100" dirty="0"/>
+              <a:t>D</a:t>
+            </a:r>
+            <a:r>
+              <a:rPr lang="en-IL" sz="1100" dirty="0"/>
+              <a:t>ata (about the user)</a:t>
+            </a:r>
+          </a:p>
+        </p:txBody>
+      </p:sp>
+    </p:spTree>
+    <p:extLst>
+      <p:ext uri="{BB962C8B-B14F-4D97-AF65-F5344CB8AC3E}">
+        <p14:creationId xmlns:p14="http://schemas.microsoft.com/office/powerpoint/2010/main" val="5938514"/>
+      </p:ext>
+    </p:extLst>
+  </p:cSld>
+  <p:clrMapOvr>
+    <a:masterClrMapping/>
+  </p:clrMapOvr>
+  <p:timing>
+    <p:tnLst>
+      <p:par>
+        <p:cTn id="1" dur="indefinite" restart="never" nodeType="tmRoot">
+          <p:childTnLst>
+            <p:seq concurrent="1" nextAc="seek">
+              <p:cTn id="2" dur="indefinite" nodeType="mainSeq">
+                <p:childTnLst>
+                  <p:par>
+                    <p:cTn id="3" fill="hold">
+                      <p:stCondLst>
+                        <p:cond delay="indefinite"/>
+                      </p:stCondLst>
+                      <p:childTnLst>
+                        <p:par>
+                          <p:cTn id="4" fill="hold">
+                            <p:stCondLst>
+                              <p:cond delay="0"/>
+                            </p:stCondLst>
+                            <p:childTnLst>
+                              <p:par>
+                                <p:cTn id="5" presetID="0" presetClass="path" presetSubtype="0" accel="50000" decel="50000" fill="hold" nodeType="clickEffect">
+                                  <p:stCondLst>
+                                    <p:cond delay="0"/>
+                                  </p:stCondLst>
+                                  <p:childTnLst>
+                                    <p:animMotion origin="layout" path="M 0 0 C -0.02409 -0.04954 -0.04804 -0.09884 -0.12096 -0.1412 C -0.19401 -0.1838 -0.36211 -0.23958 -0.43789 -0.25486 C -0.51354 -0.27014 -0.5483 -0.24259 -0.57526 -0.23333 C -0.60221 -0.22408 -0.60078 -0.21204 -0.59948 -0.19977 " pathEditMode="relative" ptsTypes="AAAAA">
+                                      <p:cBhvr>
+                                        <p:cTn id="6" dur="2000" fill="hold"/>
+                                        <p:tgtEl>
+                                          <p:spTgt spid="9"/>
+                                        </p:tgtEl>
+                                        <p:attrNameLst>
+                                          <p:attrName>ppt_x</p:attrName>
+                                          <p:attrName>ppt_y</p:attrName>
+                                        </p:attrNameLst>
+                                      </p:cBhvr>
+                                    </p:animMotion>
+                                  </p:childTnLst>
+                                </p:cTn>
+                              </p:par>
+                              <p:par>
+                                <p:cTn id="7" presetID="0" presetClass="path" presetSubtype="0" accel="50000" decel="50000" fill="hold" grpId="0" nodeType="withEffect">
+                                  <p:stCondLst>
+                                    <p:cond delay="0"/>
+                                  </p:stCondLst>
+                                  <p:childTnLst>
+                                    <p:animMotion origin="layout" path="M 0 0 C -0.02409 -0.04954 -0.04804 -0.09884 -0.12096 -0.1412 C -0.19401 -0.1838 -0.36211 -0.23958 -0.43789 -0.25486 C -0.51354 -0.27014 -0.5483 -0.24259 -0.57526 -0.23333 C -0.60221 -0.22408 -0.60078 -0.21204 -0.59948 -0.19977 " pathEditMode="relative" ptsTypes="AAAAA">
+                                      <p:cBhvr>
+                                        <p:cTn id="8" dur="2000" fill="hold"/>
+                                        <p:tgtEl>
+                                          <p:spTgt spid="10"/>
+                                        </p:tgtEl>
+                                        <p:attrNameLst>
+                                          <p:attrName>ppt_x</p:attrName>
+                                          <p:attrName>ppt_y</p:attrName>
+                                        </p:attrNameLst>
+                                      </p:cBhvr>
+                                    </p:animMotion>
+                                  </p:childTnLst>
+                                </p:cTn>
+                              </p:par>
+                              <p:par>
+                                <p:cTn id="9" presetID="0" presetClass="path" presetSubtype="0" accel="50000" decel="50000" fill="hold" grpId="0" nodeType="withEffect">
+                                  <p:stCondLst>
+                                    <p:cond delay="0"/>
+                                  </p:stCondLst>
+                                  <p:childTnLst>
+                                    <p:animMotion origin="layout" path="M 0 0 C -0.02409 -0.04954 -0.04804 -0.09884 -0.12096 -0.1412 C -0.19401 -0.1838 -0.36211 -0.23958 -0.43789 -0.25486 C -0.51354 -0.27014 -0.5483 -0.24259 -0.57526 -0.23333 C -0.60221 -0.22408 -0.60078 -0.21204 -0.59948 -0.19977 " pathEditMode="relative" ptsTypes="AAAAA">
+                                      <p:cBhvr>
+                                        <p:cTn id="10" dur="2000" fill="hold"/>
+                                        <p:tgtEl>
+                                          <p:spTgt spid="16"/>
+                                        </p:tgtEl>
+                                        <p:attrNameLst>
+                                          <p:attrName>ppt_x</p:attrName>
+                                          <p:attrName>ppt_y</p:attrName>
+                                        </p:attrNameLst>
+                                      </p:cBhvr>
+                                    </p:animMotion>
+                                  </p:childTnLst>
+                                </p:cTn>
+                              </p:par>
+                            </p:childTnLst>
+                          </p:cTn>
+                        </p:par>
+                      </p:childTnLst>
+                    </p:cTn>
+                  </p:par>
+                </p:childTnLst>
+              </p:cTn>
+              <p:prevCondLst>
+                <p:cond evt="onPrev" delay="0">
+                  <p:tgtEl>
+                    <p:sldTgt/>
+                  </p:tgtEl>
+                </p:cond>
+              </p:prevCondLst>
+              <p:nextCondLst>
+                <p:cond evt="onNext" delay="0">
+                  <p:tgtEl>
+                    <p:sldTgt/>
+                  </p:tgtEl>
+                </p:cond>
+              </p:nextCondLst>
+            </p:seq>
+          </p:childTnLst>
+        </p:cTn>
+      </p:par>
+    </p:tnLst>
+    <p:bldLst>
+      <p:bldP spid="10" grpId="0"/>
+      <p:bldP spid="16" grpId="0"/>
+    </p:bldLst>
+  </p:timing>
+</p:sld>
+</file>
+
+<file path=ppt/slides/slide48.xml><?xml version="1.0" encoding="utf-8"?>
+<p:sld xmlns:a="http://schemas.openxmlformats.org/drawingml/2006/main" xmlns:r="http://schemas.openxmlformats.org/officeDocument/2006/relationships" xmlns:p="http://schemas.openxmlformats.org/presentationml/2006/main">
+  <p:cSld>
+    <p:spTree>
+      <p:nvGrpSpPr>
+        <p:cNvPr id="1" name=""/>
+        <p:cNvGrpSpPr/>
+        <p:nvPr/>
+      </p:nvGrpSpPr>
+      <p:grpSpPr>
+        <a:xfrm>
+          <a:off x="0" y="0"/>
+          <a:ext cx="0" cy="0"/>
+          <a:chOff x="0" y="0"/>
+          <a:chExt cx="0" cy="0"/>
+        </a:xfrm>
+      </p:grpSpPr>
+      <p:pic>
+        <p:nvPicPr>
+          <p:cNvPr id="3" name="Graphic 2" descr="Server outline">
+            <a:extLst>
+              <a:ext uri="{FF2B5EF4-FFF2-40B4-BE49-F238E27FC236}">
+                <a16:creationId xmlns:a16="http://schemas.microsoft.com/office/drawing/2014/main" id="{4BC2E5F7-4CE4-8C47-8EEC-33074A760BED}"/>
+              </a:ext>
+            </a:extLst>
+          </p:cNvPr>
+          <p:cNvPicPr>
+            <a:picLocks noChangeAspect="1"/>
+          </p:cNvPicPr>
+          <p:nvPr/>
+        </p:nvPicPr>
+        <p:blipFill>
+          <a:blip r:embed="rId2">
+            <a:extLst>
+              <a:ext uri="{96DAC541-7B7A-43D3-8B79-37D633B846F1}">
+                <asvg:svgBlip xmlns:asvg="http://schemas.microsoft.com/office/drawing/2016/SVG/main" r:embed="rId3"/>
+              </a:ext>
+            </a:extLst>
+          </a:blip>
+          <a:stretch>
+            <a:fillRect/>
+          </a:stretch>
+        </p:blipFill>
+        <p:spPr>
+          <a:xfrm>
+            <a:off x="7904152" y="2682732"/>
+            <a:ext cx="2667492" cy="2667492"/>
+          </a:xfrm>
+          <a:prstGeom prst="rect">
+            <a:avLst/>
+          </a:prstGeom>
+        </p:spPr>
+      </p:pic>
+      <p:pic>
+        <p:nvPicPr>
+          <p:cNvPr id="5" name="Graphic 4" descr="Internet outline">
+            <a:extLst>
+              <a:ext uri="{FF2B5EF4-FFF2-40B4-BE49-F238E27FC236}">
+                <a16:creationId xmlns:a16="http://schemas.microsoft.com/office/drawing/2014/main" id="{7C114315-A9F8-C347-AE0E-B627E732CF13}"/>
+              </a:ext>
+            </a:extLst>
+          </p:cNvPr>
+          <p:cNvPicPr>
+            <a:picLocks noChangeAspect="1"/>
+          </p:cNvPicPr>
+          <p:nvPr/>
+        </p:nvPicPr>
+        <p:blipFill>
+          <a:blip r:embed="rId4">
+            <a:extLst>
+              <a:ext uri="{96DAC541-7B7A-43D3-8B79-37D633B846F1}">
+                <asvg:svgBlip xmlns:asvg="http://schemas.microsoft.com/office/drawing/2016/SVG/main" r:embed="rId5"/>
+              </a:ext>
+            </a:extLst>
+          </a:blip>
+          <a:stretch>
+            <a:fillRect/>
+          </a:stretch>
+        </p:blipFill>
+        <p:spPr>
+          <a:xfrm>
+            <a:off x="3438341" y="771341"/>
+            <a:ext cx="2225040" cy="2225040"/>
+          </a:xfrm>
+          <a:prstGeom prst="rect">
+            <a:avLst/>
+          </a:prstGeom>
+        </p:spPr>
+      </p:pic>
+      <p:pic>
+        <p:nvPicPr>
+          <p:cNvPr id="7" name="Graphic 6" descr="Browser window outline">
+            <a:extLst>
+              <a:ext uri="{FF2B5EF4-FFF2-40B4-BE49-F238E27FC236}">
+                <a16:creationId xmlns:a16="http://schemas.microsoft.com/office/drawing/2014/main" id="{B0E67CC6-DEB0-BC4A-A4C5-3622A83C5BD1}"/>
+              </a:ext>
+            </a:extLst>
+          </p:cNvPr>
+          <p:cNvPicPr>
+            <a:picLocks noChangeAspect="1"/>
+          </p:cNvPicPr>
+          <p:nvPr/>
+        </p:nvPicPr>
+        <p:blipFill>
+          <a:blip r:embed="rId6">
+            <a:extLst>
+              <a:ext uri="{96DAC541-7B7A-43D3-8B79-37D633B846F1}">
+                <asvg:svgBlip xmlns:asvg="http://schemas.microsoft.com/office/drawing/2016/SVG/main" r:embed="rId7"/>
+              </a:ext>
+            </a:extLst>
+          </a:blip>
+          <a:stretch>
+            <a:fillRect/>
+          </a:stretch>
+        </p:blipFill>
+        <p:spPr>
+          <a:xfrm>
+            <a:off x="672527" y="622382"/>
+            <a:ext cx="1703930" cy="1703930"/>
+          </a:xfrm>
+          <a:prstGeom prst="rect">
+            <a:avLst/>
+          </a:prstGeom>
+        </p:spPr>
+      </p:pic>
+      <p:pic>
+        <p:nvPicPr>
+          <p:cNvPr id="9" name="Graphic 8" descr="Fortune cookie outline">
+            <a:extLst>
+              <a:ext uri="{FF2B5EF4-FFF2-40B4-BE49-F238E27FC236}">
+                <a16:creationId xmlns:a16="http://schemas.microsoft.com/office/drawing/2014/main" id="{2D57CB27-2C23-E34E-908D-96A3ADADB579}"/>
+              </a:ext>
+            </a:extLst>
+          </p:cNvPr>
+          <p:cNvPicPr>
+            <a:picLocks noChangeAspect="1"/>
+          </p:cNvPicPr>
+          <p:nvPr/>
+        </p:nvPicPr>
+        <p:blipFill>
+          <a:blip r:embed="rId8">
+            <a:extLst>
+              <a:ext uri="{96DAC541-7B7A-43D3-8B79-37D633B846F1}">
+                <asvg:svgBlip xmlns:asvg="http://schemas.microsoft.com/office/drawing/2016/SVG/main" r:embed="rId9"/>
+              </a:ext>
+            </a:extLst>
+          </a:blip>
+          <a:stretch>
+            <a:fillRect/>
+          </a:stretch>
+        </p:blipFill>
+        <p:spPr>
+          <a:xfrm>
+            <a:off x="8499988" y="2501327"/>
+            <a:ext cx="544216" cy="544216"/>
+          </a:xfrm>
+          <a:prstGeom prst="rect">
+            <a:avLst/>
+          </a:prstGeom>
+        </p:spPr>
+      </p:pic>
+      <p:sp>
+        <p:nvSpPr>
+          <p:cNvPr id="10" name="TextBox 9">
+            <a:extLst>
+              <a:ext uri="{FF2B5EF4-FFF2-40B4-BE49-F238E27FC236}">
+                <a16:creationId xmlns:a16="http://schemas.microsoft.com/office/drawing/2014/main" id="{8B01FC15-4D16-2B4A-8302-DDA13B230258}"/>
+              </a:ext>
+            </a:extLst>
+          </p:cNvPr>
+          <p:cNvSpPr txBox="1"/>
+          <p:nvPr/>
+        </p:nvSpPr>
+        <p:spPr>
+          <a:xfrm>
+            <a:off x="9149899" y="2495427"/>
+            <a:ext cx="1799304" cy="261610"/>
+          </a:xfrm>
+          <a:prstGeom prst="rect">
+            <a:avLst/>
+          </a:prstGeom>
+          <a:noFill/>
+        </p:spPr>
+        <p:txBody>
+          <a:bodyPr wrap="square" rtlCol="0">
+            <a:spAutoFit/>
+          </a:bodyPr>
+          <a:lstStyle/>
+          <a:p>
+            <a:r>
+              <a:rPr lang="en-IL" sz="1100" dirty="0"/>
+              <a:t>sessionTime (maxAge)</a:t>
+            </a:r>
+          </a:p>
+        </p:txBody>
+      </p:sp>
+      <p:cxnSp>
+        <p:nvCxnSpPr>
+          <p:cNvPr id="12" name="Straight Connector 11">
+            <a:extLst>
+              <a:ext uri="{FF2B5EF4-FFF2-40B4-BE49-F238E27FC236}">
+                <a16:creationId xmlns:a16="http://schemas.microsoft.com/office/drawing/2014/main" id="{FFC0F495-FC45-324F-8353-4F4ADFDE3F83}"/>
+              </a:ext>
+            </a:extLst>
+          </p:cNvPr>
+          <p:cNvCxnSpPr>
+            <a:endCxn id="5" idx="1"/>
+          </p:cNvCxnSpPr>
+          <p:nvPr/>
+        </p:nvCxnSpPr>
+        <p:spPr>
+          <a:xfrm>
+            <a:off x="2430534" y="1468939"/>
+            <a:ext cx="1007807" cy="414922"/>
+          </a:xfrm>
+          <a:prstGeom prst="line">
+            <a:avLst/>
+          </a:prstGeom>
+          <a:ln>
+            <a:solidFill>
+              <a:schemeClr val="tx1"/>
+            </a:solidFill>
+          </a:ln>
+        </p:spPr>
+        <p:style>
+          <a:lnRef idx="1">
+            <a:schemeClr val="accent1"/>
+          </a:lnRef>
+          <a:fillRef idx="0">
+            <a:schemeClr val="accent1"/>
+          </a:fillRef>
+          <a:effectRef idx="0">
+            <a:schemeClr val="accent1"/>
+          </a:effectRef>
+          <a:fontRef idx="minor">
+            <a:schemeClr val="tx1"/>
+          </a:fontRef>
+        </p:style>
+      </p:cxnSp>
+      <p:cxnSp>
+        <p:nvCxnSpPr>
+          <p:cNvPr id="13" name="Straight Connector 12">
+            <a:extLst>
+              <a:ext uri="{FF2B5EF4-FFF2-40B4-BE49-F238E27FC236}">
+                <a16:creationId xmlns:a16="http://schemas.microsoft.com/office/drawing/2014/main" id="{6CC220BC-B99B-004B-AFDE-9F62C109744E}"/>
+              </a:ext>
+            </a:extLst>
+          </p:cNvPr>
+          <p:cNvCxnSpPr>
+            <a:cxnSpLocks/>
+            <a:stCxn id="5" idx="3"/>
+            <a:endCxn id="3" idx="1"/>
+          </p:cNvCxnSpPr>
+          <p:nvPr/>
+        </p:nvCxnSpPr>
+        <p:spPr>
+          <a:xfrm>
+            <a:off x="5663381" y="1883861"/>
+            <a:ext cx="2240771" cy="2132617"/>
+          </a:xfrm>
+          <a:prstGeom prst="line">
+            <a:avLst/>
+          </a:prstGeom>
+          <a:ln>
+            <a:solidFill>
+              <a:schemeClr val="tx1"/>
+            </a:solidFill>
+          </a:ln>
+        </p:spPr>
+        <p:style>
+          <a:lnRef idx="1">
+            <a:schemeClr val="accent1"/>
+          </a:lnRef>
+          <a:fillRef idx="0">
+            <a:schemeClr val="accent1"/>
+          </a:fillRef>
+          <a:effectRef idx="0">
+            <a:schemeClr val="accent1"/>
+          </a:effectRef>
+          <a:fontRef idx="minor">
+            <a:schemeClr val="tx1"/>
+          </a:fontRef>
+        </p:style>
+      </p:cxnSp>
+      <p:sp>
+        <p:nvSpPr>
+          <p:cNvPr id="16" name="TextBox 15">
+            <a:extLst>
+              <a:ext uri="{FF2B5EF4-FFF2-40B4-BE49-F238E27FC236}">
+                <a16:creationId xmlns:a16="http://schemas.microsoft.com/office/drawing/2014/main" id="{CB4079B5-A5C8-7446-9D44-EED46B54399F}"/>
+              </a:ext>
+            </a:extLst>
+          </p:cNvPr>
+          <p:cNvSpPr txBox="1"/>
+          <p:nvPr/>
+        </p:nvSpPr>
+        <p:spPr>
+          <a:xfrm>
+            <a:off x="9176200" y="2734771"/>
+            <a:ext cx="1799304" cy="261610"/>
+          </a:xfrm>
+          <a:prstGeom prst="rect">
+            <a:avLst/>
+          </a:prstGeom>
+          <a:noFill/>
+        </p:spPr>
+        <p:txBody>
+          <a:bodyPr wrap="square" rtlCol="0">
+            <a:spAutoFit/>
+          </a:bodyPr>
+          <a:lstStyle/>
+          <a:p>
+            <a:r>
+              <a:rPr lang="en-US" sz="1100" dirty="0"/>
+              <a:t>D</a:t>
+            </a:r>
+            <a:r>
+              <a:rPr lang="en-IL" sz="1100" dirty="0"/>
+              <a:t>ata (about the user)</a:t>
+            </a:r>
+          </a:p>
+        </p:txBody>
+      </p:sp>
+      <p:pic>
+        <p:nvPicPr>
+          <p:cNvPr id="11" name="Graphic 10" descr="Fortune cookie outline">
+            <a:extLst>
+              <a:ext uri="{FF2B5EF4-FFF2-40B4-BE49-F238E27FC236}">
+                <a16:creationId xmlns:a16="http://schemas.microsoft.com/office/drawing/2014/main" id="{6B3AA160-0F7E-E24D-B78A-A95F4DA4DF69}"/>
+              </a:ext>
+            </a:extLst>
+          </p:cNvPr>
+          <p:cNvPicPr>
+            <a:picLocks noChangeAspect="1"/>
+          </p:cNvPicPr>
+          <p:nvPr/>
+        </p:nvPicPr>
+        <p:blipFill>
+          <a:blip r:embed="rId8">
+            <a:extLst>
+              <a:ext uri="{96DAC541-7B7A-43D3-8B79-37D633B846F1}">
+                <asvg:svgBlip xmlns:asvg="http://schemas.microsoft.com/office/drawing/2016/SVG/main" r:embed="rId9"/>
+              </a:ext>
+            </a:extLst>
+          </a:blip>
+          <a:stretch>
+            <a:fillRect/>
+          </a:stretch>
+        </p:blipFill>
+        <p:spPr>
+          <a:xfrm>
+            <a:off x="702517" y="300866"/>
+            <a:ext cx="544216" cy="544216"/>
+          </a:xfrm>
+          <a:prstGeom prst="rect">
+            <a:avLst/>
+          </a:prstGeom>
+        </p:spPr>
+      </p:pic>
+      <p:sp>
+        <p:nvSpPr>
+          <p:cNvPr id="14" name="TextBox 13">
+            <a:extLst>
+              <a:ext uri="{FF2B5EF4-FFF2-40B4-BE49-F238E27FC236}">
+                <a16:creationId xmlns:a16="http://schemas.microsoft.com/office/drawing/2014/main" id="{40E787A0-6B64-5E4C-9F6C-B832689FCF03}"/>
+              </a:ext>
+            </a:extLst>
+          </p:cNvPr>
+          <p:cNvSpPr txBox="1"/>
+          <p:nvPr/>
+        </p:nvSpPr>
+        <p:spPr>
+          <a:xfrm>
+            <a:off x="1352428" y="294966"/>
+            <a:ext cx="1799304" cy="261610"/>
+          </a:xfrm>
+          <a:prstGeom prst="rect">
+            <a:avLst/>
+          </a:prstGeom>
+          <a:noFill/>
+        </p:spPr>
+        <p:txBody>
+          <a:bodyPr wrap="square" rtlCol="0">
+            <a:spAutoFit/>
+          </a:bodyPr>
+          <a:lstStyle/>
+          <a:p>
+            <a:r>
+              <a:rPr lang="en-IL" sz="1100" dirty="0"/>
+              <a:t>sessionTime (maxAge)</a:t>
+            </a:r>
+          </a:p>
+        </p:txBody>
+      </p:sp>
+      <p:sp>
+        <p:nvSpPr>
+          <p:cNvPr id="15" name="TextBox 14">
+            <a:extLst>
+              <a:ext uri="{FF2B5EF4-FFF2-40B4-BE49-F238E27FC236}">
+                <a16:creationId xmlns:a16="http://schemas.microsoft.com/office/drawing/2014/main" id="{5CD49036-F0DC-6A41-8332-53EB219D075A}"/>
+              </a:ext>
+            </a:extLst>
+          </p:cNvPr>
+          <p:cNvSpPr txBox="1"/>
+          <p:nvPr/>
+        </p:nvSpPr>
+        <p:spPr>
+          <a:xfrm>
+            <a:off x="1378729" y="534310"/>
+            <a:ext cx="1799304" cy="261610"/>
+          </a:xfrm>
+          <a:prstGeom prst="rect">
+            <a:avLst/>
+          </a:prstGeom>
+          <a:noFill/>
+        </p:spPr>
+        <p:txBody>
+          <a:bodyPr wrap="square" rtlCol="0">
+            <a:spAutoFit/>
+          </a:bodyPr>
+          <a:lstStyle/>
+          <a:p>
+            <a:r>
+              <a:rPr lang="en-US" sz="1100" dirty="0"/>
+              <a:t>D</a:t>
+            </a:r>
+            <a:r>
+              <a:rPr lang="en-IL" sz="1100" dirty="0"/>
+              <a:t>ata (about the user)</a:t>
+            </a:r>
+          </a:p>
+        </p:txBody>
+      </p:sp>
+    </p:spTree>
+    <p:extLst>
+      <p:ext uri="{BB962C8B-B14F-4D97-AF65-F5344CB8AC3E}">
+        <p14:creationId xmlns:p14="http://schemas.microsoft.com/office/powerpoint/2010/main" val="2568268049"/>
+      </p:ext>
+    </p:extLst>
+  </p:cSld>
+  <p:clrMapOvr>
+    <a:masterClrMapping/>
+  </p:clrMapOvr>
+</p:sld>
+</file>
+
+<file path=ppt/slides/slide49.xml><?xml version="1.0" encoding="utf-8"?>
+<p:sld xmlns:a="http://schemas.openxmlformats.org/drawingml/2006/main" xmlns:r="http://schemas.openxmlformats.org/officeDocument/2006/relationships" xmlns:p="http://schemas.openxmlformats.org/presentationml/2006/main">
+  <p:cSld>
+    <p:spTree>
+      <p:nvGrpSpPr>
+        <p:cNvPr id="1" name=""/>
+        <p:cNvGrpSpPr/>
+        <p:nvPr/>
+      </p:nvGrpSpPr>
+      <p:grpSpPr>
+        <a:xfrm>
+          <a:off x="0" y="0"/>
+          <a:ext cx="0" cy="0"/>
+          <a:chOff x="0" y="0"/>
+          <a:chExt cx="0" cy="0"/>
+        </a:xfrm>
+      </p:grpSpPr>
+      <p:pic>
+        <p:nvPicPr>
+          <p:cNvPr id="5" name="Graphic 4" descr="Internet outline">
+            <a:extLst>
+              <a:ext uri="{FF2B5EF4-FFF2-40B4-BE49-F238E27FC236}">
+                <a16:creationId xmlns:a16="http://schemas.microsoft.com/office/drawing/2014/main" id="{7C114315-A9F8-C347-AE0E-B627E732CF13}"/>
+              </a:ext>
+            </a:extLst>
+          </p:cNvPr>
+          <p:cNvPicPr>
+            <a:picLocks noChangeAspect="1"/>
+          </p:cNvPicPr>
+          <p:nvPr/>
+        </p:nvPicPr>
+        <p:blipFill>
+          <a:blip r:embed="rId2">
+            <a:extLst>
+              <a:ext uri="{96DAC541-7B7A-43D3-8B79-37D633B846F1}">
+                <asvg:svgBlip xmlns:asvg="http://schemas.microsoft.com/office/drawing/2016/SVG/main" r:embed="rId3"/>
+              </a:ext>
+            </a:extLst>
+          </a:blip>
+          <a:stretch>
+            <a:fillRect/>
+          </a:stretch>
+        </p:blipFill>
+        <p:spPr>
+          <a:xfrm>
+            <a:off x="3438341" y="771341"/>
+            <a:ext cx="2225040" cy="2225040"/>
+          </a:xfrm>
+          <a:prstGeom prst="rect">
+            <a:avLst/>
+          </a:prstGeom>
+        </p:spPr>
+      </p:pic>
+      <p:pic>
+        <p:nvPicPr>
+          <p:cNvPr id="7" name="Graphic 6" descr="Browser window outline">
+            <a:extLst>
+              <a:ext uri="{FF2B5EF4-FFF2-40B4-BE49-F238E27FC236}">
+                <a16:creationId xmlns:a16="http://schemas.microsoft.com/office/drawing/2014/main" id="{B0E67CC6-DEB0-BC4A-A4C5-3622A83C5BD1}"/>
+              </a:ext>
+            </a:extLst>
+          </p:cNvPr>
+          <p:cNvPicPr>
+            <a:picLocks noChangeAspect="1"/>
+          </p:cNvPicPr>
+          <p:nvPr/>
+        </p:nvPicPr>
+        <p:blipFill>
+          <a:blip r:embed="rId4">
+            <a:extLst>
+              <a:ext uri="{96DAC541-7B7A-43D3-8B79-37D633B846F1}">
+                <asvg:svgBlip xmlns:asvg="http://schemas.microsoft.com/office/drawing/2016/SVG/main" r:embed="rId5"/>
+              </a:ext>
+            </a:extLst>
+          </a:blip>
+          <a:stretch>
+            <a:fillRect/>
+          </a:stretch>
+        </p:blipFill>
+        <p:spPr>
+          <a:xfrm>
+            <a:off x="672527" y="622382"/>
+            <a:ext cx="1703930" cy="1703930"/>
+          </a:xfrm>
+          <a:prstGeom prst="rect">
+            <a:avLst/>
+          </a:prstGeom>
+        </p:spPr>
+      </p:pic>
+      <p:cxnSp>
+        <p:nvCxnSpPr>
+          <p:cNvPr id="12" name="Straight Connector 11">
+            <a:extLst>
+              <a:ext uri="{FF2B5EF4-FFF2-40B4-BE49-F238E27FC236}">
+                <a16:creationId xmlns:a16="http://schemas.microsoft.com/office/drawing/2014/main" id="{FFC0F495-FC45-324F-8353-4F4ADFDE3F83}"/>
+              </a:ext>
+            </a:extLst>
+          </p:cNvPr>
+          <p:cNvCxnSpPr>
+            <a:endCxn id="5" idx="1"/>
+          </p:cNvCxnSpPr>
+          <p:nvPr/>
+        </p:nvCxnSpPr>
+        <p:spPr>
+          <a:xfrm>
+            <a:off x="2430534" y="1468939"/>
+            <a:ext cx="1007807" cy="414922"/>
+          </a:xfrm>
+          <a:prstGeom prst="line">
+            <a:avLst/>
+          </a:prstGeom>
+          <a:ln>
+            <a:solidFill>
+              <a:schemeClr val="tx1"/>
+            </a:solidFill>
+          </a:ln>
+        </p:spPr>
+        <p:style>
+          <a:lnRef idx="1">
+            <a:schemeClr val="accent1"/>
+          </a:lnRef>
+          <a:fillRef idx="0">
+            <a:schemeClr val="accent1"/>
+          </a:fillRef>
+          <a:effectRef idx="0">
+            <a:schemeClr val="accent1"/>
+          </a:effectRef>
+          <a:fontRef idx="minor">
+            <a:schemeClr val="tx1"/>
+          </a:fontRef>
+        </p:style>
+      </p:cxnSp>
+      <p:pic>
+        <p:nvPicPr>
+          <p:cNvPr id="11" name="Graphic 10" descr="Fortune cookie outline">
+            <a:extLst>
+              <a:ext uri="{FF2B5EF4-FFF2-40B4-BE49-F238E27FC236}">
+                <a16:creationId xmlns:a16="http://schemas.microsoft.com/office/drawing/2014/main" id="{6B3AA160-0F7E-E24D-B78A-A95F4DA4DF69}"/>
+              </a:ext>
+            </a:extLst>
+          </p:cNvPr>
+          <p:cNvPicPr>
+            <a:picLocks noChangeAspect="1"/>
+          </p:cNvPicPr>
+          <p:nvPr/>
+        </p:nvPicPr>
+        <p:blipFill>
+          <a:blip r:embed="rId6">
+            <a:extLst>
+              <a:ext uri="{96DAC541-7B7A-43D3-8B79-37D633B846F1}">
+                <asvg:svgBlip xmlns:asvg="http://schemas.microsoft.com/office/drawing/2016/SVG/main" r:embed="rId7"/>
+              </a:ext>
+            </a:extLst>
+          </a:blip>
+          <a:stretch>
+            <a:fillRect/>
+          </a:stretch>
+        </p:blipFill>
+        <p:spPr>
+          <a:xfrm>
+            <a:off x="702517" y="300866"/>
+            <a:ext cx="544216" cy="544216"/>
+          </a:xfrm>
+          <a:prstGeom prst="rect">
+            <a:avLst/>
+          </a:prstGeom>
+        </p:spPr>
+      </p:pic>
+      <p:sp>
+        <p:nvSpPr>
+          <p:cNvPr id="14" name="TextBox 13">
+            <a:extLst>
+              <a:ext uri="{FF2B5EF4-FFF2-40B4-BE49-F238E27FC236}">
+                <a16:creationId xmlns:a16="http://schemas.microsoft.com/office/drawing/2014/main" id="{40E787A0-6B64-5E4C-9F6C-B832689FCF03}"/>
+              </a:ext>
+            </a:extLst>
+          </p:cNvPr>
+          <p:cNvSpPr txBox="1"/>
+          <p:nvPr/>
+        </p:nvSpPr>
+        <p:spPr>
+          <a:xfrm>
+            <a:off x="1352428" y="294966"/>
+            <a:ext cx="1799304" cy="261610"/>
+          </a:xfrm>
+          <a:prstGeom prst="rect">
+            <a:avLst/>
+          </a:prstGeom>
+          <a:noFill/>
+        </p:spPr>
+        <p:txBody>
+          <a:bodyPr wrap="square" rtlCol="0">
+            <a:spAutoFit/>
+          </a:bodyPr>
+          <a:lstStyle/>
+          <a:p>
+            <a:r>
+              <a:rPr lang="en-IL" sz="1100" dirty="0"/>
+              <a:t>sessionTime (maxAge)</a:t>
+            </a:r>
+          </a:p>
+        </p:txBody>
+      </p:sp>
+      <p:sp>
+        <p:nvSpPr>
+          <p:cNvPr id="15" name="TextBox 14">
+            <a:extLst>
+              <a:ext uri="{FF2B5EF4-FFF2-40B4-BE49-F238E27FC236}">
+                <a16:creationId xmlns:a16="http://schemas.microsoft.com/office/drawing/2014/main" id="{5CD49036-F0DC-6A41-8332-53EB219D075A}"/>
+              </a:ext>
+            </a:extLst>
+          </p:cNvPr>
+          <p:cNvSpPr txBox="1"/>
+          <p:nvPr/>
+        </p:nvSpPr>
+        <p:spPr>
+          <a:xfrm>
+            <a:off x="1378729" y="534310"/>
+            <a:ext cx="1799304" cy="261610"/>
+          </a:xfrm>
+          <a:prstGeom prst="rect">
+            <a:avLst/>
+          </a:prstGeom>
+          <a:noFill/>
+        </p:spPr>
+        <p:txBody>
+          <a:bodyPr wrap="square" rtlCol="0">
+            <a:spAutoFit/>
+          </a:bodyPr>
+          <a:lstStyle/>
+          <a:p>
+            <a:r>
+              <a:rPr lang="en-US" sz="1100" dirty="0"/>
+              <a:t>D</a:t>
+            </a:r>
+            <a:r>
+              <a:rPr lang="en-IL" sz="1100" dirty="0"/>
+              <a:t>ata (about the user)</a:t>
+            </a:r>
+          </a:p>
+        </p:txBody>
+      </p:sp>
+    </p:spTree>
+    <p:extLst>
+      <p:ext uri="{BB962C8B-B14F-4D97-AF65-F5344CB8AC3E}">
+        <p14:creationId xmlns:p14="http://schemas.microsoft.com/office/powerpoint/2010/main" val="2497169883"/>
+      </p:ext>
+    </p:extLst>
+  </p:cSld>
+  <p:clrMapOvr>
+    <a:masterClrMapping/>
+  </p:clrMapOvr>
+</p:sld>
+</file>
+
 <file path=ppt/slides/slide5.xml><?xml version="1.0" encoding="utf-8"?>
 <p:sld xmlns:a="http://schemas.openxmlformats.org/drawingml/2006/main" xmlns:r="http://schemas.openxmlformats.org/officeDocument/2006/relationships" xmlns:p="http://schemas.openxmlformats.org/presentationml/2006/main">
   <p:cSld>
@@ -12334,6 +14534,788 @@
     <p:extLst>
       <p:ext uri="{BB962C8B-B14F-4D97-AF65-F5344CB8AC3E}">
         <p14:creationId xmlns:p14="http://schemas.microsoft.com/office/powerpoint/2010/main" val="488551703"/>
+      </p:ext>
+    </p:extLst>
+  </p:cSld>
+  <p:clrMapOvr>
+    <a:masterClrMapping/>
+  </p:clrMapOvr>
+</p:sld>
+</file>
+
+<file path=ppt/slides/slide50.xml><?xml version="1.0" encoding="utf-8"?>
+<p:sld xmlns:a="http://schemas.openxmlformats.org/drawingml/2006/main" xmlns:r="http://schemas.openxmlformats.org/officeDocument/2006/relationships" xmlns:p="http://schemas.openxmlformats.org/presentationml/2006/main">
+  <p:cSld>
+    <p:spTree>
+      <p:nvGrpSpPr>
+        <p:cNvPr id="1" name=""/>
+        <p:cNvGrpSpPr/>
+        <p:nvPr/>
+      </p:nvGrpSpPr>
+      <p:grpSpPr>
+        <a:xfrm>
+          <a:off x="0" y="0"/>
+          <a:ext cx="0" cy="0"/>
+          <a:chOff x="0" y="0"/>
+          <a:chExt cx="0" cy="0"/>
+        </a:xfrm>
+      </p:grpSpPr>
+      <p:pic>
+        <p:nvPicPr>
+          <p:cNvPr id="3" name="Graphic 2" descr="Server outline">
+            <a:extLst>
+              <a:ext uri="{FF2B5EF4-FFF2-40B4-BE49-F238E27FC236}">
+                <a16:creationId xmlns:a16="http://schemas.microsoft.com/office/drawing/2014/main" id="{4BC2E5F7-4CE4-8C47-8EEC-33074A760BED}"/>
+              </a:ext>
+            </a:extLst>
+          </p:cNvPr>
+          <p:cNvPicPr>
+            <a:picLocks noChangeAspect="1"/>
+          </p:cNvPicPr>
+          <p:nvPr/>
+        </p:nvPicPr>
+        <p:blipFill>
+          <a:blip r:embed="rId2">
+            <a:extLst>
+              <a:ext uri="{96DAC541-7B7A-43D3-8B79-37D633B846F1}">
+                <asvg:svgBlip xmlns:asvg="http://schemas.microsoft.com/office/drawing/2016/SVG/main" r:embed="rId3"/>
+              </a:ext>
+            </a:extLst>
+          </a:blip>
+          <a:stretch>
+            <a:fillRect/>
+          </a:stretch>
+        </p:blipFill>
+        <p:spPr>
+          <a:xfrm>
+            <a:off x="7904152" y="2682732"/>
+            <a:ext cx="2667492" cy="2667492"/>
+          </a:xfrm>
+          <a:prstGeom prst="rect">
+            <a:avLst/>
+          </a:prstGeom>
+        </p:spPr>
+      </p:pic>
+      <p:pic>
+        <p:nvPicPr>
+          <p:cNvPr id="5" name="Graphic 4" descr="Internet outline">
+            <a:extLst>
+              <a:ext uri="{FF2B5EF4-FFF2-40B4-BE49-F238E27FC236}">
+                <a16:creationId xmlns:a16="http://schemas.microsoft.com/office/drawing/2014/main" id="{7C114315-A9F8-C347-AE0E-B627E732CF13}"/>
+              </a:ext>
+            </a:extLst>
+          </p:cNvPr>
+          <p:cNvPicPr>
+            <a:picLocks noChangeAspect="1"/>
+          </p:cNvPicPr>
+          <p:nvPr/>
+        </p:nvPicPr>
+        <p:blipFill>
+          <a:blip r:embed="rId4">
+            <a:extLst>
+              <a:ext uri="{96DAC541-7B7A-43D3-8B79-37D633B846F1}">
+                <asvg:svgBlip xmlns:asvg="http://schemas.microsoft.com/office/drawing/2016/SVG/main" r:embed="rId5"/>
+              </a:ext>
+            </a:extLst>
+          </a:blip>
+          <a:stretch>
+            <a:fillRect/>
+          </a:stretch>
+        </p:blipFill>
+        <p:spPr>
+          <a:xfrm>
+            <a:off x="3438341" y="771341"/>
+            <a:ext cx="2225040" cy="2225040"/>
+          </a:xfrm>
+          <a:prstGeom prst="rect">
+            <a:avLst/>
+          </a:prstGeom>
+        </p:spPr>
+      </p:pic>
+      <p:pic>
+        <p:nvPicPr>
+          <p:cNvPr id="7" name="Graphic 6" descr="Browser window outline">
+            <a:extLst>
+              <a:ext uri="{FF2B5EF4-FFF2-40B4-BE49-F238E27FC236}">
+                <a16:creationId xmlns:a16="http://schemas.microsoft.com/office/drawing/2014/main" id="{B0E67CC6-DEB0-BC4A-A4C5-3622A83C5BD1}"/>
+              </a:ext>
+            </a:extLst>
+          </p:cNvPr>
+          <p:cNvPicPr>
+            <a:picLocks noChangeAspect="1"/>
+          </p:cNvPicPr>
+          <p:nvPr/>
+        </p:nvPicPr>
+        <p:blipFill>
+          <a:blip r:embed="rId6">
+            <a:extLst>
+              <a:ext uri="{96DAC541-7B7A-43D3-8B79-37D633B846F1}">
+                <asvg:svgBlip xmlns:asvg="http://schemas.microsoft.com/office/drawing/2016/SVG/main" r:embed="rId7"/>
+              </a:ext>
+            </a:extLst>
+          </a:blip>
+          <a:stretch>
+            <a:fillRect/>
+          </a:stretch>
+        </p:blipFill>
+        <p:spPr>
+          <a:xfrm>
+            <a:off x="672527" y="622382"/>
+            <a:ext cx="1703930" cy="1703930"/>
+          </a:xfrm>
+          <a:prstGeom prst="rect">
+            <a:avLst/>
+          </a:prstGeom>
+        </p:spPr>
+      </p:pic>
+      <p:cxnSp>
+        <p:nvCxnSpPr>
+          <p:cNvPr id="12" name="Straight Connector 11">
+            <a:extLst>
+              <a:ext uri="{FF2B5EF4-FFF2-40B4-BE49-F238E27FC236}">
+                <a16:creationId xmlns:a16="http://schemas.microsoft.com/office/drawing/2014/main" id="{FFC0F495-FC45-324F-8353-4F4ADFDE3F83}"/>
+              </a:ext>
+            </a:extLst>
+          </p:cNvPr>
+          <p:cNvCxnSpPr>
+            <a:endCxn id="5" idx="1"/>
+          </p:cNvCxnSpPr>
+          <p:nvPr/>
+        </p:nvCxnSpPr>
+        <p:spPr>
+          <a:xfrm>
+            <a:off x="2430534" y="1468939"/>
+            <a:ext cx="1007807" cy="414922"/>
+          </a:xfrm>
+          <a:prstGeom prst="line">
+            <a:avLst/>
+          </a:prstGeom>
+          <a:ln>
+            <a:solidFill>
+              <a:schemeClr val="tx1"/>
+            </a:solidFill>
+          </a:ln>
+        </p:spPr>
+        <p:style>
+          <a:lnRef idx="1">
+            <a:schemeClr val="accent1"/>
+          </a:lnRef>
+          <a:fillRef idx="0">
+            <a:schemeClr val="accent1"/>
+          </a:fillRef>
+          <a:effectRef idx="0">
+            <a:schemeClr val="accent1"/>
+          </a:effectRef>
+          <a:fontRef idx="minor">
+            <a:schemeClr val="tx1"/>
+          </a:fontRef>
+        </p:style>
+      </p:cxnSp>
+      <p:cxnSp>
+        <p:nvCxnSpPr>
+          <p:cNvPr id="13" name="Straight Connector 12">
+            <a:extLst>
+              <a:ext uri="{FF2B5EF4-FFF2-40B4-BE49-F238E27FC236}">
+                <a16:creationId xmlns:a16="http://schemas.microsoft.com/office/drawing/2014/main" id="{6CC220BC-B99B-004B-AFDE-9F62C109744E}"/>
+              </a:ext>
+            </a:extLst>
+          </p:cNvPr>
+          <p:cNvCxnSpPr>
+            <a:cxnSpLocks/>
+            <a:stCxn id="5" idx="3"/>
+            <a:endCxn id="3" idx="1"/>
+          </p:cNvCxnSpPr>
+          <p:nvPr/>
+        </p:nvCxnSpPr>
+        <p:spPr>
+          <a:xfrm>
+            <a:off x="5663381" y="1883861"/>
+            <a:ext cx="2240771" cy="2132617"/>
+          </a:xfrm>
+          <a:prstGeom prst="line">
+            <a:avLst/>
+          </a:prstGeom>
+          <a:ln>
+            <a:solidFill>
+              <a:schemeClr val="tx1"/>
+            </a:solidFill>
+          </a:ln>
+        </p:spPr>
+        <p:style>
+          <a:lnRef idx="1">
+            <a:schemeClr val="accent1"/>
+          </a:lnRef>
+          <a:fillRef idx="0">
+            <a:schemeClr val="accent1"/>
+          </a:fillRef>
+          <a:effectRef idx="0">
+            <a:schemeClr val="accent1"/>
+          </a:effectRef>
+          <a:fontRef idx="minor">
+            <a:schemeClr val="tx1"/>
+          </a:fontRef>
+        </p:style>
+      </p:cxnSp>
+      <p:pic>
+        <p:nvPicPr>
+          <p:cNvPr id="11" name="Graphic 10" descr="Fortune cookie outline">
+            <a:extLst>
+              <a:ext uri="{FF2B5EF4-FFF2-40B4-BE49-F238E27FC236}">
+                <a16:creationId xmlns:a16="http://schemas.microsoft.com/office/drawing/2014/main" id="{6B3AA160-0F7E-E24D-B78A-A95F4DA4DF69}"/>
+              </a:ext>
+            </a:extLst>
+          </p:cNvPr>
+          <p:cNvPicPr>
+            <a:picLocks noChangeAspect="1"/>
+          </p:cNvPicPr>
+          <p:nvPr/>
+        </p:nvPicPr>
+        <p:blipFill>
+          <a:blip r:embed="rId8">
+            <a:extLst>
+              <a:ext uri="{96DAC541-7B7A-43D3-8B79-37D633B846F1}">
+                <asvg:svgBlip xmlns:asvg="http://schemas.microsoft.com/office/drawing/2016/SVG/main" r:embed="rId9"/>
+              </a:ext>
+            </a:extLst>
+          </a:blip>
+          <a:stretch>
+            <a:fillRect/>
+          </a:stretch>
+        </p:blipFill>
+        <p:spPr>
+          <a:xfrm>
+            <a:off x="702517" y="300866"/>
+            <a:ext cx="544216" cy="544216"/>
+          </a:xfrm>
+          <a:prstGeom prst="rect">
+            <a:avLst/>
+          </a:prstGeom>
+        </p:spPr>
+      </p:pic>
+      <p:sp>
+        <p:nvSpPr>
+          <p:cNvPr id="14" name="TextBox 13">
+            <a:extLst>
+              <a:ext uri="{FF2B5EF4-FFF2-40B4-BE49-F238E27FC236}">
+                <a16:creationId xmlns:a16="http://schemas.microsoft.com/office/drawing/2014/main" id="{40E787A0-6B64-5E4C-9F6C-B832689FCF03}"/>
+              </a:ext>
+            </a:extLst>
+          </p:cNvPr>
+          <p:cNvSpPr txBox="1"/>
+          <p:nvPr/>
+        </p:nvSpPr>
+        <p:spPr>
+          <a:xfrm>
+            <a:off x="1352428" y="294966"/>
+            <a:ext cx="1799304" cy="261610"/>
+          </a:xfrm>
+          <a:prstGeom prst="rect">
+            <a:avLst/>
+          </a:prstGeom>
+          <a:noFill/>
+        </p:spPr>
+        <p:txBody>
+          <a:bodyPr wrap="square" rtlCol="0">
+            <a:spAutoFit/>
+          </a:bodyPr>
+          <a:lstStyle/>
+          <a:p>
+            <a:r>
+              <a:rPr lang="en-IL" sz="1100" dirty="0"/>
+              <a:t>sessionTime (maxAge)</a:t>
+            </a:r>
+          </a:p>
+        </p:txBody>
+      </p:sp>
+      <p:sp>
+        <p:nvSpPr>
+          <p:cNvPr id="15" name="TextBox 14">
+            <a:extLst>
+              <a:ext uri="{FF2B5EF4-FFF2-40B4-BE49-F238E27FC236}">
+                <a16:creationId xmlns:a16="http://schemas.microsoft.com/office/drawing/2014/main" id="{5CD49036-F0DC-6A41-8332-53EB219D075A}"/>
+              </a:ext>
+            </a:extLst>
+          </p:cNvPr>
+          <p:cNvSpPr txBox="1"/>
+          <p:nvPr/>
+        </p:nvSpPr>
+        <p:spPr>
+          <a:xfrm>
+            <a:off x="1378729" y="534310"/>
+            <a:ext cx="1799304" cy="261610"/>
+          </a:xfrm>
+          <a:prstGeom prst="rect">
+            <a:avLst/>
+          </a:prstGeom>
+          <a:noFill/>
+        </p:spPr>
+        <p:txBody>
+          <a:bodyPr wrap="square" rtlCol="0">
+            <a:spAutoFit/>
+          </a:bodyPr>
+          <a:lstStyle/>
+          <a:p>
+            <a:r>
+              <a:rPr lang="en-US" sz="1100" dirty="0"/>
+              <a:t>D</a:t>
+            </a:r>
+            <a:r>
+              <a:rPr lang="en-IL" sz="1100" dirty="0"/>
+              <a:t>ata (about the user)</a:t>
+            </a:r>
+          </a:p>
+        </p:txBody>
+      </p:sp>
+    </p:spTree>
+    <p:extLst>
+      <p:ext uri="{BB962C8B-B14F-4D97-AF65-F5344CB8AC3E}">
+        <p14:creationId xmlns:p14="http://schemas.microsoft.com/office/powerpoint/2010/main" val="2191175312"/>
+      </p:ext>
+    </p:extLst>
+  </p:cSld>
+  <p:clrMapOvr>
+    <a:masterClrMapping/>
+  </p:clrMapOvr>
+</p:sld>
+</file>
+
+<file path=ppt/slides/slide51.xml><?xml version="1.0" encoding="utf-8"?>
+<p:sld xmlns:a="http://schemas.openxmlformats.org/drawingml/2006/main" xmlns:r="http://schemas.openxmlformats.org/officeDocument/2006/relationships" xmlns:p="http://schemas.openxmlformats.org/presentationml/2006/main">
+  <p:cSld>
+    <p:spTree>
+      <p:nvGrpSpPr>
+        <p:cNvPr id="1" name=""/>
+        <p:cNvGrpSpPr/>
+        <p:nvPr/>
+      </p:nvGrpSpPr>
+      <p:grpSpPr>
+        <a:xfrm>
+          <a:off x="0" y="0"/>
+          <a:ext cx="0" cy="0"/>
+          <a:chOff x="0" y="0"/>
+          <a:chExt cx="0" cy="0"/>
+        </a:xfrm>
+      </p:grpSpPr>
+      <p:pic>
+        <p:nvPicPr>
+          <p:cNvPr id="3" name="Graphic 2" descr="Server outline">
+            <a:extLst>
+              <a:ext uri="{FF2B5EF4-FFF2-40B4-BE49-F238E27FC236}">
+                <a16:creationId xmlns:a16="http://schemas.microsoft.com/office/drawing/2014/main" id="{4BC2E5F7-4CE4-8C47-8EEC-33074A760BED}"/>
+              </a:ext>
+            </a:extLst>
+          </p:cNvPr>
+          <p:cNvPicPr>
+            <a:picLocks noChangeAspect="1"/>
+          </p:cNvPicPr>
+          <p:nvPr/>
+        </p:nvPicPr>
+        <p:blipFill>
+          <a:blip r:embed="rId2">
+            <a:extLst>
+              <a:ext uri="{96DAC541-7B7A-43D3-8B79-37D633B846F1}">
+                <asvg:svgBlip xmlns:asvg="http://schemas.microsoft.com/office/drawing/2016/SVG/main" r:embed="rId3"/>
+              </a:ext>
+            </a:extLst>
+          </a:blip>
+          <a:stretch>
+            <a:fillRect/>
+          </a:stretch>
+        </p:blipFill>
+        <p:spPr>
+          <a:xfrm>
+            <a:off x="7904152" y="2682732"/>
+            <a:ext cx="2667492" cy="2667492"/>
+          </a:xfrm>
+          <a:prstGeom prst="rect">
+            <a:avLst/>
+          </a:prstGeom>
+        </p:spPr>
+      </p:pic>
+      <p:pic>
+        <p:nvPicPr>
+          <p:cNvPr id="5" name="Graphic 4" descr="Internet outline">
+            <a:extLst>
+              <a:ext uri="{FF2B5EF4-FFF2-40B4-BE49-F238E27FC236}">
+                <a16:creationId xmlns:a16="http://schemas.microsoft.com/office/drawing/2014/main" id="{7C114315-A9F8-C347-AE0E-B627E732CF13}"/>
+              </a:ext>
+            </a:extLst>
+          </p:cNvPr>
+          <p:cNvPicPr>
+            <a:picLocks noChangeAspect="1"/>
+          </p:cNvPicPr>
+          <p:nvPr/>
+        </p:nvPicPr>
+        <p:blipFill>
+          <a:blip r:embed="rId4">
+            <a:extLst>
+              <a:ext uri="{96DAC541-7B7A-43D3-8B79-37D633B846F1}">
+                <asvg:svgBlip xmlns:asvg="http://schemas.microsoft.com/office/drawing/2016/SVG/main" r:embed="rId5"/>
+              </a:ext>
+            </a:extLst>
+          </a:blip>
+          <a:stretch>
+            <a:fillRect/>
+          </a:stretch>
+        </p:blipFill>
+        <p:spPr>
+          <a:xfrm>
+            <a:off x="3438341" y="771341"/>
+            <a:ext cx="2225040" cy="2225040"/>
+          </a:xfrm>
+          <a:prstGeom prst="rect">
+            <a:avLst/>
+          </a:prstGeom>
+        </p:spPr>
+      </p:pic>
+      <p:pic>
+        <p:nvPicPr>
+          <p:cNvPr id="7" name="Graphic 6" descr="Browser window outline">
+            <a:extLst>
+              <a:ext uri="{FF2B5EF4-FFF2-40B4-BE49-F238E27FC236}">
+                <a16:creationId xmlns:a16="http://schemas.microsoft.com/office/drawing/2014/main" id="{B0E67CC6-DEB0-BC4A-A4C5-3622A83C5BD1}"/>
+              </a:ext>
+            </a:extLst>
+          </p:cNvPr>
+          <p:cNvPicPr>
+            <a:picLocks noChangeAspect="1"/>
+          </p:cNvPicPr>
+          <p:nvPr/>
+        </p:nvPicPr>
+        <p:blipFill>
+          <a:blip r:embed="rId6">
+            <a:extLst>
+              <a:ext uri="{96DAC541-7B7A-43D3-8B79-37D633B846F1}">
+                <asvg:svgBlip xmlns:asvg="http://schemas.microsoft.com/office/drawing/2016/SVG/main" r:embed="rId7"/>
+              </a:ext>
+            </a:extLst>
+          </a:blip>
+          <a:stretch>
+            <a:fillRect/>
+          </a:stretch>
+        </p:blipFill>
+        <p:spPr>
+          <a:xfrm>
+            <a:off x="672527" y="622382"/>
+            <a:ext cx="1703930" cy="1703930"/>
+          </a:xfrm>
+          <a:prstGeom prst="rect">
+            <a:avLst/>
+          </a:prstGeom>
+        </p:spPr>
+      </p:pic>
+      <p:pic>
+        <p:nvPicPr>
+          <p:cNvPr id="9" name="Graphic 8" descr="Fortune cookie outline">
+            <a:extLst>
+              <a:ext uri="{FF2B5EF4-FFF2-40B4-BE49-F238E27FC236}">
+                <a16:creationId xmlns:a16="http://schemas.microsoft.com/office/drawing/2014/main" id="{2D57CB27-2C23-E34E-908D-96A3ADADB579}"/>
+              </a:ext>
+            </a:extLst>
+          </p:cNvPr>
+          <p:cNvPicPr>
+            <a:picLocks noChangeAspect="1"/>
+          </p:cNvPicPr>
+          <p:nvPr/>
+        </p:nvPicPr>
+        <p:blipFill>
+          <a:blip r:embed="rId8">
+            <a:extLst>
+              <a:ext uri="{96DAC541-7B7A-43D3-8B79-37D633B846F1}">
+                <asvg:svgBlip xmlns:asvg="http://schemas.microsoft.com/office/drawing/2016/SVG/main" r:embed="rId9"/>
+              </a:ext>
+            </a:extLst>
+          </a:blip>
+          <a:stretch>
+            <a:fillRect/>
+          </a:stretch>
+        </p:blipFill>
+        <p:spPr>
+          <a:xfrm>
+            <a:off x="8499988" y="2501327"/>
+            <a:ext cx="544216" cy="544216"/>
+          </a:xfrm>
+          <a:prstGeom prst="rect">
+            <a:avLst/>
+          </a:prstGeom>
+        </p:spPr>
+      </p:pic>
+      <p:sp>
+        <p:nvSpPr>
+          <p:cNvPr id="10" name="TextBox 9">
+            <a:extLst>
+              <a:ext uri="{FF2B5EF4-FFF2-40B4-BE49-F238E27FC236}">
+                <a16:creationId xmlns:a16="http://schemas.microsoft.com/office/drawing/2014/main" id="{8B01FC15-4D16-2B4A-8302-DDA13B230258}"/>
+              </a:ext>
+            </a:extLst>
+          </p:cNvPr>
+          <p:cNvSpPr txBox="1"/>
+          <p:nvPr/>
+        </p:nvSpPr>
+        <p:spPr>
+          <a:xfrm>
+            <a:off x="9149899" y="2495427"/>
+            <a:ext cx="1799304" cy="261610"/>
+          </a:xfrm>
+          <a:prstGeom prst="rect">
+            <a:avLst/>
+          </a:prstGeom>
+          <a:noFill/>
+        </p:spPr>
+        <p:txBody>
+          <a:bodyPr wrap="square" rtlCol="0">
+            <a:spAutoFit/>
+          </a:bodyPr>
+          <a:lstStyle/>
+          <a:p>
+            <a:r>
+              <a:rPr lang="en-IL" sz="1100" dirty="0"/>
+              <a:t>sessionTime (maxAge)</a:t>
+            </a:r>
+          </a:p>
+        </p:txBody>
+      </p:sp>
+      <p:cxnSp>
+        <p:nvCxnSpPr>
+          <p:cNvPr id="12" name="Straight Connector 11">
+            <a:extLst>
+              <a:ext uri="{FF2B5EF4-FFF2-40B4-BE49-F238E27FC236}">
+                <a16:creationId xmlns:a16="http://schemas.microsoft.com/office/drawing/2014/main" id="{FFC0F495-FC45-324F-8353-4F4ADFDE3F83}"/>
+              </a:ext>
+            </a:extLst>
+          </p:cNvPr>
+          <p:cNvCxnSpPr>
+            <a:endCxn id="5" idx="1"/>
+          </p:cNvCxnSpPr>
+          <p:nvPr/>
+        </p:nvCxnSpPr>
+        <p:spPr>
+          <a:xfrm>
+            <a:off x="2430534" y="1468939"/>
+            <a:ext cx="1007807" cy="414922"/>
+          </a:xfrm>
+          <a:prstGeom prst="line">
+            <a:avLst/>
+          </a:prstGeom>
+          <a:ln>
+            <a:solidFill>
+              <a:schemeClr val="tx1"/>
+            </a:solidFill>
+          </a:ln>
+        </p:spPr>
+        <p:style>
+          <a:lnRef idx="1">
+            <a:schemeClr val="accent1"/>
+          </a:lnRef>
+          <a:fillRef idx="0">
+            <a:schemeClr val="accent1"/>
+          </a:fillRef>
+          <a:effectRef idx="0">
+            <a:schemeClr val="accent1"/>
+          </a:effectRef>
+          <a:fontRef idx="minor">
+            <a:schemeClr val="tx1"/>
+          </a:fontRef>
+        </p:style>
+      </p:cxnSp>
+      <p:cxnSp>
+        <p:nvCxnSpPr>
+          <p:cNvPr id="13" name="Straight Connector 12">
+            <a:extLst>
+              <a:ext uri="{FF2B5EF4-FFF2-40B4-BE49-F238E27FC236}">
+                <a16:creationId xmlns:a16="http://schemas.microsoft.com/office/drawing/2014/main" id="{6CC220BC-B99B-004B-AFDE-9F62C109744E}"/>
+              </a:ext>
+            </a:extLst>
+          </p:cNvPr>
+          <p:cNvCxnSpPr>
+            <a:cxnSpLocks/>
+            <a:stCxn id="5" idx="3"/>
+            <a:endCxn id="3" idx="1"/>
+          </p:cNvCxnSpPr>
+          <p:nvPr/>
+        </p:nvCxnSpPr>
+        <p:spPr>
+          <a:xfrm>
+            <a:off x="5663381" y="1883861"/>
+            <a:ext cx="2240771" cy="2132617"/>
+          </a:xfrm>
+          <a:prstGeom prst="line">
+            <a:avLst/>
+          </a:prstGeom>
+          <a:ln>
+            <a:solidFill>
+              <a:schemeClr val="tx1"/>
+            </a:solidFill>
+          </a:ln>
+        </p:spPr>
+        <p:style>
+          <a:lnRef idx="1">
+            <a:schemeClr val="accent1"/>
+          </a:lnRef>
+          <a:fillRef idx="0">
+            <a:schemeClr val="accent1"/>
+          </a:fillRef>
+          <a:effectRef idx="0">
+            <a:schemeClr val="accent1"/>
+          </a:effectRef>
+          <a:fontRef idx="minor">
+            <a:schemeClr val="tx1"/>
+          </a:fontRef>
+        </p:style>
+      </p:cxnSp>
+      <p:sp>
+        <p:nvSpPr>
+          <p:cNvPr id="16" name="TextBox 15">
+            <a:extLst>
+              <a:ext uri="{FF2B5EF4-FFF2-40B4-BE49-F238E27FC236}">
+                <a16:creationId xmlns:a16="http://schemas.microsoft.com/office/drawing/2014/main" id="{CB4079B5-A5C8-7446-9D44-EED46B54399F}"/>
+              </a:ext>
+            </a:extLst>
+          </p:cNvPr>
+          <p:cNvSpPr txBox="1"/>
+          <p:nvPr/>
+        </p:nvSpPr>
+        <p:spPr>
+          <a:xfrm>
+            <a:off x="9176200" y="2734771"/>
+            <a:ext cx="1799304" cy="261610"/>
+          </a:xfrm>
+          <a:prstGeom prst="rect">
+            <a:avLst/>
+          </a:prstGeom>
+          <a:noFill/>
+        </p:spPr>
+        <p:txBody>
+          <a:bodyPr wrap="square" rtlCol="0">
+            <a:spAutoFit/>
+          </a:bodyPr>
+          <a:lstStyle/>
+          <a:p>
+            <a:r>
+              <a:rPr lang="en-US" sz="1100" dirty="0"/>
+              <a:t>D</a:t>
+            </a:r>
+            <a:r>
+              <a:rPr lang="en-IL" sz="1100" dirty="0"/>
+              <a:t>ata (about the user)</a:t>
+            </a:r>
+          </a:p>
+        </p:txBody>
+      </p:sp>
+      <p:pic>
+        <p:nvPicPr>
+          <p:cNvPr id="11" name="Graphic 10" descr="Fortune cookie outline">
+            <a:extLst>
+              <a:ext uri="{FF2B5EF4-FFF2-40B4-BE49-F238E27FC236}">
+                <a16:creationId xmlns:a16="http://schemas.microsoft.com/office/drawing/2014/main" id="{6B3AA160-0F7E-E24D-B78A-A95F4DA4DF69}"/>
+              </a:ext>
+            </a:extLst>
+          </p:cNvPr>
+          <p:cNvPicPr>
+            <a:picLocks noChangeAspect="1"/>
+          </p:cNvPicPr>
+          <p:nvPr/>
+        </p:nvPicPr>
+        <p:blipFill>
+          <a:blip r:embed="rId8">
+            <a:extLst>
+              <a:ext uri="{96DAC541-7B7A-43D3-8B79-37D633B846F1}">
+                <asvg:svgBlip xmlns:asvg="http://schemas.microsoft.com/office/drawing/2016/SVG/main" r:embed="rId9"/>
+              </a:ext>
+            </a:extLst>
+          </a:blip>
+          <a:stretch>
+            <a:fillRect/>
+          </a:stretch>
+        </p:blipFill>
+        <p:spPr>
+          <a:xfrm>
+            <a:off x="702517" y="300866"/>
+            <a:ext cx="544216" cy="544216"/>
+          </a:xfrm>
+          <a:prstGeom prst="rect">
+            <a:avLst/>
+          </a:prstGeom>
+        </p:spPr>
+      </p:pic>
+      <p:sp>
+        <p:nvSpPr>
+          <p:cNvPr id="14" name="TextBox 13">
+            <a:extLst>
+              <a:ext uri="{FF2B5EF4-FFF2-40B4-BE49-F238E27FC236}">
+                <a16:creationId xmlns:a16="http://schemas.microsoft.com/office/drawing/2014/main" id="{40E787A0-6B64-5E4C-9F6C-B832689FCF03}"/>
+              </a:ext>
+            </a:extLst>
+          </p:cNvPr>
+          <p:cNvSpPr txBox="1"/>
+          <p:nvPr/>
+        </p:nvSpPr>
+        <p:spPr>
+          <a:xfrm>
+            <a:off x="1352428" y="294966"/>
+            <a:ext cx="1799304" cy="261610"/>
+          </a:xfrm>
+          <a:prstGeom prst="rect">
+            <a:avLst/>
+          </a:prstGeom>
+          <a:noFill/>
+        </p:spPr>
+        <p:txBody>
+          <a:bodyPr wrap="square" rtlCol="0">
+            <a:spAutoFit/>
+          </a:bodyPr>
+          <a:lstStyle/>
+          <a:p>
+            <a:r>
+              <a:rPr lang="en-IL" sz="1100" dirty="0"/>
+              <a:t>sessionTime (maxAge)</a:t>
+            </a:r>
+          </a:p>
+        </p:txBody>
+      </p:sp>
+      <p:sp>
+        <p:nvSpPr>
+          <p:cNvPr id="15" name="TextBox 14">
+            <a:extLst>
+              <a:ext uri="{FF2B5EF4-FFF2-40B4-BE49-F238E27FC236}">
+                <a16:creationId xmlns:a16="http://schemas.microsoft.com/office/drawing/2014/main" id="{5CD49036-F0DC-6A41-8332-53EB219D075A}"/>
+              </a:ext>
+            </a:extLst>
+          </p:cNvPr>
+          <p:cNvSpPr txBox="1"/>
+          <p:nvPr/>
+        </p:nvSpPr>
+        <p:spPr>
+          <a:xfrm>
+            <a:off x="1378729" y="534310"/>
+            <a:ext cx="1799304" cy="261610"/>
+          </a:xfrm>
+          <a:prstGeom prst="rect">
+            <a:avLst/>
+          </a:prstGeom>
+          <a:noFill/>
+        </p:spPr>
+        <p:txBody>
+          <a:bodyPr wrap="square" rtlCol="0">
+            <a:spAutoFit/>
+          </a:bodyPr>
+          <a:lstStyle/>
+          <a:p>
+            <a:r>
+              <a:rPr lang="en-US" sz="1100" dirty="0"/>
+              <a:t>D</a:t>
+            </a:r>
+            <a:r>
+              <a:rPr lang="en-IL" sz="1100" dirty="0"/>
+              <a:t>ata (about the user)</a:t>
+            </a:r>
+          </a:p>
+        </p:txBody>
+      </p:sp>
+    </p:spTree>
+    <p:extLst>
+      <p:ext uri="{BB962C8B-B14F-4D97-AF65-F5344CB8AC3E}">
+        <p14:creationId xmlns:p14="http://schemas.microsoft.com/office/powerpoint/2010/main" val="1710067129"/>
       </p:ext>
     </p:extLst>
   </p:cSld>

--- a/05-Node/03-express/00-presentation/express-recap.pptx
+++ b/05-Node/03-express/00-presentation/express-recap.pptx
@@ -56,6 +56,13 @@
     <p:sldId id="307" r:id="rId50"/>
     <p:sldId id="309" r:id="rId51"/>
     <p:sldId id="310" r:id="rId52"/>
+    <p:sldId id="311" r:id="rId53"/>
+    <p:sldId id="317" r:id="rId54"/>
+    <p:sldId id="312" r:id="rId55"/>
+    <p:sldId id="314" r:id="rId56"/>
+    <p:sldId id="313" r:id="rId57"/>
+    <p:sldId id="315" r:id="rId58"/>
+    <p:sldId id="316" r:id="rId59"/>
   </p:sldIdLst>
   <p:sldSz cx="12192000" cy="6858000"/>
   <p:notesSz cx="6858000" cy="9144000"/>
@@ -162,6 +169,2498 @@
 </p:presentation>
 </file>
 
+<file path=ppt/diagrams/colors1.xml><?xml version="1.0" encoding="utf-8"?>
+<dgm:colorsDef xmlns:dgm="http://schemas.openxmlformats.org/drawingml/2006/diagram" xmlns:a="http://schemas.openxmlformats.org/drawingml/2006/main" uniqueId="urn:microsoft.com/office/officeart/2005/8/colors/colorful2">
+  <dgm:title val=""/>
+  <dgm:desc val=""/>
+  <dgm:catLst>
+    <dgm:cat type="colorful" pri="10200"/>
+  </dgm:catLst>
+  <dgm:styleLbl name="node0">
+    <dgm:fillClrLst meth="repeat">
+      <a:schemeClr val="accent1"/>
+    </dgm:fillClrLst>
+    <dgm:linClrLst meth="repeat">
+      <a:schemeClr val="lt1"/>
+    </dgm:linClrLst>
+    <dgm:effectClrLst/>
+    <dgm:txLinClrLst/>
+    <dgm:txFillClrLst/>
+    <dgm:txEffectClrLst/>
+  </dgm:styleLbl>
+  <dgm:styleLbl name="node1">
+    <dgm:fillClrLst>
+      <a:schemeClr val="accent2"/>
+      <a:schemeClr val="accent3"/>
+    </dgm:fillClrLst>
+    <dgm:linClrLst meth="repeat">
+      <a:schemeClr val="lt1"/>
+    </dgm:linClrLst>
+    <dgm:effectClrLst/>
+    <dgm:txLinClrLst/>
+    <dgm:txFillClrLst/>
+    <dgm:txEffectClrLst/>
+  </dgm:styleLbl>
+  <dgm:styleLbl name="alignNode1">
+    <dgm:fillClrLst>
+      <a:schemeClr val="accent2"/>
+      <a:schemeClr val="accent3"/>
+    </dgm:fillClrLst>
+    <dgm:linClrLst>
+      <a:schemeClr val="accent2"/>
+      <a:schemeClr val="accent3"/>
+    </dgm:linClrLst>
+    <dgm:effectClrLst/>
+    <dgm:txLinClrLst/>
+    <dgm:txFillClrLst/>
+    <dgm:txEffectClrLst/>
+  </dgm:styleLbl>
+  <dgm:styleLbl name="lnNode1">
+    <dgm:fillClrLst>
+      <a:schemeClr val="accent2"/>
+      <a:schemeClr val="accent3"/>
+    </dgm:fillClrLst>
+    <dgm:linClrLst meth="repeat">
+      <a:schemeClr val="lt1"/>
+    </dgm:linClrLst>
+    <dgm:effectClrLst/>
+    <dgm:txLinClrLst/>
+    <dgm:txFillClrLst/>
+    <dgm:txEffectClrLst/>
+  </dgm:styleLbl>
+  <dgm:styleLbl name="vennNode1">
+    <dgm:fillClrLst>
+      <a:schemeClr val="accent2">
+        <a:alpha val="50000"/>
+      </a:schemeClr>
+      <a:schemeClr val="accent3">
+        <a:alpha val="50000"/>
+      </a:schemeClr>
+    </dgm:fillClrLst>
+    <dgm:linClrLst meth="repeat">
+      <a:schemeClr val="lt1"/>
+    </dgm:linClrLst>
+    <dgm:effectClrLst/>
+    <dgm:txLinClrLst/>
+    <dgm:txFillClrLst/>
+    <dgm:txEffectClrLst/>
+  </dgm:styleLbl>
+  <dgm:styleLbl name="node2">
+    <dgm:fillClrLst>
+      <a:schemeClr val="accent3"/>
+    </dgm:fillClrLst>
+    <dgm:linClrLst meth="repeat">
+      <a:schemeClr val="lt1"/>
+    </dgm:linClrLst>
+    <dgm:effectClrLst/>
+    <dgm:txLinClrLst/>
+    <dgm:txFillClrLst/>
+    <dgm:txEffectClrLst/>
+  </dgm:styleLbl>
+  <dgm:styleLbl name="node3">
+    <dgm:fillClrLst>
+      <a:schemeClr val="accent4"/>
+    </dgm:fillClrLst>
+    <dgm:linClrLst meth="repeat">
+      <a:schemeClr val="lt1"/>
+    </dgm:linClrLst>
+    <dgm:effectClrLst/>
+    <dgm:txLinClrLst/>
+    <dgm:txFillClrLst/>
+    <dgm:txEffectClrLst/>
+  </dgm:styleLbl>
+  <dgm:styleLbl name="node4">
+    <dgm:fillClrLst>
+      <a:schemeClr val="accent5"/>
+    </dgm:fillClrLst>
+    <dgm:linClrLst meth="repeat">
+      <a:schemeClr val="lt1"/>
+    </dgm:linClrLst>
+    <dgm:effectClrLst/>
+    <dgm:txLinClrLst/>
+    <dgm:txFillClrLst/>
+    <dgm:txEffectClrLst/>
+  </dgm:styleLbl>
+  <dgm:styleLbl name="fgImgPlace1">
+    <dgm:fillClrLst>
+      <a:schemeClr val="accent2">
+        <a:tint val="50000"/>
+      </a:schemeClr>
+      <a:schemeClr val="accent3">
+        <a:tint val="50000"/>
+      </a:schemeClr>
+    </dgm:fillClrLst>
+    <dgm:linClrLst meth="repeat">
+      <a:schemeClr val="lt1"/>
+    </dgm:linClrLst>
+    <dgm:effectClrLst/>
+    <dgm:txLinClrLst/>
+    <dgm:txFillClrLst meth="repeat">
+      <a:schemeClr val="lt1"/>
+    </dgm:txFillClrLst>
+    <dgm:txEffectClrLst/>
+  </dgm:styleLbl>
+  <dgm:styleLbl name="alignImgPlace1">
+    <dgm:fillClrLst>
+      <a:schemeClr val="accent2">
+        <a:tint val="50000"/>
+      </a:schemeClr>
+      <a:schemeClr val="accent3">
+        <a:tint val="20000"/>
+      </a:schemeClr>
+    </dgm:fillClrLst>
+    <dgm:linClrLst meth="repeat">
+      <a:schemeClr val="lt1"/>
+    </dgm:linClrLst>
+    <dgm:effectClrLst/>
+    <dgm:txLinClrLst/>
+    <dgm:txFillClrLst meth="repeat">
+      <a:schemeClr val="lt1"/>
+    </dgm:txFillClrLst>
+    <dgm:txEffectClrLst/>
+  </dgm:styleLbl>
+  <dgm:styleLbl name="bgImgPlace1">
+    <dgm:fillClrLst>
+      <a:schemeClr val="accent2">
+        <a:tint val="50000"/>
+      </a:schemeClr>
+      <a:schemeClr val="accent3">
+        <a:tint val="20000"/>
+      </a:schemeClr>
+    </dgm:fillClrLst>
+    <dgm:linClrLst meth="repeat">
+      <a:schemeClr val="lt1"/>
+    </dgm:linClrLst>
+    <dgm:effectClrLst/>
+    <dgm:txLinClrLst/>
+    <dgm:txFillClrLst meth="repeat">
+      <a:schemeClr val="lt1"/>
+    </dgm:txFillClrLst>
+    <dgm:txEffectClrLst/>
+  </dgm:styleLbl>
+  <dgm:styleLbl name="sibTrans2D1">
+    <dgm:fillClrLst>
+      <a:schemeClr val="accent2"/>
+      <a:schemeClr val="accent3"/>
+    </dgm:fillClrLst>
+    <dgm:linClrLst meth="repeat">
+      <a:schemeClr val="lt1"/>
+    </dgm:linClrLst>
+    <dgm:effectClrLst/>
+    <dgm:txLinClrLst/>
+    <dgm:txFillClrLst/>
+    <dgm:txEffectClrLst/>
+  </dgm:styleLbl>
+  <dgm:styleLbl name="fgSibTrans2D1">
+    <dgm:fillClrLst>
+      <a:schemeClr val="accent2"/>
+      <a:schemeClr val="accent3"/>
+    </dgm:fillClrLst>
+    <dgm:linClrLst meth="repeat">
+      <a:schemeClr val="lt1"/>
+    </dgm:linClrLst>
+    <dgm:effectClrLst/>
+    <dgm:txLinClrLst/>
+    <dgm:txFillClrLst meth="repeat">
+      <a:schemeClr val="lt1"/>
+    </dgm:txFillClrLst>
+    <dgm:txEffectClrLst/>
+  </dgm:styleLbl>
+  <dgm:styleLbl name="bgSibTrans2D1">
+    <dgm:fillClrLst>
+      <a:schemeClr val="accent2"/>
+      <a:schemeClr val="accent3"/>
+    </dgm:fillClrLst>
+    <dgm:linClrLst meth="repeat">
+      <a:schemeClr val="lt1"/>
+    </dgm:linClrLst>
+    <dgm:effectClrLst/>
+    <dgm:txLinClrLst/>
+    <dgm:txFillClrLst meth="repeat">
+      <a:schemeClr val="lt1"/>
+    </dgm:txFillClrLst>
+    <dgm:txEffectClrLst/>
+  </dgm:styleLbl>
+  <dgm:styleLbl name="sibTrans1D1">
+    <dgm:fillClrLst/>
+    <dgm:linClrLst>
+      <a:schemeClr val="accent2"/>
+      <a:schemeClr val="accent3"/>
+    </dgm:linClrLst>
+    <dgm:effectClrLst/>
+    <dgm:txLinClrLst/>
+    <dgm:txFillClrLst meth="repeat">
+      <a:schemeClr val="tx1"/>
+    </dgm:txFillClrLst>
+    <dgm:txEffectClrLst/>
+  </dgm:styleLbl>
+  <dgm:styleLbl name="callout">
+    <dgm:fillClrLst meth="repeat">
+      <a:schemeClr val="accent2"/>
+    </dgm:fillClrLst>
+    <dgm:linClrLst meth="repeat">
+      <a:schemeClr val="accent2">
+        <a:tint val="50000"/>
+      </a:schemeClr>
+    </dgm:linClrLst>
+    <dgm:effectClrLst/>
+    <dgm:txLinClrLst/>
+    <dgm:txFillClrLst meth="repeat">
+      <a:schemeClr val="tx1"/>
+    </dgm:txFillClrLst>
+    <dgm:txEffectClrLst/>
+  </dgm:styleLbl>
+  <dgm:styleLbl name="asst0">
+    <dgm:fillClrLst meth="repeat">
+      <a:schemeClr val="accent2"/>
+    </dgm:fillClrLst>
+    <dgm:linClrLst meth="repeat">
+      <a:schemeClr val="lt1">
+        <a:shade val="80000"/>
+      </a:schemeClr>
+    </dgm:linClrLst>
+    <dgm:effectClrLst/>
+    <dgm:txLinClrLst/>
+    <dgm:txFillClrLst/>
+    <dgm:txEffectClrLst/>
+  </dgm:styleLbl>
+  <dgm:styleLbl name="asst1">
+    <dgm:fillClrLst meth="repeat">
+      <a:schemeClr val="accent3"/>
+    </dgm:fillClrLst>
+    <dgm:linClrLst meth="repeat">
+      <a:schemeClr val="lt1">
+        <a:shade val="80000"/>
+      </a:schemeClr>
+    </dgm:linClrLst>
+    <dgm:effectClrLst/>
+    <dgm:txLinClrLst/>
+    <dgm:txFillClrLst/>
+    <dgm:txEffectClrLst/>
+  </dgm:styleLbl>
+  <dgm:styleLbl name="asst2">
+    <dgm:fillClrLst>
+      <a:schemeClr val="accent4"/>
+    </dgm:fillClrLst>
+    <dgm:linClrLst meth="repeat">
+      <a:schemeClr val="lt1"/>
+    </dgm:linClrLst>
+    <dgm:effectClrLst/>
+    <dgm:txLinClrLst/>
+    <dgm:txFillClrLst/>
+    <dgm:txEffectClrLst/>
+  </dgm:styleLbl>
+  <dgm:styleLbl name="asst3">
+    <dgm:fillClrLst>
+      <a:schemeClr val="accent5"/>
+    </dgm:fillClrLst>
+    <dgm:linClrLst meth="repeat">
+      <a:schemeClr val="lt1"/>
+    </dgm:linClrLst>
+    <dgm:effectClrLst/>
+    <dgm:txLinClrLst/>
+    <dgm:txFillClrLst/>
+    <dgm:txEffectClrLst/>
+  </dgm:styleLbl>
+  <dgm:styleLbl name="asst4">
+    <dgm:fillClrLst>
+      <a:schemeClr val="accent6"/>
+    </dgm:fillClrLst>
+    <dgm:linClrLst meth="repeat">
+      <a:schemeClr val="lt1"/>
+    </dgm:linClrLst>
+    <dgm:effectClrLst/>
+    <dgm:txLinClrLst/>
+    <dgm:txFillClrLst/>
+    <dgm:txEffectClrLst/>
+  </dgm:styleLbl>
+  <dgm:styleLbl name="parChTrans2D1">
+    <dgm:fillClrLst meth="repeat">
+      <a:schemeClr val="accent2"/>
+    </dgm:fillClrLst>
+    <dgm:linClrLst meth="repeat">
+      <a:schemeClr val="lt1"/>
+    </dgm:linClrLst>
+    <dgm:effectClrLst/>
+    <dgm:txLinClrLst/>
+    <dgm:txFillClrLst meth="repeat">
+      <a:schemeClr val="lt1"/>
+    </dgm:txFillClrLst>
+    <dgm:txEffectClrLst/>
+  </dgm:styleLbl>
+  <dgm:styleLbl name="parChTrans2D2">
+    <dgm:fillClrLst meth="repeat">
+      <a:schemeClr val="accent3"/>
+    </dgm:fillClrLst>
+    <dgm:linClrLst meth="repeat">
+      <a:schemeClr val="lt1"/>
+    </dgm:linClrLst>
+    <dgm:effectClrLst/>
+    <dgm:txLinClrLst/>
+    <dgm:txFillClrLst/>
+    <dgm:txEffectClrLst/>
+  </dgm:styleLbl>
+  <dgm:styleLbl name="parChTrans2D3">
+    <dgm:fillClrLst meth="repeat">
+      <a:schemeClr val="accent4"/>
+    </dgm:fillClrLst>
+    <dgm:linClrLst meth="repeat">
+      <a:schemeClr val="lt1"/>
+    </dgm:linClrLst>
+    <dgm:effectClrLst/>
+    <dgm:txLinClrLst/>
+    <dgm:txFillClrLst/>
+    <dgm:txEffectClrLst/>
+  </dgm:styleLbl>
+  <dgm:styleLbl name="parChTrans2D4">
+    <dgm:fillClrLst meth="repeat">
+      <a:schemeClr val="accent5"/>
+    </dgm:fillClrLst>
+    <dgm:linClrLst meth="repeat">
+      <a:schemeClr val="lt1"/>
+    </dgm:linClrLst>
+    <dgm:effectClrLst/>
+    <dgm:txLinClrLst/>
+    <dgm:txFillClrLst meth="repeat">
+      <a:schemeClr val="lt1"/>
+    </dgm:txFillClrLst>
+    <dgm:txEffectClrLst/>
+  </dgm:styleLbl>
+  <dgm:styleLbl name="parChTrans1D1">
+    <dgm:fillClrLst meth="repeat">
+      <a:schemeClr val="accent2"/>
+    </dgm:fillClrLst>
+    <dgm:linClrLst meth="repeat">
+      <a:schemeClr val="accent2"/>
+    </dgm:linClrLst>
+    <dgm:effectClrLst/>
+    <dgm:txLinClrLst/>
+    <dgm:txFillClrLst meth="repeat">
+      <a:schemeClr val="tx1"/>
+    </dgm:txFillClrLst>
+    <dgm:txEffectClrLst/>
+  </dgm:styleLbl>
+  <dgm:styleLbl name="parChTrans1D2">
+    <dgm:fillClrLst meth="repeat">
+      <a:schemeClr val="accent2">
+        <a:tint val="90000"/>
+      </a:schemeClr>
+    </dgm:fillClrLst>
+    <dgm:linClrLst meth="repeat">
+      <a:schemeClr val="accent3"/>
+    </dgm:linClrLst>
+    <dgm:effectClrLst/>
+    <dgm:txLinClrLst/>
+    <dgm:txFillClrLst meth="repeat">
+      <a:schemeClr val="tx1"/>
+    </dgm:txFillClrLst>
+    <dgm:txEffectClrLst/>
+  </dgm:styleLbl>
+  <dgm:styleLbl name="parChTrans1D3">
+    <dgm:fillClrLst meth="repeat">
+      <a:schemeClr val="accent2">
+        <a:tint val="70000"/>
+      </a:schemeClr>
+    </dgm:fillClrLst>
+    <dgm:linClrLst meth="repeat">
+      <a:schemeClr val="accent4"/>
+    </dgm:linClrLst>
+    <dgm:effectClrLst/>
+    <dgm:txLinClrLst/>
+    <dgm:txFillClrLst meth="repeat">
+      <a:schemeClr val="tx1"/>
+    </dgm:txFillClrLst>
+    <dgm:txEffectClrLst/>
+  </dgm:styleLbl>
+  <dgm:styleLbl name="parChTrans1D4">
+    <dgm:fillClrLst meth="repeat">
+      <a:schemeClr val="accent2">
+        <a:tint val="50000"/>
+      </a:schemeClr>
+    </dgm:fillClrLst>
+    <dgm:linClrLst meth="repeat">
+      <a:schemeClr val="accent5"/>
+    </dgm:linClrLst>
+    <dgm:effectClrLst/>
+    <dgm:txLinClrLst/>
+    <dgm:txFillClrLst meth="repeat">
+      <a:schemeClr val="tx1"/>
+    </dgm:txFillClrLst>
+    <dgm:txEffectClrLst/>
+  </dgm:styleLbl>
+  <dgm:styleLbl name="fgAcc1">
+    <dgm:fillClrLst meth="repeat">
+      <a:schemeClr val="lt1">
+        <a:alpha val="90000"/>
+      </a:schemeClr>
+    </dgm:fillClrLst>
+    <dgm:linClrLst>
+      <a:schemeClr val="accent2"/>
+      <a:schemeClr val="accent3"/>
+    </dgm:linClrLst>
+    <dgm:effectClrLst/>
+    <dgm:txLinClrLst/>
+    <dgm:txFillClrLst meth="repeat">
+      <a:schemeClr val="dk1"/>
+    </dgm:txFillClrLst>
+    <dgm:txEffectClrLst/>
+  </dgm:styleLbl>
+  <dgm:styleLbl name="conFgAcc1">
+    <dgm:fillClrLst meth="repeat">
+      <a:schemeClr val="lt1">
+        <a:alpha val="90000"/>
+      </a:schemeClr>
+    </dgm:fillClrLst>
+    <dgm:linClrLst>
+      <a:schemeClr val="accent2"/>
+      <a:schemeClr val="accent3"/>
+    </dgm:linClrLst>
+    <dgm:effectClrLst/>
+    <dgm:txLinClrLst/>
+    <dgm:txFillClrLst meth="repeat">
+      <a:schemeClr val="dk1"/>
+    </dgm:txFillClrLst>
+    <dgm:txEffectClrLst/>
+  </dgm:styleLbl>
+  <dgm:styleLbl name="alignAcc1">
+    <dgm:fillClrLst meth="repeat">
+      <a:schemeClr val="lt1">
+        <a:alpha val="90000"/>
+      </a:schemeClr>
+    </dgm:fillClrLst>
+    <dgm:linClrLst>
+      <a:schemeClr val="accent2"/>
+      <a:schemeClr val="accent3"/>
+    </dgm:linClrLst>
+    <dgm:effectClrLst/>
+    <dgm:txLinClrLst/>
+    <dgm:txFillClrLst meth="repeat">
+      <a:schemeClr val="dk1"/>
+    </dgm:txFillClrLst>
+    <dgm:txEffectClrLst/>
+  </dgm:styleLbl>
+  <dgm:styleLbl name="trAlignAcc1">
+    <dgm:fillClrLst meth="repeat">
+      <a:schemeClr val="lt1">
+        <a:alpha val="40000"/>
+      </a:schemeClr>
+    </dgm:fillClrLst>
+    <dgm:linClrLst meth="repeat">
+      <a:schemeClr val="accent2"/>
+    </dgm:linClrLst>
+    <dgm:effectClrLst/>
+    <dgm:txLinClrLst/>
+    <dgm:txFillClrLst meth="repeat">
+      <a:schemeClr val="dk1"/>
+    </dgm:txFillClrLst>
+    <dgm:txEffectClrLst/>
+  </dgm:styleLbl>
+  <dgm:styleLbl name="bgAcc1">
+    <dgm:fillClrLst meth="repeat">
+      <a:schemeClr val="lt1">
+        <a:alpha val="90000"/>
+      </a:schemeClr>
+    </dgm:fillClrLst>
+    <dgm:linClrLst>
+      <a:schemeClr val="accent2"/>
+      <a:schemeClr val="accent3"/>
+    </dgm:linClrLst>
+    <dgm:effectClrLst/>
+    <dgm:txLinClrLst/>
+    <dgm:txFillClrLst meth="repeat">
+      <a:schemeClr val="dk1"/>
+    </dgm:txFillClrLst>
+    <dgm:txEffectClrLst/>
+  </dgm:styleLbl>
+  <dgm:styleLbl name="solidFgAcc1">
+    <dgm:fillClrLst meth="repeat">
+      <a:schemeClr val="lt1"/>
+    </dgm:fillClrLst>
+    <dgm:linClrLst>
+      <a:schemeClr val="accent2"/>
+      <a:schemeClr val="accent3"/>
+    </dgm:linClrLst>
+    <dgm:effectClrLst/>
+    <dgm:txLinClrLst/>
+    <dgm:txFillClrLst meth="repeat">
+      <a:schemeClr val="dk1"/>
+    </dgm:txFillClrLst>
+    <dgm:txEffectClrLst/>
+  </dgm:styleLbl>
+  <dgm:styleLbl name="solidAlignAcc1">
+    <dgm:fillClrLst meth="repeat">
+      <a:schemeClr val="lt1"/>
+    </dgm:fillClrLst>
+    <dgm:linClrLst>
+      <a:schemeClr val="accent2"/>
+      <a:schemeClr val="accent3"/>
+    </dgm:linClrLst>
+    <dgm:effectClrLst/>
+    <dgm:txLinClrLst/>
+    <dgm:txFillClrLst meth="repeat">
+      <a:schemeClr val="dk1"/>
+    </dgm:txFillClrLst>
+    <dgm:txEffectClrLst/>
+  </dgm:styleLbl>
+  <dgm:styleLbl name="solidBgAcc1">
+    <dgm:fillClrLst meth="repeat">
+      <a:schemeClr val="lt1"/>
+    </dgm:fillClrLst>
+    <dgm:linClrLst>
+      <a:schemeClr val="accent2"/>
+      <a:schemeClr val="accent3"/>
+    </dgm:linClrLst>
+    <dgm:effectClrLst/>
+    <dgm:txLinClrLst/>
+    <dgm:txFillClrLst meth="repeat">
+      <a:schemeClr val="dk1"/>
+    </dgm:txFillClrLst>
+    <dgm:txEffectClrLst/>
+  </dgm:styleLbl>
+  <dgm:styleLbl name="fgAccFollowNode1">
+    <dgm:fillClrLst>
+      <a:schemeClr val="accent2">
+        <a:tint val="40000"/>
+        <a:alpha val="90000"/>
+      </a:schemeClr>
+      <a:schemeClr val="accent3">
+        <a:tint val="40000"/>
+        <a:alpha val="90000"/>
+      </a:schemeClr>
+    </dgm:fillClrLst>
+    <dgm:linClrLst>
+      <a:schemeClr val="accent2">
+        <a:tint val="40000"/>
+        <a:alpha val="90000"/>
+      </a:schemeClr>
+      <a:schemeClr val="accent3">
+        <a:tint val="40000"/>
+        <a:alpha val="90000"/>
+      </a:schemeClr>
+    </dgm:linClrLst>
+    <dgm:effectClrLst/>
+    <dgm:txLinClrLst/>
+    <dgm:txFillClrLst meth="repeat">
+      <a:schemeClr val="dk1"/>
+    </dgm:txFillClrLst>
+    <dgm:txEffectClrLst/>
+  </dgm:styleLbl>
+  <dgm:styleLbl name="alignAccFollowNode1">
+    <dgm:fillClrLst>
+      <a:schemeClr val="accent2">
+        <a:tint val="40000"/>
+        <a:alpha val="90000"/>
+      </a:schemeClr>
+      <a:schemeClr val="accent3">
+        <a:tint val="40000"/>
+        <a:alpha val="90000"/>
+      </a:schemeClr>
+    </dgm:fillClrLst>
+    <dgm:linClrLst>
+      <a:schemeClr val="accent2">
+        <a:tint val="40000"/>
+        <a:alpha val="90000"/>
+      </a:schemeClr>
+      <a:schemeClr val="accent3">
+        <a:tint val="40000"/>
+        <a:alpha val="90000"/>
+      </a:schemeClr>
+    </dgm:linClrLst>
+    <dgm:effectClrLst/>
+    <dgm:txLinClrLst/>
+    <dgm:txFillClrLst meth="repeat">
+      <a:schemeClr val="dk1"/>
+    </dgm:txFillClrLst>
+    <dgm:txEffectClrLst/>
+  </dgm:styleLbl>
+  <dgm:styleLbl name="bgAccFollowNode1">
+    <dgm:fillClrLst>
+      <a:schemeClr val="accent2">
+        <a:tint val="40000"/>
+        <a:alpha val="90000"/>
+      </a:schemeClr>
+      <a:schemeClr val="accent3">
+        <a:tint val="40000"/>
+        <a:alpha val="90000"/>
+      </a:schemeClr>
+    </dgm:fillClrLst>
+    <dgm:linClrLst>
+      <a:schemeClr val="accent2">
+        <a:tint val="40000"/>
+        <a:alpha val="90000"/>
+      </a:schemeClr>
+      <a:schemeClr val="accent3">
+        <a:tint val="40000"/>
+        <a:alpha val="90000"/>
+      </a:schemeClr>
+    </dgm:linClrLst>
+    <dgm:effectClrLst/>
+    <dgm:txLinClrLst/>
+    <dgm:txFillClrLst meth="repeat">
+      <a:schemeClr val="dk1"/>
+    </dgm:txFillClrLst>
+    <dgm:txEffectClrLst/>
+  </dgm:styleLbl>
+  <dgm:styleLbl name="fgAcc0">
+    <dgm:fillClrLst meth="repeat">
+      <a:schemeClr val="lt1">
+        <a:alpha val="90000"/>
+      </a:schemeClr>
+    </dgm:fillClrLst>
+    <dgm:linClrLst>
+      <a:schemeClr val="accent1"/>
+    </dgm:linClrLst>
+    <dgm:effectClrLst/>
+    <dgm:txLinClrLst/>
+    <dgm:txFillClrLst meth="repeat">
+      <a:schemeClr val="dk1"/>
+    </dgm:txFillClrLst>
+    <dgm:txEffectClrLst/>
+  </dgm:styleLbl>
+  <dgm:styleLbl name="fgAcc2">
+    <dgm:fillClrLst meth="repeat">
+      <a:schemeClr val="lt1">
+        <a:alpha val="90000"/>
+      </a:schemeClr>
+    </dgm:fillClrLst>
+    <dgm:linClrLst>
+      <a:schemeClr val="accent3"/>
+    </dgm:linClrLst>
+    <dgm:effectClrLst/>
+    <dgm:txLinClrLst/>
+    <dgm:txFillClrLst meth="repeat">
+      <a:schemeClr val="dk1"/>
+    </dgm:txFillClrLst>
+    <dgm:txEffectClrLst/>
+  </dgm:styleLbl>
+  <dgm:styleLbl name="fgAcc3">
+    <dgm:fillClrLst meth="repeat">
+      <a:schemeClr val="lt1">
+        <a:alpha val="90000"/>
+      </a:schemeClr>
+    </dgm:fillClrLst>
+    <dgm:linClrLst>
+      <a:schemeClr val="accent4"/>
+    </dgm:linClrLst>
+    <dgm:effectClrLst/>
+    <dgm:txLinClrLst/>
+    <dgm:txFillClrLst meth="repeat">
+      <a:schemeClr val="dk1"/>
+    </dgm:txFillClrLst>
+    <dgm:txEffectClrLst/>
+  </dgm:styleLbl>
+  <dgm:styleLbl name="fgAcc4">
+    <dgm:fillClrLst meth="repeat">
+      <a:schemeClr val="lt1">
+        <a:alpha val="90000"/>
+      </a:schemeClr>
+    </dgm:fillClrLst>
+    <dgm:linClrLst>
+      <a:schemeClr val="accent5"/>
+    </dgm:linClrLst>
+    <dgm:effectClrLst/>
+    <dgm:txLinClrLst/>
+    <dgm:txFillClrLst meth="repeat">
+      <a:schemeClr val="dk1"/>
+    </dgm:txFillClrLst>
+    <dgm:txEffectClrLst/>
+  </dgm:styleLbl>
+  <dgm:styleLbl name="bgShp">
+    <dgm:fillClrLst meth="repeat">
+      <a:schemeClr val="accent2">
+        <a:tint val="40000"/>
+      </a:schemeClr>
+    </dgm:fillClrLst>
+    <dgm:linClrLst meth="repeat">
+      <a:schemeClr val="dk1"/>
+    </dgm:linClrLst>
+    <dgm:effectClrLst/>
+    <dgm:txLinClrLst/>
+    <dgm:txFillClrLst meth="repeat">
+      <a:schemeClr val="dk1"/>
+    </dgm:txFillClrLst>
+    <dgm:txEffectClrLst/>
+  </dgm:styleLbl>
+  <dgm:styleLbl name="dkBgShp">
+    <dgm:fillClrLst meth="repeat">
+      <a:schemeClr val="accent2">
+        <a:shade val="90000"/>
+      </a:schemeClr>
+    </dgm:fillClrLst>
+    <dgm:linClrLst meth="repeat">
+      <a:schemeClr val="dk1"/>
+    </dgm:linClrLst>
+    <dgm:effectClrLst/>
+    <dgm:txLinClrLst/>
+    <dgm:txFillClrLst meth="repeat">
+      <a:schemeClr val="lt1"/>
+    </dgm:txFillClrLst>
+    <dgm:txEffectClrLst/>
+  </dgm:styleLbl>
+  <dgm:styleLbl name="trBgShp">
+    <dgm:fillClrLst meth="repeat">
+      <a:schemeClr val="accent2">
+        <a:tint val="50000"/>
+        <a:alpha val="40000"/>
+      </a:schemeClr>
+    </dgm:fillClrLst>
+    <dgm:linClrLst meth="repeat">
+      <a:schemeClr val="accent2"/>
+    </dgm:linClrLst>
+    <dgm:effectClrLst/>
+    <dgm:txLinClrLst/>
+    <dgm:txFillClrLst meth="repeat">
+      <a:schemeClr val="lt1"/>
+    </dgm:txFillClrLst>
+    <dgm:txEffectClrLst/>
+  </dgm:styleLbl>
+  <dgm:styleLbl name="fgShp">
+    <dgm:fillClrLst meth="repeat">
+      <a:schemeClr val="accent2">
+        <a:tint val="40000"/>
+      </a:schemeClr>
+    </dgm:fillClrLst>
+    <dgm:linClrLst meth="repeat">
+      <a:schemeClr val="lt1"/>
+    </dgm:linClrLst>
+    <dgm:effectClrLst/>
+    <dgm:txLinClrLst/>
+    <dgm:txFillClrLst meth="repeat">
+      <a:schemeClr val="dk1"/>
+    </dgm:txFillClrLst>
+    <dgm:txEffectClrLst/>
+  </dgm:styleLbl>
+  <dgm:styleLbl name="revTx">
+    <dgm:fillClrLst meth="repeat">
+      <a:schemeClr val="lt1">
+        <a:alpha val="0"/>
+      </a:schemeClr>
+    </dgm:fillClrLst>
+    <dgm:linClrLst meth="repeat">
+      <a:schemeClr val="dk1">
+        <a:alpha val="0"/>
+      </a:schemeClr>
+    </dgm:linClrLst>
+    <dgm:effectClrLst/>
+    <dgm:txLinClrLst/>
+    <dgm:txFillClrLst meth="repeat">
+      <a:schemeClr val="tx1"/>
+    </dgm:txFillClrLst>
+    <dgm:txEffectClrLst/>
+  </dgm:styleLbl>
+</dgm:colorsDef>
+</file>
+
+<file path=ppt/diagrams/data1.xml><?xml version="1.0" encoding="utf-8"?>
+<dgm:dataModel xmlns:dgm="http://schemas.openxmlformats.org/drawingml/2006/diagram" xmlns:a="http://schemas.openxmlformats.org/drawingml/2006/main">
+  <dgm:ptLst>
+    <dgm:pt modelId="{BB56061A-07FC-4D0C-91CF-5DA7D7BFD28E}" type="doc">
+      <dgm:prSet loTypeId="urn:microsoft.com/office/officeart/2005/8/layout/vList2" loCatId="list" qsTypeId="urn:microsoft.com/office/officeart/2005/8/quickstyle/simple4" qsCatId="simple" csTypeId="urn:microsoft.com/office/officeart/2005/8/colors/colorful2" csCatId="colorful"/>
+      <dgm:spPr/>
+      <dgm:t>
+        <a:bodyPr/>
+        <a:lstStyle/>
+        <a:p>
+          <a:endParaRPr lang="en-US"/>
+        </a:p>
+      </dgm:t>
+    </dgm:pt>
+    <dgm:pt modelId="{897791BC-C581-4C94-90A7-0B1DC9E3F880}">
+      <dgm:prSet/>
+      <dgm:spPr/>
+      <dgm:t>
+        <a:bodyPr/>
+        <a:lstStyle/>
+        <a:p>
+          <a:r>
+            <a:rPr lang="en-IL" dirty="0"/>
+            <a:t>Middlware are like functions inside express</a:t>
+          </a:r>
+          <a:endParaRPr lang="en-US" dirty="0"/>
+        </a:p>
+      </dgm:t>
+    </dgm:pt>
+    <dgm:pt modelId="{AE455CED-0D02-464C-82C6-93FFA4CC1AD9}" type="parTrans" cxnId="{3E35CF77-29D9-4671-AD07-1F504D36DF80}">
+      <dgm:prSet/>
+      <dgm:spPr/>
+      <dgm:t>
+        <a:bodyPr/>
+        <a:lstStyle/>
+        <a:p>
+          <a:endParaRPr lang="en-US"/>
+        </a:p>
+      </dgm:t>
+    </dgm:pt>
+    <dgm:pt modelId="{367D4887-E875-4E70-A234-131F8CC0BA61}" type="sibTrans" cxnId="{3E35CF77-29D9-4671-AD07-1F504D36DF80}">
+      <dgm:prSet/>
+      <dgm:spPr/>
+      <dgm:t>
+        <a:bodyPr/>
+        <a:lstStyle/>
+        <a:p>
+          <a:endParaRPr lang="en-US"/>
+        </a:p>
+      </dgm:t>
+    </dgm:pt>
+    <dgm:pt modelId="{7C651314-71A5-47B1-B9C7-B6C050F73D24}">
+      <dgm:prSet/>
+      <dgm:spPr/>
+      <dgm:t>
+        <a:bodyPr/>
+        <a:lstStyle/>
+        <a:p>
+          <a:r>
+            <a:rPr lang="en-US"/>
+            <a:t>T</a:t>
+          </a:r>
+          <a:r>
+            <a:rPr lang="en-IL"/>
+            <a:t>hey are functions which usualy get the request, extract some info, and set new info to req or res objects</a:t>
+          </a:r>
+          <a:endParaRPr lang="en-US"/>
+        </a:p>
+      </dgm:t>
+    </dgm:pt>
+    <dgm:pt modelId="{49CBEA80-7198-4194-8B57-54BA768EBA75}" type="parTrans" cxnId="{5C4553B5-21FB-4A19-8FE2-4079852678A4}">
+      <dgm:prSet/>
+      <dgm:spPr/>
+      <dgm:t>
+        <a:bodyPr/>
+        <a:lstStyle/>
+        <a:p>
+          <a:endParaRPr lang="en-US"/>
+        </a:p>
+      </dgm:t>
+    </dgm:pt>
+    <dgm:pt modelId="{DB37BB91-1AB8-4D3C-850C-155E180B93C8}" type="sibTrans" cxnId="{5C4553B5-21FB-4A19-8FE2-4079852678A4}">
+      <dgm:prSet/>
+      <dgm:spPr/>
+      <dgm:t>
+        <a:bodyPr/>
+        <a:lstStyle/>
+        <a:p>
+          <a:endParaRPr lang="en-US"/>
+        </a:p>
+      </dgm:t>
+    </dgm:pt>
+    <dgm:pt modelId="{04342512-CA6F-4A15-9510-6B3C5DA32227}">
+      <dgm:prSet/>
+      <dgm:spPr/>
+      <dgm:t>
+        <a:bodyPr/>
+        <a:lstStyle/>
+        <a:p>
+          <a:r>
+            <a:rPr lang="en-IL"/>
+            <a:t>They can also be used for authrization. They can check if the user is authorized. </a:t>
+          </a:r>
+          <a:r>
+            <a:rPr lang="en-US"/>
+            <a:t>I</a:t>
+          </a:r>
+          <a:r>
+            <a:rPr lang="en-IL"/>
+            <a:t>f it is false, they can return 401</a:t>
+          </a:r>
+          <a:endParaRPr lang="en-US"/>
+        </a:p>
+      </dgm:t>
+    </dgm:pt>
+    <dgm:pt modelId="{1D797051-98D8-4F38-8DD5-87207E4B32F8}" type="parTrans" cxnId="{E7A0B669-519B-4F5B-B15E-6BE91EB75721}">
+      <dgm:prSet/>
+      <dgm:spPr/>
+      <dgm:t>
+        <a:bodyPr/>
+        <a:lstStyle/>
+        <a:p>
+          <a:endParaRPr lang="en-US"/>
+        </a:p>
+      </dgm:t>
+    </dgm:pt>
+    <dgm:pt modelId="{7DF366A8-01C2-45D8-90CB-712213F8376A}" type="sibTrans" cxnId="{E7A0B669-519B-4F5B-B15E-6BE91EB75721}">
+      <dgm:prSet/>
+      <dgm:spPr/>
+      <dgm:t>
+        <a:bodyPr/>
+        <a:lstStyle/>
+        <a:p>
+          <a:endParaRPr lang="en-US"/>
+        </a:p>
+      </dgm:t>
+    </dgm:pt>
+    <dgm:pt modelId="{57137508-268B-954F-BB4D-30D16E676BA3}" type="pres">
+      <dgm:prSet presAssocID="{BB56061A-07FC-4D0C-91CF-5DA7D7BFD28E}" presName="linear" presStyleCnt="0">
+        <dgm:presLayoutVars>
+          <dgm:animLvl val="lvl"/>
+          <dgm:resizeHandles val="exact"/>
+        </dgm:presLayoutVars>
+      </dgm:prSet>
+      <dgm:spPr/>
+    </dgm:pt>
+    <dgm:pt modelId="{75176400-D5F9-6B4D-A9E6-1ABD8DA745DB}" type="pres">
+      <dgm:prSet presAssocID="{897791BC-C581-4C94-90A7-0B1DC9E3F880}" presName="parentText" presStyleLbl="node1" presStyleIdx="0" presStyleCnt="3">
+        <dgm:presLayoutVars>
+          <dgm:chMax val="0"/>
+          <dgm:bulletEnabled val="1"/>
+        </dgm:presLayoutVars>
+      </dgm:prSet>
+      <dgm:spPr/>
+    </dgm:pt>
+    <dgm:pt modelId="{D5270B81-BDD8-E745-8B54-95276E8A50E1}" type="pres">
+      <dgm:prSet presAssocID="{367D4887-E875-4E70-A234-131F8CC0BA61}" presName="spacer" presStyleCnt="0"/>
+      <dgm:spPr/>
+    </dgm:pt>
+    <dgm:pt modelId="{79D39BE4-6999-294F-8871-7B679829718F}" type="pres">
+      <dgm:prSet presAssocID="{7C651314-71A5-47B1-B9C7-B6C050F73D24}" presName="parentText" presStyleLbl="node1" presStyleIdx="1" presStyleCnt="3">
+        <dgm:presLayoutVars>
+          <dgm:chMax val="0"/>
+          <dgm:bulletEnabled val="1"/>
+        </dgm:presLayoutVars>
+      </dgm:prSet>
+      <dgm:spPr/>
+    </dgm:pt>
+    <dgm:pt modelId="{6D663AB4-3F5C-4046-A4E1-126864C490FA}" type="pres">
+      <dgm:prSet presAssocID="{DB37BB91-1AB8-4D3C-850C-155E180B93C8}" presName="spacer" presStyleCnt="0"/>
+      <dgm:spPr/>
+    </dgm:pt>
+    <dgm:pt modelId="{6742A602-F47F-FF44-A3A6-471A42A56FE1}" type="pres">
+      <dgm:prSet presAssocID="{04342512-CA6F-4A15-9510-6B3C5DA32227}" presName="parentText" presStyleLbl="node1" presStyleIdx="2" presStyleCnt="3">
+        <dgm:presLayoutVars>
+          <dgm:chMax val="0"/>
+          <dgm:bulletEnabled val="1"/>
+        </dgm:presLayoutVars>
+      </dgm:prSet>
+      <dgm:spPr/>
+    </dgm:pt>
+  </dgm:ptLst>
+  <dgm:cxnLst>
+    <dgm:cxn modelId="{24AED21E-829F-6C4C-8490-7EC136D35B0C}" type="presOf" srcId="{897791BC-C581-4C94-90A7-0B1DC9E3F880}" destId="{75176400-D5F9-6B4D-A9E6-1ABD8DA745DB}" srcOrd="0" destOrd="0" presId="urn:microsoft.com/office/officeart/2005/8/layout/vList2"/>
+    <dgm:cxn modelId="{BB15FD4E-FD26-1343-9C83-524B44543407}" type="presOf" srcId="{7C651314-71A5-47B1-B9C7-B6C050F73D24}" destId="{79D39BE4-6999-294F-8871-7B679829718F}" srcOrd="0" destOrd="0" presId="urn:microsoft.com/office/officeart/2005/8/layout/vList2"/>
+    <dgm:cxn modelId="{BD3F1855-95FD-D54C-9BB8-A212B4CDC589}" type="presOf" srcId="{04342512-CA6F-4A15-9510-6B3C5DA32227}" destId="{6742A602-F47F-FF44-A3A6-471A42A56FE1}" srcOrd="0" destOrd="0" presId="urn:microsoft.com/office/officeart/2005/8/layout/vList2"/>
+    <dgm:cxn modelId="{E7A0B669-519B-4F5B-B15E-6BE91EB75721}" srcId="{BB56061A-07FC-4D0C-91CF-5DA7D7BFD28E}" destId="{04342512-CA6F-4A15-9510-6B3C5DA32227}" srcOrd="2" destOrd="0" parTransId="{1D797051-98D8-4F38-8DD5-87207E4B32F8}" sibTransId="{7DF366A8-01C2-45D8-90CB-712213F8376A}"/>
+    <dgm:cxn modelId="{3E35CF77-29D9-4671-AD07-1F504D36DF80}" srcId="{BB56061A-07FC-4D0C-91CF-5DA7D7BFD28E}" destId="{897791BC-C581-4C94-90A7-0B1DC9E3F880}" srcOrd="0" destOrd="0" parTransId="{AE455CED-0D02-464C-82C6-93FFA4CC1AD9}" sibTransId="{367D4887-E875-4E70-A234-131F8CC0BA61}"/>
+    <dgm:cxn modelId="{5C4553B5-21FB-4A19-8FE2-4079852678A4}" srcId="{BB56061A-07FC-4D0C-91CF-5DA7D7BFD28E}" destId="{7C651314-71A5-47B1-B9C7-B6C050F73D24}" srcOrd="1" destOrd="0" parTransId="{49CBEA80-7198-4194-8B57-54BA768EBA75}" sibTransId="{DB37BB91-1AB8-4D3C-850C-155E180B93C8}"/>
+    <dgm:cxn modelId="{D86C93E3-FFCA-904A-AA54-AB54B5079FB3}" type="presOf" srcId="{BB56061A-07FC-4D0C-91CF-5DA7D7BFD28E}" destId="{57137508-268B-954F-BB4D-30D16E676BA3}" srcOrd="0" destOrd="0" presId="urn:microsoft.com/office/officeart/2005/8/layout/vList2"/>
+    <dgm:cxn modelId="{06F13934-B36E-7B49-B076-73EE778203B3}" type="presParOf" srcId="{57137508-268B-954F-BB4D-30D16E676BA3}" destId="{75176400-D5F9-6B4D-A9E6-1ABD8DA745DB}" srcOrd="0" destOrd="0" presId="urn:microsoft.com/office/officeart/2005/8/layout/vList2"/>
+    <dgm:cxn modelId="{A94B5214-A845-AB4B-8A18-19BE50E21CF0}" type="presParOf" srcId="{57137508-268B-954F-BB4D-30D16E676BA3}" destId="{D5270B81-BDD8-E745-8B54-95276E8A50E1}" srcOrd="1" destOrd="0" presId="urn:microsoft.com/office/officeart/2005/8/layout/vList2"/>
+    <dgm:cxn modelId="{EA2BBCC6-83F7-3844-86BF-5BD6C0D5D3E2}" type="presParOf" srcId="{57137508-268B-954F-BB4D-30D16E676BA3}" destId="{79D39BE4-6999-294F-8871-7B679829718F}" srcOrd="2" destOrd="0" presId="urn:microsoft.com/office/officeart/2005/8/layout/vList2"/>
+    <dgm:cxn modelId="{1561A6A2-58A0-BE41-AD9D-C0B38C61E16F}" type="presParOf" srcId="{57137508-268B-954F-BB4D-30D16E676BA3}" destId="{6D663AB4-3F5C-4046-A4E1-126864C490FA}" srcOrd="3" destOrd="0" presId="urn:microsoft.com/office/officeart/2005/8/layout/vList2"/>
+    <dgm:cxn modelId="{8A21BB23-47C3-CA47-A138-2E486CF3CB2A}" type="presParOf" srcId="{57137508-268B-954F-BB4D-30D16E676BA3}" destId="{6742A602-F47F-FF44-A3A6-471A42A56FE1}" srcOrd="4" destOrd="0" presId="urn:microsoft.com/office/officeart/2005/8/layout/vList2"/>
+  </dgm:cxnLst>
+  <dgm:bg/>
+  <dgm:whole/>
+  <dgm:extLst>
+    <a:ext uri="http://schemas.microsoft.com/office/drawing/2008/diagram">
+      <dsp:dataModelExt xmlns:dsp="http://schemas.microsoft.com/office/drawing/2008/diagram" relId="rId7" minVer="http://schemas.openxmlformats.org/drawingml/2006/diagram"/>
+    </a:ext>
+  </dgm:extLst>
+</dgm:dataModel>
+</file>
+
+<file path=ppt/diagrams/drawing1.xml><?xml version="1.0" encoding="utf-8"?>
+<dsp:drawing xmlns:dgm="http://schemas.openxmlformats.org/drawingml/2006/diagram" xmlns:dsp="http://schemas.microsoft.com/office/drawing/2008/diagram" xmlns:a="http://schemas.openxmlformats.org/drawingml/2006/main">
+  <dsp:spTree>
+    <dsp:nvGrpSpPr>
+      <dsp:cNvPr id="0" name=""/>
+      <dsp:cNvGrpSpPr/>
+    </dsp:nvGrpSpPr>
+    <dsp:grpSpPr/>
+    <dsp:sp modelId="{75176400-D5F9-6B4D-A9E6-1ABD8DA745DB}">
+      <dsp:nvSpPr>
+        <dsp:cNvPr id="0" name=""/>
+        <dsp:cNvSpPr/>
+      </dsp:nvSpPr>
+      <dsp:spPr>
+        <a:xfrm>
+          <a:off x="0" y="306741"/>
+          <a:ext cx="6046132" cy="1286634"/>
+        </a:xfrm>
+        <a:prstGeom prst="roundRect">
+          <a:avLst/>
+        </a:prstGeom>
+        <a:gradFill rotWithShape="0">
+          <a:gsLst>
+            <a:gs pos="0">
+              <a:schemeClr val="accent2">
+                <a:hueOff val="0"/>
+                <a:satOff val="0"/>
+                <a:lumOff val="0"/>
+                <a:alphaOff val="0"/>
+                <a:tint val="96000"/>
+                <a:lumMod val="104000"/>
+              </a:schemeClr>
+            </a:gs>
+            <a:gs pos="100000">
+              <a:schemeClr val="accent2">
+                <a:hueOff val="0"/>
+                <a:satOff val="0"/>
+                <a:lumOff val="0"/>
+                <a:alphaOff val="0"/>
+                <a:shade val="84000"/>
+                <a:lumMod val="84000"/>
+              </a:schemeClr>
+            </a:gs>
+          </a:gsLst>
+          <a:lin ang="5400000" scaled="0"/>
+        </a:gradFill>
+        <a:ln>
+          <a:noFill/>
+        </a:ln>
+        <a:effectLst>
+          <a:innerShdw blurRad="50800" dist="25400" dir="13500000">
+            <a:srgbClr val="000000">
+              <a:alpha val="55000"/>
+            </a:srgbClr>
+          </a:innerShdw>
+        </a:effectLst>
+      </dsp:spPr>
+      <dsp:style>
+        <a:lnRef idx="0">
+          <a:scrgbClr r="0" g="0" b="0"/>
+        </a:lnRef>
+        <a:fillRef idx="3">
+          <a:scrgbClr r="0" g="0" b="0"/>
+        </a:fillRef>
+        <a:effectRef idx="2">
+          <a:scrgbClr r="0" g="0" b="0"/>
+        </a:effectRef>
+        <a:fontRef idx="minor">
+          <a:schemeClr val="lt1"/>
+        </a:fontRef>
+      </dsp:style>
+      <dsp:txBody>
+        <a:bodyPr spcFirstLastPara="0" vert="horz" wrap="square" lIns="87630" tIns="87630" rIns="87630" bIns="87630" numCol="1" spcCol="1270" anchor="ctr" anchorCtr="0">
+          <a:noAutofit/>
+        </a:bodyPr>
+        <a:lstStyle/>
+        <a:p>
+          <a:pPr marL="0" lvl="0" indent="0" algn="l" defTabSz="1022350">
+            <a:lnSpc>
+              <a:spcPct val="90000"/>
+            </a:lnSpc>
+            <a:spcBef>
+              <a:spcPct val="0"/>
+            </a:spcBef>
+            <a:spcAft>
+              <a:spcPct val="35000"/>
+            </a:spcAft>
+            <a:buNone/>
+          </a:pPr>
+          <a:r>
+            <a:rPr lang="en-IL" sz="2300" kern="1200" dirty="0"/>
+            <a:t>Middlware are like functions inside express</a:t>
+          </a:r>
+          <a:endParaRPr lang="en-US" sz="2300" kern="1200" dirty="0"/>
+        </a:p>
+      </dsp:txBody>
+      <dsp:txXfrm>
+        <a:off x="62808" y="369549"/>
+        <a:ext cx="5920516" cy="1161018"/>
+      </dsp:txXfrm>
+    </dsp:sp>
+    <dsp:sp modelId="{79D39BE4-6999-294F-8871-7B679829718F}">
+      <dsp:nvSpPr>
+        <dsp:cNvPr id="0" name=""/>
+        <dsp:cNvSpPr/>
+      </dsp:nvSpPr>
+      <dsp:spPr>
+        <a:xfrm>
+          <a:off x="0" y="1659615"/>
+          <a:ext cx="6046132" cy="1286634"/>
+        </a:xfrm>
+        <a:prstGeom prst="roundRect">
+          <a:avLst/>
+        </a:prstGeom>
+        <a:gradFill rotWithShape="0">
+          <a:gsLst>
+            <a:gs pos="0">
+              <a:schemeClr val="accent2">
+                <a:hueOff val="-245438"/>
+                <a:satOff val="19406"/>
+                <a:lumOff val="-392"/>
+                <a:alphaOff val="0"/>
+                <a:tint val="96000"/>
+                <a:lumMod val="104000"/>
+              </a:schemeClr>
+            </a:gs>
+            <a:gs pos="100000">
+              <a:schemeClr val="accent2">
+                <a:hueOff val="-245438"/>
+                <a:satOff val="19406"/>
+                <a:lumOff val="-392"/>
+                <a:alphaOff val="0"/>
+                <a:shade val="84000"/>
+                <a:lumMod val="84000"/>
+              </a:schemeClr>
+            </a:gs>
+          </a:gsLst>
+          <a:lin ang="5400000" scaled="0"/>
+        </a:gradFill>
+        <a:ln>
+          <a:noFill/>
+        </a:ln>
+        <a:effectLst>
+          <a:innerShdw blurRad="50800" dist="25400" dir="13500000">
+            <a:srgbClr val="000000">
+              <a:alpha val="55000"/>
+            </a:srgbClr>
+          </a:innerShdw>
+        </a:effectLst>
+      </dsp:spPr>
+      <dsp:style>
+        <a:lnRef idx="0">
+          <a:scrgbClr r="0" g="0" b="0"/>
+        </a:lnRef>
+        <a:fillRef idx="3">
+          <a:scrgbClr r="0" g="0" b="0"/>
+        </a:fillRef>
+        <a:effectRef idx="2">
+          <a:scrgbClr r="0" g="0" b="0"/>
+        </a:effectRef>
+        <a:fontRef idx="minor">
+          <a:schemeClr val="lt1"/>
+        </a:fontRef>
+      </dsp:style>
+      <dsp:txBody>
+        <a:bodyPr spcFirstLastPara="0" vert="horz" wrap="square" lIns="87630" tIns="87630" rIns="87630" bIns="87630" numCol="1" spcCol="1270" anchor="ctr" anchorCtr="0">
+          <a:noAutofit/>
+        </a:bodyPr>
+        <a:lstStyle/>
+        <a:p>
+          <a:pPr marL="0" lvl="0" indent="0" algn="l" defTabSz="1022350">
+            <a:lnSpc>
+              <a:spcPct val="90000"/>
+            </a:lnSpc>
+            <a:spcBef>
+              <a:spcPct val="0"/>
+            </a:spcBef>
+            <a:spcAft>
+              <a:spcPct val="35000"/>
+            </a:spcAft>
+            <a:buNone/>
+          </a:pPr>
+          <a:r>
+            <a:rPr lang="en-US" sz="2300" kern="1200"/>
+            <a:t>T</a:t>
+          </a:r>
+          <a:r>
+            <a:rPr lang="en-IL" sz="2300" kern="1200"/>
+            <a:t>hey are functions which usualy get the request, extract some info, and set new info to req or res objects</a:t>
+          </a:r>
+          <a:endParaRPr lang="en-US" sz="2300" kern="1200"/>
+        </a:p>
+      </dsp:txBody>
+      <dsp:txXfrm>
+        <a:off x="62808" y="1722423"/>
+        <a:ext cx="5920516" cy="1161018"/>
+      </dsp:txXfrm>
+    </dsp:sp>
+    <dsp:sp modelId="{6742A602-F47F-FF44-A3A6-471A42A56FE1}">
+      <dsp:nvSpPr>
+        <dsp:cNvPr id="0" name=""/>
+        <dsp:cNvSpPr/>
+      </dsp:nvSpPr>
+      <dsp:spPr>
+        <a:xfrm>
+          <a:off x="0" y="3012490"/>
+          <a:ext cx="6046132" cy="1286634"/>
+        </a:xfrm>
+        <a:prstGeom prst="roundRect">
+          <a:avLst/>
+        </a:prstGeom>
+        <a:gradFill rotWithShape="0">
+          <a:gsLst>
+            <a:gs pos="0">
+              <a:schemeClr val="accent2">
+                <a:hueOff val="-490875"/>
+                <a:satOff val="38812"/>
+                <a:lumOff val="-784"/>
+                <a:alphaOff val="0"/>
+                <a:tint val="96000"/>
+                <a:lumMod val="104000"/>
+              </a:schemeClr>
+            </a:gs>
+            <a:gs pos="100000">
+              <a:schemeClr val="accent2">
+                <a:hueOff val="-490875"/>
+                <a:satOff val="38812"/>
+                <a:lumOff val="-784"/>
+                <a:alphaOff val="0"/>
+                <a:shade val="84000"/>
+                <a:lumMod val="84000"/>
+              </a:schemeClr>
+            </a:gs>
+          </a:gsLst>
+          <a:lin ang="5400000" scaled="0"/>
+        </a:gradFill>
+        <a:ln>
+          <a:noFill/>
+        </a:ln>
+        <a:effectLst>
+          <a:innerShdw blurRad="50800" dist="25400" dir="13500000">
+            <a:srgbClr val="000000">
+              <a:alpha val="55000"/>
+            </a:srgbClr>
+          </a:innerShdw>
+        </a:effectLst>
+      </dsp:spPr>
+      <dsp:style>
+        <a:lnRef idx="0">
+          <a:scrgbClr r="0" g="0" b="0"/>
+        </a:lnRef>
+        <a:fillRef idx="3">
+          <a:scrgbClr r="0" g="0" b="0"/>
+        </a:fillRef>
+        <a:effectRef idx="2">
+          <a:scrgbClr r="0" g="0" b="0"/>
+        </a:effectRef>
+        <a:fontRef idx="minor">
+          <a:schemeClr val="lt1"/>
+        </a:fontRef>
+      </dsp:style>
+      <dsp:txBody>
+        <a:bodyPr spcFirstLastPara="0" vert="horz" wrap="square" lIns="87630" tIns="87630" rIns="87630" bIns="87630" numCol="1" spcCol="1270" anchor="ctr" anchorCtr="0">
+          <a:noAutofit/>
+        </a:bodyPr>
+        <a:lstStyle/>
+        <a:p>
+          <a:pPr marL="0" lvl="0" indent="0" algn="l" defTabSz="1022350">
+            <a:lnSpc>
+              <a:spcPct val="90000"/>
+            </a:lnSpc>
+            <a:spcBef>
+              <a:spcPct val="0"/>
+            </a:spcBef>
+            <a:spcAft>
+              <a:spcPct val="35000"/>
+            </a:spcAft>
+            <a:buNone/>
+          </a:pPr>
+          <a:r>
+            <a:rPr lang="en-IL" sz="2300" kern="1200"/>
+            <a:t>They can also be used for authrization. They can check if the user is authorized. </a:t>
+          </a:r>
+          <a:r>
+            <a:rPr lang="en-US" sz="2300" kern="1200"/>
+            <a:t>I</a:t>
+          </a:r>
+          <a:r>
+            <a:rPr lang="en-IL" sz="2300" kern="1200"/>
+            <a:t>f it is false, they can return 401</a:t>
+          </a:r>
+          <a:endParaRPr lang="en-US" sz="2300" kern="1200"/>
+        </a:p>
+      </dsp:txBody>
+      <dsp:txXfrm>
+        <a:off x="62808" y="3075298"/>
+        <a:ext cx="5920516" cy="1161018"/>
+      </dsp:txXfrm>
+    </dsp:sp>
+  </dsp:spTree>
+</dsp:drawing>
+</file>
+
+<file path=ppt/diagrams/layout1.xml><?xml version="1.0" encoding="utf-8"?>
+<dgm:layoutDef xmlns:dgm="http://schemas.openxmlformats.org/drawingml/2006/diagram" xmlns:a="http://schemas.openxmlformats.org/drawingml/2006/main" uniqueId="urn:microsoft.com/office/officeart/2005/8/layout/vList2">
+  <dgm:title val=""/>
+  <dgm:desc val=""/>
+  <dgm:catLst>
+    <dgm:cat type="list" pri="3000"/>
+    <dgm:cat type="convert" pri="1000"/>
+  </dgm:catLst>
+  <dgm:sampData>
+    <dgm:dataModel>
+      <dgm:ptLst>
+        <dgm:pt modelId="0" type="doc"/>
+        <dgm:pt modelId="1">
+          <dgm:prSet phldr="1"/>
+        </dgm:pt>
+        <dgm:pt modelId="11">
+          <dgm:prSet phldr="1"/>
+        </dgm:pt>
+        <dgm:pt modelId="2">
+          <dgm:prSet phldr="1"/>
+        </dgm:pt>
+        <dgm:pt modelId="21">
+          <dgm:prSet phldr="1"/>
+        </dgm:pt>
+      </dgm:ptLst>
+      <dgm:cxnLst>
+        <dgm:cxn modelId="4" srcId="0" destId="1" srcOrd="0" destOrd="0"/>
+        <dgm:cxn modelId="5" srcId="0" destId="2" srcOrd="1" destOrd="0"/>
+        <dgm:cxn modelId="12" srcId="1" destId="11" srcOrd="0" destOrd="0"/>
+        <dgm:cxn modelId="23" srcId="2" destId="21" srcOrd="0" destOrd="0"/>
+      </dgm:cxnLst>
+      <dgm:bg/>
+      <dgm:whole/>
+    </dgm:dataModel>
+  </dgm:sampData>
+  <dgm:styleData>
+    <dgm:dataModel>
+      <dgm:ptLst>
+        <dgm:pt modelId="0" type="doc"/>
+        <dgm:pt modelId="1"/>
+        <dgm:pt modelId="2"/>
+      </dgm:ptLst>
+      <dgm:cxnLst>
+        <dgm:cxn modelId="3" srcId="0" destId="1" srcOrd="0" destOrd="0"/>
+        <dgm:cxn modelId="4" srcId="0" destId="2" srcOrd="1" destOrd="0"/>
+      </dgm:cxnLst>
+      <dgm:bg/>
+      <dgm:whole/>
+    </dgm:dataModel>
+  </dgm:styleData>
+  <dgm:clrData>
+    <dgm:dataModel>
+      <dgm:ptLst>
+        <dgm:pt modelId="0" type="doc"/>
+        <dgm:pt modelId="1"/>
+        <dgm:pt modelId="2"/>
+        <dgm:pt modelId="3"/>
+        <dgm:pt modelId="4"/>
+      </dgm:ptLst>
+      <dgm:cxnLst>
+        <dgm:cxn modelId="5" srcId="0" destId="1" srcOrd="0" destOrd="0"/>
+        <dgm:cxn modelId="6" srcId="0" destId="2" srcOrd="1" destOrd="0"/>
+        <dgm:cxn modelId="7" srcId="0" destId="3" srcOrd="2" destOrd="0"/>
+        <dgm:cxn modelId="8" srcId="0" destId="4" srcOrd="3" destOrd="0"/>
+      </dgm:cxnLst>
+      <dgm:bg/>
+      <dgm:whole/>
+    </dgm:dataModel>
+  </dgm:clrData>
+  <dgm:layoutNode name="linear">
+    <dgm:varLst>
+      <dgm:animLvl val="lvl"/>
+      <dgm:resizeHandles val="exact"/>
+    </dgm:varLst>
+    <dgm:alg type="lin">
+      <dgm:param type="linDir" val="fromT"/>
+      <dgm:param type="vertAlign" val="mid"/>
+    </dgm:alg>
+    <dgm:shape xmlns:r="http://schemas.openxmlformats.org/officeDocument/2006/relationships" r:blip="">
+      <dgm:adjLst/>
+    </dgm:shape>
+    <dgm:presOf/>
+    <dgm:constrLst>
+      <dgm:constr type="w" for="ch" forName="parentText" refType="w"/>
+      <dgm:constr type="h" for="ch" forName="parentText" refType="primFontSz" refFor="ch" refForName="parentText" fact="0.52"/>
+      <dgm:constr type="w" for="ch" forName="childText" refType="w"/>
+      <dgm:constr type="h" for="ch" forName="childText" refType="primFontSz" refFor="ch" refForName="parentText" fact="0.46"/>
+      <dgm:constr type="h" for="ch" forName="parentText" op="equ"/>
+      <dgm:constr type="primFontSz" for="ch" forName="parentText" op="equ" val="65"/>
+      <dgm:constr type="primFontSz" for="ch" forName="childText" refType="primFontSz" refFor="ch" refForName="parentText" op="equ"/>
+      <dgm:constr type="h" for="ch" forName="spacer" refType="primFontSz" refFor="ch" refForName="parentText" fact="0.08"/>
+    </dgm:constrLst>
+    <dgm:ruleLst>
+      <dgm:rule type="primFontSz" for="ch" forName="parentText" val="5" fact="NaN" max="NaN"/>
+    </dgm:ruleLst>
+    <dgm:forEach name="Name0" axis="ch" ptType="node">
+      <dgm:layoutNode name="parentText" styleLbl="node1">
+        <dgm:varLst>
+          <dgm:chMax val="0"/>
+          <dgm:bulletEnabled val="1"/>
+        </dgm:varLst>
+        <dgm:alg type="tx">
+          <dgm:param type="parTxLTRAlign" val="l"/>
+          <dgm:param type="parTxRTLAlign" val="r"/>
+        </dgm:alg>
+        <dgm:shape xmlns:r="http://schemas.openxmlformats.org/officeDocument/2006/relationships" type="roundRect" r:blip="">
+          <dgm:adjLst/>
+        </dgm:shape>
+        <dgm:presOf axis="self"/>
+        <dgm:constrLst>
+          <dgm:constr type="tMarg" refType="primFontSz" fact="0.3"/>
+          <dgm:constr type="bMarg" refType="primFontSz" fact="0.3"/>
+          <dgm:constr type="lMarg" refType="primFontSz" fact="0.3"/>
+          <dgm:constr type="rMarg" refType="primFontSz" fact="0.3"/>
+        </dgm:constrLst>
+        <dgm:ruleLst>
+          <dgm:rule type="h" val="INF" fact="NaN" max="NaN"/>
+        </dgm:ruleLst>
+      </dgm:layoutNode>
+      <dgm:choose name="Name1">
+        <dgm:if name="Name2" axis="ch" ptType="node" func="cnt" op="gte" val="1">
+          <dgm:layoutNode name="childText" styleLbl="revTx">
+            <dgm:varLst>
+              <dgm:bulletEnabled val="1"/>
+            </dgm:varLst>
+            <dgm:alg type="tx">
+              <dgm:param type="stBulletLvl" val="1"/>
+              <dgm:param type="lnSpAfChP" val="20"/>
+            </dgm:alg>
+            <dgm:shape xmlns:r="http://schemas.openxmlformats.org/officeDocument/2006/relationships" type="rect" r:blip="">
+              <dgm:adjLst/>
+            </dgm:shape>
+            <dgm:presOf axis="des" ptType="node"/>
+            <dgm:constrLst>
+              <dgm:constr type="tMarg" refType="primFontSz" fact="0.1"/>
+              <dgm:constr type="bMarg" refType="primFontSz" fact="0.1"/>
+              <dgm:constr type="lMarg" refType="w" fact="0.09"/>
+            </dgm:constrLst>
+            <dgm:ruleLst>
+              <dgm:rule type="h" val="INF" fact="NaN" max="NaN"/>
+            </dgm:ruleLst>
+          </dgm:layoutNode>
+        </dgm:if>
+        <dgm:else name="Name3">
+          <dgm:choose name="Name4">
+            <dgm:if name="Name5" axis="par ch" ptType="doc node" func="cnt" op="gte" val="2">
+              <dgm:forEach name="Name6" axis="followSib" ptType="sibTrans" cnt="1">
+                <dgm:layoutNode name="spacer">
+                  <dgm:alg type="sp"/>
+                  <dgm:shape xmlns:r="http://schemas.openxmlformats.org/officeDocument/2006/relationships" r:blip="">
+                    <dgm:adjLst/>
+                  </dgm:shape>
+                  <dgm:presOf/>
+                  <dgm:constrLst/>
+                  <dgm:ruleLst/>
+                </dgm:layoutNode>
+              </dgm:forEach>
+            </dgm:if>
+            <dgm:else name="Name7"/>
+          </dgm:choose>
+        </dgm:else>
+      </dgm:choose>
+    </dgm:forEach>
+  </dgm:layoutNode>
+</dgm:layoutDef>
+</file>
+
+<file path=ppt/diagrams/quickStyle1.xml><?xml version="1.0" encoding="utf-8"?>
+<dgm:styleDef xmlns:dgm="http://schemas.openxmlformats.org/drawingml/2006/diagram" xmlns:a="http://schemas.openxmlformats.org/drawingml/2006/main" uniqueId="urn:microsoft.com/office/officeart/2005/8/quickstyle/simple4">
+  <dgm:title val=""/>
+  <dgm:desc val=""/>
+  <dgm:catLst>
+    <dgm:cat type="simple" pri="10400"/>
+  </dgm:catLst>
+  <dgm:scene3d>
+    <a:camera prst="orthographicFront"/>
+    <a:lightRig rig="threePt" dir="t"/>
+  </dgm:scene3d>
+  <dgm:styleLbl name="node0">
+    <dgm:scene3d>
+      <a:camera prst="orthographicFront"/>
+      <a:lightRig rig="threePt" dir="t"/>
+    </dgm:scene3d>
+    <dgm:sp3d/>
+    <dgm:txPr/>
+    <dgm:style>
+      <a:lnRef idx="0">
+        <a:scrgbClr r="0" g="0" b="0"/>
+      </a:lnRef>
+      <a:fillRef idx="3">
+        <a:scrgbClr r="0" g="0" b="0"/>
+      </a:fillRef>
+      <a:effectRef idx="2">
+        <a:scrgbClr r="0" g="0" b="0"/>
+      </a:effectRef>
+      <a:fontRef idx="minor">
+        <a:schemeClr val="lt1"/>
+      </a:fontRef>
+    </dgm:style>
+  </dgm:styleLbl>
+  <dgm:styleLbl name="lnNode1">
+    <dgm:scene3d>
+      <a:camera prst="orthographicFront"/>
+      <a:lightRig rig="threePt" dir="t"/>
+    </dgm:scene3d>
+    <dgm:sp3d/>
+    <dgm:txPr/>
+    <dgm:style>
+      <a:lnRef idx="1">
+        <a:scrgbClr r="0" g="0" b="0"/>
+      </a:lnRef>
+      <a:fillRef idx="3">
+        <a:scrgbClr r="0" g="0" b="0"/>
+      </a:fillRef>
+      <a:effectRef idx="2">
+        <a:scrgbClr r="0" g="0" b="0"/>
+      </a:effectRef>
+      <a:fontRef idx="minor">
+        <a:schemeClr val="lt1"/>
+      </a:fontRef>
+    </dgm:style>
+  </dgm:styleLbl>
+  <dgm:styleLbl name="vennNode1">
+    <dgm:scene3d>
+      <a:camera prst="orthographicFront"/>
+      <a:lightRig rig="threePt" dir="t"/>
+    </dgm:scene3d>
+    <dgm:sp3d/>
+    <dgm:txPr/>
+    <dgm:style>
+      <a:lnRef idx="0">
+        <a:scrgbClr r="0" g="0" b="0"/>
+      </a:lnRef>
+      <a:fillRef idx="3">
+        <a:scrgbClr r="0" g="0" b="0"/>
+      </a:fillRef>
+      <a:effectRef idx="0">
+        <a:scrgbClr r="0" g="0" b="0"/>
+      </a:effectRef>
+      <a:fontRef idx="minor">
+        <a:schemeClr val="tx1"/>
+      </a:fontRef>
+    </dgm:style>
+  </dgm:styleLbl>
+  <dgm:styleLbl name="alignNode1">
+    <dgm:scene3d>
+      <a:camera prst="orthographicFront"/>
+      <a:lightRig rig="threePt" dir="t"/>
+    </dgm:scene3d>
+    <dgm:sp3d/>
+    <dgm:txPr/>
+    <dgm:style>
+      <a:lnRef idx="1">
+        <a:scrgbClr r="0" g="0" b="0"/>
+      </a:lnRef>
+      <a:fillRef idx="3">
+        <a:scrgbClr r="0" g="0" b="0"/>
+      </a:fillRef>
+      <a:effectRef idx="2">
+        <a:scrgbClr r="0" g="0" b="0"/>
+      </a:effectRef>
+      <a:fontRef idx="minor">
+        <a:schemeClr val="lt1"/>
+      </a:fontRef>
+    </dgm:style>
+  </dgm:styleLbl>
+  <dgm:styleLbl name="node1">
+    <dgm:scene3d>
+      <a:camera prst="orthographicFront"/>
+      <a:lightRig rig="threePt" dir="t"/>
+    </dgm:scene3d>
+    <dgm:sp3d/>
+    <dgm:txPr/>
+    <dgm:style>
+      <a:lnRef idx="0">
+        <a:scrgbClr r="0" g="0" b="0"/>
+      </a:lnRef>
+      <a:fillRef idx="3">
+        <a:scrgbClr r="0" g="0" b="0"/>
+      </a:fillRef>
+      <a:effectRef idx="2">
+        <a:scrgbClr r="0" g="0" b="0"/>
+      </a:effectRef>
+      <a:fontRef idx="minor">
+        <a:schemeClr val="lt1"/>
+      </a:fontRef>
+    </dgm:style>
+  </dgm:styleLbl>
+  <dgm:styleLbl name="node2">
+    <dgm:scene3d>
+      <a:camera prst="orthographicFront"/>
+      <a:lightRig rig="threePt" dir="t"/>
+    </dgm:scene3d>
+    <dgm:sp3d/>
+    <dgm:txPr/>
+    <dgm:style>
+      <a:lnRef idx="0">
+        <a:scrgbClr r="0" g="0" b="0"/>
+      </a:lnRef>
+      <a:fillRef idx="3">
+        <a:scrgbClr r="0" g="0" b="0"/>
+      </a:fillRef>
+      <a:effectRef idx="2">
+        <a:scrgbClr r="0" g="0" b="0"/>
+      </a:effectRef>
+      <a:fontRef idx="minor">
+        <a:schemeClr val="lt1"/>
+      </a:fontRef>
+    </dgm:style>
+  </dgm:styleLbl>
+  <dgm:styleLbl name="node3">
+    <dgm:scene3d>
+      <a:camera prst="orthographicFront"/>
+      <a:lightRig rig="threePt" dir="t"/>
+    </dgm:scene3d>
+    <dgm:sp3d/>
+    <dgm:txPr/>
+    <dgm:style>
+      <a:lnRef idx="0">
+        <a:scrgbClr r="0" g="0" b="0"/>
+      </a:lnRef>
+      <a:fillRef idx="3">
+        <a:scrgbClr r="0" g="0" b="0"/>
+      </a:fillRef>
+      <a:effectRef idx="2">
+        <a:scrgbClr r="0" g="0" b="0"/>
+      </a:effectRef>
+      <a:fontRef idx="minor">
+        <a:schemeClr val="lt1"/>
+      </a:fontRef>
+    </dgm:style>
+  </dgm:styleLbl>
+  <dgm:styleLbl name="node4">
+    <dgm:scene3d>
+      <a:camera prst="orthographicFront"/>
+      <a:lightRig rig="threePt" dir="t"/>
+    </dgm:scene3d>
+    <dgm:sp3d/>
+    <dgm:txPr/>
+    <dgm:style>
+      <a:lnRef idx="0">
+        <a:scrgbClr r="0" g="0" b="0"/>
+      </a:lnRef>
+      <a:fillRef idx="3">
+        <a:scrgbClr r="0" g="0" b="0"/>
+      </a:fillRef>
+      <a:effectRef idx="2">
+        <a:scrgbClr r="0" g="0" b="0"/>
+      </a:effectRef>
+      <a:fontRef idx="minor">
+        <a:schemeClr val="lt1"/>
+      </a:fontRef>
+    </dgm:style>
+  </dgm:styleLbl>
+  <dgm:styleLbl name="fgImgPlace1">
+    <dgm:scene3d>
+      <a:camera prst="orthographicFront"/>
+      <a:lightRig rig="threePt" dir="t"/>
+    </dgm:scene3d>
+    <dgm:sp3d/>
+    <dgm:txPr/>
+    <dgm:style>
+      <a:lnRef idx="0">
+        <a:scrgbClr r="0" g="0" b="0"/>
+      </a:lnRef>
+      <a:fillRef idx="1">
+        <a:scrgbClr r="0" g="0" b="0"/>
+      </a:fillRef>
+      <a:effectRef idx="2">
+        <a:scrgbClr r="0" g="0" b="0"/>
+      </a:effectRef>
+      <a:fontRef idx="minor"/>
+    </dgm:style>
+  </dgm:styleLbl>
+  <dgm:styleLbl name="alignImgPlace1">
+    <dgm:scene3d>
+      <a:camera prst="orthographicFront"/>
+      <a:lightRig rig="threePt" dir="t"/>
+    </dgm:scene3d>
+    <dgm:sp3d/>
+    <dgm:txPr/>
+    <dgm:style>
+      <a:lnRef idx="0">
+        <a:scrgbClr r="0" g="0" b="0"/>
+      </a:lnRef>
+      <a:fillRef idx="1">
+        <a:scrgbClr r="0" g="0" b="0"/>
+      </a:fillRef>
+      <a:effectRef idx="2">
+        <a:scrgbClr r="0" g="0" b="0"/>
+      </a:effectRef>
+      <a:fontRef idx="minor"/>
+    </dgm:style>
+  </dgm:styleLbl>
+  <dgm:styleLbl name="bgImgPlace1">
+    <dgm:scene3d>
+      <a:camera prst="orthographicFront"/>
+      <a:lightRig rig="threePt" dir="t"/>
+    </dgm:scene3d>
+    <dgm:sp3d/>
+    <dgm:txPr/>
+    <dgm:style>
+      <a:lnRef idx="0">
+        <a:scrgbClr r="0" g="0" b="0"/>
+      </a:lnRef>
+      <a:fillRef idx="1">
+        <a:scrgbClr r="0" g="0" b="0"/>
+      </a:fillRef>
+      <a:effectRef idx="2">
+        <a:scrgbClr r="0" g="0" b="0"/>
+      </a:effectRef>
+      <a:fontRef idx="minor"/>
+    </dgm:style>
+  </dgm:styleLbl>
+  <dgm:styleLbl name="sibTrans2D1">
+    <dgm:scene3d>
+      <a:camera prst="orthographicFront"/>
+      <a:lightRig rig="threePt" dir="t"/>
+    </dgm:scene3d>
+    <dgm:sp3d/>
+    <dgm:txPr/>
+    <dgm:style>
+      <a:lnRef idx="0">
+        <a:scrgbClr r="0" g="0" b="0"/>
+      </a:lnRef>
+      <a:fillRef idx="3">
+        <a:scrgbClr r="0" g="0" b="0"/>
+      </a:fillRef>
+      <a:effectRef idx="2">
+        <a:scrgbClr r="0" g="0" b="0"/>
+      </a:effectRef>
+      <a:fontRef idx="minor">
+        <a:schemeClr val="lt1"/>
+      </a:fontRef>
+    </dgm:style>
+  </dgm:styleLbl>
+  <dgm:styleLbl name="fgSibTrans2D1">
+    <dgm:scene3d>
+      <a:camera prst="orthographicFront"/>
+      <a:lightRig rig="threePt" dir="t"/>
+    </dgm:scene3d>
+    <dgm:sp3d/>
+    <dgm:txPr/>
+    <dgm:style>
+      <a:lnRef idx="0">
+        <a:scrgbClr r="0" g="0" b="0"/>
+      </a:lnRef>
+      <a:fillRef idx="3">
+        <a:scrgbClr r="0" g="0" b="0"/>
+      </a:fillRef>
+      <a:effectRef idx="2">
+        <a:scrgbClr r="0" g="0" b="0"/>
+      </a:effectRef>
+      <a:fontRef idx="minor">
+        <a:schemeClr val="lt1"/>
+      </a:fontRef>
+    </dgm:style>
+  </dgm:styleLbl>
+  <dgm:styleLbl name="bgSibTrans2D1">
+    <dgm:scene3d>
+      <a:camera prst="orthographicFront"/>
+      <a:lightRig rig="threePt" dir="t"/>
+    </dgm:scene3d>
+    <dgm:sp3d/>
+    <dgm:txPr/>
+    <dgm:style>
+      <a:lnRef idx="0">
+        <a:scrgbClr r="0" g="0" b="0"/>
+      </a:lnRef>
+      <a:fillRef idx="3">
+        <a:scrgbClr r="0" g="0" b="0"/>
+      </a:fillRef>
+      <a:effectRef idx="2">
+        <a:scrgbClr r="0" g="0" b="0"/>
+      </a:effectRef>
+      <a:fontRef idx="minor">
+        <a:schemeClr val="lt1"/>
+      </a:fontRef>
+    </dgm:style>
+  </dgm:styleLbl>
+  <dgm:styleLbl name="sibTrans1D1">
+    <dgm:scene3d>
+      <a:camera prst="orthographicFront"/>
+      <a:lightRig rig="threePt" dir="t"/>
+    </dgm:scene3d>
+    <dgm:sp3d/>
+    <dgm:txPr/>
+    <dgm:style>
+      <a:lnRef idx="1">
+        <a:scrgbClr r="0" g="0" b="0"/>
+      </a:lnRef>
+      <a:fillRef idx="0">
+        <a:scrgbClr r="0" g="0" b="0"/>
+      </a:fillRef>
+      <a:effectRef idx="0">
+        <a:scrgbClr r="0" g="0" b="0"/>
+      </a:effectRef>
+      <a:fontRef idx="minor"/>
+    </dgm:style>
+  </dgm:styleLbl>
+  <dgm:styleLbl name="callout">
+    <dgm:scene3d>
+      <a:camera prst="orthographicFront"/>
+      <a:lightRig rig="threePt" dir="t"/>
+    </dgm:scene3d>
+    <dgm:sp3d/>
+    <dgm:txPr/>
+    <dgm:style>
+      <a:lnRef idx="2">
+        <a:scrgbClr r="0" g="0" b="0"/>
+      </a:lnRef>
+      <a:fillRef idx="1">
+        <a:scrgbClr r="0" g="0" b="0"/>
+      </a:fillRef>
+      <a:effectRef idx="1">
+        <a:scrgbClr r="0" g="0" b="0"/>
+      </a:effectRef>
+      <a:fontRef idx="minor"/>
+    </dgm:style>
+  </dgm:styleLbl>
+  <dgm:styleLbl name="asst0">
+    <dgm:scene3d>
+      <a:camera prst="orthographicFront"/>
+      <a:lightRig rig="threePt" dir="t"/>
+    </dgm:scene3d>
+    <dgm:sp3d/>
+    <dgm:txPr/>
+    <dgm:style>
+      <a:lnRef idx="0">
+        <a:scrgbClr r="0" g="0" b="0"/>
+      </a:lnRef>
+      <a:fillRef idx="3">
+        <a:scrgbClr r="0" g="0" b="0"/>
+      </a:fillRef>
+      <a:effectRef idx="2">
+        <a:scrgbClr r="0" g="0" b="0"/>
+      </a:effectRef>
+      <a:fontRef idx="minor">
+        <a:schemeClr val="lt1"/>
+      </a:fontRef>
+    </dgm:style>
+  </dgm:styleLbl>
+  <dgm:styleLbl name="asst1">
+    <dgm:scene3d>
+      <a:camera prst="orthographicFront"/>
+      <a:lightRig rig="threePt" dir="t"/>
+    </dgm:scene3d>
+    <dgm:sp3d/>
+    <dgm:txPr/>
+    <dgm:style>
+      <a:lnRef idx="0">
+        <a:scrgbClr r="0" g="0" b="0"/>
+      </a:lnRef>
+      <a:fillRef idx="3">
+        <a:scrgbClr r="0" g="0" b="0"/>
+      </a:fillRef>
+      <a:effectRef idx="2">
+        <a:scrgbClr r="0" g="0" b="0"/>
+      </a:effectRef>
+      <a:fontRef idx="minor">
+        <a:schemeClr val="lt1"/>
+      </a:fontRef>
+    </dgm:style>
+  </dgm:styleLbl>
+  <dgm:styleLbl name="asst2">
+    <dgm:scene3d>
+      <a:camera prst="orthographicFront"/>
+      <a:lightRig rig="threePt" dir="t"/>
+    </dgm:scene3d>
+    <dgm:sp3d/>
+    <dgm:txPr/>
+    <dgm:style>
+      <a:lnRef idx="0">
+        <a:scrgbClr r="0" g="0" b="0"/>
+      </a:lnRef>
+      <a:fillRef idx="3">
+        <a:scrgbClr r="0" g="0" b="0"/>
+      </a:fillRef>
+      <a:effectRef idx="2">
+        <a:scrgbClr r="0" g="0" b="0"/>
+      </a:effectRef>
+      <a:fontRef idx="minor">
+        <a:schemeClr val="lt1"/>
+      </a:fontRef>
+    </dgm:style>
+  </dgm:styleLbl>
+  <dgm:styleLbl name="asst3">
+    <dgm:scene3d>
+      <a:camera prst="orthographicFront"/>
+      <a:lightRig rig="threePt" dir="t"/>
+    </dgm:scene3d>
+    <dgm:sp3d/>
+    <dgm:txPr/>
+    <dgm:style>
+      <a:lnRef idx="0">
+        <a:scrgbClr r="0" g="0" b="0"/>
+      </a:lnRef>
+      <a:fillRef idx="3">
+        <a:scrgbClr r="0" g="0" b="0"/>
+      </a:fillRef>
+      <a:effectRef idx="2">
+        <a:scrgbClr r="0" g="0" b="0"/>
+      </a:effectRef>
+      <a:fontRef idx="minor">
+        <a:schemeClr val="lt1"/>
+      </a:fontRef>
+    </dgm:style>
+  </dgm:styleLbl>
+  <dgm:styleLbl name="asst4">
+    <dgm:scene3d>
+      <a:camera prst="orthographicFront"/>
+      <a:lightRig rig="threePt" dir="t"/>
+    </dgm:scene3d>
+    <dgm:sp3d/>
+    <dgm:txPr/>
+    <dgm:style>
+      <a:lnRef idx="0">
+        <a:scrgbClr r="0" g="0" b="0"/>
+      </a:lnRef>
+      <a:fillRef idx="3">
+        <a:scrgbClr r="0" g="0" b="0"/>
+      </a:fillRef>
+      <a:effectRef idx="2">
+        <a:scrgbClr r="0" g="0" b="0"/>
+      </a:effectRef>
+      <a:fontRef idx="minor">
+        <a:schemeClr val="lt1"/>
+      </a:fontRef>
+    </dgm:style>
+  </dgm:styleLbl>
+  <dgm:styleLbl name="parChTrans2D1">
+    <dgm:scene3d>
+      <a:camera prst="orthographicFront"/>
+      <a:lightRig rig="threePt" dir="t"/>
+    </dgm:scene3d>
+    <dgm:sp3d/>
+    <dgm:txPr/>
+    <dgm:style>
+      <a:lnRef idx="0">
+        <a:scrgbClr r="0" g="0" b="0"/>
+      </a:lnRef>
+      <a:fillRef idx="3">
+        <a:scrgbClr r="0" g="0" b="0"/>
+      </a:fillRef>
+      <a:effectRef idx="2">
+        <a:scrgbClr r="0" g="0" b="0"/>
+      </a:effectRef>
+      <a:fontRef idx="minor">
+        <a:schemeClr val="lt1"/>
+      </a:fontRef>
+    </dgm:style>
+  </dgm:styleLbl>
+  <dgm:styleLbl name="parChTrans2D2">
+    <dgm:scene3d>
+      <a:camera prst="orthographicFront"/>
+      <a:lightRig rig="threePt" dir="t"/>
+    </dgm:scene3d>
+    <dgm:sp3d/>
+    <dgm:txPr/>
+    <dgm:style>
+      <a:lnRef idx="0">
+        <a:scrgbClr r="0" g="0" b="0"/>
+      </a:lnRef>
+      <a:fillRef idx="3">
+        <a:scrgbClr r="0" g="0" b="0"/>
+      </a:fillRef>
+      <a:effectRef idx="2">
+        <a:scrgbClr r="0" g="0" b="0"/>
+      </a:effectRef>
+      <a:fontRef idx="minor">
+        <a:schemeClr val="lt1"/>
+      </a:fontRef>
+    </dgm:style>
+  </dgm:styleLbl>
+  <dgm:styleLbl name="parChTrans2D3">
+    <dgm:scene3d>
+      <a:camera prst="orthographicFront"/>
+      <a:lightRig rig="threePt" dir="t"/>
+    </dgm:scene3d>
+    <dgm:sp3d/>
+    <dgm:txPr/>
+    <dgm:style>
+      <a:lnRef idx="1">
+        <a:scrgbClr r="0" g="0" b="0"/>
+      </a:lnRef>
+      <a:fillRef idx="3">
+        <a:scrgbClr r="0" g="0" b="0"/>
+      </a:fillRef>
+      <a:effectRef idx="2">
+        <a:scrgbClr r="0" g="0" b="0"/>
+      </a:effectRef>
+      <a:fontRef idx="minor">
+        <a:schemeClr val="lt1"/>
+      </a:fontRef>
+    </dgm:style>
+  </dgm:styleLbl>
+  <dgm:styleLbl name="parChTrans2D4">
+    <dgm:scene3d>
+      <a:camera prst="orthographicFront"/>
+      <a:lightRig rig="threePt" dir="t"/>
+    </dgm:scene3d>
+    <dgm:sp3d/>
+    <dgm:txPr/>
+    <dgm:style>
+      <a:lnRef idx="1">
+        <a:scrgbClr r="0" g="0" b="0"/>
+      </a:lnRef>
+      <a:fillRef idx="3">
+        <a:scrgbClr r="0" g="0" b="0"/>
+      </a:fillRef>
+      <a:effectRef idx="2">
+        <a:scrgbClr r="0" g="0" b="0"/>
+      </a:effectRef>
+      <a:fontRef idx="minor">
+        <a:schemeClr val="lt1"/>
+      </a:fontRef>
+    </dgm:style>
+  </dgm:styleLbl>
+  <dgm:styleLbl name="parChTrans1D1">
+    <dgm:scene3d>
+      <a:camera prst="orthographicFront"/>
+      <a:lightRig rig="threePt" dir="t"/>
+    </dgm:scene3d>
+    <dgm:sp3d/>
+    <dgm:txPr/>
+    <dgm:style>
+      <a:lnRef idx="1">
+        <a:scrgbClr r="0" g="0" b="0"/>
+      </a:lnRef>
+      <a:fillRef idx="0">
+        <a:scrgbClr r="0" g="0" b="0"/>
+      </a:fillRef>
+      <a:effectRef idx="0">
+        <a:scrgbClr r="0" g="0" b="0"/>
+      </a:effectRef>
+      <a:fontRef idx="minor"/>
+    </dgm:style>
+  </dgm:styleLbl>
+  <dgm:styleLbl name="parChTrans1D2">
+    <dgm:scene3d>
+      <a:camera prst="orthographicFront"/>
+      <a:lightRig rig="threePt" dir="t"/>
+    </dgm:scene3d>
+    <dgm:sp3d/>
+    <dgm:txPr/>
+    <dgm:style>
+      <a:lnRef idx="1">
+        <a:scrgbClr r="0" g="0" b="0"/>
+      </a:lnRef>
+      <a:fillRef idx="0">
+        <a:scrgbClr r="0" g="0" b="0"/>
+      </a:fillRef>
+      <a:effectRef idx="0">
+        <a:scrgbClr r="0" g="0" b="0"/>
+      </a:effectRef>
+      <a:fontRef idx="minor"/>
+    </dgm:style>
+  </dgm:styleLbl>
+  <dgm:styleLbl name="parChTrans1D3">
+    <dgm:scene3d>
+      <a:camera prst="orthographicFront"/>
+      <a:lightRig rig="threePt" dir="t"/>
+    </dgm:scene3d>
+    <dgm:sp3d/>
+    <dgm:txPr/>
+    <dgm:style>
+      <a:lnRef idx="1">
+        <a:scrgbClr r="0" g="0" b="0"/>
+      </a:lnRef>
+      <a:fillRef idx="0">
+        <a:scrgbClr r="0" g="0" b="0"/>
+      </a:fillRef>
+      <a:effectRef idx="0">
+        <a:scrgbClr r="0" g="0" b="0"/>
+      </a:effectRef>
+      <a:fontRef idx="minor"/>
+    </dgm:style>
+  </dgm:styleLbl>
+  <dgm:styleLbl name="parChTrans1D4">
+    <dgm:scene3d>
+      <a:camera prst="orthographicFront"/>
+      <a:lightRig rig="threePt" dir="t"/>
+    </dgm:scene3d>
+    <dgm:sp3d/>
+    <dgm:txPr/>
+    <dgm:style>
+      <a:lnRef idx="1">
+        <a:scrgbClr r="0" g="0" b="0"/>
+      </a:lnRef>
+      <a:fillRef idx="0">
+        <a:scrgbClr r="0" g="0" b="0"/>
+      </a:fillRef>
+      <a:effectRef idx="0">
+        <a:scrgbClr r="0" g="0" b="0"/>
+      </a:effectRef>
+      <a:fontRef idx="minor"/>
+    </dgm:style>
+  </dgm:styleLbl>
+  <dgm:styleLbl name="fgAcc1">
+    <dgm:scene3d>
+      <a:camera prst="orthographicFront"/>
+      <a:lightRig rig="threePt" dir="t"/>
+    </dgm:scene3d>
+    <dgm:sp3d/>
+    <dgm:txPr/>
+    <dgm:style>
+      <a:lnRef idx="1">
+        <a:scrgbClr r="0" g="0" b="0"/>
+      </a:lnRef>
+      <a:fillRef idx="1">
+        <a:scrgbClr r="0" g="0" b="0"/>
+      </a:fillRef>
+      <a:effectRef idx="0">
+        <a:scrgbClr r="0" g="0" b="0"/>
+      </a:effectRef>
+      <a:fontRef idx="minor"/>
+    </dgm:style>
+  </dgm:styleLbl>
+  <dgm:styleLbl name="conFgAcc1">
+    <dgm:scene3d>
+      <a:camera prst="orthographicFront"/>
+      <a:lightRig rig="threePt" dir="t"/>
+    </dgm:scene3d>
+    <dgm:sp3d/>
+    <dgm:txPr/>
+    <dgm:style>
+      <a:lnRef idx="1">
+        <a:scrgbClr r="0" g="0" b="0"/>
+      </a:lnRef>
+      <a:fillRef idx="1">
+        <a:scrgbClr r="0" g="0" b="0"/>
+      </a:fillRef>
+      <a:effectRef idx="0">
+        <a:scrgbClr r="0" g="0" b="0"/>
+      </a:effectRef>
+      <a:fontRef idx="minor"/>
+    </dgm:style>
+  </dgm:styleLbl>
+  <dgm:styleLbl name="alignAcc1">
+    <dgm:scene3d>
+      <a:camera prst="orthographicFront"/>
+      <a:lightRig rig="threePt" dir="t"/>
+    </dgm:scene3d>
+    <dgm:sp3d/>
+    <dgm:txPr/>
+    <dgm:style>
+      <a:lnRef idx="1">
+        <a:scrgbClr r="0" g="0" b="0"/>
+      </a:lnRef>
+      <a:fillRef idx="1">
+        <a:scrgbClr r="0" g="0" b="0"/>
+      </a:fillRef>
+      <a:effectRef idx="0">
+        <a:scrgbClr r="0" g="0" b="0"/>
+      </a:effectRef>
+      <a:fontRef idx="minor"/>
+    </dgm:style>
+  </dgm:styleLbl>
+  <dgm:styleLbl name="trAlignAcc1">
+    <dgm:scene3d>
+      <a:camera prst="orthographicFront"/>
+      <a:lightRig rig="threePt" dir="t"/>
+    </dgm:scene3d>
+    <dgm:sp3d/>
+    <dgm:txPr/>
+    <dgm:style>
+      <a:lnRef idx="1">
+        <a:scrgbClr r="0" g="0" b="0"/>
+      </a:lnRef>
+      <a:fillRef idx="1">
+        <a:scrgbClr r="0" g="0" b="0"/>
+      </a:fillRef>
+      <a:effectRef idx="0">
+        <a:scrgbClr r="0" g="0" b="0"/>
+      </a:effectRef>
+      <a:fontRef idx="minor"/>
+    </dgm:style>
+  </dgm:styleLbl>
+  <dgm:styleLbl name="bgAcc1">
+    <dgm:scene3d>
+      <a:camera prst="orthographicFront"/>
+      <a:lightRig rig="threePt" dir="t"/>
+    </dgm:scene3d>
+    <dgm:sp3d/>
+    <dgm:txPr/>
+    <dgm:style>
+      <a:lnRef idx="1">
+        <a:scrgbClr r="0" g="0" b="0"/>
+      </a:lnRef>
+      <a:fillRef idx="1">
+        <a:scrgbClr r="0" g="0" b="0"/>
+      </a:fillRef>
+      <a:effectRef idx="0">
+        <a:scrgbClr r="0" g="0" b="0"/>
+      </a:effectRef>
+      <a:fontRef idx="minor"/>
+    </dgm:style>
+  </dgm:styleLbl>
+  <dgm:styleLbl name="solidFgAcc1">
+    <dgm:scene3d>
+      <a:camera prst="orthographicFront"/>
+      <a:lightRig rig="threePt" dir="t"/>
+    </dgm:scene3d>
+    <dgm:sp3d/>
+    <dgm:txPr/>
+    <dgm:style>
+      <a:lnRef idx="1">
+        <a:scrgbClr r="0" g="0" b="0"/>
+      </a:lnRef>
+      <a:fillRef idx="1">
+        <a:scrgbClr r="0" g="0" b="0"/>
+      </a:fillRef>
+      <a:effectRef idx="0">
+        <a:scrgbClr r="0" g="0" b="0"/>
+      </a:effectRef>
+      <a:fontRef idx="minor"/>
+    </dgm:style>
+  </dgm:styleLbl>
+  <dgm:styleLbl name="solidAlignAcc1">
+    <dgm:scene3d>
+      <a:camera prst="orthographicFront"/>
+      <a:lightRig rig="threePt" dir="t"/>
+    </dgm:scene3d>
+    <dgm:sp3d/>
+    <dgm:txPr/>
+    <dgm:style>
+      <a:lnRef idx="1">
+        <a:scrgbClr r="0" g="0" b="0"/>
+      </a:lnRef>
+      <a:fillRef idx="1">
+        <a:scrgbClr r="0" g="0" b="0"/>
+      </a:fillRef>
+      <a:effectRef idx="0">
+        <a:scrgbClr r="0" g="0" b="0"/>
+      </a:effectRef>
+      <a:fontRef idx="minor"/>
+    </dgm:style>
+  </dgm:styleLbl>
+  <dgm:styleLbl name="solidBgAcc1">
+    <dgm:scene3d>
+      <a:camera prst="orthographicFront"/>
+      <a:lightRig rig="threePt" dir="t"/>
+    </dgm:scene3d>
+    <dgm:sp3d/>
+    <dgm:txPr/>
+    <dgm:style>
+      <a:lnRef idx="1">
+        <a:scrgbClr r="0" g="0" b="0"/>
+      </a:lnRef>
+      <a:fillRef idx="1">
+        <a:scrgbClr r="0" g="0" b="0"/>
+      </a:fillRef>
+      <a:effectRef idx="0">
+        <a:scrgbClr r="0" g="0" b="0"/>
+      </a:effectRef>
+      <a:fontRef idx="minor"/>
+    </dgm:style>
+  </dgm:styleLbl>
+  <dgm:styleLbl name="fgAccFollowNode1">
+    <dgm:scene3d>
+      <a:camera prst="orthographicFront"/>
+      <a:lightRig rig="threePt" dir="t"/>
+    </dgm:scene3d>
+    <dgm:sp3d/>
+    <dgm:txPr/>
+    <dgm:style>
+      <a:lnRef idx="1">
+        <a:scrgbClr r="0" g="0" b="0"/>
+      </a:lnRef>
+      <a:fillRef idx="1">
+        <a:scrgbClr r="0" g="0" b="0"/>
+      </a:fillRef>
+      <a:effectRef idx="0">
+        <a:scrgbClr r="0" g="0" b="0"/>
+      </a:effectRef>
+      <a:fontRef idx="minor"/>
+    </dgm:style>
+  </dgm:styleLbl>
+  <dgm:styleLbl name="alignAccFollowNode1">
+    <dgm:scene3d>
+      <a:camera prst="orthographicFront"/>
+      <a:lightRig rig="threePt" dir="t"/>
+    </dgm:scene3d>
+    <dgm:sp3d/>
+    <dgm:txPr/>
+    <dgm:style>
+      <a:lnRef idx="1">
+        <a:scrgbClr r="0" g="0" b="0"/>
+      </a:lnRef>
+      <a:fillRef idx="1">
+        <a:scrgbClr r="0" g="0" b="0"/>
+      </a:fillRef>
+      <a:effectRef idx="0">
+        <a:scrgbClr r="0" g="0" b="0"/>
+      </a:effectRef>
+      <a:fontRef idx="minor"/>
+    </dgm:style>
+  </dgm:styleLbl>
+  <dgm:styleLbl name="bgAccFollowNode1">
+    <dgm:scene3d>
+      <a:camera prst="orthographicFront"/>
+      <a:lightRig rig="threePt" dir="t"/>
+    </dgm:scene3d>
+    <dgm:sp3d/>
+    <dgm:txPr/>
+    <dgm:style>
+      <a:lnRef idx="1">
+        <a:scrgbClr r="0" g="0" b="0"/>
+      </a:lnRef>
+      <a:fillRef idx="1">
+        <a:scrgbClr r="0" g="0" b="0"/>
+      </a:fillRef>
+      <a:effectRef idx="0">
+        <a:scrgbClr r="0" g="0" b="0"/>
+      </a:effectRef>
+      <a:fontRef idx="minor"/>
+    </dgm:style>
+  </dgm:styleLbl>
+  <dgm:styleLbl name="fgAcc0">
+    <dgm:scene3d>
+      <a:camera prst="orthographicFront"/>
+      <a:lightRig rig="threePt" dir="t"/>
+    </dgm:scene3d>
+    <dgm:sp3d/>
+    <dgm:txPr/>
+    <dgm:style>
+      <a:lnRef idx="1">
+        <a:scrgbClr r="0" g="0" b="0"/>
+      </a:lnRef>
+      <a:fillRef idx="1">
+        <a:scrgbClr r="0" g="0" b="0"/>
+      </a:fillRef>
+      <a:effectRef idx="0">
+        <a:scrgbClr r="0" g="0" b="0"/>
+      </a:effectRef>
+      <a:fontRef idx="minor"/>
+    </dgm:style>
+  </dgm:styleLbl>
+  <dgm:styleLbl name="fgAcc2">
+    <dgm:scene3d>
+      <a:camera prst="orthographicFront"/>
+      <a:lightRig rig="threePt" dir="t"/>
+    </dgm:scene3d>
+    <dgm:sp3d/>
+    <dgm:txPr/>
+    <dgm:style>
+      <a:lnRef idx="1">
+        <a:scrgbClr r="0" g="0" b="0"/>
+      </a:lnRef>
+      <a:fillRef idx="1">
+        <a:scrgbClr r="0" g="0" b="0"/>
+      </a:fillRef>
+      <a:effectRef idx="0">
+        <a:scrgbClr r="0" g="0" b="0"/>
+      </a:effectRef>
+      <a:fontRef idx="minor"/>
+    </dgm:style>
+  </dgm:styleLbl>
+  <dgm:styleLbl name="fgAcc3">
+    <dgm:scene3d>
+      <a:camera prst="orthographicFront"/>
+      <a:lightRig rig="threePt" dir="t"/>
+    </dgm:scene3d>
+    <dgm:sp3d/>
+    <dgm:txPr/>
+    <dgm:style>
+      <a:lnRef idx="1">
+        <a:scrgbClr r="0" g="0" b="0"/>
+      </a:lnRef>
+      <a:fillRef idx="1">
+        <a:scrgbClr r="0" g="0" b="0"/>
+      </a:fillRef>
+      <a:effectRef idx="0">
+        <a:scrgbClr r="0" g="0" b="0"/>
+      </a:effectRef>
+      <a:fontRef idx="minor"/>
+    </dgm:style>
+  </dgm:styleLbl>
+  <dgm:styleLbl name="fgAcc4">
+    <dgm:scene3d>
+      <a:camera prst="orthographicFront"/>
+      <a:lightRig rig="threePt" dir="t"/>
+    </dgm:scene3d>
+    <dgm:sp3d/>
+    <dgm:txPr/>
+    <dgm:style>
+      <a:lnRef idx="1">
+        <a:scrgbClr r="0" g="0" b="0"/>
+      </a:lnRef>
+      <a:fillRef idx="1">
+        <a:scrgbClr r="0" g="0" b="0"/>
+      </a:fillRef>
+      <a:effectRef idx="0">
+        <a:scrgbClr r="0" g="0" b="0"/>
+      </a:effectRef>
+      <a:fontRef idx="minor"/>
+    </dgm:style>
+  </dgm:styleLbl>
+  <dgm:styleLbl name="bgShp">
+    <dgm:scene3d>
+      <a:camera prst="orthographicFront"/>
+      <a:lightRig rig="threePt" dir="t"/>
+    </dgm:scene3d>
+    <dgm:sp3d/>
+    <dgm:txPr/>
+    <dgm:style>
+      <a:lnRef idx="0">
+        <a:scrgbClr r="0" g="0" b="0"/>
+      </a:lnRef>
+      <a:fillRef idx="1">
+        <a:scrgbClr r="0" g="0" b="0"/>
+      </a:fillRef>
+      <a:effectRef idx="2">
+        <a:scrgbClr r="0" g="0" b="0"/>
+      </a:effectRef>
+      <a:fontRef idx="minor"/>
+    </dgm:style>
+  </dgm:styleLbl>
+  <dgm:styleLbl name="dkBgShp">
+    <dgm:scene3d>
+      <a:camera prst="orthographicFront"/>
+      <a:lightRig rig="threePt" dir="t"/>
+    </dgm:scene3d>
+    <dgm:sp3d/>
+    <dgm:txPr/>
+    <dgm:style>
+      <a:lnRef idx="0">
+        <a:scrgbClr r="0" g="0" b="0"/>
+      </a:lnRef>
+      <a:fillRef idx="1">
+        <a:scrgbClr r="0" g="0" b="0"/>
+      </a:fillRef>
+      <a:effectRef idx="2">
+        <a:scrgbClr r="0" g="0" b="0"/>
+      </a:effectRef>
+      <a:fontRef idx="minor"/>
+    </dgm:style>
+  </dgm:styleLbl>
+  <dgm:styleLbl name="trBgShp">
+    <dgm:scene3d>
+      <a:camera prst="orthographicFront"/>
+      <a:lightRig rig="threePt" dir="t"/>
+    </dgm:scene3d>
+    <dgm:sp3d/>
+    <dgm:txPr/>
+    <dgm:style>
+      <a:lnRef idx="0">
+        <a:scrgbClr r="0" g="0" b="0"/>
+      </a:lnRef>
+      <a:fillRef idx="1">
+        <a:scrgbClr r="0" g="0" b="0"/>
+      </a:fillRef>
+      <a:effectRef idx="0">
+        <a:scrgbClr r="0" g="0" b="0"/>
+      </a:effectRef>
+      <a:fontRef idx="minor"/>
+    </dgm:style>
+  </dgm:styleLbl>
+  <dgm:styleLbl name="fgShp">
+    <dgm:scene3d>
+      <a:camera prst="orthographicFront"/>
+      <a:lightRig rig="threePt" dir="t"/>
+    </dgm:scene3d>
+    <dgm:sp3d/>
+    <dgm:txPr/>
+    <dgm:style>
+      <a:lnRef idx="0">
+        <a:scrgbClr r="0" g="0" b="0"/>
+      </a:lnRef>
+      <a:fillRef idx="3">
+        <a:scrgbClr r="0" g="0" b="0"/>
+      </a:fillRef>
+      <a:effectRef idx="2">
+        <a:scrgbClr r="0" g="0" b="0"/>
+      </a:effectRef>
+      <a:fontRef idx="minor"/>
+    </dgm:style>
+  </dgm:styleLbl>
+  <dgm:styleLbl name="revTx">
+    <dgm:scene3d>
+      <a:camera prst="orthographicFront"/>
+      <a:lightRig rig="threePt" dir="t"/>
+    </dgm:scene3d>
+    <dgm:sp3d/>
+    <dgm:txPr/>
+    <dgm:style>
+      <a:lnRef idx="0">
+        <a:scrgbClr r="0" g="0" b="0"/>
+      </a:lnRef>
+      <a:fillRef idx="0">
+        <a:scrgbClr r="0" g="0" b="0"/>
+      </a:fillRef>
+      <a:effectRef idx="0">
+        <a:scrgbClr r="0" g="0" b="0"/>
+      </a:effectRef>
+      <a:fontRef idx="minor"/>
+    </dgm:style>
+  </dgm:styleLbl>
+</dgm:styleDef>
+</file>
+
 <file path=ppt/slideLayouts/slideLayout1.xml><?xml version="1.0" encoding="utf-8"?>
 <p:sldLayout xmlns:a="http://schemas.openxmlformats.org/drawingml/2006/main" xmlns:r="http://schemas.openxmlformats.org/officeDocument/2006/relationships" xmlns:p="http://schemas.openxmlformats.org/presentationml/2006/main" type="title" preserve="1">
   <p:cSld name="Title Slide">
@@ -376,7 +2875,7 @@
             <a:fld id="{B61BEF0D-F0BB-DE4B-95CE-6DB70DBA9567}" type="datetimeFigureOut">
               <a:rPr lang="en-US" dirty="0"/>
               <a:pPr/>
-              <a:t>8/6/21</a:t>
+              <a:t>8/11/21</a:t>
             </a:fld>
             <a:endParaRPr lang="en-US" dirty="0"/>
           </a:p>
@@ -664,7 +3163,7 @@
             <a:fld id="{B61BEF0D-F0BB-DE4B-95CE-6DB70DBA9567}" type="datetimeFigureOut">
               <a:rPr lang="en-US" dirty="0"/>
               <a:pPr/>
-              <a:t>8/6/21</a:t>
+              <a:t>8/11/21</a:t>
             </a:fld>
             <a:endParaRPr lang="en-US" dirty="0"/>
           </a:p>
@@ -920,7 +3419,7 @@
             <a:fld id="{B61BEF0D-F0BB-DE4B-95CE-6DB70DBA9567}" type="datetimeFigureOut">
               <a:rPr lang="en-US" dirty="0"/>
               <a:pPr/>
-              <a:t>8/6/21</a:t>
+              <a:t>8/11/21</a:t>
             </a:fld>
             <a:endParaRPr lang="en-US" dirty="0"/>
           </a:p>
@@ -1386,7 +3885,7 @@
             <a:fld id="{B61BEF0D-F0BB-DE4B-95CE-6DB70DBA9567}" type="datetimeFigureOut">
               <a:rPr lang="en-US" dirty="0"/>
               <a:pPr/>
-              <a:t>8/6/21</a:t>
+              <a:t>8/11/21</a:t>
             </a:fld>
             <a:endParaRPr lang="en-US" dirty="0"/>
           </a:p>
@@ -1563,7 +4062,7 @@
             <a:fld id="{B61BEF0D-F0BB-DE4B-95CE-6DB70DBA9567}" type="datetimeFigureOut">
               <a:rPr lang="en-US" dirty="0"/>
               <a:pPr/>
-              <a:t>8/6/21</a:t>
+              <a:t>8/11/21</a:t>
             </a:fld>
             <a:endParaRPr lang="en-US" dirty="0"/>
           </a:p>
@@ -2136,7 +4635,7 @@
             <a:fld id="{B61BEF0D-F0BB-DE4B-95CE-6DB70DBA9567}" type="datetimeFigureOut">
               <a:rPr lang="en-US" dirty="0"/>
               <a:pPr/>
-              <a:t>8/6/21</a:t>
+              <a:t>8/11/21</a:t>
             </a:fld>
             <a:endParaRPr lang="en-US" dirty="0"/>
           </a:p>
@@ -2465,7 +4964,7 @@
             <a:fld id="{B61BEF0D-F0BB-DE4B-95CE-6DB70DBA9567}" type="datetimeFigureOut">
               <a:rPr lang="en-US" dirty="0"/>
               <a:pPr/>
-              <a:t>8/6/21</a:t>
+              <a:t>8/11/21</a:t>
             </a:fld>
             <a:endParaRPr lang="en-US" dirty="0"/>
           </a:p>
@@ -2637,7 +5136,7 @@
             <a:fld id="{B61BEF0D-F0BB-DE4B-95CE-6DB70DBA9567}" type="datetimeFigureOut">
               <a:rPr lang="en-US" dirty="0"/>
               <a:pPr/>
-              <a:t>8/6/21</a:t>
+              <a:t>8/11/21</a:t>
             </a:fld>
             <a:endParaRPr lang="en-US" dirty="0"/>
           </a:p>
@@ -2814,7 +5313,7 @@
             <a:fld id="{B61BEF0D-F0BB-DE4B-95CE-6DB70DBA9567}" type="datetimeFigureOut">
               <a:rPr lang="en-US" dirty="0"/>
               <a:pPr/>
-              <a:t>8/6/21</a:t>
+              <a:t>8/11/21</a:t>
             </a:fld>
             <a:endParaRPr lang="en-US" dirty="0"/>
           </a:p>
@@ -2981,7 +5480,7 @@
             <a:fld id="{B61BEF0D-F0BB-DE4B-95CE-6DB70DBA9567}" type="datetimeFigureOut">
               <a:rPr lang="en-US" dirty="0"/>
               <a:pPr/>
-              <a:t>8/6/21</a:t>
+              <a:t>8/11/21</a:t>
             </a:fld>
             <a:endParaRPr lang="en-US" dirty="0"/>
           </a:p>
@@ -3235,7 +5734,7 @@
             <a:fld id="{B61BEF0D-F0BB-DE4B-95CE-6DB70DBA9567}" type="datetimeFigureOut">
               <a:rPr lang="en-US" dirty="0"/>
               <a:pPr/>
-              <a:t>8/6/21</a:t>
+              <a:t>8/11/21</a:t>
             </a:fld>
             <a:endParaRPr lang="en-US" dirty="0"/>
           </a:p>
@@ -3524,7 +6023,7 @@
             <a:fld id="{B61BEF0D-F0BB-DE4B-95CE-6DB70DBA9567}" type="datetimeFigureOut">
               <a:rPr lang="en-US" dirty="0"/>
               <a:pPr/>
-              <a:t>8/6/21</a:t>
+              <a:t>8/11/21</a:t>
             </a:fld>
             <a:endParaRPr lang="en-US" dirty="0"/>
           </a:p>
@@ -3951,7 +6450,7 @@
             <a:fld id="{B61BEF0D-F0BB-DE4B-95CE-6DB70DBA9567}" type="datetimeFigureOut">
               <a:rPr lang="en-US" dirty="0"/>
               <a:pPr/>
-              <a:t>8/6/21</a:t>
+              <a:t>8/11/21</a:t>
             </a:fld>
             <a:endParaRPr lang="en-US" dirty="0"/>
           </a:p>
@@ -4066,7 +6565,7 @@
             <a:fld id="{B61BEF0D-F0BB-DE4B-95CE-6DB70DBA9567}" type="datetimeFigureOut">
               <a:rPr lang="en-US" dirty="0"/>
               <a:pPr/>
-              <a:t>8/6/21</a:t>
+              <a:t>8/11/21</a:t>
             </a:fld>
             <a:endParaRPr lang="en-US" dirty="0"/>
           </a:p>
@@ -4158,7 +6657,7 @@
             <a:fld id="{B61BEF0D-F0BB-DE4B-95CE-6DB70DBA9567}" type="datetimeFigureOut">
               <a:rPr lang="en-US" dirty="0"/>
               <a:pPr/>
-              <a:t>8/6/21</a:t>
+              <a:t>8/11/21</a:t>
             </a:fld>
             <a:endParaRPr lang="en-US" dirty="0"/>
           </a:p>
@@ -4438,7 +6937,7 @@
             <a:fld id="{B61BEF0D-F0BB-DE4B-95CE-6DB70DBA9567}" type="datetimeFigureOut">
               <a:rPr lang="en-US" dirty="0"/>
               <a:pPr/>
-              <a:t>8/6/21</a:t>
+              <a:t>8/11/21</a:t>
             </a:fld>
             <a:endParaRPr lang="en-US" dirty="0"/>
           </a:p>
@@ -4726,7 +7225,7 @@
             <a:fld id="{B61BEF0D-F0BB-DE4B-95CE-6DB70DBA9567}" type="datetimeFigureOut">
               <a:rPr lang="en-US" dirty="0"/>
               <a:pPr/>
-              <a:t>8/6/21</a:t>
+              <a:t>8/11/21</a:t>
             </a:fld>
             <a:endParaRPr lang="en-US" dirty="0"/>
           </a:p>
@@ -4954,7 +7453,7 @@
             <a:fld id="{B61BEF0D-F0BB-DE4B-95CE-6DB70DBA9567}" type="datetimeFigureOut">
               <a:rPr lang="en-US" dirty="0"/>
               <a:pPr/>
-              <a:t>8/6/21</a:t>
+              <a:t>8/11/21</a:t>
             </a:fld>
             <a:endParaRPr lang="en-US" dirty="0"/>
           </a:p>
@@ -15325,6 +17824,3286 @@
 </p:sld>
 </file>
 
+<file path=ppt/slides/slide52.xml><?xml version="1.0" encoding="utf-8"?>
+<p:sld xmlns:a="http://schemas.openxmlformats.org/drawingml/2006/main" xmlns:r="http://schemas.openxmlformats.org/officeDocument/2006/relationships" xmlns:p="http://schemas.openxmlformats.org/presentationml/2006/main">
+  <p:cSld>
+    <p:bg>
+      <p:bgPr>
+        <a:blipFill rotWithShape="1">
+          <a:blip r:embed="rId2">
+            <a:duotone>
+              <a:schemeClr val="bg2">
+                <a:shade val="28000"/>
+                <a:satMod val="94000"/>
+                <a:lumMod val="20000"/>
+              </a:schemeClr>
+              <a:schemeClr val="bg2">
+                <a:tint val="94000"/>
+                <a:shade val="84000"/>
+                <a:satMod val="148000"/>
+                <a:lumMod val="114000"/>
+              </a:schemeClr>
+            </a:duotone>
+          </a:blip>
+          <a:stretch/>
+        </a:blipFill>
+        <a:effectLst/>
+      </p:bgPr>
+    </p:bg>
+    <p:spTree>
+      <p:nvGrpSpPr>
+        <p:cNvPr id="1" name=""/>
+        <p:cNvGrpSpPr/>
+        <p:nvPr/>
+      </p:nvGrpSpPr>
+      <p:grpSpPr>
+        <a:xfrm>
+          <a:off x="0" y="0"/>
+          <a:ext cx="0" cy="0"/>
+          <a:chOff x="0" y="0"/>
+          <a:chExt cx="0" cy="0"/>
+        </a:xfrm>
+      </p:grpSpPr>
+      <p:sp useBgFill="1">
+        <p:nvSpPr>
+          <p:cNvPr id="8" name="Rectangle 7">
+            <a:extLst>
+              <a:ext uri="{FF2B5EF4-FFF2-40B4-BE49-F238E27FC236}">
+                <a16:creationId xmlns:a16="http://schemas.microsoft.com/office/drawing/2014/main" id="{69BA26BC-113C-4698-8859-A985C8324074}"/>
+              </a:ext>
+              <a:ext uri="{C183D7F6-B498-43B3-948B-1728B52AA6E4}">
+                <adec:decorative xmlns:adec="http://schemas.microsoft.com/office/drawing/2017/decorative" val="1"/>
+              </a:ext>
+            </a:extLst>
+          </p:cNvPr>
+          <p:cNvSpPr>
+            <a:spLocks noGrp="1" noRot="1" noChangeAspect="1" noMove="1" noResize="1" noEditPoints="1" noAdjustHandles="1" noChangeArrowheads="1" noChangeShapeType="1" noTextEdit="1"/>
+          </p:cNvSpPr>
+          <p:nvPr>
+            <p:extLst>
+              <p:ext uri="{386F3935-93C4-4BCD-93E2-E3B085C9AB24}">
+                <p16:designElem xmlns:p16="http://schemas.microsoft.com/office/powerpoint/2015/main" val="1"/>
+              </p:ext>
+            </p:extLst>
+          </p:nvPr>
+        </p:nvSpPr>
+        <p:spPr>
+          <a:xfrm>
+            <a:off x="0" y="0"/>
+            <a:ext cx="12192000" cy="6858000"/>
+          </a:xfrm>
+          <a:prstGeom prst="rect">
+            <a:avLst/>
+          </a:prstGeom>
+          <a:ln>
+            <a:noFill/>
+          </a:ln>
+        </p:spPr>
+        <p:style>
+          <a:lnRef idx="2">
+            <a:schemeClr val="accent1">
+              <a:shade val="50000"/>
+            </a:schemeClr>
+          </a:lnRef>
+          <a:fillRef idx="1">
+            <a:schemeClr val="accent1"/>
+          </a:fillRef>
+          <a:effectRef idx="0">
+            <a:schemeClr val="accent1"/>
+          </a:effectRef>
+          <a:fontRef idx="minor">
+            <a:schemeClr val="lt1"/>
+          </a:fontRef>
+        </p:style>
+        <p:txBody>
+          <a:bodyPr rtlCol="0" anchor="ctr"/>
+          <a:lstStyle/>
+          <a:p>
+            <a:pPr algn="ctr"/>
+            <a:endParaRPr lang="en-US"/>
+          </a:p>
+        </p:txBody>
+      </p:sp>
+      <p:sp>
+        <p:nvSpPr>
+          <p:cNvPr id="10" name="Rounded Rectangle 9">
+            <a:extLst>
+              <a:ext uri="{FF2B5EF4-FFF2-40B4-BE49-F238E27FC236}">
+                <a16:creationId xmlns:a16="http://schemas.microsoft.com/office/drawing/2014/main" id="{A68B73B6-D77B-4B55-8538-206CEFD2AF91}"/>
+              </a:ext>
+              <a:ext uri="{C183D7F6-B498-43B3-948B-1728B52AA6E4}">
+                <adec:decorative xmlns:adec="http://schemas.microsoft.com/office/drawing/2017/decorative" val="1"/>
+              </a:ext>
+            </a:extLst>
+          </p:cNvPr>
+          <p:cNvSpPr>
+            <a:spLocks noGrp="1" noRot="1" noChangeAspect="1" noMove="1" noResize="1" noEditPoints="1" noAdjustHandles="1" noChangeArrowheads="1" noChangeShapeType="1" noTextEdit="1"/>
+          </p:cNvSpPr>
+          <p:nvPr>
+            <p:extLst>
+              <p:ext uri="{386F3935-93C4-4BCD-93E2-E3B085C9AB24}">
+                <p16:designElem xmlns:p16="http://schemas.microsoft.com/office/powerpoint/2015/main" val="1"/>
+              </p:ext>
+            </p:extLst>
+          </p:nvPr>
+        </p:nvSpPr>
+        <p:spPr>
+          <a:xfrm>
+            <a:off x="1596889" y="1846512"/>
+            <a:ext cx="8998224" cy="3164976"/>
+          </a:xfrm>
+          <a:prstGeom prst="roundRect">
+            <a:avLst>
+              <a:gd name="adj" fmla="val 4629"/>
+            </a:avLst>
+          </a:prstGeom>
+          <a:solidFill>
+            <a:schemeClr val="bg2"/>
+          </a:solidFill>
+          <a:ln w="44450">
+            <a:gradFill>
+              <a:gsLst>
+                <a:gs pos="0">
+                  <a:schemeClr val="bg2">
+                    <a:alpha val="65000"/>
+                  </a:schemeClr>
+                </a:gs>
+                <a:gs pos="98000">
+                  <a:schemeClr val="bg2">
+                    <a:lumMod val="75000"/>
+                    <a:alpha val="55000"/>
+                  </a:schemeClr>
+                </a:gs>
+              </a:gsLst>
+              <a:lin ang="5400000" scaled="1"/>
+            </a:gradFill>
+          </a:ln>
+          <a:effectLst>
+            <a:innerShdw blurRad="63500" dist="50800" dir="14460000">
+              <a:prstClr val="black">
+                <a:alpha val="70000"/>
+              </a:prstClr>
+            </a:innerShdw>
+          </a:effectLst>
+        </p:spPr>
+        <p:style>
+          <a:lnRef idx="2">
+            <a:schemeClr val="accent1">
+              <a:shade val="50000"/>
+            </a:schemeClr>
+          </a:lnRef>
+          <a:fillRef idx="1003">
+            <a:schemeClr val="dk2"/>
+          </a:fillRef>
+          <a:effectRef idx="0">
+            <a:schemeClr val="accent1"/>
+          </a:effectRef>
+          <a:fontRef idx="minor">
+            <a:schemeClr val="lt1"/>
+          </a:fontRef>
+        </p:style>
+        <p:txBody>
+          <a:bodyPr rtlCol="0" anchor="ctr"/>
+          <a:lstStyle/>
+          <a:p>
+            <a:pPr algn="ctr"/>
+            <a:endParaRPr lang="en-US"/>
+          </a:p>
+        </p:txBody>
+      </p:sp>
+      <p:sp>
+        <p:nvSpPr>
+          <p:cNvPr id="2" name="Title 1">
+            <a:extLst>
+              <a:ext uri="{FF2B5EF4-FFF2-40B4-BE49-F238E27FC236}">
+                <a16:creationId xmlns:a16="http://schemas.microsoft.com/office/drawing/2014/main" id="{CB612F81-0000-AA43-B1BC-573FFBB0B041}"/>
+              </a:ext>
+            </a:extLst>
+          </p:cNvPr>
+          <p:cNvSpPr>
+            <a:spLocks noGrp="1"/>
+          </p:cNvSpPr>
+          <p:nvPr>
+            <p:ph type="ctrTitle"/>
+          </p:nvPr>
+        </p:nvSpPr>
+        <p:spPr>
+          <a:xfrm>
+            <a:off x="1751012" y="2007703"/>
+            <a:ext cx="8676222" cy="1802297"/>
+          </a:xfrm>
+        </p:spPr>
+        <p:txBody>
+          <a:bodyPr>
+            <a:normAutofit/>
+          </a:bodyPr>
+          <a:lstStyle/>
+          <a:p>
+            <a:r>
+              <a:rPr lang="en-IL"/>
+              <a:t>Middlewares</a:t>
+            </a:r>
+          </a:p>
+        </p:txBody>
+      </p:sp>
+      <p:sp>
+        <p:nvSpPr>
+          <p:cNvPr id="3" name="Subtitle 2">
+            <a:extLst>
+              <a:ext uri="{FF2B5EF4-FFF2-40B4-BE49-F238E27FC236}">
+                <a16:creationId xmlns:a16="http://schemas.microsoft.com/office/drawing/2014/main" id="{378CB22E-D2B2-944D-87FD-FBC250F1880E}"/>
+              </a:ext>
+            </a:extLst>
+          </p:cNvPr>
+          <p:cNvSpPr>
+            <a:spLocks noGrp="1"/>
+          </p:cNvSpPr>
+          <p:nvPr>
+            <p:ph type="subTitle" idx="1"/>
+          </p:nvPr>
+        </p:nvSpPr>
+        <p:spPr>
+          <a:xfrm>
+            <a:off x="1751012" y="3886200"/>
+            <a:ext cx="8676222" cy="795587"/>
+          </a:xfrm>
+        </p:spPr>
+        <p:txBody>
+          <a:bodyPr>
+            <a:normAutofit/>
+          </a:bodyPr>
+          <a:lstStyle/>
+          <a:p>
+            <a:endParaRPr lang="en-IL"/>
+          </a:p>
+        </p:txBody>
+      </p:sp>
+    </p:spTree>
+    <p:extLst>
+      <p:ext uri="{BB962C8B-B14F-4D97-AF65-F5344CB8AC3E}">
+        <p14:creationId xmlns:p14="http://schemas.microsoft.com/office/powerpoint/2010/main" val="3918200999"/>
+      </p:ext>
+    </p:extLst>
+  </p:cSld>
+  <p:clrMapOvr>
+    <a:masterClrMapping/>
+  </p:clrMapOvr>
+</p:sld>
+</file>
+
+<file path=ppt/slides/slide53.xml><?xml version="1.0" encoding="utf-8"?>
+<p:sld xmlns:a="http://schemas.openxmlformats.org/drawingml/2006/main" xmlns:r="http://schemas.openxmlformats.org/officeDocument/2006/relationships" xmlns:p="http://schemas.openxmlformats.org/presentationml/2006/main">
+  <p:cSld>
+    <p:spTree>
+      <p:nvGrpSpPr>
+        <p:cNvPr id="1" name=""/>
+        <p:cNvGrpSpPr/>
+        <p:nvPr/>
+      </p:nvGrpSpPr>
+      <p:grpSpPr>
+        <a:xfrm>
+          <a:off x="0" y="0"/>
+          <a:ext cx="0" cy="0"/>
+          <a:chOff x="0" y="0"/>
+          <a:chExt cx="0" cy="0"/>
+        </a:xfrm>
+      </p:grpSpPr>
+      <p:cxnSp>
+        <p:nvCxnSpPr>
+          <p:cNvPr id="6" name="Straight Arrow Connector 5">
+            <a:extLst>
+              <a:ext uri="{FF2B5EF4-FFF2-40B4-BE49-F238E27FC236}">
+                <a16:creationId xmlns:a16="http://schemas.microsoft.com/office/drawing/2014/main" id="{6AF8CB82-DA03-264E-B9AA-7D5EDAC20681}"/>
+              </a:ext>
+            </a:extLst>
+          </p:cNvPr>
+          <p:cNvCxnSpPr/>
+          <p:nvPr/>
+        </p:nvCxnSpPr>
+        <p:spPr>
+          <a:xfrm>
+            <a:off x="2780778" y="450937"/>
+            <a:ext cx="0" cy="6087649"/>
+          </a:xfrm>
+          <a:prstGeom prst="straightConnector1">
+            <a:avLst/>
+          </a:prstGeom>
+          <a:ln w="38100">
+            <a:solidFill>
+              <a:schemeClr val="tx1"/>
+            </a:solidFill>
+            <a:headEnd type="none" w="med" len="med"/>
+            <a:tailEnd type="arrow" w="med" len="med"/>
+          </a:ln>
+        </p:spPr>
+        <p:style>
+          <a:lnRef idx="1">
+            <a:schemeClr val="accent1"/>
+          </a:lnRef>
+          <a:fillRef idx="0">
+            <a:schemeClr val="accent1"/>
+          </a:fillRef>
+          <a:effectRef idx="0">
+            <a:schemeClr val="accent1"/>
+          </a:effectRef>
+          <a:fontRef idx="minor">
+            <a:schemeClr val="tx1"/>
+          </a:fontRef>
+        </p:style>
+      </p:cxnSp>
+      <p:sp>
+        <p:nvSpPr>
+          <p:cNvPr id="4" name="Oval 3">
+            <a:extLst>
+              <a:ext uri="{FF2B5EF4-FFF2-40B4-BE49-F238E27FC236}">
+                <a16:creationId xmlns:a16="http://schemas.microsoft.com/office/drawing/2014/main" id="{48C62FA9-F000-2E47-BD75-D0B26C40770A}"/>
+              </a:ext>
+            </a:extLst>
+          </p:cNvPr>
+          <p:cNvSpPr/>
+          <p:nvPr/>
+        </p:nvSpPr>
+        <p:spPr>
+          <a:xfrm>
+            <a:off x="2029211" y="1296444"/>
+            <a:ext cx="1578279" cy="1515650"/>
+          </a:xfrm>
+          <a:prstGeom prst="ellipse">
+            <a:avLst/>
+          </a:prstGeom>
+        </p:spPr>
+        <p:style>
+          <a:lnRef idx="0">
+            <a:schemeClr val="accent4"/>
+          </a:lnRef>
+          <a:fillRef idx="3">
+            <a:schemeClr val="accent4"/>
+          </a:fillRef>
+          <a:effectRef idx="3">
+            <a:schemeClr val="accent4"/>
+          </a:effectRef>
+          <a:fontRef idx="minor">
+            <a:schemeClr val="lt1"/>
+          </a:fontRef>
+        </p:style>
+        <p:txBody>
+          <a:bodyPr rtlCol="0" anchor="ctr"/>
+          <a:lstStyle/>
+          <a:p>
+            <a:pPr algn="ctr"/>
+            <a:r>
+              <a:rPr lang="en-IL" sz="1400" dirty="0"/>
+              <a:t>middlware</a:t>
+            </a:r>
+          </a:p>
+        </p:txBody>
+      </p:sp>
+      <p:sp>
+        <p:nvSpPr>
+          <p:cNvPr id="7" name="Oval 6">
+            <a:extLst>
+              <a:ext uri="{FF2B5EF4-FFF2-40B4-BE49-F238E27FC236}">
+                <a16:creationId xmlns:a16="http://schemas.microsoft.com/office/drawing/2014/main" id="{E558E0B2-0315-4549-AA1D-C2B5AC530CE6}"/>
+              </a:ext>
+            </a:extLst>
+          </p:cNvPr>
+          <p:cNvSpPr/>
+          <p:nvPr/>
+        </p:nvSpPr>
+        <p:spPr>
+          <a:xfrm>
+            <a:off x="1991637" y="3043825"/>
+            <a:ext cx="1578279" cy="1515650"/>
+          </a:xfrm>
+          <a:prstGeom prst="ellipse">
+            <a:avLst/>
+          </a:prstGeom>
+        </p:spPr>
+        <p:style>
+          <a:lnRef idx="0">
+            <a:schemeClr val="accent4"/>
+          </a:lnRef>
+          <a:fillRef idx="3">
+            <a:schemeClr val="accent4"/>
+          </a:fillRef>
+          <a:effectRef idx="3">
+            <a:schemeClr val="accent4"/>
+          </a:effectRef>
+          <a:fontRef idx="minor">
+            <a:schemeClr val="lt1"/>
+          </a:fontRef>
+        </p:style>
+        <p:txBody>
+          <a:bodyPr rtlCol="0" anchor="ctr"/>
+          <a:lstStyle/>
+          <a:p>
+            <a:pPr algn="ctr"/>
+            <a:r>
+              <a:rPr lang="en-IL" sz="1400" dirty="0"/>
+              <a:t>middlware</a:t>
+            </a:r>
+          </a:p>
+        </p:txBody>
+      </p:sp>
+      <p:sp>
+        <p:nvSpPr>
+          <p:cNvPr id="9" name="Oval 8">
+            <a:extLst>
+              <a:ext uri="{FF2B5EF4-FFF2-40B4-BE49-F238E27FC236}">
+                <a16:creationId xmlns:a16="http://schemas.microsoft.com/office/drawing/2014/main" id="{CC022385-63C9-E14C-A801-085C1DB52051}"/>
+              </a:ext>
+            </a:extLst>
+          </p:cNvPr>
+          <p:cNvSpPr/>
+          <p:nvPr/>
+        </p:nvSpPr>
+        <p:spPr>
+          <a:xfrm>
+            <a:off x="1991636" y="4791205"/>
+            <a:ext cx="1578279" cy="1515650"/>
+          </a:xfrm>
+          <a:prstGeom prst="ellipse">
+            <a:avLst/>
+          </a:prstGeom>
+        </p:spPr>
+        <p:style>
+          <a:lnRef idx="0">
+            <a:schemeClr val="accent4"/>
+          </a:lnRef>
+          <a:fillRef idx="3">
+            <a:schemeClr val="accent4"/>
+          </a:fillRef>
+          <a:effectRef idx="3">
+            <a:schemeClr val="accent4"/>
+          </a:effectRef>
+          <a:fontRef idx="minor">
+            <a:schemeClr val="lt1"/>
+          </a:fontRef>
+        </p:style>
+        <p:txBody>
+          <a:bodyPr rtlCol="0" anchor="ctr"/>
+          <a:lstStyle/>
+          <a:p>
+            <a:pPr algn="ctr"/>
+            <a:r>
+              <a:rPr lang="en-IL" sz="1400" dirty="0"/>
+              <a:t>middlware</a:t>
+            </a:r>
+          </a:p>
+        </p:txBody>
+      </p:sp>
+      <p:sp>
+        <p:nvSpPr>
+          <p:cNvPr id="10" name="TextBox 9">
+            <a:extLst>
+              <a:ext uri="{FF2B5EF4-FFF2-40B4-BE49-F238E27FC236}">
+                <a16:creationId xmlns:a16="http://schemas.microsoft.com/office/drawing/2014/main" id="{76394EBC-4CF1-544F-972F-21B4DF38AC4E}"/>
+              </a:ext>
+            </a:extLst>
+          </p:cNvPr>
+          <p:cNvSpPr txBox="1"/>
+          <p:nvPr/>
+        </p:nvSpPr>
+        <p:spPr>
+          <a:xfrm>
+            <a:off x="3933173" y="1778696"/>
+            <a:ext cx="3156559" cy="369332"/>
+          </a:xfrm>
+          <a:prstGeom prst="rect">
+            <a:avLst/>
+          </a:prstGeom>
+          <a:noFill/>
+        </p:spPr>
+        <p:txBody>
+          <a:bodyPr wrap="square" rtlCol="0">
+            <a:spAutoFit/>
+          </a:bodyPr>
+          <a:lstStyle/>
+          <a:p>
+            <a:r>
+              <a:rPr lang="en-US" dirty="0" err="1"/>
+              <a:t>App.use</a:t>
+            </a:r>
+            <a:r>
+              <a:rPr lang="en-US" dirty="0"/>
+              <a:t>(</a:t>
+            </a:r>
+            <a:r>
+              <a:rPr lang="en-US" dirty="0" err="1"/>
+              <a:t>bodyParser</a:t>
+            </a:r>
+            <a:r>
+              <a:rPr lang="en-US" dirty="0"/>
+              <a:t>)</a:t>
+            </a:r>
+            <a:endParaRPr lang="en-IL" dirty="0"/>
+          </a:p>
+        </p:txBody>
+      </p:sp>
+      <p:sp>
+        <p:nvSpPr>
+          <p:cNvPr id="11" name="TextBox 10">
+            <a:extLst>
+              <a:ext uri="{FF2B5EF4-FFF2-40B4-BE49-F238E27FC236}">
+                <a16:creationId xmlns:a16="http://schemas.microsoft.com/office/drawing/2014/main" id="{8C931EED-C128-964A-844F-B7DB484B3C2F}"/>
+              </a:ext>
+            </a:extLst>
+          </p:cNvPr>
+          <p:cNvSpPr txBox="1"/>
+          <p:nvPr/>
+        </p:nvSpPr>
+        <p:spPr>
+          <a:xfrm>
+            <a:off x="4060521" y="3616984"/>
+            <a:ext cx="3156559" cy="369332"/>
+          </a:xfrm>
+          <a:prstGeom prst="rect">
+            <a:avLst/>
+          </a:prstGeom>
+          <a:noFill/>
+        </p:spPr>
+        <p:txBody>
+          <a:bodyPr wrap="square" rtlCol="0">
+            <a:spAutoFit/>
+          </a:bodyPr>
+          <a:lstStyle/>
+          <a:p>
+            <a:r>
+              <a:rPr lang="en-US" dirty="0" err="1"/>
+              <a:t>App.use</a:t>
+            </a:r>
+            <a:r>
+              <a:rPr lang="en-US" dirty="0"/>
+              <a:t>(cookie-parser)</a:t>
+            </a:r>
+            <a:endParaRPr lang="en-IL" dirty="0"/>
+          </a:p>
+        </p:txBody>
+      </p:sp>
+      <p:sp>
+        <p:nvSpPr>
+          <p:cNvPr id="12" name="TextBox 11">
+            <a:extLst>
+              <a:ext uri="{FF2B5EF4-FFF2-40B4-BE49-F238E27FC236}">
+                <a16:creationId xmlns:a16="http://schemas.microsoft.com/office/drawing/2014/main" id="{0374EE3D-DD1F-5943-9EFB-B83A5CA54702}"/>
+              </a:ext>
+            </a:extLst>
+          </p:cNvPr>
+          <p:cNvSpPr txBox="1"/>
+          <p:nvPr/>
+        </p:nvSpPr>
+        <p:spPr>
+          <a:xfrm>
+            <a:off x="4060520" y="5223540"/>
+            <a:ext cx="3156559" cy="369332"/>
+          </a:xfrm>
+          <a:prstGeom prst="rect">
+            <a:avLst/>
+          </a:prstGeom>
+          <a:noFill/>
+        </p:spPr>
+        <p:txBody>
+          <a:bodyPr wrap="square" rtlCol="0">
+            <a:spAutoFit/>
+          </a:bodyPr>
+          <a:lstStyle/>
+          <a:p>
+            <a:r>
+              <a:rPr lang="en-US" dirty="0" err="1"/>
+              <a:t>App.use</a:t>
+            </a:r>
+            <a:r>
+              <a:rPr lang="en-US" dirty="0"/>
+              <a:t>(something else)</a:t>
+            </a:r>
+            <a:endParaRPr lang="en-IL" dirty="0"/>
+          </a:p>
+        </p:txBody>
+      </p:sp>
+    </p:spTree>
+    <p:extLst>
+      <p:ext uri="{BB962C8B-B14F-4D97-AF65-F5344CB8AC3E}">
+        <p14:creationId xmlns:p14="http://schemas.microsoft.com/office/powerpoint/2010/main" val="1091855041"/>
+      </p:ext>
+    </p:extLst>
+  </p:cSld>
+  <p:clrMapOvr>
+    <a:masterClrMapping/>
+  </p:clrMapOvr>
+</p:sld>
+</file>
+
+<file path=ppt/slides/slide54.xml><?xml version="1.0" encoding="utf-8"?>
+<p:sld xmlns:a="http://schemas.openxmlformats.org/drawingml/2006/main" xmlns:r="http://schemas.openxmlformats.org/officeDocument/2006/relationships" xmlns:p="http://schemas.openxmlformats.org/presentationml/2006/main">
+  <p:cSld>
+    <p:bg>
+      <p:bgPr>
+        <a:blipFill rotWithShape="1">
+          <a:blip r:embed="rId2">
+            <a:duotone>
+              <a:schemeClr val="bg2">
+                <a:shade val="28000"/>
+                <a:satMod val="94000"/>
+                <a:lumMod val="20000"/>
+              </a:schemeClr>
+              <a:schemeClr val="bg2">
+                <a:tint val="94000"/>
+                <a:shade val="84000"/>
+                <a:satMod val="148000"/>
+                <a:lumMod val="114000"/>
+              </a:schemeClr>
+            </a:duotone>
+          </a:blip>
+          <a:stretch/>
+        </a:blipFill>
+        <a:effectLst/>
+      </p:bgPr>
+    </p:bg>
+    <p:spTree>
+      <p:nvGrpSpPr>
+        <p:cNvPr id="1" name=""/>
+        <p:cNvGrpSpPr/>
+        <p:nvPr/>
+      </p:nvGrpSpPr>
+      <p:grpSpPr>
+        <a:xfrm>
+          <a:off x="0" y="0"/>
+          <a:ext cx="0" cy="0"/>
+          <a:chOff x="0" y="0"/>
+          <a:chExt cx="0" cy="0"/>
+        </a:xfrm>
+      </p:grpSpPr>
+      <p:sp>
+        <p:nvSpPr>
+          <p:cNvPr id="2" name="Title 1">
+            <a:extLst>
+              <a:ext uri="{FF2B5EF4-FFF2-40B4-BE49-F238E27FC236}">
+                <a16:creationId xmlns:a16="http://schemas.microsoft.com/office/drawing/2014/main" id="{333EBB56-CC33-CD47-8A2F-B8B3A0650DC1}"/>
+              </a:ext>
+            </a:extLst>
+          </p:cNvPr>
+          <p:cNvSpPr>
+            <a:spLocks noGrp="1"/>
+          </p:cNvSpPr>
+          <p:nvPr>
+            <p:ph type="title"/>
+          </p:nvPr>
+        </p:nvSpPr>
+        <p:spPr>
+          <a:xfrm>
+            <a:off x="669851" y="1430179"/>
+            <a:ext cx="3029313" cy="3675908"/>
+          </a:xfrm>
+        </p:spPr>
+        <p:txBody>
+          <a:bodyPr anchor="ctr">
+            <a:normAutofit/>
+          </a:bodyPr>
+          <a:lstStyle/>
+          <a:p>
+            <a:r>
+              <a:rPr lang="en-IL" sz="3400"/>
+              <a:t>Middleware</a:t>
+            </a:r>
+          </a:p>
+        </p:txBody>
+      </p:sp>
+      <p:sp>
+        <p:nvSpPr>
+          <p:cNvPr id="9" name="Rectangle 8">
+            <a:extLst>
+              <a:ext uri="{FF2B5EF4-FFF2-40B4-BE49-F238E27FC236}">
+                <a16:creationId xmlns:a16="http://schemas.microsoft.com/office/drawing/2014/main" id="{7E475056-B0EB-44BE-8568-61ABEFB2E99D}"/>
+              </a:ext>
+              <a:ext uri="{C183D7F6-B498-43B3-948B-1728B52AA6E4}">
+                <adec:decorative xmlns:adec="http://schemas.microsoft.com/office/drawing/2017/decorative" val="1"/>
+              </a:ext>
+            </a:extLst>
+          </p:cNvPr>
+          <p:cNvSpPr>
+            <a:spLocks noGrp="1" noRot="1" noChangeAspect="1" noMove="1" noResize="1" noEditPoints="1" noAdjustHandles="1" noChangeArrowheads="1" noChangeShapeType="1" noTextEdit="1"/>
+          </p:cNvSpPr>
+          <p:nvPr>
+            <p:extLst>
+              <p:ext uri="{386F3935-93C4-4BCD-93E2-E3B085C9AB24}">
+                <p16:designElem xmlns:p16="http://schemas.microsoft.com/office/powerpoint/2015/main" val="1"/>
+              </p:ext>
+            </p:extLst>
+          </p:nvPr>
+        </p:nvSpPr>
+        <p:spPr>
+          <a:xfrm>
+            <a:off x="4059934" y="0"/>
+            <a:ext cx="8132066" cy="6858000"/>
+          </a:xfrm>
+          <a:prstGeom prst="rect">
+            <a:avLst/>
+          </a:prstGeom>
+          <a:solidFill>
+            <a:schemeClr val="bg2"/>
+          </a:solidFill>
+          <a:ln>
+            <a:noFill/>
+          </a:ln>
+          <a:effectLst>
+            <a:innerShdw blurRad="63500" dist="50800" dir="10800000">
+              <a:prstClr val="black">
+                <a:alpha val="50000"/>
+              </a:prstClr>
+            </a:innerShdw>
+          </a:effectLst>
+        </p:spPr>
+        <p:style>
+          <a:lnRef idx="2">
+            <a:schemeClr val="accent1">
+              <a:shade val="50000"/>
+            </a:schemeClr>
+          </a:lnRef>
+          <a:fillRef idx="1">
+            <a:schemeClr val="accent1"/>
+          </a:fillRef>
+          <a:effectRef idx="0">
+            <a:schemeClr val="accent1"/>
+          </a:effectRef>
+          <a:fontRef idx="minor">
+            <a:schemeClr val="lt1"/>
+          </a:fontRef>
+        </p:style>
+        <p:txBody>
+          <a:bodyPr rtlCol="0" anchor="ctr"/>
+          <a:lstStyle/>
+          <a:p>
+            <a:pPr algn="ctr"/>
+            <a:endParaRPr lang="en-US"/>
+          </a:p>
+        </p:txBody>
+      </p:sp>
+      <p:cxnSp>
+        <p:nvCxnSpPr>
+          <p:cNvPr id="11" name="Straight Connector 10">
+            <a:extLst>
+              <a:ext uri="{FF2B5EF4-FFF2-40B4-BE49-F238E27FC236}">
+                <a16:creationId xmlns:a16="http://schemas.microsoft.com/office/drawing/2014/main" id="{F2C8E2EC-73A4-48C2-B4D7-D7726BD908EE}"/>
+              </a:ext>
+              <a:ext uri="{C183D7F6-B498-43B3-948B-1728B52AA6E4}">
+                <adec:decorative xmlns:adec="http://schemas.microsoft.com/office/drawing/2017/decorative" val="1"/>
+              </a:ext>
+            </a:extLst>
+          </p:cNvPr>
+          <p:cNvCxnSpPr>
+            <a:cxnSpLocks noGrp="1" noRot="1" noChangeAspect="1" noMove="1" noResize="1" noEditPoints="1" noAdjustHandles="1" noChangeArrowheads="1" noChangeShapeType="1"/>
+          </p:cNvCxnSpPr>
+          <p:nvPr>
+            <p:extLst>
+              <p:ext uri="{386F3935-93C4-4BCD-93E2-E3B085C9AB24}">
+                <p16:designElem xmlns:p16="http://schemas.microsoft.com/office/powerpoint/2015/main" val="1"/>
+              </p:ext>
+            </p:extLst>
+          </p:nvPr>
+        </p:nvCxnSpPr>
+        <p:spPr>
+          <a:xfrm>
+            <a:off x="4069971" y="0"/>
+            <a:ext cx="0" cy="6858000"/>
+          </a:xfrm>
+          <a:prstGeom prst="line">
+            <a:avLst/>
+          </a:prstGeom>
+          <a:solidFill>
+            <a:srgbClr val="FFFFFF"/>
+          </a:solidFill>
+          <a:ln w="38100" cap="flat">
+            <a:gradFill flip="none" rotWithShape="1">
+              <a:gsLst>
+                <a:gs pos="0">
+                  <a:srgbClr val="363D46"/>
+                </a:gs>
+                <a:gs pos="100000">
+                  <a:srgbClr val="363D46">
+                    <a:lumMod val="75000"/>
+                  </a:srgbClr>
+                </a:gs>
+              </a:gsLst>
+              <a:lin ang="5400000" scaled="0"/>
+              <a:tileRect/>
+            </a:gradFill>
+            <a:miter lim="800000"/>
+          </a:ln>
+          <a:effectLst>
+            <a:innerShdw blurRad="57150" dist="38100" dir="14460000">
+              <a:srgbClr val="000000">
+                <a:alpha val="70000"/>
+              </a:srgbClr>
+            </a:innerShdw>
+          </a:effectLst>
+        </p:spPr>
+        <p:style>
+          <a:lnRef idx="2">
+            <a:schemeClr val="accent1">
+              <a:shade val="50000"/>
+            </a:schemeClr>
+          </a:lnRef>
+          <a:fillRef idx="1">
+            <a:schemeClr val="accent1"/>
+          </a:fillRef>
+          <a:effectRef idx="0">
+            <a:schemeClr val="accent1"/>
+          </a:effectRef>
+          <a:fontRef idx="minor">
+            <a:schemeClr val="lt1"/>
+          </a:fontRef>
+        </p:style>
+      </p:cxnSp>
+      <p:sp>
+        <p:nvSpPr>
+          <p:cNvPr id="13" name="Rectangle 12">
+            <a:extLst>
+              <a:ext uri="{FF2B5EF4-FFF2-40B4-BE49-F238E27FC236}">
+                <a16:creationId xmlns:a16="http://schemas.microsoft.com/office/drawing/2014/main" id="{E82ABBDC-7A44-4AE8-A04F-B5495481B9F2}"/>
+              </a:ext>
+              <a:ext uri="{C183D7F6-B498-43B3-948B-1728B52AA6E4}">
+                <adec:decorative xmlns:adec="http://schemas.microsoft.com/office/drawing/2017/decorative" val="1"/>
+              </a:ext>
+            </a:extLst>
+          </p:cNvPr>
+          <p:cNvSpPr>
+            <a:spLocks noGrp="1" noRot="1" noChangeAspect="1" noMove="1" noResize="1" noEditPoints="1" noAdjustHandles="1" noChangeArrowheads="1" noChangeShapeType="1" noTextEdit="1"/>
+          </p:cNvSpPr>
+          <p:nvPr>
+            <p:extLst>
+              <p:ext uri="{386F3935-93C4-4BCD-93E2-E3B085C9AB24}">
+                <p16:designElem xmlns:p16="http://schemas.microsoft.com/office/powerpoint/2015/main" val="1"/>
+              </p:ext>
+            </p:extLst>
+          </p:nvPr>
+        </p:nvSpPr>
+        <p:spPr>
+          <a:xfrm rot="5400000" flipH="1">
+            <a:off x="894952" y="3195797"/>
+            <a:ext cx="6858000" cy="466406"/>
+          </a:xfrm>
+          <a:prstGeom prst="rect">
+            <a:avLst/>
+          </a:prstGeom>
+          <a:gradFill>
+            <a:gsLst>
+              <a:gs pos="0">
+                <a:srgbClr val="363D46">
+                  <a:alpha val="0"/>
+                </a:srgbClr>
+              </a:gs>
+              <a:gs pos="100000">
+                <a:srgbClr val="363D46">
+                  <a:lumMod val="75000"/>
+                </a:srgbClr>
+              </a:gs>
+            </a:gsLst>
+            <a:lin ang="5400000" scaled="0"/>
+          </a:gradFill>
+          <a:ln>
+            <a:noFill/>
+          </a:ln>
+          <a:effectLst/>
+        </p:spPr>
+        <p:style>
+          <a:lnRef idx="2">
+            <a:schemeClr val="accent1">
+              <a:shade val="50000"/>
+            </a:schemeClr>
+          </a:lnRef>
+          <a:fillRef idx="1">
+            <a:schemeClr val="accent1"/>
+          </a:fillRef>
+          <a:effectRef idx="0">
+            <a:schemeClr val="accent1"/>
+          </a:effectRef>
+          <a:fontRef idx="minor">
+            <a:schemeClr val="lt1"/>
+          </a:fontRef>
+        </p:style>
+        <p:txBody>
+          <a:bodyPr rot="0" spcFirstLastPara="0" vertOverflow="overflow" horzOverflow="overflow" vert="horz" wrap="square" lIns="91440" tIns="45720" rIns="91440" bIns="45720" numCol="1" spcCol="0" rtlCol="0" fromWordArt="0" anchor="ctr" anchorCtr="0" forceAA="0" compatLnSpc="1">
+            <a:prstTxWarp prst="textNoShape">
+              <a:avLst/>
+            </a:prstTxWarp>
+            <a:noAutofit/>
+          </a:bodyPr>
+          <a:lstStyle/>
+          <a:p>
+            <a:pPr algn="ctr"/>
+            <a:endParaRPr lang="en-US"/>
+          </a:p>
+        </p:txBody>
+      </p:sp>
+      <p:graphicFrame>
+        <p:nvGraphicFramePr>
+          <p:cNvPr id="5" name="Content Placeholder 2">
+            <a:extLst>
+              <a:ext uri="{FF2B5EF4-FFF2-40B4-BE49-F238E27FC236}">
+                <a16:creationId xmlns:a16="http://schemas.microsoft.com/office/drawing/2014/main" id="{45E30A35-14A4-441A-BDA5-8E54195F7379}"/>
+              </a:ext>
+            </a:extLst>
+          </p:cNvPr>
+          <p:cNvGraphicFramePr>
+            <a:graphicFrameLocks noGrp="1"/>
+          </p:cNvGraphicFramePr>
+          <p:nvPr>
+            <p:ph idx="1"/>
+            <p:extLst>
+              <p:ext uri="{D42A27DB-BD31-4B8C-83A1-F6EECF244321}">
+                <p14:modId xmlns:p14="http://schemas.microsoft.com/office/powerpoint/2010/main" val="235205224"/>
+              </p:ext>
+            </p:extLst>
+          </p:nvPr>
+        </p:nvGraphicFramePr>
+        <p:xfrm>
+          <a:off x="5054375" y="965200"/>
+          <a:ext cx="6046133" cy="4605866"/>
+        </p:xfrm>
+        <a:graphic>
+          <a:graphicData uri="http://schemas.openxmlformats.org/drawingml/2006/diagram">
+            <dgm:relIds xmlns:dgm="http://schemas.openxmlformats.org/drawingml/2006/diagram" xmlns:r="http://schemas.openxmlformats.org/officeDocument/2006/relationships" r:dm="rId3" r:lo="rId4" r:qs="rId5" r:cs="rId6"/>
+          </a:graphicData>
+        </a:graphic>
+      </p:graphicFrame>
+    </p:spTree>
+    <p:extLst>
+      <p:ext uri="{BB962C8B-B14F-4D97-AF65-F5344CB8AC3E}">
+        <p14:creationId xmlns:p14="http://schemas.microsoft.com/office/powerpoint/2010/main" val="3691092314"/>
+      </p:ext>
+    </p:extLst>
+  </p:cSld>
+  <p:clrMapOvr>
+    <a:masterClrMapping/>
+  </p:clrMapOvr>
+  <p:timing>
+    <p:tnLst>
+      <p:par>
+        <p:cTn id="1" dur="indefinite" restart="never" nodeType="tmRoot">
+          <p:childTnLst>
+            <p:seq concurrent="1" nextAc="seek">
+              <p:cTn id="2" dur="indefinite" nodeType="mainSeq">
+                <p:childTnLst>
+                  <p:par>
+                    <p:cTn id="3" fill="hold">
+                      <p:stCondLst>
+                        <p:cond delay="indefinite"/>
+                      </p:stCondLst>
+                      <p:childTnLst>
+                        <p:par>
+                          <p:cTn id="4" fill="hold">
+                            <p:stCondLst>
+                              <p:cond delay="0"/>
+                            </p:stCondLst>
+                            <p:childTnLst>
+                              <p:par>
+                                <p:cTn id="5" presetID="9" presetClass="entr" presetSubtype="0" fill="hold" grpId="0" nodeType="clickEffect">
+                                  <p:stCondLst>
+                                    <p:cond delay="0"/>
+                                  </p:stCondLst>
+                                  <p:childTnLst>
+                                    <p:set>
+                                      <p:cBhvr>
+                                        <p:cTn id="6" dur="1" fill="hold">
+                                          <p:stCondLst>
+                                            <p:cond delay="0"/>
+                                          </p:stCondLst>
+                                        </p:cTn>
+                                        <p:tgtEl>
+                                          <p:spTgt spid="5">
+                                            <p:graphicEl>
+                                              <a:dgm id="{75176400-D5F9-6B4D-A9E6-1ABD8DA745DB}"/>
+                                            </p:graphicEl>
+                                          </p:spTgt>
+                                        </p:tgtEl>
+                                        <p:attrNameLst>
+                                          <p:attrName>style.visibility</p:attrName>
+                                        </p:attrNameLst>
+                                      </p:cBhvr>
+                                      <p:to>
+                                        <p:strVal val="visible"/>
+                                      </p:to>
+                                    </p:set>
+                                    <p:animEffect transition="in" filter="dissolve">
+                                      <p:cBhvr>
+                                        <p:cTn id="7" dur="500"/>
+                                        <p:tgtEl>
+                                          <p:spTgt spid="5">
+                                            <p:graphicEl>
+                                              <a:dgm id="{75176400-D5F9-6B4D-A9E6-1ABD8DA745DB}"/>
+                                            </p:graphicEl>
+                                          </p:spTgt>
+                                        </p:tgtEl>
+                                      </p:cBhvr>
+                                    </p:animEffect>
+                                  </p:childTnLst>
+                                </p:cTn>
+                              </p:par>
+                            </p:childTnLst>
+                          </p:cTn>
+                        </p:par>
+                      </p:childTnLst>
+                    </p:cTn>
+                  </p:par>
+                  <p:par>
+                    <p:cTn id="8" fill="hold">
+                      <p:stCondLst>
+                        <p:cond delay="indefinite"/>
+                      </p:stCondLst>
+                      <p:childTnLst>
+                        <p:par>
+                          <p:cTn id="9" fill="hold">
+                            <p:stCondLst>
+                              <p:cond delay="0"/>
+                            </p:stCondLst>
+                            <p:childTnLst>
+                              <p:par>
+                                <p:cTn id="10" presetID="9" presetClass="entr" presetSubtype="0" fill="hold" grpId="0" nodeType="clickEffect">
+                                  <p:stCondLst>
+                                    <p:cond delay="0"/>
+                                  </p:stCondLst>
+                                  <p:childTnLst>
+                                    <p:set>
+                                      <p:cBhvr>
+                                        <p:cTn id="11" dur="1" fill="hold">
+                                          <p:stCondLst>
+                                            <p:cond delay="0"/>
+                                          </p:stCondLst>
+                                        </p:cTn>
+                                        <p:tgtEl>
+                                          <p:spTgt spid="5">
+                                            <p:graphicEl>
+                                              <a:dgm id="{79D39BE4-6999-294F-8871-7B679829718F}"/>
+                                            </p:graphicEl>
+                                          </p:spTgt>
+                                        </p:tgtEl>
+                                        <p:attrNameLst>
+                                          <p:attrName>style.visibility</p:attrName>
+                                        </p:attrNameLst>
+                                      </p:cBhvr>
+                                      <p:to>
+                                        <p:strVal val="visible"/>
+                                      </p:to>
+                                    </p:set>
+                                    <p:animEffect transition="in" filter="dissolve">
+                                      <p:cBhvr>
+                                        <p:cTn id="12" dur="500"/>
+                                        <p:tgtEl>
+                                          <p:spTgt spid="5">
+                                            <p:graphicEl>
+                                              <a:dgm id="{79D39BE4-6999-294F-8871-7B679829718F}"/>
+                                            </p:graphicEl>
+                                          </p:spTgt>
+                                        </p:tgtEl>
+                                      </p:cBhvr>
+                                    </p:animEffect>
+                                  </p:childTnLst>
+                                </p:cTn>
+                              </p:par>
+                            </p:childTnLst>
+                          </p:cTn>
+                        </p:par>
+                      </p:childTnLst>
+                    </p:cTn>
+                  </p:par>
+                  <p:par>
+                    <p:cTn id="13" fill="hold">
+                      <p:stCondLst>
+                        <p:cond delay="indefinite"/>
+                      </p:stCondLst>
+                      <p:childTnLst>
+                        <p:par>
+                          <p:cTn id="14" fill="hold">
+                            <p:stCondLst>
+                              <p:cond delay="0"/>
+                            </p:stCondLst>
+                            <p:childTnLst>
+                              <p:par>
+                                <p:cTn id="15" presetID="9" presetClass="entr" presetSubtype="0" fill="hold" grpId="0" nodeType="clickEffect">
+                                  <p:stCondLst>
+                                    <p:cond delay="0"/>
+                                  </p:stCondLst>
+                                  <p:childTnLst>
+                                    <p:set>
+                                      <p:cBhvr>
+                                        <p:cTn id="16" dur="1" fill="hold">
+                                          <p:stCondLst>
+                                            <p:cond delay="0"/>
+                                          </p:stCondLst>
+                                        </p:cTn>
+                                        <p:tgtEl>
+                                          <p:spTgt spid="5">
+                                            <p:graphicEl>
+                                              <a:dgm id="{6742A602-F47F-FF44-A3A6-471A42A56FE1}"/>
+                                            </p:graphicEl>
+                                          </p:spTgt>
+                                        </p:tgtEl>
+                                        <p:attrNameLst>
+                                          <p:attrName>style.visibility</p:attrName>
+                                        </p:attrNameLst>
+                                      </p:cBhvr>
+                                      <p:to>
+                                        <p:strVal val="visible"/>
+                                      </p:to>
+                                    </p:set>
+                                    <p:animEffect transition="in" filter="dissolve">
+                                      <p:cBhvr>
+                                        <p:cTn id="17" dur="500"/>
+                                        <p:tgtEl>
+                                          <p:spTgt spid="5">
+                                            <p:graphicEl>
+                                              <a:dgm id="{6742A602-F47F-FF44-A3A6-471A42A56FE1}"/>
+                                            </p:graphicEl>
+                                          </p:spTgt>
+                                        </p:tgtEl>
+                                      </p:cBhvr>
+                                    </p:animEffect>
+                                  </p:childTnLst>
+                                </p:cTn>
+                              </p:par>
+                            </p:childTnLst>
+                          </p:cTn>
+                        </p:par>
+                      </p:childTnLst>
+                    </p:cTn>
+                  </p:par>
+                </p:childTnLst>
+              </p:cTn>
+              <p:prevCondLst>
+                <p:cond evt="onPrev" delay="0">
+                  <p:tgtEl>
+                    <p:sldTgt/>
+                  </p:tgtEl>
+                </p:cond>
+              </p:prevCondLst>
+              <p:nextCondLst>
+                <p:cond evt="onNext" delay="0">
+                  <p:tgtEl>
+                    <p:sldTgt/>
+                  </p:tgtEl>
+                </p:cond>
+              </p:nextCondLst>
+            </p:seq>
+          </p:childTnLst>
+        </p:cTn>
+      </p:par>
+    </p:tnLst>
+    <p:bldLst>
+      <p:bldGraphic spid="5" grpId="0">
+        <p:bldSub>
+          <a:bldDgm bld="one"/>
+        </p:bldSub>
+      </p:bldGraphic>
+    </p:bldLst>
+  </p:timing>
+</p:sld>
+</file>
+
+<file path=ppt/slides/slide55.xml><?xml version="1.0" encoding="utf-8"?>
+<p:sld xmlns:a="http://schemas.openxmlformats.org/drawingml/2006/main" xmlns:r="http://schemas.openxmlformats.org/officeDocument/2006/relationships" xmlns:p="http://schemas.openxmlformats.org/presentationml/2006/main">
+  <p:cSld>
+    <p:bg>
+      <p:bgPr>
+        <a:blipFill rotWithShape="1">
+          <a:blip r:embed="rId2">
+            <a:duotone>
+              <a:schemeClr val="bg2">
+                <a:shade val="28000"/>
+                <a:satMod val="94000"/>
+                <a:lumMod val="20000"/>
+              </a:schemeClr>
+              <a:schemeClr val="bg2">
+                <a:tint val="94000"/>
+                <a:shade val="84000"/>
+                <a:satMod val="148000"/>
+                <a:lumMod val="114000"/>
+              </a:schemeClr>
+            </a:duotone>
+          </a:blip>
+          <a:stretch/>
+        </a:blipFill>
+        <a:effectLst/>
+      </p:bgPr>
+    </p:bg>
+    <p:spTree>
+      <p:nvGrpSpPr>
+        <p:cNvPr id="1" name=""/>
+        <p:cNvGrpSpPr/>
+        <p:nvPr/>
+      </p:nvGrpSpPr>
+      <p:grpSpPr>
+        <a:xfrm>
+          <a:off x="0" y="0"/>
+          <a:ext cx="0" cy="0"/>
+          <a:chOff x="0" y="0"/>
+          <a:chExt cx="0" cy="0"/>
+        </a:xfrm>
+      </p:grpSpPr>
+      <p:sp>
+        <p:nvSpPr>
+          <p:cNvPr id="2" name="Title 1">
+            <a:extLst>
+              <a:ext uri="{FF2B5EF4-FFF2-40B4-BE49-F238E27FC236}">
+                <a16:creationId xmlns:a16="http://schemas.microsoft.com/office/drawing/2014/main" id="{995F4D34-B416-6F43-9A87-E31F7C8BFBC4}"/>
+              </a:ext>
+            </a:extLst>
+          </p:cNvPr>
+          <p:cNvSpPr>
+            <a:spLocks noGrp="1"/>
+          </p:cNvSpPr>
+          <p:nvPr>
+            <p:ph type="title"/>
+          </p:nvPr>
+        </p:nvSpPr>
+        <p:spPr>
+          <a:xfrm>
+            <a:off x="974179" y="714375"/>
+            <a:ext cx="3332955" cy="5076826"/>
+          </a:xfrm>
+        </p:spPr>
+        <p:txBody>
+          <a:bodyPr anchor="ctr">
+            <a:normAutofit/>
+          </a:bodyPr>
+          <a:lstStyle/>
+          <a:p>
+            <a:r>
+              <a:rPr lang="en-IL" sz="4000"/>
+              <a:t>usage</a:t>
+            </a:r>
+          </a:p>
+        </p:txBody>
+      </p:sp>
+      <p:sp>
+        <p:nvSpPr>
+          <p:cNvPr id="8" name="Rectangle 7">
+            <a:extLst>
+              <a:ext uri="{FF2B5EF4-FFF2-40B4-BE49-F238E27FC236}">
+                <a16:creationId xmlns:a16="http://schemas.microsoft.com/office/drawing/2014/main" id="{375136A9-49F9-4DA0-A741-F065B0FA091D}"/>
+              </a:ext>
+              <a:ext uri="{C183D7F6-B498-43B3-948B-1728B52AA6E4}">
+                <adec:decorative xmlns:adec="http://schemas.microsoft.com/office/drawing/2017/decorative" val="1"/>
+              </a:ext>
+            </a:extLst>
+          </p:cNvPr>
+          <p:cNvSpPr>
+            <a:spLocks noGrp="1" noRot="1" noChangeAspect="1" noMove="1" noResize="1" noEditPoints="1" noAdjustHandles="1" noChangeArrowheads="1" noChangeShapeType="1" noTextEdit="1"/>
+          </p:cNvSpPr>
+          <p:nvPr>
+            <p:extLst>
+              <p:ext uri="{386F3935-93C4-4BCD-93E2-E3B085C9AB24}">
+                <p16:designElem xmlns:p16="http://schemas.microsoft.com/office/powerpoint/2015/main" val="1"/>
+              </p:ext>
+            </p:extLst>
+          </p:nvPr>
+        </p:nvSpPr>
+        <p:spPr>
+          <a:xfrm>
+            <a:off x="4633356" y="0"/>
+            <a:ext cx="7558643" cy="6858000"/>
+          </a:xfrm>
+          <a:prstGeom prst="rect">
+            <a:avLst/>
+          </a:prstGeom>
+          <a:solidFill>
+            <a:schemeClr val="bg2"/>
+          </a:solidFill>
+          <a:ln>
+            <a:noFill/>
+          </a:ln>
+          <a:effectLst>
+            <a:innerShdw blurRad="63500" dist="50800" dir="10800000">
+              <a:prstClr val="black">
+                <a:alpha val="50000"/>
+              </a:prstClr>
+            </a:innerShdw>
+          </a:effectLst>
+        </p:spPr>
+        <p:style>
+          <a:lnRef idx="2">
+            <a:schemeClr val="accent1">
+              <a:shade val="50000"/>
+            </a:schemeClr>
+          </a:lnRef>
+          <a:fillRef idx="1">
+            <a:schemeClr val="accent1"/>
+          </a:fillRef>
+          <a:effectRef idx="0">
+            <a:schemeClr val="accent1"/>
+          </a:effectRef>
+          <a:fontRef idx="minor">
+            <a:schemeClr val="lt1"/>
+          </a:fontRef>
+        </p:style>
+        <p:txBody>
+          <a:bodyPr rtlCol="0" anchor="ctr"/>
+          <a:lstStyle/>
+          <a:p>
+            <a:pPr algn="ctr"/>
+            <a:endParaRPr lang="en-US" dirty="0"/>
+          </a:p>
+        </p:txBody>
+      </p:sp>
+      <p:sp>
+        <p:nvSpPr>
+          <p:cNvPr id="10" name="Rectangle 9">
+            <a:extLst>
+              <a:ext uri="{FF2B5EF4-FFF2-40B4-BE49-F238E27FC236}">
+                <a16:creationId xmlns:a16="http://schemas.microsoft.com/office/drawing/2014/main" id="{B912F6C7-0423-4B6F-AECE-710C848918FD}"/>
+              </a:ext>
+              <a:ext uri="{C183D7F6-B498-43B3-948B-1728B52AA6E4}">
+                <adec:decorative xmlns:adec="http://schemas.microsoft.com/office/drawing/2017/decorative" val="1"/>
+              </a:ext>
+            </a:extLst>
+          </p:cNvPr>
+          <p:cNvSpPr>
+            <a:spLocks noGrp="1" noRot="1" noChangeAspect="1" noMove="1" noResize="1" noEditPoints="1" noAdjustHandles="1" noChangeArrowheads="1" noChangeShapeType="1" noTextEdit="1"/>
+          </p:cNvSpPr>
+          <p:nvPr>
+            <p:extLst>
+              <p:ext uri="{386F3935-93C4-4BCD-93E2-E3B085C9AB24}">
+                <p16:designElem xmlns:p16="http://schemas.microsoft.com/office/powerpoint/2015/main" val="1"/>
+              </p:ext>
+            </p:extLst>
+          </p:nvPr>
+        </p:nvSpPr>
+        <p:spPr>
+          <a:xfrm rot="5400000" flipH="1">
+            <a:off x="1446539" y="3195797"/>
+            <a:ext cx="6858000" cy="466406"/>
+          </a:xfrm>
+          <a:prstGeom prst="rect">
+            <a:avLst/>
+          </a:prstGeom>
+          <a:gradFill>
+            <a:gsLst>
+              <a:gs pos="0">
+                <a:srgbClr val="363D46">
+                  <a:alpha val="0"/>
+                </a:srgbClr>
+              </a:gs>
+              <a:gs pos="100000">
+                <a:srgbClr val="363D46">
+                  <a:lumMod val="75000"/>
+                </a:srgbClr>
+              </a:gs>
+            </a:gsLst>
+            <a:lin ang="5400000" scaled="0"/>
+          </a:gradFill>
+          <a:ln>
+            <a:noFill/>
+          </a:ln>
+          <a:effectLst/>
+        </p:spPr>
+        <p:style>
+          <a:lnRef idx="2">
+            <a:schemeClr val="accent1">
+              <a:shade val="50000"/>
+            </a:schemeClr>
+          </a:lnRef>
+          <a:fillRef idx="1">
+            <a:schemeClr val="accent1"/>
+          </a:fillRef>
+          <a:effectRef idx="0">
+            <a:schemeClr val="accent1"/>
+          </a:effectRef>
+          <a:fontRef idx="minor">
+            <a:schemeClr val="lt1"/>
+          </a:fontRef>
+        </p:style>
+        <p:txBody>
+          <a:bodyPr rot="0" spcFirstLastPara="0" vertOverflow="overflow" horzOverflow="overflow" vert="horz" wrap="square" lIns="91440" tIns="45720" rIns="91440" bIns="45720" numCol="1" spcCol="0" rtlCol="0" fromWordArt="0" anchor="ctr" anchorCtr="0" forceAA="0" compatLnSpc="1">
+            <a:prstTxWarp prst="textNoShape">
+              <a:avLst/>
+            </a:prstTxWarp>
+            <a:noAutofit/>
+          </a:bodyPr>
+          <a:lstStyle/>
+          <a:p>
+            <a:pPr algn="ctr"/>
+            <a:endParaRPr lang="en-US"/>
+          </a:p>
+        </p:txBody>
+      </p:sp>
+      <p:cxnSp>
+        <p:nvCxnSpPr>
+          <p:cNvPr id="12" name="Straight Connector 11">
+            <a:extLst>
+              <a:ext uri="{FF2B5EF4-FFF2-40B4-BE49-F238E27FC236}">
+                <a16:creationId xmlns:a16="http://schemas.microsoft.com/office/drawing/2014/main" id="{A7208205-03EE-4EC8-9C34-59270C1880D8}"/>
+              </a:ext>
+              <a:ext uri="{C183D7F6-B498-43B3-948B-1728B52AA6E4}">
+                <adec:decorative xmlns:adec="http://schemas.microsoft.com/office/drawing/2017/decorative" val="1"/>
+              </a:ext>
+            </a:extLst>
+          </p:cNvPr>
+          <p:cNvCxnSpPr>
+            <a:cxnSpLocks noGrp="1" noRot="1" noChangeAspect="1" noMove="1" noResize="1" noEditPoints="1" noAdjustHandles="1" noChangeArrowheads="1" noChangeShapeType="1"/>
+          </p:cNvCxnSpPr>
+          <p:nvPr>
+            <p:extLst>
+              <p:ext uri="{386F3935-93C4-4BCD-93E2-E3B085C9AB24}">
+                <p16:designElem xmlns:p16="http://schemas.microsoft.com/office/powerpoint/2015/main" val="1"/>
+              </p:ext>
+            </p:extLst>
+          </p:nvPr>
+        </p:nvCxnSpPr>
+        <p:spPr>
+          <a:xfrm>
+            <a:off x="4642336" y="0"/>
+            <a:ext cx="0" cy="6858000"/>
+          </a:xfrm>
+          <a:prstGeom prst="line">
+            <a:avLst/>
+          </a:prstGeom>
+          <a:solidFill>
+            <a:srgbClr val="FFFFFF"/>
+          </a:solidFill>
+          <a:ln w="38100" cap="flat">
+            <a:gradFill flip="none" rotWithShape="1">
+              <a:gsLst>
+                <a:gs pos="0">
+                  <a:srgbClr val="363D46"/>
+                </a:gs>
+                <a:gs pos="100000">
+                  <a:srgbClr val="363D46">
+                    <a:lumMod val="75000"/>
+                  </a:srgbClr>
+                </a:gs>
+              </a:gsLst>
+              <a:lin ang="5400000" scaled="0"/>
+              <a:tileRect/>
+            </a:gradFill>
+            <a:miter lim="800000"/>
+          </a:ln>
+          <a:effectLst>
+            <a:innerShdw blurRad="57150" dist="38100" dir="14460000">
+              <a:srgbClr val="000000">
+                <a:alpha val="70000"/>
+              </a:srgbClr>
+            </a:innerShdw>
+          </a:effectLst>
+        </p:spPr>
+        <p:style>
+          <a:lnRef idx="2">
+            <a:schemeClr val="accent1">
+              <a:shade val="50000"/>
+            </a:schemeClr>
+          </a:lnRef>
+          <a:fillRef idx="1">
+            <a:schemeClr val="accent1"/>
+          </a:fillRef>
+          <a:effectRef idx="0">
+            <a:schemeClr val="accent1"/>
+          </a:effectRef>
+          <a:fontRef idx="minor">
+            <a:schemeClr val="lt1"/>
+          </a:fontRef>
+        </p:style>
+      </p:cxnSp>
+      <p:sp>
+        <p:nvSpPr>
+          <p:cNvPr id="3" name="Content Placeholder 2">
+            <a:extLst>
+              <a:ext uri="{FF2B5EF4-FFF2-40B4-BE49-F238E27FC236}">
+                <a16:creationId xmlns:a16="http://schemas.microsoft.com/office/drawing/2014/main" id="{4484778F-3005-E247-A411-1821A36B8B40}"/>
+              </a:ext>
+            </a:extLst>
+          </p:cNvPr>
+          <p:cNvSpPr>
+            <a:spLocks noGrp="1"/>
+          </p:cNvSpPr>
+          <p:nvPr>
+            <p:ph idx="1"/>
+          </p:nvPr>
+        </p:nvSpPr>
+        <p:spPr>
+          <a:xfrm>
+            <a:off x="4973046" y="714375"/>
+            <a:ext cx="6253751" cy="5076825"/>
+          </a:xfrm>
+        </p:spPr>
+        <p:txBody>
+          <a:bodyPr>
+            <a:normAutofit/>
+          </a:bodyPr>
+          <a:lstStyle/>
+          <a:p>
+            <a:r>
+              <a:rPr lang="en-IL">
+                <a:solidFill>
+                  <a:schemeClr val="tx1"/>
+                </a:solidFill>
+              </a:rPr>
+              <a:t>Authurization</a:t>
+            </a:r>
+          </a:p>
+          <a:p>
+            <a:r>
+              <a:rPr lang="en-US">
+                <a:solidFill>
+                  <a:schemeClr val="tx1"/>
+                </a:solidFill>
+              </a:rPr>
+              <a:t>Get</a:t>
+            </a:r>
+            <a:r>
+              <a:rPr lang="en-IL">
+                <a:solidFill>
+                  <a:schemeClr val="tx1"/>
+                </a:solidFill>
+              </a:rPr>
+              <a:t>ting info from cookies</a:t>
+            </a:r>
+          </a:p>
+          <a:p>
+            <a:r>
+              <a:rPr lang="en-US">
+                <a:solidFill>
+                  <a:schemeClr val="tx1"/>
+                </a:solidFill>
+              </a:rPr>
+              <a:t>Getting</a:t>
+            </a:r>
+            <a:r>
+              <a:rPr lang="en-IL">
+                <a:solidFill>
+                  <a:schemeClr val="tx1"/>
+                </a:solidFill>
+              </a:rPr>
+              <a:t> body</a:t>
+            </a:r>
+          </a:p>
+          <a:p>
+            <a:r>
+              <a:rPr lang="en-US">
+                <a:solidFill>
+                  <a:schemeClr val="tx1"/>
+                </a:solidFill>
+              </a:rPr>
+              <a:t>G</a:t>
+            </a:r>
+            <a:r>
+              <a:rPr lang="en-IL">
+                <a:solidFill>
+                  <a:schemeClr val="tx1"/>
+                </a:solidFill>
+              </a:rPr>
+              <a:t>etting headers</a:t>
+            </a:r>
+          </a:p>
+          <a:p>
+            <a:r>
+              <a:rPr lang="en-US">
+                <a:solidFill>
+                  <a:schemeClr val="tx1"/>
+                </a:solidFill>
+              </a:rPr>
+              <a:t>R</a:t>
+            </a:r>
+            <a:r>
+              <a:rPr lang="en-IL">
+                <a:solidFill>
+                  <a:schemeClr val="tx1"/>
+                </a:solidFill>
+              </a:rPr>
+              <a:t>esponding to headers</a:t>
+            </a:r>
+          </a:p>
+          <a:p>
+            <a:r>
+              <a:rPr lang="en-US">
+                <a:solidFill>
+                  <a:schemeClr val="tx1"/>
+                </a:solidFill>
+              </a:rPr>
+              <a:t>E</a:t>
+            </a:r>
+            <a:r>
+              <a:rPr lang="en-IL">
+                <a:solidFill>
+                  <a:schemeClr val="tx1"/>
+                </a:solidFill>
+              </a:rPr>
+              <a:t>tc…</a:t>
+            </a:r>
+          </a:p>
+        </p:txBody>
+      </p:sp>
+    </p:spTree>
+    <p:extLst>
+      <p:ext uri="{BB962C8B-B14F-4D97-AF65-F5344CB8AC3E}">
+        <p14:creationId xmlns:p14="http://schemas.microsoft.com/office/powerpoint/2010/main" val="1125813989"/>
+      </p:ext>
+    </p:extLst>
+  </p:cSld>
+  <p:clrMapOvr>
+    <a:masterClrMapping/>
+  </p:clrMapOvr>
+</p:sld>
+</file>
+
+<file path=ppt/slides/slide56.xml><?xml version="1.0" encoding="utf-8"?>
+<p:sld xmlns:a="http://schemas.openxmlformats.org/drawingml/2006/main" xmlns:r="http://schemas.openxmlformats.org/officeDocument/2006/relationships" xmlns:p="http://schemas.openxmlformats.org/presentationml/2006/main">
+  <p:cSld>
+    <p:spTree>
+      <p:nvGrpSpPr>
+        <p:cNvPr id="1" name=""/>
+        <p:cNvGrpSpPr/>
+        <p:nvPr/>
+      </p:nvGrpSpPr>
+      <p:grpSpPr>
+        <a:xfrm>
+          <a:off x="0" y="0"/>
+          <a:ext cx="0" cy="0"/>
+          <a:chOff x="0" y="0"/>
+          <a:chExt cx="0" cy="0"/>
+        </a:xfrm>
+      </p:grpSpPr>
+      <p:pic>
+        <p:nvPicPr>
+          <p:cNvPr id="17" name="Picture 16" descr="A picture containing text&#10;&#10;Description automatically generated">
+            <a:extLst>
+              <a:ext uri="{FF2B5EF4-FFF2-40B4-BE49-F238E27FC236}">
+                <a16:creationId xmlns:a16="http://schemas.microsoft.com/office/drawing/2014/main" id="{453D6605-4E2C-B748-8D2B-EF81474637CD}"/>
+              </a:ext>
+            </a:extLst>
+          </p:cNvPr>
+          <p:cNvPicPr>
+            <a:picLocks noChangeAspect="1"/>
+          </p:cNvPicPr>
+          <p:nvPr/>
+        </p:nvPicPr>
+        <p:blipFill>
+          <a:blip r:embed="rId2"/>
+          <a:stretch>
+            <a:fillRect/>
+          </a:stretch>
+        </p:blipFill>
+        <p:spPr>
+          <a:xfrm>
+            <a:off x="73456" y="2754872"/>
+            <a:ext cx="1854200" cy="393700"/>
+          </a:xfrm>
+          <a:prstGeom prst="rect">
+            <a:avLst/>
+          </a:prstGeom>
+        </p:spPr>
+      </p:pic>
+      <p:sp>
+        <p:nvSpPr>
+          <p:cNvPr id="4" name="Rounded Rectangle 3">
+            <a:extLst>
+              <a:ext uri="{FF2B5EF4-FFF2-40B4-BE49-F238E27FC236}">
+                <a16:creationId xmlns:a16="http://schemas.microsoft.com/office/drawing/2014/main" id="{6EB5DDE2-AB11-204A-8D7A-666AA3073E2E}"/>
+              </a:ext>
+            </a:extLst>
+          </p:cNvPr>
+          <p:cNvSpPr/>
+          <p:nvPr/>
+        </p:nvSpPr>
+        <p:spPr>
+          <a:xfrm>
+            <a:off x="1363363" y="1260390"/>
+            <a:ext cx="4547283" cy="1309816"/>
+          </a:xfrm>
+          <a:prstGeom prst="roundRect">
+            <a:avLst/>
+          </a:prstGeom>
+        </p:spPr>
+        <p:style>
+          <a:lnRef idx="2">
+            <a:schemeClr val="accent1">
+              <a:shade val="50000"/>
+            </a:schemeClr>
+          </a:lnRef>
+          <a:fillRef idx="1">
+            <a:schemeClr val="accent1"/>
+          </a:fillRef>
+          <a:effectRef idx="0">
+            <a:schemeClr val="accent1"/>
+          </a:effectRef>
+          <a:fontRef idx="minor">
+            <a:schemeClr val="lt1"/>
+          </a:fontRef>
+        </p:style>
+        <p:txBody>
+          <a:bodyPr rtlCol="0" anchor="ctr"/>
+          <a:lstStyle/>
+          <a:p>
+            <a:pPr algn="ctr"/>
+            <a:r>
+              <a:rPr lang="en-IL" dirty="0"/>
+              <a:t>getName</a:t>
+            </a:r>
+          </a:p>
+        </p:txBody>
+      </p:sp>
+      <p:sp>
+        <p:nvSpPr>
+          <p:cNvPr id="5" name="TextBox 4">
+            <a:extLst>
+              <a:ext uri="{FF2B5EF4-FFF2-40B4-BE49-F238E27FC236}">
+                <a16:creationId xmlns:a16="http://schemas.microsoft.com/office/drawing/2014/main" id="{0F8C1013-0C76-E943-9516-EF72684FAE3A}"/>
+              </a:ext>
+            </a:extLst>
+          </p:cNvPr>
+          <p:cNvSpPr txBox="1"/>
+          <p:nvPr/>
+        </p:nvSpPr>
+        <p:spPr>
+          <a:xfrm>
+            <a:off x="1585785" y="988541"/>
+            <a:ext cx="1198606" cy="369332"/>
+          </a:xfrm>
+          <a:prstGeom prst="rect">
+            <a:avLst/>
+          </a:prstGeom>
+          <a:noFill/>
+        </p:spPr>
+        <p:txBody>
+          <a:bodyPr wrap="square" rtlCol="0">
+            <a:spAutoFit/>
+          </a:bodyPr>
+          <a:lstStyle/>
+          <a:p>
+            <a:pPr algn="ctr"/>
+            <a:r>
+              <a:rPr lang="en-IL" dirty="0">
+                <a:solidFill>
+                  <a:srgbClr val="0070C0"/>
+                </a:solidFill>
+              </a:rPr>
+              <a:t>req</a:t>
+            </a:r>
+            <a:r>
+              <a:rPr lang="en-IL" dirty="0"/>
+              <a:t>, </a:t>
+            </a:r>
+            <a:r>
+              <a:rPr lang="en-IL" dirty="0">
+                <a:solidFill>
+                  <a:schemeClr val="accent6"/>
+                </a:solidFill>
+              </a:rPr>
+              <a:t>res</a:t>
+            </a:r>
+          </a:p>
+        </p:txBody>
+      </p:sp>
+      <p:cxnSp>
+        <p:nvCxnSpPr>
+          <p:cNvPr id="7" name="Straight Arrow Connector 6">
+            <a:extLst>
+              <a:ext uri="{FF2B5EF4-FFF2-40B4-BE49-F238E27FC236}">
+                <a16:creationId xmlns:a16="http://schemas.microsoft.com/office/drawing/2014/main" id="{AE4902A9-C879-3D48-BCB0-C9C1E76FBFD2}"/>
+              </a:ext>
+            </a:extLst>
+          </p:cNvPr>
+          <p:cNvCxnSpPr/>
+          <p:nvPr/>
+        </p:nvCxnSpPr>
+        <p:spPr>
+          <a:xfrm>
+            <a:off x="1981201" y="74141"/>
+            <a:ext cx="0" cy="914400"/>
+          </a:xfrm>
+          <a:prstGeom prst="straightConnector1">
+            <a:avLst/>
+          </a:prstGeom>
+          <a:ln w="28575">
+            <a:solidFill>
+              <a:schemeClr val="tx1"/>
+            </a:solidFill>
+            <a:tailEnd type="triangle"/>
+          </a:ln>
+        </p:spPr>
+        <p:style>
+          <a:lnRef idx="1">
+            <a:schemeClr val="dk1"/>
+          </a:lnRef>
+          <a:fillRef idx="0">
+            <a:schemeClr val="dk1"/>
+          </a:fillRef>
+          <a:effectRef idx="0">
+            <a:schemeClr val="dk1"/>
+          </a:effectRef>
+          <a:fontRef idx="minor">
+            <a:schemeClr val="tx1"/>
+          </a:fontRef>
+        </p:style>
+      </p:cxnSp>
+      <p:sp>
+        <p:nvSpPr>
+          <p:cNvPr id="8" name="TextBox 7">
+            <a:extLst>
+              <a:ext uri="{FF2B5EF4-FFF2-40B4-BE49-F238E27FC236}">
+                <a16:creationId xmlns:a16="http://schemas.microsoft.com/office/drawing/2014/main" id="{25EA3F6E-3469-234E-931F-357BB95277A1}"/>
+              </a:ext>
+            </a:extLst>
+          </p:cNvPr>
+          <p:cNvSpPr txBox="1"/>
+          <p:nvPr/>
+        </p:nvSpPr>
+        <p:spPr>
+          <a:xfrm>
+            <a:off x="1981201" y="2623066"/>
+            <a:ext cx="1198606" cy="369332"/>
+          </a:xfrm>
+          <a:prstGeom prst="rect">
+            <a:avLst/>
+          </a:prstGeom>
+          <a:noFill/>
+        </p:spPr>
+        <p:txBody>
+          <a:bodyPr wrap="square" rtlCol="0">
+            <a:spAutoFit/>
+          </a:bodyPr>
+          <a:lstStyle/>
+          <a:p>
+            <a:pPr algn="ctr"/>
+            <a:r>
+              <a:rPr lang="en-IL" dirty="0"/>
+              <a:t>next</a:t>
+            </a:r>
+          </a:p>
+        </p:txBody>
+      </p:sp>
+      <p:sp>
+        <p:nvSpPr>
+          <p:cNvPr id="9" name="Rounded Rectangle 8">
+            <a:extLst>
+              <a:ext uri="{FF2B5EF4-FFF2-40B4-BE49-F238E27FC236}">
+                <a16:creationId xmlns:a16="http://schemas.microsoft.com/office/drawing/2014/main" id="{ADD561BE-2971-EA4B-8B41-3273259B75AB}"/>
+              </a:ext>
+            </a:extLst>
+          </p:cNvPr>
+          <p:cNvSpPr/>
+          <p:nvPr/>
+        </p:nvSpPr>
+        <p:spPr>
+          <a:xfrm>
+            <a:off x="1256271" y="4020065"/>
+            <a:ext cx="4839729" cy="2218726"/>
+          </a:xfrm>
+          <a:prstGeom prst="roundRect">
+            <a:avLst/>
+          </a:prstGeom>
+        </p:spPr>
+        <p:style>
+          <a:lnRef idx="2">
+            <a:schemeClr val="accent1">
+              <a:shade val="50000"/>
+            </a:schemeClr>
+          </a:lnRef>
+          <a:fillRef idx="1">
+            <a:schemeClr val="accent1"/>
+          </a:fillRef>
+          <a:effectRef idx="0">
+            <a:schemeClr val="accent1"/>
+          </a:effectRef>
+          <a:fontRef idx="minor">
+            <a:schemeClr val="lt1"/>
+          </a:fontRef>
+        </p:style>
+        <p:txBody>
+          <a:bodyPr rtlCol="0" anchor="ctr"/>
+          <a:lstStyle/>
+          <a:p>
+            <a:pPr algn="ctr"/>
+            <a:r>
+              <a:rPr lang="en-IL" dirty="0"/>
+              <a:t>isAdmin</a:t>
+            </a:r>
+          </a:p>
+        </p:txBody>
+      </p:sp>
+      <p:sp>
+        <p:nvSpPr>
+          <p:cNvPr id="10" name="TextBox 9">
+            <a:extLst>
+              <a:ext uri="{FF2B5EF4-FFF2-40B4-BE49-F238E27FC236}">
+                <a16:creationId xmlns:a16="http://schemas.microsoft.com/office/drawing/2014/main" id="{347DB0B1-B872-2C46-9EAB-9918C6D5278D}"/>
+              </a:ext>
+            </a:extLst>
+          </p:cNvPr>
+          <p:cNvSpPr txBox="1"/>
+          <p:nvPr/>
+        </p:nvSpPr>
+        <p:spPr>
+          <a:xfrm>
+            <a:off x="1464412" y="3680937"/>
+            <a:ext cx="1198606" cy="369332"/>
+          </a:xfrm>
+          <a:prstGeom prst="rect">
+            <a:avLst/>
+          </a:prstGeom>
+          <a:noFill/>
+        </p:spPr>
+        <p:txBody>
+          <a:bodyPr wrap="square" rtlCol="0">
+            <a:spAutoFit/>
+          </a:bodyPr>
+          <a:lstStyle/>
+          <a:p>
+            <a:pPr algn="ctr"/>
+            <a:r>
+              <a:rPr lang="en-IL" dirty="0">
+                <a:solidFill>
+                  <a:srgbClr val="0070C0"/>
+                </a:solidFill>
+              </a:rPr>
+              <a:t>req</a:t>
+            </a:r>
+            <a:r>
+              <a:rPr lang="en-IL" dirty="0"/>
+              <a:t>, </a:t>
+            </a:r>
+            <a:r>
+              <a:rPr lang="en-IL" dirty="0">
+                <a:solidFill>
+                  <a:schemeClr val="accent6"/>
+                </a:solidFill>
+              </a:rPr>
+              <a:t>res</a:t>
+            </a:r>
+          </a:p>
+        </p:txBody>
+      </p:sp>
+      <p:cxnSp>
+        <p:nvCxnSpPr>
+          <p:cNvPr id="11" name="Straight Arrow Connector 10">
+            <a:extLst>
+              <a:ext uri="{FF2B5EF4-FFF2-40B4-BE49-F238E27FC236}">
+                <a16:creationId xmlns:a16="http://schemas.microsoft.com/office/drawing/2014/main" id="{1540A473-5F2F-2041-BB2B-9ECFB80E956D}"/>
+              </a:ext>
+            </a:extLst>
+          </p:cNvPr>
+          <p:cNvCxnSpPr/>
+          <p:nvPr/>
+        </p:nvCxnSpPr>
+        <p:spPr>
+          <a:xfrm>
+            <a:off x="1874109" y="2833816"/>
+            <a:ext cx="0" cy="914400"/>
+          </a:xfrm>
+          <a:prstGeom prst="straightConnector1">
+            <a:avLst/>
+          </a:prstGeom>
+          <a:ln w="28575">
+            <a:solidFill>
+              <a:schemeClr val="tx1"/>
+            </a:solidFill>
+            <a:tailEnd type="triangle"/>
+          </a:ln>
+        </p:spPr>
+        <p:style>
+          <a:lnRef idx="1">
+            <a:schemeClr val="dk1"/>
+          </a:lnRef>
+          <a:fillRef idx="0">
+            <a:schemeClr val="dk1"/>
+          </a:fillRef>
+          <a:effectRef idx="0">
+            <a:schemeClr val="dk1"/>
+          </a:effectRef>
+          <a:fontRef idx="minor">
+            <a:schemeClr val="tx1"/>
+          </a:fontRef>
+        </p:style>
+      </p:cxnSp>
+      <p:sp>
+        <p:nvSpPr>
+          <p:cNvPr id="12" name="TextBox 11">
+            <a:extLst>
+              <a:ext uri="{FF2B5EF4-FFF2-40B4-BE49-F238E27FC236}">
+                <a16:creationId xmlns:a16="http://schemas.microsoft.com/office/drawing/2014/main" id="{D40FA0E0-BEB7-9A4D-892E-70B08F958CF5}"/>
+              </a:ext>
+            </a:extLst>
+          </p:cNvPr>
+          <p:cNvSpPr txBox="1"/>
+          <p:nvPr/>
+        </p:nvSpPr>
+        <p:spPr>
+          <a:xfrm>
+            <a:off x="1256604" y="5869459"/>
+            <a:ext cx="1198606" cy="369332"/>
+          </a:xfrm>
+          <a:prstGeom prst="rect">
+            <a:avLst/>
+          </a:prstGeom>
+          <a:noFill/>
+        </p:spPr>
+        <p:txBody>
+          <a:bodyPr wrap="square" rtlCol="0">
+            <a:spAutoFit/>
+          </a:bodyPr>
+          <a:lstStyle/>
+          <a:p>
+            <a:pPr algn="ctr"/>
+            <a:r>
+              <a:rPr lang="en-IL" dirty="0"/>
+              <a:t>next</a:t>
+            </a:r>
+          </a:p>
+        </p:txBody>
+      </p:sp>
+      <p:sp>
+        <p:nvSpPr>
+          <p:cNvPr id="13" name="Rectangle 12">
+            <a:extLst>
+              <a:ext uri="{FF2B5EF4-FFF2-40B4-BE49-F238E27FC236}">
+                <a16:creationId xmlns:a16="http://schemas.microsoft.com/office/drawing/2014/main" id="{C165D4D2-7FDA-EE4F-B4D5-B7F6A34E0433}"/>
+              </a:ext>
+            </a:extLst>
+          </p:cNvPr>
+          <p:cNvSpPr/>
+          <p:nvPr/>
+        </p:nvSpPr>
+        <p:spPr>
+          <a:xfrm>
+            <a:off x="1855907" y="2086575"/>
+            <a:ext cx="3562194" cy="369332"/>
+          </a:xfrm>
+          <a:prstGeom prst="rect">
+            <a:avLst/>
+          </a:prstGeom>
+        </p:spPr>
+        <p:txBody>
+          <a:bodyPr wrap="none">
+            <a:spAutoFit/>
+          </a:bodyPr>
+          <a:lstStyle/>
+          <a:p>
+            <a:r>
+              <a:rPr lang="en-US" dirty="0"/>
+              <a:t>R</a:t>
+            </a:r>
+            <a:r>
+              <a:rPr lang="en-IL" dirty="0"/>
+              <a:t>eq.name = req.cookie.name</a:t>
+            </a:r>
+          </a:p>
+        </p:txBody>
+      </p:sp>
+      <p:sp>
+        <p:nvSpPr>
+          <p:cNvPr id="14" name="Rectangle 13">
+            <a:extLst>
+              <a:ext uri="{FF2B5EF4-FFF2-40B4-BE49-F238E27FC236}">
+                <a16:creationId xmlns:a16="http://schemas.microsoft.com/office/drawing/2014/main" id="{E046DFBD-8181-5D4F-987D-40DCC646BE98}"/>
+              </a:ext>
+            </a:extLst>
+          </p:cNvPr>
+          <p:cNvSpPr/>
+          <p:nvPr/>
+        </p:nvSpPr>
+        <p:spPr>
+          <a:xfrm>
+            <a:off x="1585785" y="4149460"/>
+            <a:ext cx="3065263" cy="369332"/>
+          </a:xfrm>
+          <a:prstGeom prst="rect">
+            <a:avLst/>
+          </a:prstGeom>
+        </p:spPr>
+        <p:txBody>
+          <a:bodyPr wrap="none">
+            <a:spAutoFit/>
+          </a:bodyPr>
+          <a:lstStyle/>
+          <a:p>
+            <a:r>
+              <a:rPr lang="en-US" dirty="0"/>
+              <a:t>R</a:t>
+            </a:r>
+            <a:r>
+              <a:rPr lang="en-IL" dirty="0"/>
+              <a:t>eq.role = req.cookie.role</a:t>
+            </a:r>
+          </a:p>
+        </p:txBody>
+      </p:sp>
+      <p:cxnSp>
+        <p:nvCxnSpPr>
+          <p:cNvPr id="15" name="Straight Arrow Connector 14">
+            <a:extLst>
+              <a:ext uri="{FF2B5EF4-FFF2-40B4-BE49-F238E27FC236}">
+                <a16:creationId xmlns:a16="http://schemas.microsoft.com/office/drawing/2014/main" id="{5CD349DC-8834-0747-A362-FF553C9DF72F}"/>
+              </a:ext>
+            </a:extLst>
+          </p:cNvPr>
+          <p:cNvCxnSpPr/>
+          <p:nvPr/>
+        </p:nvCxnSpPr>
+        <p:spPr>
+          <a:xfrm>
+            <a:off x="1855907" y="6359611"/>
+            <a:ext cx="0" cy="914400"/>
+          </a:xfrm>
+          <a:prstGeom prst="straightConnector1">
+            <a:avLst/>
+          </a:prstGeom>
+          <a:ln w="28575">
+            <a:solidFill>
+              <a:schemeClr val="tx1"/>
+            </a:solidFill>
+            <a:tailEnd type="triangle"/>
+          </a:ln>
+        </p:spPr>
+        <p:style>
+          <a:lnRef idx="1">
+            <a:schemeClr val="dk1"/>
+          </a:lnRef>
+          <a:fillRef idx="0">
+            <a:schemeClr val="dk1"/>
+          </a:fillRef>
+          <a:effectRef idx="0">
+            <a:schemeClr val="dk1"/>
+          </a:effectRef>
+          <a:fontRef idx="minor">
+            <a:schemeClr val="tx1"/>
+          </a:fontRef>
+        </p:style>
+      </p:cxnSp>
+      <p:sp>
+        <p:nvSpPr>
+          <p:cNvPr id="16" name="Rectangle 15">
+            <a:extLst>
+              <a:ext uri="{FF2B5EF4-FFF2-40B4-BE49-F238E27FC236}">
+                <a16:creationId xmlns:a16="http://schemas.microsoft.com/office/drawing/2014/main" id="{8122025C-31B2-4D41-ABA9-F5A527231E72}"/>
+              </a:ext>
+            </a:extLst>
+          </p:cNvPr>
+          <p:cNvSpPr/>
+          <p:nvPr/>
+        </p:nvSpPr>
+        <p:spPr>
+          <a:xfrm>
+            <a:off x="1485008" y="5255051"/>
+            <a:ext cx="1527982" cy="369332"/>
+          </a:xfrm>
+          <a:prstGeom prst="rect">
+            <a:avLst/>
+          </a:prstGeom>
+        </p:spPr>
+        <p:txBody>
+          <a:bodyPr wrap="none">
+            <a:spAutoFit/>
+          </a:bodyPr>
+          <a:lstStyle/>
+          <a:p>
+            <a:r>
+              <a:rPr lang="en-US" dirty="0"/>
+              <a:t>If not admin</a:t>
+            </a:r>
+            <a:endParaRPr lang="en-IL" dirty="0"/>
+          </a:p>
+        </p:txBody>
+      </p:sp>
+      <p:cxnSp>
+        <p:nvCxnSpPr>
+          <p:cNvPr id="22" name="Elbow Connector 21">
+            <a:extLst>
+              <a:ext uri="{FF2B5EF4-FFF2-40B4-BE49-F238E27FC236}">
+                <a16:creationId xmlns:a16="http://schemas.microsoft.com/office/drawing/2014/main" id="{C5355B74-D8D4-1E44-AEB4-FDFB6C3A8045}"/>
+              </a:ext>
+            </a:extLst>
+          </p:cNvPr>
+          <p:cNvCxnSpPr>
+            <a:cxnSpLocks/>
+          </p:cNvCxnSpPr>
+          <p:nvPr/>
+        </p:nvCxnSpPr>
+        <p:spPr>
+          <a:xfrm rot="5400000" flipH="1" flipV="1">
+            <a:off x="2437848" y="1212805"/>
+            <a:ext cx="4886143" cy="3781168"/>
+          </a:xfrm>
+          <a:prstGeom prst="bentConnector3">
+            <a:avLst>
+              <a:gd name="adj1" fmla="val 1950"/>
+            </a:avLst>
+          </a:prstGeom>
+          <a:ln>
+            <a:solidFill>
+              <a:schemeClr val="tx1"/>
+            </a:solidFill>
+            <a:tailEnd type="triangle"/>
+          </a:ln>
+        </p:spPr>
+        <p:style>
+          <a:lnRef idx="1">
+            <a:schemeClr val="accent1"/>
+          </a:lnRef>
+          <a:fillRef idx="0">
+            <a:schemeClr val="accent1"/>
+          </a:fillRef>
+          <a:effectRef idx="0">
+            <a:schemeClr val="accent1"/>
+          </a:effectRef>
+          <a:fontRef idx="minor">
+            <a:schemeClr val="tx1"/>
+          </a:fontRef>
+        </p:style>
+      </p:cxnSp>
+      <p:sp>
+        <p:nvSpPr>
+          <p:cNvPr id="26" name="Rectangle 25">
+            <a:extLst>
+              <a:ext uri="{FF2B5EF4-FFF2-40B4-BE49-F238E27FC236}">
+                <a16:creationId xmlns:a16="http://schemas.microsoft.com/office/drawing/2014/main" id="{5442FB51-1642-A242-9B2C-96CD894C4EDC}"/>
+              </a:ext>
+            </a:extLst>
+          </p:cNvPr>
+          <p:cNvSpPr/>
+          <p:nvPr/>
+        </p:nvSpPr>
+        <p:spPr>
+          <a:xfrm>
+            <a:off x="7010069" y="2570206"/>
+            <a:ext cx="569387" cy="369332"/>
+          </a:xfrm>
+          <a:prstGeom prst="rect">
+            <a:avLst/>
+          </a:prstGeom>
+        </p:spPr>
+        <p:txBody>
+          <a:bodyPr wrap="none">
+            <a:spAutoFit/>
+          </a:bodyPr>
+          <a:lstStyle/>
+          <a:p>
+            <a:r>
+              <a:rPr lang="en-US" dirty="0"/>
+              <a:t>401</a:t>
+            </a:r>
+            <a:endParaRPr lang="en-IL" dirty="0"/>
+          </a:p>
+        </p:txBody>
+      </p:sp>
+      <p:sp>
+        <p:nvSpPr>
+          <p:cNvPr id="27" name="TextBox 26">
+            <a:extLst>
+              <a:ext uri="{FF2B5EF4-FFF2-40B4-BE49-F238E27FC236}">
+                <a16:creationId xmlns:a16="http://schemas.microsoft.com/office/drawing/2014/main" id="{763BDA3C-1853-BF4F-9C4C-DA2E5B82FD75}"/>
+              </a:ext>
+            </a:extLst>
+          </p:cNvPr>
+          <p:cNvSpPr txBox="1"/>
+          <p:nvPr/>
+        </p:nvSpPr>
+        <p:spPr>
+          <a:xfrm>
+            <a:off x="6641757" y="3375452"/>
+            <a:ext cx="1198606" cy="369332"/>
+          </a:xfrm>
+          <a:prstGeom prst="rect">
+            <a:avLst/>
+          </a:prstGeom>
+          <a:noFill/>
+        </p:spPr>
+        <p:txBody>
+          <a:bodyPr wrap="square" rtlCol="0">
+            <a:spAutoFit/>
+          </a:bodyPr>
+          <a:lstStyle/>
+          <a:p>
+            <a:pPr algn="ctr"/>
+            <a:r>
+              <a:rPr lang="en-IL" dirty="0"/>
+              <a:t>res</a:t>
+            </a:r>
+          </a:p>
+        </p:txBody>
+      </p:sp>
+    </p:spTree>
+    <p:extLst>
+      <p:ext uri="{BB962C8B-B14F-4D97-AF65-F5344CB8AC3E}">
+        <p14:creationId xmlns:p14="http://schemas.microsoft.com/office/powerpoint/2010/main" val="143434493"/>
+      </p:ext>
+    </p:extLst>
+  </p:cSld>
+  <p:clrMapOvr>
+    <a:masterClrMapping/>
+  </p:clrMapOvr>
+  <p:timing>
+    <p:tnLst>
+      <p:par>
+        <p:cTn id="1" dur="indefinite" restart="never" nodeType="tmRoot">
+          <p:childTnLst>
+            <p:seq concurrent="1" nextAc="seek">
+              <p:cTn id="2" dur="indefinite" nodeType="mainSeq">
+                <p:childTnLst>
+                  <p:par>
+                    <p:cTn id="3" fill="hold">
+                      <p:stCondLst>
+                        <p:cond delay="indefinite"/>
+                      </p:stCondLst>
+                      <p:childTnLst>
+                        <p:par>
+                          <p:cTn id="4" fill="hold">
+                            <p:stCondLst>
+                              <p:cond delay="0"/>
+                            </p:stCondLst>
+                            <p:childTnLst>
+                              <p:par>
+                                <p:cTn id="5" presetID="9" presetClass="entr" presetSubtype="0" fill="hold" grpId="0" nodeType="clickEffect">
+                                  <p:stCondLst>
+                                    <p:cond delay="0"/>
+                                  </p:stCondLst>
+                                  <p:childTnLst>
+                                    <p:set>
+                                      <p:cBhvr>
+                                        <p:cTn id="6" dur="1" fill="hold">
+                                          <p:stCondLst>
+                                            <p:cond delay="0"/>
+                                          </p:stCondLst>
+                                        </p:cTn>
+                                        <p:tgtEl>
+                                          <p:spTgt spid="4"/>
+                                        </p:tgtEl>
+                                        <p:attrNameLst>
+                                          <p:attrName>style.visibility</p:attrName>
+                                        </p:attrNameLst>
+                                      </p:cBhvr>
+                                      <p:to>
+                                        <p:strVal val="visible"/>
+                                      </p:to>
+                                    </p:set>
+                                    <p:animEffect transition="in" filter="dissolve">
+                                      <p:cBhvr>
+                                        <p:cTn id="7" dur="500"/>
+                                        <p:tgtEl>
+                                          <p:spTgt spid="4"/>
+                                        </p:tgtEl>
+                                      </p:cBhvr>
+                                    </p:animEffect>
+                                  </p:childTnLst>
+                                </p:cTn>
+                              </p:par>
+                              <p:par>
+                                <p:cTn id="8" presetID="9" presetClass="entr" presetSubtype="0" fill="hold" grpId="0" nodeType="withEffect">
+                                  <p:stCondLst>
+                                    <p:cond delay="0"/>
+                                  </p:stCondLst>
+                                  <p:childTnLst>
+                                    <p:set>
+                                      <p:cBhvr>
+                                        <p:cTn id="9" dur="1" fill="hold">
+                                          <p:stCondLst>
+                                            <p:cond delay="0"/>
+                                          </p:stCondLst>
+                                        </p:cTn>
+                                        <p:tgtEl>
+                                          <p:spTgt spid="13"/>
+                                        </p:tgtEl>
+                                        <p:attrNameLst>
+                                          <p:attrName>style.visibility</p:attrName>
+                                        </p:attrNameLst>
+                                      </p:cBhvr>
+                                      <p:to>
+                                        <p:strVal val="visible"/>
+                                      </p:to>
+                                    </p:set>
+                                    <p:animEffect transition="in" filter="dissolve">
+                                      <p:cBhvr>
+                                        <p:cTn id="10" dur="500"/>
+                                        <p:tgtEl>
+                                          <p:spTgt spid="13"/>
+                                        </p:tgtEl>
+                                      </p:cBhvr>
+                                    </p:animEffect>
+                                  </p:childTnLst>
+                                </p:cTn>
+                              </p:par>
+                            </p:childTnLst>
+                          </p:cTn>
+                        </p:par>
+                      </p:childTnLst>
+                    </p:cTn>
+                  </p:par>
+                  <p:par>
+                    <p:cTn id="11" fill="hold">
+                      <p:stCondLst>
+                        <p:cond delay="indefinite"/>
+                      </p:stCondLst>
+                      <p:childTnLst>
+                        <p:par>
+                          <p:cTn id="12" fill="hold">
+                            <p:stCondLst>
+                              <p:cond delay="0"/>
+                            </p:stCondLst>
+                            <p:childTnLst>
+                              <p:par>
+                                <p:cTn id="13" presetID="9" presetClass="entr" presetSubtype="0" fill="hold" nodeType="clickEffect">
+                                  <p:stCondLst>
+                                    <p:cond delay="0"/>
+                                  </p:stCondLst>
+                                  <p:childTnLst>
+                                    <p:set>
+                                      <p:cBhvr>
+                                        <p:cTn id="14" dur="1" fill="hold">
+                                          <p:stCondLst>
+                                            <p:cond delay="0"/>
+                                          </p:stCondLst>
+                                        </p:cTn>
+                                        <p:tgtEl>
+                                          <p:spTgt spid="17"/>
+                                        </p:tgtEl>
+                                        <p:attrNameLst>
+                                          <p:attrName>style.visibility</p:attrName>
+                                        </p:attrNameLst>
+                                      </p:cBhvr>
+                                      <p:to>
+                                        <p:strVal val="visible"/>
+                                      </p:to>
+                                    </p:set>
+                                    <p:animEffect transition="in" filter="dissolve">
+                                      <p:cBhvr>
+                                        <p:cTn id="15" dur="500"/>
+                                        <p:tgtEl>
+                                          <p:spTgt spid="17"/>
+                                        </p:tgtEl>
+                                      </p:cBhvr>
+                                    </p:animEffect>
+                                  </p:childTnLst>
+                                </p:cTn>
+                              </p:par>
+                            </p:childTnLst>
+                          </p:cTn>
+                        </p:par>
+                      </p:childTnLst>
+                    </p:cTn>
+                  </p:par>
+                  <p:par>
+                    <p:cTn id="16" fill="hold">
+                      <p:stCondLst>
+                        <p:cond delay="indefinite"/>
+                      </p:stCondLst>
+                      <p:childTnLst>
+                        <p:par>
+                          <p:cTn id="17" fill="hold">
+                            <p:stCondLst>
+                              <p:cond delay="0"/>
+                            </p:stCondLst>
+                            <p:childTnLst>
+                              <p:par>
+                                <p:cTn id="18" presetID="9" presetClass="entr" presetSubtype="0" fill="hold" grpId="0" nodeType="clickEffect">
+                                  <p:stCondLst>
+                                    <p:cond delay="0"/>
+                                  </p:stCondLst>
+                                  <p:childTnLst>
+                                    <p:set>
+                                      <p:cBhvr>
+                                        <p:cTn id="19" dur="1" fill="hold">
+                                          <p:stCondLst>
+                                            <p:cond delay="0"/>
+                                          </p:stCondLst>
+                                        </p:cTn>
+                                        <p:tgtEl>
+                                          <p:spTgt spid="8"/>
+                                        </p:tgtEl>
+                                        <p:attrNameLst>
+                                          <p:attrName>style.visibility</p:attrName>
+                                        </p:attrNameLst>
+                                      </p:cBhvr>
+                                      <p:to>
+                                        <p:strVal val="visible"/>
+                                      </p:to>
+                                    </p:set>
+                                    <p:animEffect transition="in" filter="dissolve">
+                                      <p:cBhvr>
+                                        <p:cTn id="20" dur="500"/>
+                                        <p:tgtEl>
+                                          <p:spTgt spid="8"/>
+                                        </p:tgtEl>
+                                      </p:cBhvr>
+                                    </p:animEffect>
+                                  </p:childTnLst>
+                                </p:cTn>
+                              </p:par>
+                              <p:par>
+                                <p:cTn id="21" presetID="9" presetClass="entr" presetSubtype="0" fill="hold" nodeType="withEffect">
+                                  <p:stCondLst>
+                                    <p:cond delay="0"/>
+                                  </p:stCondLst>
+                                  <p:childTnLst>
+                                    <p:set>
+                                      <p:cBhvr>
+                                        <p:cTn id="22" dur="1" fill="hold">
+                                          <p:stCondLst>
+                                            <p:cond delay="0"/>
+                                          </p:stCondLst>
+                                        </p:cTn>
+                                        <p:tgtEl>
+                                          <p:spTgt spid="11"/>
+                                        </p:tgtEl>
+                                        <p:attrNameLst>
+                                          <p:attrName>style.visibility</p:attrName>
+                                        </p:attrNameLst>
+                                      </p:cBhvr>
+                                      <p:to>
+                                        <p:strVal val="visible"/>
+                                      </p:to>
+                                    </p:set>
+                                    <p:animEffect transition="in" filter="dissolve">
+                                      <p:cBhvr>
+                                        <p:cTn id="23" dur="500"/>
+                                        <p:tgtEl>
+                                          <p:spTgt spid="11"/>
+                                        </p:tgtEl>
+                                      </p:cBhvr>
+                                    </p:animEffect>
+                                  </p:childTnLst>
+                                </p:cTn>
+                              </p:par>
+                            </p:childTnLst>
+                          </p:cTn>
+                        </p:par>
+                      </p:childTnLst>
+                    </p:cTn>
+                  </p:par>
+                  <p:par>
+                    <p:cTn id="24" fill="hold">
+                      <p:stCondLst>
+                        <p:cond delay="indefinite"/>
+                      </p:stCondLst>
+                      <p:childTnLst>
+                        <p:par>
+                          <p:cTn id="25" fill="hold">
+                            <p:stCondLst>
+                              <p:cond delay="0"/>
+                            </p:stCondLst>
+                            <p:childTnLst>
+                              <p:par>
+                                <p:cTn id="26" presetID="9" presetClass="entr" presetSubtype="0" fill="hold" grpId="0" nodeType="clickEffect">
+                                  <p:stCondLst>
+                                    <p:cond delay="0"/>
+                                  </p:stCondLst>
+                                  <p:childTnLst>
+                                    <p:set>
+                                      <p:cBhvr>
+                                        <p:cTn id="27" dur="1" fill="hold">
+                                          <p:stCondLst>
+                                            <p:cond delay="0"/>
+                                          </p:stCondLst>
+                                        </p:cTn>
+                                        <p:tgtEl>
+                                          <p:spTgt spid="10"/>
+                                        </p:tgtEl>
+                                        <p:attrNameLst>
+                                          <p:attrName>style.visibility</p:attrName>
+                                        </p:attrNameLst>
+                                      </p:cBhvr>
+                                      <p:to>
+                                        <p:strVal val="visible"/>
+                                      </p:to>
+                                    </p:set>
+                                    <p:animEffect transition="in" filter="dissolve">
+                                      <p:cBhvr>
+                                        <p:cTn id="28" dur="500"/>
+                                        <p:tgtEl>
+                                          <p:spTgt spid="10"/>
+                                        </p:tgtEl>
+                                      </p:cBhvr>
+                                    </p:animEffect>
+                                  </p:childTnLst>
+                                </p:cTn>
+                              </p:par>
+                              <p:par>
+                                <p:cTn id="29" presetID="9" presetClass="entr" presetSubtype="0" fill="hold" grpId="0" nodeType="withEffect">
+                                  <p:stCondLst>
+                                    <p:cond delay="0"/>
+                                  </p:stCondLst>
+                                  <p:childTnLst>
+                                    <p:set>
+                                      <p:cBhvr>
+                                        <p:cTn id="30" dur="1" fill="hold">
+                                          <p:stCondLst>
+                                            <p:cond delay="0"/>
+                                          </p:stCondLst>
+                                        </p:cTn>
+                                        <p:tgtEl>
+                                          <p:spTgt spid="14"/>
+                                        </p:tgtEl>
+                                        <p:attrNameLst>
+                                          <p:attrName>style.visibility</p:attrName>
+                                        </p:attrNameLst>
+                                      </p:cBhvr>
+                                      <p:to>
+                                        <p:strVal val="visible"/>
+                                      </p:to>
+                                    </p:set>
+                                    <p:animEffect transition="in" filter="dissolve">
+                                      <p:cBhvr>
+                                        <p:cTn id="31" dur="500"/>
+                                        <p:tgtEl>
+                                          <p:spTgt spid="14"/>
+                                        </p:tgtEl>
+                                      </p:cBhvr>
+                                    </p:animEffect>
+                                  </p:childTnLst>
+                                </p:cTn>
+                              </p:par>
+                              <p:par>
+                                <p:cTn id="32" presetID="9" presetClass="entr" presetSubtype="0" fill="hold" grpId="0" nodeType="withEffect">
+                                  <p:stCondLst>
+                                    <p:cond delay="0"/>
+                                  </p:stCondLst>
+                                  <p:childTnLst>
+                                    <p:set>
+                                      <p:cBhvr>
+                                        <p:cTn id="33" dur="1" fill="hold">
+                                          <p:stCondLst>
+                                            <p:cond delay="0"/>
+                                          </p:stCondLst>
+                                        </p:cTn>
+                                        <p:tgtEl>
+                                          <p:spTgt spid="16"/>
+                                        </p:tgtEl>
+                                        <p:attrNameLst>
+                                          <p:attrName>style.visibility</p:attrName>
+                                        </p:attrNameLst>
+                                      </p:cBhvr>
+                                      <p:to>
+                                        <p:strVal val="visible"/>
+                                      </p:to>
+                                    </p:set>
+                                    <p:animEffect transition="in" filter="dissolve">
+                                      <p:cBhvr>
+                                        <p:cTn id="34" dur="500"/>
+                                        <p:tgtEl>
+                                          <p:spTgt spid="16"/>
+                                        </p:tgtEl>
+                                      </p:cBhvr>
+                                    </p:animEffect>
+                                  </p:childTnLst>
+                                </p:cTn>
+                              </p:par>
+                              <p:par>
+                                <p:cTn id="35" presetID="9" presetClass="entr" presetSubtype="0" fill="hold" grpId="0" nodeType="withEffect">
+                                  <p:stCondLst>
+                                    <p:cond delay="0"/>
+                                  </p:stCondLst>
+                                  <p:childTnLst>
+                                    <p:set>
+                                      <p:cBhvr>
+                                        <p:cTn id="36" dur="1" fill="hold">
+                                          <p:stCondLst>
+                                            <p:cond delay="0"/>
+                                          </p:stCondLst>
+                                        </p:cTn>
+                                        <p:tgtEl>
+                                          <p:spTgt spid="9"/>
+                                        </p:tgtEl>
+                                        <p:attrNameLst>
+                                          <p:attrName>style.visibility</p:attrName>
+                                        </p:attrNameLst>
+                                      </p:cBhvr>
+                                      <p:to>
+                                        <p:strVal val="visible"/>
+                                      </p:to>
+                                    </p:set>
+                                    <p:animEffect transition="in" filter="dissolve">
+                                      <p:cBhvr>
+                                        <p:cTn id="37" dur="500"/>
+                                        <p:tgtEl>
+                                          <p:spTgt spid="9"/>
+                                        </p:tgtEl>
+                                      </p:cBhvr>
+                                    </p:animEffect>
+                                  </p:childTnLst>
+                                </p:cTn>
+                              </p:par>
+                            </p:childTnLst>
+                          </p:cTn>
+                        </p:par>
+                      </p:childTnLst>
+                    </p:cTn>
+                  </p:par>
+                  <p:par>
+                    <p:cTn id="38" fill="hold">
+                      <p:stCondLst>
+                        <p:cond delay="indefinite"/>
+                      </p:stCondLst>
+                      <p:childTnLst>
+                        <p:par>
+                          <p:cTn id="39" fill="hold">
+                            <p:stCondLst>
+                              <p:cond delay="0"/>
+                            </p:stCondLst>
+                            <p:childTnLst>
+                              <p:par>
+                                <p:cTn id="40" presetID="9" presetClass="entr" presetSubtype="0" fill="hold" nodeType="clickEffect">
+                                  <p:stCondLst>
+                                    <p:cond delay="0"/>
+                                  </p:stCondLst>
+                                  <p:childTnLst>
+                                    <p:set>
+                                      <p:cBhvr>
+                                        <p:cTn id="41" dur="1" fill="hold">
+                                          <p:stCondLst>
+                                            <p:cond delay="0"/>
+                                          </p:stCondLst>
+                                        </p:cTn>
+                                        <p:tgtEl>
+                                          <p:spTgt spid="22"/>
+                                        </p:tgtEl>
+                                        <p:attrNameLst>
+                                          <p:attrName>style.visibility</p:attrName>
+                                        </p:attrNameLst>
+                                      </p:cBhvr>
+                                      <p:to>
+                                        <p:strVal val="visible"/>
+                                      </p:to>
+                                    </p:set>
+                                    <p:animEffect transition="in" filter="dissolve">
+                                      <p:cBhvr>
+                                        <p:cTn id="42" dur="500"/>
+                                        <p:tgtEl>
+                                          <p:spTgt spid="22"/>
+                                        </p:tgtEl>
+                                      </p:cBhvr>
+                                    </p:animEffect>
+                                  </p:childTnLst>
+                                </p:cTn>
+                              </p:par>
+                              <p:par>
+                                <p:cTn id="43" presetID="9" presetClass="entr" presetSubtype="0" fill="hold" grpId="0" nodeType="withEffect">
+                                  <p:stCondLst>
+                                    <p:cond delay="0"/>
+                                  </p:stCondLst>
+                                  <p:childTnLst>
+                                    <p:set>
+                                      <p:cBhvr>
+                                        <p:cTn id="44" dur="1" fill="hold">
+                                          <p:stCondLst>
+                                            <p:cond delay="0"/>
+                                          </p:stCondLst>
+                                        </p:cTn>
+                                        <p:tgtEl>
+                                          <p:spTgt spid="27"/>
+                                        </p:tgtEl>
+                                        <p:attrNameLst>
+                                          <p:attrName>style.visibility</p:attrName>
+                                        </p:attrNameLst>
+                                      </p:cBhvr>
+                                      <p:to>
+                                        <p:strVal val="visible"/>
+                                      </p:to>
+                                    </p:set>
+                                    <p:animEffect transition="in" filter="dissolve">
+                                      <p:cBhvr>
+                                        <p:cTn id="45" dur="500"/>
+                                        <p:tgtEl>
+                                          <p:spTgt spid="27"/>
+                                        </p:tgtEl>
+                                      </p:cBhvr>
+                                    </p:animEffect>
+                                  </p:childTnLst>
+                                </p:cTn>
+                              </p:par>
+                              <p:par>
+                                <p:cTn id="46" presetID="9" presetClass="entr" presetSubtype="0" fill="hold" grpId="0" nodeType="withEffect">
+                                  <p:stCondLst>
+                                    <p:cond delay="0"/>
+                                  </p:stCondLst>
+                                  <p:childTnLst>
+                                    <p:set>
+                                      <p:cBhvr>
+                                        <p:cTn id="47" dur="1" fill="hold">
+                                          <p:stCondLst>
+                                            <p:cond delay="0"/>
+                                          </p:stCondLst>
+                                        </p:cTn>
+                                        <p:tgtEl>
+                                          <p:spTgt spid="26"/>
+                                        </p:tgtEl>
+                                        <p:attrNameLst>
+                                          <p:attrName>style.visibility</p:attrName>
+                                        </p:attrNameLst>
+                                      </p:cBhvr>
+                                      <p:to>
+                                        <p:strVal val="visible"/>
+                                      </p:to>
+                                    </p:set>
+                                    <p:animEffect transition="in" filter="dissolve">
+                                      <p:cBhvr>
+                                        <p:cTn id="48" dur="500"/>
+                                        <p:tgtEl>
+                                          <p:spTgt spid="26"/>
+                                        </p:tgtEl>
+                                      </p:cBhvr>
+                                    </p:animEffect>
+                                  </p:childTnLst>
+                                </p:cTn>
+                              </p:par>
+                            </p:childTnLst>
+                          </p:cTn>
+                        </p:par>
+                      </p:childTnLst>
+                    </p:cTn>
+                  </p:par>
+                  <p:par>
+                    <p:cTn id="49" fill="hold">
+                      <p:stCondLst>
+                        <p:cond delay="indefinite"/>
+                      </p:stCondLst>
+                      <p:childTnLst>
+                        <p:par>
+                          <p:cTn id="50" fill="hold">
+                            <p:stCondLst>
+                              <p:cond delay="0"/>
+                            </p:stCondLst>
+                            <p:childTnLst>
+                              <p:par>
+                                <p:cTn id="51" presetID="9" presetClass="entr" presetSubtype="0" fill="hold" grpId="0" nodeType="clickEffect">
+                                  <p:stCondLst>
+                                    <p:cond delay="0"/>
+                                  </p:stCondLst>
+                                  <p:childTnLst>
+                                    <p:set>
+                                      <p:cBhvr>
+                                        <p:cTn id="52" dur="1" fill="hold">
+                                          <p:stCondLst>
+                                            <p:cond delay="0"/>
+                                          </p:stCondLst>
+                                        </p:cTn>
+                                        <p:tgtEl>
+                                          <p:spTgt spid="12"/>
+                                        </p:tgtEl>
+                                        <p:attrNameLst>
+                                          <p:attrName>style.visibility</p:attrName>
+                                        </p:attrNameLst>
+                                      </p:cBhvr>
+                                      <p:to>
+                                        <p:strVal val="visible"/>
+                                      </p:to>
+                                    </p:set>
+                                    <p:animEffect transition="in" filter="dissolve">
+                                      <p:cBhvr>
+                                        <p:cTn id="53" dur="500"/>
+                                        <p:tgtEl>
+                                          <p:spTgt spid="12"/>
+                                        </p:tgtEl>
+                                      </p:cBhvr>
+                                    </p:animEffect>
+                                  </p:childTnLst>
+                                </p:cTn>
+                              </p:par>
+                              <p:par>
+                                <p:cTn id="54" presetID="9" presetClass="entr" presetSubtype="0" fill="hold" nodeType="withEffect">
+                                  <p:stCondLst>
+                                    <p:cond delay="0"/>
+                                  </p:stCondLst>
+                                  <p:childTnLst>
+                                    <p:set>
+                                      <p:cBhvr>
+                                        <p:cTn id="55" dur="1" fill="hold">
+                                          <p:stCondLst>
+                                            <p:cond delay="0"/>
+                                          </p:stCondLst>
+                                        </p:cTn>
+                                        <p:tgtEl>
+                                          <p:spTgt spid="15"/>
+                                        </p:tgtEl>
+                                        <p:attrNameLst>
+                                          <p:attrName>style.visibility</p:attrName>
+                                        </p:attrNameLst>
+                                      </p:cBhvr>
+                                      <p:to>
+                                        <p:strVal val="visible"/>
+                                      </p:to>
+                                    </p:set>
+                                    <p:animEffect transition="in" filter="dissolve">
+                                      <p:cBhvr>
+                                        <p:cTn id="56" dur="500"/>
+                                        <p:tgtEl>
+                                          <p:spTgt spid="15"/>
+                                        </p:tgtEl>
+                                      </p:cBhvr>
+                                    </p:animEffect>
+                                  </p:childTnLst>
+                                </p:cTn>
+                              </p:par>
+                            </p:childTnLst>
+                          </p:cTn>
+                        </p:par>
+                      </p:childTnLst>
+                    </p:cTn>
+                  </p:par>
+                </p:childTnLst>
+              </p:cTn>
+              <p:prevCondLst>
+                <p:cond evt="onPrev" delay="0">
+                  <p:tgtEl>
+                    <p:sldTgt/>
+                  </p:tgtEl>
+                </p:cond>
+              </p:prevCondLst>
+              <p:nextCondLst>
+                <p:cond evt="onNext" delay="0">
+                  <p:tgtEl>
+                    <p:sldTgt/>
+                  </p:tgtEl>
+                </p:cond>
+              </p:nextCondLst>
+            </p:seq>
+          </p:childTnLst>
+        </p:cTn>
+      </p:par>
+    </p:tnLst>
+    <p:bldLst>
+      <p:bldP spid="4" grpId="0" animBg="1"/>
+      <p:bldP spid="8" grpId="0"/>
+      <p:bldP spid="9" grpId="0" animBg="1"/>
+      <p:bldP spid="10" grpId="0"/>
+      <p:bldP spid="12" grpId="0"/>
+      <p:bldP spid="13" grpId="0"/>
+      <p:bldP spid="14" grpId="0"/>
+      <p:bldP spid="16" grpId="0"/>
+      <p:bldP spid="26" grpId="0"/>
+      <p:bldP spid="27" grpId="0"/>
+    </p:bldLst>
+  </p:timing>
+</p:sld>
+</file>
+
+<file path=ppt/slides/slide57.xml><?xml version="1.0" encoding="utf-8"?>
+<p:sld xmlns:a="http://schemas.openxmlformats.org/drawingml/2006/main" xmlns:r="http://schemas.openxmlformats.org/officeDocument/2006/relationships" xmlns:p="http://schemas.openxmlformats.org/presentationml/2006/main">
+  <p:cSld>
+    <p:spTree>
+      <p:nvGrpSpPr>
+        <p:cNvPr id="1" name=""/>
+        <p:cNvGrpSpPr/>
+        <p:nvPr/>
+      </p:nvGrpSpPr>
+      <p:grpSpPr>
+        <a:xfrm>
+          <a:off x="0" y="0"/>
+          <a:ext cx="0" cy="0"/>
+          <a:chOff x="0" y="0"/>
+          <a:chExt cx="0" cy="0"/>
+        </a:xfrm>
+      </p:grpSpPr>
+      <p:pic>
+        <p:nvPicPr>
+          <p:cNvPr id="3" name="Picture 2" descr="Text&#10;&#10;Description automatically generated">
+            <a:extLst>
+              <a:ext uri="{FF2B5EF4-FFF2-40B4-BE49-F238E27FC236}">
+                <a16:creationId xmlns:a16="http://schemas.microsoft.com/office/drawing/2014/main" id="{3EF9888D-9131-2D47-8D3B-85A0183A6163}"/>
+              </a:ext>
+            </a:extLst>
+          </p:cNvPr>
+          <p:cNvPicPr>
+            <a:picLocks noChangeAspect="1"/>
+          </p:cNvPicPr>
+          <p:nvPr/>
+        </p:nvPicPr>
+        <p:blipFill>
+          <a:blip r:embed="rId2"/>
+          <a:stretch>
+            <a:fillRect/>
+          </a:stretch>
+        </p:blipFill>
+        <p:spPr>
+          <a:xfrm>
+            <a:off x="1219200" y="895959"/>
+            <a:ext cx="4876800" cy="2032000"/>
+          </a:xfrm>
+          <a:prstGeom prst="rect">
+            <a:avLst/>
+          </a:prstGeom>
+        </p:spPr>
+      </p:pic>
+      <p:pic>
+        <p:nvPicPr>
+          <p:cNvPr id="5" name="Picture 4" descr="Text&#10;&#10;Description automatically generated">
+            <a:extLst>
+              <a:ext uri="{FF2B5EF4-FFF2-40B4-BE49-F238E27FC236}">
+                <a16:creationId xmlns:a16="http://schemas.microsoft.com/office/drawing/2014/main" id="{19286152-A774-2D42-9670-173E62DF1F92}"/>
+              </a:ext>
+            </a:extLst>
+          </p:cNvPr>
+          <p:cNvPicPr>
+            <a:picLocks noChangeAspect="1"/>
+          </p:cNvPicPr>
+          <p:nvPr/>
+        </p:nvPicPr>
+        <p:blipFill>
+          <a:blip r:embed="rId3"/>
+          <a:stretch>
+            <a:fillRect/>
+          </a:stretch>
+        </p:blipFill>
+        <p:spPr>
+          <a:xfrm>
+            <a:off x="2529996" y="4112973"/>
+            <a:ext cx="5829300" cy="1638300"/>
+          </a:xfrm>
+          <a:prstGeom prst="rect">
+            <a:avLst/>
+          </a:prstGeom>
+        </p:spPr>
+      </p:pic>
+      <p:sp>
+        <p:nvSpPr>
+          <p:cNvPr id="6" name="TextBox 5">
+            <a:extLst>
+              <a:ext uri="{FF2B5EF4-FFF2-40B4-BE49-F238E27FC236}">
+                <a16:creationId xmlns:a16="http://schemas.microsoft.com/office/drawing/2014/main" id="{113BB6BA-DC85-6743-BDFD-4335DDE61870}"/>
+              </a:ext>
+            </a:extLst>
+          </p:cNvPr>
+          <p:cNvSpPr txBox="1"/>
+          <p:nvPr/>
+        </p:nvSpPr>
+        <p:spPr>
+          <a:xfrm>
+            <a:off x="1240077" y="425885"/>
+            <a:ext cx="6275539" cy="369332"/>
+          </a:xfrm>
+          <a:prstGeom prst="rect">
+            <a:avLst/>
+          </a:prstGeom>
+          <a:noFill/>
+        </p:spPr>
+        <p:txBody>
+          <a:bodyPr wrap="square" rtlCol="0">
+            <a:spAutoFit/>
+          </a:bodyPr>
+          <a:lstStyle/>
+          <a:p>
+            <a:r>
+              <a:rPr lang="en-US" dirty="0"/>
+              <a:t>G</a:t>
+            </a:r>
+            <a:r>
+              <a:rPr lang="en-IL" dirty="0"/>
+              <a:t>et the name from the cookie and proceed</a:t>
+            </a:r>
+          </a:p>
+        </p:txBody>
+      </p:sp>
+      <p:sp>
+        <p:nvSpPr>
+          <p:cNvPr id="7" name="TextBox 6">
+            <a:extLst>
+              <a:ext uri="{FF2B5EF4-FFF2-40B4-BE49-F238E27FC236}">
+                <a16:creationId xmlns:a16="http://schemas.microsoft.com/office/drawing/2014/main" id="{0E345478-D43B-CF40-B37A-952717BE32F1}"/>
+              </a:ext>
+            </a:extLst>
+          </p:cNvPr>
+          <p:cNvSpPr txBox="1"/>
+          <p:nvPr/>
+        </p:nvSpPr>
+        <p:spPr>
+          <a:xfrm>
+            <a:off x="2083757" y="3429000"/>
+            <a:ext cx="8651048" cy="369332"/>
+          </a:xfrm>
+          <a:prstGeom prst="rect">
+            <a:avLst/>
+          </a:prstGeom>
+          <a:noFill/>
+        </p:spPr>
+        <p:txBody>
+          <a:bodyPr wrap="square" rtlCol="0">
+            <a:spAutoFit/>
+          </a:bodyPr>
+          <a:lstStyle/>
+          <a:p>
+            <a:r>
+              <a:rPr lang="en-US" dirty="0"/>
+              <a:t>Check if the user is Raziel. If no, return 401 error. If it is Raziel, proceed (next)</a:t>
+            </a:r>
+            <a:endParaRPr lang="en-IL" dirty="0"/>
+          </a:p>
+        </p:txBody>
+      </p:sp>
+    </p:spTree>
+    <p:extLst>
+      <p:ext uri="{BB962C8B-B14F-4D97-AF65-F5344CB8AC3E}">
+        <p14:creationId xmlns:p14="http://schemas.microsoft.com/office/powerpoint/2010/main" val="3451779222"/>
+      </p:ext>
+    </p:extLst>
+  </p:cSld>
+  <p:clrMapOvr>
+    <a:masterClrMapping/>
+  </p:clrMapOvr>
+</p:sld>
+</file>
+
+<file path=ppt/slides/slide58.xml><?xml version="1.0" encoding="utf-8"?>
+<p:sld xmlns:a="http://schemas.openxmlformats.org/drawingml/2006/main" xmlns:r="http://schemas.openxmlformats.org/officeDocument/2006/relationships" xmlns:p="http://schemas.openxmlformats.org/presentationml/2006/main">
+  <p:cSld>
+    <p:spTree>
+      <p:nvGrpSpPr>
+        <p:cNvPr id="1" name=""/>
+        <p:cNvGrpSpPr/>
+        <p:nvPr/>
+      </p:nvGrpSpPr>
+      <p:grpSpPr>
+        <a:xfrm>
+          <a:off x="0" y="0"/>
+          <a:ext cx="0" cy="0"/>
+          <a:chOff x="0" y="0"/>
+          <a:chExt cx="0" cy="0"/>
+        </a:xfrm>
+      </p:grpSpPr>
+      <p:pic>
+        <p:nvPicPr>
+          <p:cNvPr id="3" name="Picture 2" descr="Graphical user interface, application&#10;&#10;Description automatically generated">
+            <a:extLst>
+              <a:ext uri="{FF2B5EF4-FFF2-40B4-BE49-F238E27FC236}">
+                <a16:creationId xmlns:a16="http://schemas.microsoft.com/office/drawing/2014/main" id="{4F9C46A8-85E3-1041-858E-6B633D1CE820}"/>
+              </a:ext>
+            </a:extLst>
+          </p:cNvPr>
+          <p:cNvPicPr>
+            <a:picLocks noChangeAspect="1"/>
+          </p:cNvPicPr>
+          <p:nvPr/>
+        </p:nvPicPr>
+        <p:blipFill>
+          <a:blip r:embed="rId2"/>
+          <a:stretch>
+            <a:fillRect/>
+          </a:stretch>
+        </p:blipFill>
+        <p:spPr>
+          <a:xfrm>
+            <a:off x="1953190" y="2118813"/>
+            <a:ext cx="7057947" cy="849856"/>
+          </a:xfrm>
+          <a:prstGeom prst="rect">
+            <a:avLst/>
+          </a:prstGeom>
+        </p:spPr>
+      </p:pic>
+      <p:sp>
+        <p:nvSpPr>
+          <p:cNvPr id="4" name="TextBox 3">
+            <a:extLst>
+              <a:ext uri="{FF2B5EF4-FFF2-40B4-BE49-F238E27FC236}">
+                <a16:creationId xmlns:a16="http://schemas.microsoft.com/office/drawing/2014/main" id="{25651803-449E-A64E-ABE4-903DAA2532DB}"/>
+              </a:ext>
+            </a:extLst>
+          </p:cNvPr>
+          <p:cNvSpPr txBox="1"/>
+          <p:nvPr/>
+        </p:nvSpPr>
+        <p:spPr>
+          <a:xfrm>
+            <a:off x="2016690" y="1164921"/>
+            <a:ext cx="6112702" cy="369332"/>
+          </a:xfrm>
+          <a:prstGeom prst="rect">
+            <a:avLst/>
+          </a:prstGeom>
+          <a:noFill/>
+        </p:spPr>
+        <p:txBody>
+          <a:bodyPr wrap="square" rtlCol="0">
+            <a:spAutoFit/>
+          </a:bodyPr>
+          <a:lstStyle/>
+          <a:p>
+            <a:r>
+              <a:rPr lang="en-US" dirty="0"/>
+              <a:t>U</a:t>
+            </a:r>
+            <a:r>
+              <a:rPr lang="en-IL" dirty="0"/>
+              <a:t>se on all routes (under the invocation)</a:t>
+            </a:r>
+          </a:p>
+        </p:txBody>
+      </p:sp>
+      <p:pic>
+        <p:nvPicPr>
+          <p:cNvPr id="7" name="Picture 6" descr="Text&#10;&#10;Description automatically generated">
+            <a:extLst>
+              <a:ext uri="{FF2B5EF4-FFF2-40B4-BE49-F238E27FC236}">
+                <a16:creationId xmlns:a16="http://schemas.microsoft.com/office/drawing/2014/main" id="{B75375FD-44F5-5241-82FA-D65696900814}"/>
+              </a:ext>
+            </a:extLst>
+          </p:cNvPr>
+          <p:cNvPicPr>
+            <a:picLocks noChangeAspect="1"/>
+          </p:cNvPicPr>
+          <p:nvPr/>
+        </p:nvPicPr>
+        <p:blipFill>
+          <a:blip r:embed="rId3"/>
+          <a:stretch>
+            <a:fillRect/>
+          </a:stretch>
+        </p:blipFill>
+        <p:spPr>
+          <a:xfrm>
+            <a:off x="1953190" y="4299815"/>
+            <a:ext cx="7898184" cy="1042792"/>
+          </a:xfrm>
+          <a:prstGeom prst="rect">
+            <a:avLst/>
+          </a:prstGeom>
+        </p:spPr>
+      </p:pic>
+      <p:sp>
+        <p:nvSpPr>
+          <p:cNvPr id="8" name="TextBox 7">
+            <a:extLst>
+              <a:ext uri="{FF2B5EF4-FFF2-40B4-BE49-F238E27FC236}">
+                <a16:creationId xmlns:a16="http://schemas.microsoft.com/office/drawing/2014/main" id="{77B8202B-D773-1F49-B3FB-61E4788F2C81}"/>
+              </a:ext>
+            </a:extLst>
+          </p:cNvPr>
+          <p:cNvSpPr txBox="1"/>
+          <p:nvPr/>
+        </p:nvSpPr>
+        <p:spPr>
+          <a:xfrm>
+            <a:off x="1953190" y="3553229"/>
+            <a:ext cx="6112702" cy="369332"/>
+          </a:xfrm>
+          <a:prstGeom prst="rect">
+            <a:avLst/>
+          </a:prstGeom>
+          <a:noFill/>
+        </p:spPr>
+        <p:txBody>
+          <a:bodyPr wrap="square" rtlCol="0">
+            <a:spAutoFit/>
+          </a:bodyPr>
+          <a:lstStyle/>
+          <a:p>
+            <a:r>
+              <a:rPr lang="en-US" dirty="0"/>
+              <a:t>U</a:t>
+            </a:r>
+            <a:r>
+              <a:rPr lang="en-IL" dirty="0"/>
+              <a:t>se on specific route</a:t>
+            </a:r>
+          </a:p>
+        </p:txBody>
+      </p:sp>
+    </p:spTree>
+    <p:extLst>
+      <p:ext uri="{BB962C8B-B14F-4D97-AF65-F5344CB8AC3E}">
+        <p14:creationId xmlns:p14="http://schemas.microsoft.com/office/powerpoint/2010/main" val="1208996183"/>
+      </p:ext>
+    </p:extLst>
+  </p:cSld>
+  <p:clrMapOvr>
+    <a:masterClrMapping/>
+  </p:clrMapOvr>
+</p:sld>
+</file>
+
 <file path=ppt/slides/slide6.xml><?xml version="1.0" encoding="utf-8"?>
 <p:sld xmlns:a="http://schemas.openxmlformats.org/drawingml/2006/main" xmlns:r="http://schemas.openxmlformats.org/officeDocument/2006/relationships" xmlns:p="http://schemas.openxmlformats.org/presentationml/2006/main">
   <p:cSld>

--- a/05-Node/03-express/00-presentation/express-recap.pptx
+++ b/05-Node/03-express/00-presentation/express-recap.pptx
@@ -18395,7 +18395,7 @@
         <p:spPr>
           <a:xfrm>
             <a:off x="4060520" y="5223540"/>
-            <a:ext cx="3156559" cy="369332"/>
+            <a:ext cx="4883064" cy="369332"/>
           </a:xfrm>
           <a:prstGeom prst="rect">
             <a:avLst/>
@@ -18414,7 +18414,15 @@
             </a:r>
             <a:r>
               <a:rPr lang="en-US" dirty="0"/>
-              <a:t>(something else)</a:t>
+              <a:t>(</a:t>
+            </a:r>
+            <a:r>
+              <a:rPr lang="en-US" dirty="0" err="1"/>
+              <a:t>isTheUserAllowedInThisRoute</a:t>
+            </a:r>
+            <a:r>
+              <a:rPr lang="en-US" dirty="0"/>
+              <a:t>)</a:t>
             </a:r>
             <a:endParaRPr lang="en-IL" dirty="0"/>
           </a:p>
